--- a/meetings/StatusMeeting_20221117.pptx
+++ b/meetings/StatusMeeting_20221117.pptx
@@ -259,5902 +259,11 @@
 <file path=ppt/revisionInfo.xml><?xml version="1.0" encoding="utf-8"?>
 <p1510:revInfo xmlns:a="http://schemas.openxmlformats.org/drawingml/2006/main" xmlns:r="http://schemas.openxmlformats.org/officeDocument/2006/relationships" xmlns:p1510="http://schemas.microsoft.com/office/powerpoint/2015/10/main">
   <p1510:revLst>
-    <p1510:client id="{10909E50-B363-6848-BA84-65EB9F736B1F}" v="758" dt="2022-11-09T20:46:19.240"/>
-    <p1510:client id="{17CE5083-CE32-49F6-BD25-59229F44CFF4}" v="177" dt="2022-11-09T20:32:51.045"/>
-    <p1510:client id="{7FC0AD3A-CE05-A428-F784-8D01D18C0F11}" v="2391" dt="2022-11-09T20:47:12.985"/>
-    <p1510:client id="{BDE0BFBF-B814-CD71-A976-7DFAA689DE10}" v="20" dt="2022-11-10T13:04:54.190"/>
-    <p1510:client id="{D8A1EE23-FCF2-1B6F-1422-A28B2C94AE94}" v="2" dt="2022-11-10T13:07:20.458"/>
-    <p1510:client id="{E858659B-B514-054B-9B25-9256BC509909}" vWet="2" dt="2022-11-09T20:30:09.444"/>
+    <p1510:client id="{8FC988AB-C959-B175-6B56-20311B3B7BA9}" v="1374" dt="2022-11-17T13:29:20.325"/>
+    <p1510:client id="{9E59E937-C377-4246-A772-0E6CBDC45CC1}" v="1296" dt="2022-11-16T22:06:59.902"/>
+    <p1510:client id="{CD4E5A42-22A1-4725-BFAB-A38DE52DA6B7}" v="112" dt="2022-11-16T20:43:40.248"/>
   </p1510:revLst>
 </p1510:revInfo>
-</file>
-
-<file path=ppt/changesInfos/changesInfo1.xml><?xml version="1.0" encoding="utf-8"?>
-<pc:chgInfo xmlns:a="http://schemas.openxmlformats.org/drawingml/2006/main" xmlns:r="http://schemas.openxmlformats.org/officeDocument/2006/relationships" xmlns:ac="http://schemas.microsoft.com/office/drawing/2013/main/command" xmlns:pc="http://schemas.microsoft.com/office/powerpoint/2013/main/command">
-  <pc:docChgLst>
-    <pc:chgData name="Bustillo, Gian [USA]" userId="S::624912@bah.com::d2f80d41-3521-48e3-8b17-00e1dec3a46e" providerId="AD" clId="Web-{E9C31647-FB26-B362-5355-37FF01BE6637}"/>
-    <pc:docChg chg="modSld">
-      <pc:chgData name="Bustillo, Gian [USA]" userId="S::624912@bah.com::d2f80d41-3521-48e3-8b17-00e1dec3a46e" providerId="AD" clId="Web-{E9C31647-FB26-B362-5355-37FF01BE6637}" dt="2022-09-14T13:31:58.514" v="1442"/>
-      <pc:docMkLst>
-        <pc:docMk/>
-      </pc:docMkLst>
-      <pc:sldChg chg="modSp">
-        <pc:chgData name="Bustillo, Gian [USA]" userId="S::624912@bah.com::d2f80d41-3521-48e3-8b17-00e1dec3a46e" providerId="AD" clId="Web-{E9C31647-FB26-B362-5355-37FF01BE6637}" dt="2022-09-14T13:01:07.752" v="547"/>
-        <pc:sldMkLst>
-          <pc:docMk/>
-          <pc:sldMk cId="1730437909" sldId="325"/>
-        </pc:sldMkLst>
-        <pc:graphicFrameChg chg="mod modGraphic">
-          <ac:chgData name="Bustillo, Gian [USA]" userId="S::624912@bah.com::d2f80d41-3521-48e3-8b17-00e1dec3a46e" providerId="AD" clId="Web-{E9C31647-FB26-B362-5355-37FF01BE6637}" dt="2022-09-14T13:01:07.752" v="547"/>
-          <ac:graphicFrameMkLst>
-            <pc:docMk/>
-            <pc:sldMk cId="1730437909" sldId="325"/>
-            <ac:graphicFrameMk id="6" creationId="{721398D6-4401-DAB3-8C67-407658FE3F55}"/>
-          </ac:graphicFrameMkLst>
-        </pc:graphicFrameChg>
-      </pc:sldChg>
-      <pc:sldChg chg="addSp modSp">
-        <pc:chgData name="Bustillo, Gian [USA]" userId="S::624912@bah.com::d2f80d41-3521-48e3-8b17-00e1dec3a46e" providerId="AD" clId="Web-{E9C31647-FB26-B362-5355-37FF01BE6637}" dt="2022-09-14T13:31:58.514" v="1442"/>
-        <pc:sldMkLst>
-          <pc:docMk/>
-          <pc:sldMk cId="406015231" sldId="332"/>
-        </pc:sldMkLst>
-        <pc:graphicFrameChg chg="mod modGraphic">
-          <ac:chgData name="Bustillo, Gian [USA]" userId="S::624912@bah.com::d2f80d41-3521-48e3-8b17-00e1dec3a46e" providerId="AD" clId="Web-{E9C31647-FB26-B362-5355-37FF01BE6637}" dt="2022-09-14T13:29:58.871" v="1140"/>
-          <ac:graphicFrameMkLst>
-            <pc:docMk/>
-            <pc:sldMk cId="406015231" sldId="332"/>
-            <ac:graphicFrameMk id="9" creationId="{01CBABE8-2EFC-AAC9-99BF-51F104312217}"/>
-          </ac:graphicFrameMkLst>
-        </pc:graphicFrameChg>
-        <pc:graphicFrameChg chg="mod modGraphic">
-          <ac:chgData name="Bustillo, Gian [USA]" userId="S::624912@bah.com::d2f80d41-3521-48e3-8b17-00e1dec3a46e" providerId="AD" clId="Web-{E9C31647-FB26-B362-5355-37FF01BE6637}" dt="2022-09-14T13:31:58.514" v="1442"/>
-          <ac:graphicFrameMkLst>
-            <pc:docMk/>
-            <pc:sldMk cId="406015231" sldId="332"/>
-            <ac:graphicFrameMk id="22" creationId="{C84DDD7B-6774-5EFC-723D-2DB69F219CEC}"/>
-          </ac:graphicFrameMkLst>
-        </pc:graphicFrameChg>
-        <pc:picChg chg="add mod">
-          <ac:chgData name="Bustillo, Gian [USA]" userId="S::624912@bah.com::d2f80d41-3521-48e3-8b17-00e1dec3a46e" providerId="AD" clId="Web-{E9C31647-FB26-B362-5355-37FF01BE6637}" dt="2022-09-14T13:30:05.152" v="1142" actId="1076"/>
-          <ac:picMkLst>
-            <pc:docMk/>
-            <pc:sldMk cId="406015231" sldId="332"/>
-            <ac:picMk id="48" creationId="{01F0828D-72CD-C7CA-343E-632ABFFC92B8}"/>
-          </ac:picMkLst>
-        </pc:picChg>
-      </pc:sldChg>
-      <pc:sldChg chg="modSp">
-        <pc:chgData name="Bustillo, Gian [USA]" userId="S::624912@bah.com::d2f80d41-3521-48e3-8b17-00e1dec3a46e" providerId="AD" clId="Web-{E9C31647-FB26-B362-5355-37FF01BE6637}" dt="2022-09-14T13:06:24.306" v="991"/>
-        <pc:sldMkLst>
-          <pc:docMk/>
-          <pc:sldMk cId="2997908498" sldId="338"/>
-        </pc:sldMkLst>
-        <pc:graphicFrameChg chg="mod modGraphic">
-          <ac:chgData name="Bustillo, Gian [USA]" userId="S::624912@bah.com::d2f80d41-3521-48e3-8b17-00e1dec3a46e" providerId="AD" clId="Web-{E9C31647-FB26-B362-5355-37FF01BE6637}" dt="2022-09-14T13:06:24.306" v="991"/>
-          <ac:graphicFrameMkLst>
-            <pc:docMk/>
-            <pc:sldMk cId="2997908498" sldId="338"/>
-            <ac:graphicFrameMk id="6" creationId="{721398D6-4401-DAB3-8C67-407658FE3F55}"/>
-          </ac:graphicFrameMkLst>
-        </pc:graphicFrameChg>
-      </pc:sldChg>
-      <pc:sldChg chg="modSp">
-        <pc:chgData name="Bustillo, Gian [USA]" userId="S::624912@bah.com::d2f80d41-3521-48e3-8b17-00e1dec3a46e" providerId="AD" clId="Web-{E9C31647-FB26-B362-5355-37FF01BE6637}" dt="2022-09-14T13:29:34.089" v="1114"/>
-        <pc:sldMkLst>
-          <pc:docMk/>
-          <pc:sldMk cId="3615197908" sldId="342"/>
-        </pc:sldMkLst>
-        <pc:graphicFrameChg chg="mod modGraphic">
-          <ac:chgData name="Bustillo, Gian [USA]" userId="S::624912@bah.com::d2f80d41-3521-48e3-8b17-00e1dec3a46e" providerId="AD" clId="Web-{E9C31647-FB26-B362-5355-37FF01BE6637}" dt="2022-09-14T13:29:34.089" v="1114"/>
-          <ac:graphicFrameMkLst>
-            <pc:docMk/>
-            <pc:sldMk cId="3615197908" sldId="342"/>
-            <ac:graphicFrameMk id="6" creationId="{721398D6-4401-DAB3-8C67-407658FE3F55}"/>
-          </ac:graphicFrameMkLst>
-        </pc:graphicFrameChg>
-      </pc:sldChg>
-    </pc:docChg>
-  </pc:docChgLst>
-  <pc:docChgLst>
-    <pc:chgData name="Bustillo, Gian [USA]" userId="S::624912@bah.com::d2f80d41-3521-48e3-8b17-00e1dec3a46e" providerId="AD" clId="Web-{0DE79CFA-3397-69A9-D128-4EA4E0EA7E46}"/>
-    <pc:docChg chg="modSld">
-      <pc:chgData name="Bustillo, Gian [USA]" userId="S::624912@bah.com::d2f80d41-3521-48e3-8b17-00e1dec3a46e" providerId="AD" clId="Web-{0DE79CFA-3397-69A9-D128-4EA4E0EA7E46}" dt="2022-09-01T13:39:01.313" v="25"/>
-      <pc:docMkLst>
-        <pc:docMk/>
-      </pc:docMkLst>
-      <pc:sldChg chg="modSp">
-        <pc:chgData name="Bustillo, Gian [USA]" userId="S::624912@bah.com::d2f80d41-3521-48e3-8b17-00e1dec3a46e" providerId="AD" clId="Web-{0DE79CFA-3397-69A9-D128-4EA4E0EA7E46}" dt="2022-09-01T13:38:54.266" v="23"/>
-        <pc:sldMkLst>
-          <pc:docMk/>
-          <pc:sldMk cId="1730437909" sldId="325"/>
-        </pc:sldMkLst>
-        <pc:graphicFrameChg chg="mod modGraphic">
-          <ac:chgData name="Bustillo, Gian [USA]" userId="S::624912@bah.com::d2f80d41-3521-48e3-8b17-00e1dec3a46e" providerId="AD" clId="Web-{0DE79CFA-3397-69A9-D128-4EA4E0EA7E46}" dt="2022-09-01T13:38:54.266" v="23"/>
-          <ac:graphicFrameMkLst>
-            <pc:docMk/>
-            <pc:sldMk cId="1730437909" sldId="325"/>
-            <ac:graphicFrameMk id="6" creationId="{721398D6-4401-DAB3-8C67-407658FE3F55}"/>
-          </ac:graphicFrameMkLst>
-        </pc:graphicFrameChg>
-      </pc:sldChg>
-      <pc:sldChg chg="modSp">
-        <pc:chgData name="Bustillo, Gian [USA]" userId="S::624912@bah.com::d2f80d41-3521-48e3-8b17-00e1dec3a46e" providerId="AD" clId="Web-{0DE79CFA-3397-69A9-D128-4EA4E0EA7E46}" dt="2022-09-01T13:39:01.313" v="25"/>
-        <pc:sldMkLst>
-          <pc:docMk/>
-          <pc:sldMk cId="2997908498" sldId="338"/>
-        </pc:sldMkLst>
-        <pc:graphicFrameChg chg="mod modGraphic">
-          <ac:chgData name="Bustillo, Gian [USA]" userId="S::624912@bah.com::d2f80d41-3521-48e3-8b17-00e1dec3a46e" providerId="AD" clId="Web-{0DE79CFA-3397-69A9-D128-4EA4E0EA7E46}" dt="2022-09-01T13:39:01.313" v="25"/>
-          <ac:graphicFrameMkLst>
-            <pc:docMk/>
-            <pc:sldMk cId="2997908498" sldId="338"/>
-            <ac:graphicFrameMk id="6" creationId="{721398D6-4401-DAB3-8C67-407658FE3F55}"/>
-          </ac:graphicFrameMkLst>
-        </pc:graphicFrameChg>
-      </pc:sldChg>
-    </pc:docChg>
-  </pc:docChgLst>
-  <pc:docChgLst>
-    <pc:chgData name="Bustillo, Gian [USA]" userId="S::624912@bah.com::d2f80d41-3521-48e3-8b17-00e1dec3a46e" providerId="AD" clId="Web-{B3DC2804-677C-0BBD-A3D2-79AC069ED02C}"/>
-    <pc:docChg chg="modSld">
-      <pc:chgData name="Bustillo, Gian [USA]" userId="S::624912@bah.com::d2f80d41-3521-48e3-8b17-00e1dec3a46e" providerId="AD" clId="Web-{B3DC2804-677C-0BBD-A3D2-79AC069ED02C}" dt="2022-08-24T15:22:29.212" v="1949"/>
-      <pc:docMkLst>
-        <pc:docMk/>
-      </pc:docMkLst>
-      <pc:sldChg chg="delSp modSp">
-        <pc:chgData name="Bustillo, Gian [USA]" userId="S::624912@bah.com::d2f80d41-3521-48e3-8b17-00e1dec3a46e" providerId="AD" clId="Web-{B3DC2804-677C-0BBD-A3D2-79AC069ED02C}" dt="2022-08-24T15:20:35.177" v="1853"/>
-        <pc:sldMkLst>
-          <pc:docMk/>
-          <pc:sldMk cId="1730437909" sldId="325"/>
-        </pc:sldMkLst>
-        <pc:spChg chg="del mod">
-          <ac:chgData name="Bustillo, Gian [USA]" userId="S::624912@bah.com::d2f80d41-3521-48e3-8b17-00e1dec3a46e" providerId="AD" clId="Web-{B3DC2804-677C-0BBD-A3D2-79AC069ED02C}" dt="2022-08-24T15:20:23.082" v="1845"/>
-          <ac:spMkLst>
-            <pc:docMk/>
-            <pc:sldMk cId="1730437909" sldId="325"/>
-            <ac:spMk id="3" creationId="{CEF66E47-F67C-2F0D-8B54-87F39DFD2739}"/>
-          </ac:spMkLst>
-        </pc:spChg>
-        <pc:graphicFrameChg chg="mod modGraphic">
-          <ac:chgData name="Bustillo, Gian [USA]" userId="S::624912@bah.com::d2f80d41-3521-48e3-8b17-00e1dec3a46e" providerId="AD" clId="Web-{B3DC2804-677C-0BBD-A3D2-79AC069ED02C}" dt="2022-08-24T15:20:35.177" v="1853"/>
-          <ac:graphicFrameMkLst>
-            <pc:docMk/>
-            <pc:sldMk cId="1730437909" sldId="325"/>
-            <ac:graphicFrameMk id="6" creationId="{721398D6-4401-DAB3-8C67-407658FE3F55}"/>
-          </ac:graphicFrameMkLst>
-        </pc:graphicFrameChg>
-      </pc:sldChg>
-      <pc:sldChg chg="addSp modSp">
-        <pc:chgData name="Bustillo, Gian [USA]" userId="S::624912@bah.com::d2f80d41-3521-48e3-8b17-00e1dec3a46e" providerId="AD" clId="Web-{B3DC2804-677C-0BBD-A3D2-79AC069ED02C}" dt="2022-08-24T15:22:29.212" v="1949"/>
-        <pc:sldMkLst>
-          <pc:docMk/>
-          <pc:sldMk cId="406015231" sldId="332"/>
-        </pc:sldMkLst>
-        <pc:graphicFrameChg chg="mod modGraphic">
-          <ac:chgData name="Bustillo, Gian [USA]" userId="S::624912@bah.com::d2f80d41-3521-48e3-8b17-00e1dec3a46e" providerId="AD" clId="Web-{B3DC2804-677C-0BBD-A3D2-79AC069ED02C}" dt="2022-08-24T14:32:35.327" v="936"/>
-          <ac:graphicFrameMkLst>
-            <pc:docMk/>
-            <pc:sldMk cId="406015231" sldId="332"/>
-            <ac:graphicFrameMk id="9" creationId="{01CBABE8-2EFC-AAC9-99BF-51F104312217}"/>
-          </ac:graphicFrameMkLst>
-        </pc:graphicFrameChg>
-        <pc:graphicFrameChg chg="mod modGraphic">
-          <ac:chgData name="Bustillo, Gian [USA]" userId="S::624912@bah.com::d2f80d41-3521-48e3-8b17-00e1dec3a46e" providerId="AD" clId="Web-{B3DC2804-677C-0BBD-A3D2-79AC069ED02C}" dt="2022-08-24T15:22:29.212" v="1949"/>
-          <ac:graphicFrameMkLst>
-            <pc:docMk/>
-            <pc:sldMk cId="406015231" sldId="332"/>
-            <ac:graphicFrameMk id="22" creationId="{C84DDD7B-6774-5EFC-723D-2DB69F219CEC}"/>
-          </ac:graphicFrameMkLst>
-        </pc:graphicFrameChg>
-        <pc:picChg chg="add mod">
-          <ac:chgData name="Bustillo, Gian [USA]" userId="S::624912@bah.com::d2f80d41-3521-48e3-8b17-00e1dec3a46e" providerId="AD" clId="Web-{B3DC2804-677C-0BBD-A3D2-79AC069ED02C}" dt="2022-08-24T14:26:45.175" v="913" actId="1076"/>
-          <ac:picMkLst>
-            <pc:docMk/>
-            <pc:sldMk cId="406015231" sldId="332"/>
-            <ac:picMk id="40" creationId="{48676BA6-2C54-5BE9-8D94-9F0340D49680}"/>
-          </ac:picMkLst>
-        </pc:picChg>
-        <pc:picChg chg="add mod">
-          <ac:chgData name="Bustillo, Gian [USA]" userId="S::624912@bah.com::d2f80d41-3521-48e3-8b17-00e1dec3a46e" providerId="AD" clId="Web-{B3DC2804-677C-0BBD-A3D2-79AC069ED02C}" dt="2022-08-24T14:26:58.784" v="918" actId="1076"/>
-          <ac:picMkLst>
-            <pc:docMk/>
-            <pc:sldMk cId="406015231" sldId="332"/>
-            <ac:picMk id="41" creationId="{F8FEE23F-334E-215B-D192-3CB085D558A7}"/>
-          </ac:picMkLst>
-        </pc:picChg>
-      </pc:sldChg>
-      <pc:sldChg chg="modSp">
-        <pc:chgData name="Bustillo, Gian [USA]" userId="S::624912@bah.com::d2f80d41-3521-48e3-8b17-00e1dec3a46e" providerId="AD" clId="Web-{B3DC2804-677C-0BBD-A3D2-79AC069ED02C}" dt="2022-08-24T15:22:04.305" v="1927"/>
-        <pc:sldMkLst>
-          <pc:docMk/>
-          <pc:sldMk cId="2997908498" sldId="338"/>
-        </pc:sldMkLst>
-        <pc:graphicFrameChg chg="mod modGraphic">
-          <ac:chgData name="Bustillo, Gian [USA]" userId="S::624912@bah.com::d2f80d41-3521-48e3-8b17-00e1dec3a46e" providerId="AD" clId="Web-{B3DC2804-677C-0BBD-A3D2-79AC069ED02C}" dt="2022-08-24T15:22:04.305" v="1927"/>
-          <ac:graphicFrameMkLst>
-            <pc:docMk/>
-            <pc:sldMk cId="2997908498" sldId="338"/>
-            <ac:graphicFrameMk id="6" creationId="{721398D6-4401-DAB3-8C67-407658FE3F55}"/>
-          </ac:graphicFrameMkLst>
-        </pc:graphicFrameChg>
-      </pc:sldChg>
-    </pc:docChg>
-  </pc:docChgLst>
-  <pc:docChgLst>
-    <pc:chgData name="Goodenough, Grace [USA]" userId="S::624306@bah.com::4223f804-184a-4090-a0f5-cee3bfcfa365" providerId="AD" clId="Web-{17CE5083-CE32-49F6-BD25-59229F44CFF4}"/>
-    <pc:docChg chg="modSld">
-      <pc:chgData name="Goodenough, Grace [USA]" userId="S::624306@bah.com::4223f804-184a-4090-a0f5-cee3bfcfa365" providerId="AD" clId="Web-{17CE5083-CE32-49F6-BD25-59229F44CFF4}" dt="2022-11-09T20:31:58.716" v="155"/>
-      <pc:docMkLst>
-        <pc:docMk/>
-      </pc:docMkLst>
-      <pc:sldChg chg="modSp">
-        <pc:chgData name="Goodenough, Grace [USA]" userId="S::624306@bah.com::4223f804-184a-4090-a0f5-cee3bfcfa365" providerId="AD" clId="Web-{17CE5083-CE32-49F6-BD25-59229F44CFF4}" dt="2022-11-09T20:31:58.716" v="155"/>
-        <pc:sldMkLst>
-          <pc:docMk/>
-          <pc:sldMk cId="422448212" sldId="351"/>
-        </pc:sldMkLst>
-        <pc:graphicFrameChg chg="mod modGraphic">
-          <ac:chgData name="Goodenough, Grace [USA]" userId="S::624306@bah.com::4223f804-184a-4090-a0f5-cee3bfcfa365" providerId="AD" clId="Web-{17CE5083-CE32-49F6-BD25-59229F44CFF4}" dt="2022-11-09T20:31:58.716" v="155"/>
-          <ac:graphicFrameMkLst>
-            <pc:docMk/>
-            <pc:sldMk cId="422448212" sldId="351"/>
-            <ac:graphicFrameMk id="6" creationId="{721398D6-4401-DAB3-8C67-407658FE3F55}"/>
-          </ac:graphicFrameMkLst>
-        </pc:graphicFrameChg>
-      </pc:sldChg>
-    </pc:docChg>
-  </pc:docChgLst>
-  <pc:docChgLst>
-    <pc:chgData name="Bustillo, Gian [USA]" userId="S::624912@bah.com::d2f80d41-3521-48e3-8b17-00e1dec3a46e" providerId="AD" clId="Web-{356E8415-CFE1-D4AF-DD7F-CB68EE77AF7A}"/>
-    <pc:docChg chg="delSld modSld">
-      <pc:chgData name="Bustillo, Gian [USA]" userId="S::624912@bah.com::d2f80d41-3521-48e3-8b17-00e1dec3a46e" providerId="AD" clId="Web-{356E8415-CFE1-D4AF-DD7F-CB68EE77AF7A}" dt="2022-09-28T16:07:17.075" v="1275"/>
-      <pc:docMkLst>
-        <pc:docMk/>
-      </pc:docMkLst>
-      <pc:sldChg chg="modSp">
-        <pc:chgData name="Bustillo, Gian [USA]" userId="S::624912@bah.com::d2f80d41-3521-48e3-8b17-00e1dec3a46e" providerId="AD" clId="Web-{356E8415-CFE1-D4AF-DD7F-CB68EE77AF7A}" dt="2022-09-28T16:00:14.160" v="910"/>
-        <pc:sldMkLst>
-          <pc:docMk/>
-          <pc:sldMk cId="1730437909" sldId="325"/>
-        </pc:sldMkLst>
-        <pc:graphicFrameChg chg="mod modGraphic">
-          <ac:chgData name="Bustillo, Gian [USA]" userId="S::624912@bah.com::d2f80d41-3521-48e3-8b17-00e1dec3a46e" providerId="AD" clId="Web-{356E8415-CFE1-D4AF-DD7F-CB68EE77AF7A}" dt="2022-09-28T16:00:14.160" v="910"/>
-          <ac:graphicFrameMkLst>
-            <pc:docMk/>
-            <pc:sldMk cId="1730437909" sldId="325"/>
-            <ac:graphicFrameMk id="6" creationId="{721398D6-4401-DAB3-8C67-407658FE3F55}"/>
-          </ac:graphicFrameMkLst>
-        </pc:graphicFrameChg>
-      </pc:sldChg>
-      <pc:sldChg chg="addSp modSp">
-        <pc:chgData name="Bustillo, Gian [USA]" userId="S::624912@bah.com::d2f80d41-3521-48e3-8b17-00e1dec3a46e" providerId="AD" clId="Web-{356E8415-CFE1-D4AF-DD7F-CB68EE77AF7A}" dt="2022-09-28T16:07:17.075" v="1275"/>
-        <pc:sldMkLst>
-          <pc:docMk/>
-          <pc:sldMk cId="406015231" sldId="332"/>
-        </pc:sldMkLst>
-        <pc:spChg chg="mod">
-          <ac:chgData name="Bustillo, Gian [USA]" userId="S::624912@bah.com::d2f80d41-3521-48e3-8b17-00e1dec3a46e" providerId="AD" clId="Web-{356E8415-CFE1-D4AF-DD7F-CB68EE77AF7A}" dt="2022-09-28T15:17:54.270" v="344" actId="1076"/>
-          <ac:spMkLst>
-            <pc:docMk/>
-            <pc:sldMk cId="406015231" sldId="332"/>
-            <ac:spMk id="4" creationId="{F4B36E68-DB25-8A41-A5B5-91C0F21E52E0}"/>
-          </ac:spMkLst>
-        </pc:spChg>
-        <pc:graphicFrameChg chg="mod modGraphic">
-          <ac:chgData name="Bustillo, Gian [USA]" userId="S::624912@bah.com::d2f80d41-3521-48e3-8b17-00e1dec3a46e" providerId="AD" clId="Web-{356E8415-CFE1-D4AF-DD7F-CB68EE77AF7A}" dt="2022-09-28T15:18:04.145" v="345" actId="1076"/>
-          <ac:graphicFrameMkLst>
-            <pc:docMk/>
-            <pc:sldMk cId="406015231" sldId="332"/>
-            <ac:graphicFrameMk id="9" creationId="{01CBABE8-2EFC-AAC9-99BF-51F104312217}"/>
-          </ac:graphicFrameMkLst>
-        </pc:graphicFrameChg>
-        <pc:graphicFrameChg chg="mod modGraphic">
-          <ac:chgData name="Bustillo, Gian [USA]" userId="S::624912@bah.com::d2f80d41-3521-48e3-8b17-00e1dec3a46e" providerId="AD" clId="Web-{356E8415-CFE1-D4AF-DD7F-CB68EE77AF7A}" dt="2022-09-28T16:07:17.075" v="1275"/>
-          <ac:graphicFrameMkLst>
-            <pc:docMk/>
-            <pc:sldMk cId="406015231" sldId="332"/>
-            <ac:graphicFrameMk id="22" creationId="{C84DDD7B-6774-5EFC-723D-2DB69F219CEC}"/>
-          </ac:graphicFrameMkLst>
-        </pc:graphicFrameChg>
-        <pc:picChg chg="mod">
-          <ac:chgData name="Bustillo, Gian [USA]" userId="S::624912@bah.com::d2f80d41-3521-48e3-8b17-00e1dec3a46e" providerId="AD" clId="Web-{356E8415-CFE1-D4AF-DD7F-CB68EE77AF7A}" dt="2022-09-28T15:18:05.708" v="361" actId="1076"/>
-          <ac:picMkLst>
-            <pc:docMk/>
-            <pc:sldMk cId="406015231" sldId="332"/>
-            <ac:picMk id="3" creationId="{E988F262-1705-14FA-D5F7-404BBF481260}"/>
-          </ac:picMkLst>
-        </pc:picChg>
-        <pc:picChg chg="mod">
-          <ac:chgData name="Bustillo, Gian [USA]" userId="S::624912@bah.com::d2f80d41-3521-48e3-8b17-00e1dec3a46e" providerId="AD" clId="Web-{356E8415-CFE1-D4AF-DD7F-CB68EE77AF7A}" dt="2022-09-28T15:18:05.833" v="362" actId="1076"/>
-          <ac:picMkLst>
-            <pc:docMk/>
-            <pc:sldMk cId="406015231" sldId="332"/>
-            <ac:picMk id="5" creationId="{D12C361A-9D6A-E334-B391-865061D4FBAD}"/>
-          </ac:picMkLst>
-        </pc:picChg>
-        <pc:picChg chg="mod">
-          <ac:chgData name="Bustillo, Gian [USA]" userId="S::624912@bah.com::d2f80d41-3521-48e3-8b17-00e1dec3a46e" providerId="AD" clId="Web-{356E8415-CFE1-D4AF-DD7F-CB68EE77AF7A}" dt="2022-09-28T15:18:05.958" v="363" actId="1076"/>
-          <ac:picMkLst>
-            <pc:docMk/>
-            <pc:sldMk cId="406015231" sldId="332"/>
-            <ac:picMk id="6" creationId="{726EEF72-65C8-DAFD-08A1-6F9FC7E90673}"/>
-          </ac:picMkLst>
-        </pc:picChg>
-        <pc:picChg chg="mod">
-          <ac:chgData name="Bustillo, Gian [USA]" userId="S::624912@bah.com::d2f80d41-3521-48e3-8b17-00e1dec3a46e" providerId="AD" clId="Web-{356E8415-CFE1-D4AF-DD7F-CB68EE77AF7A}" dt="2022-09-28T15:18:06.052" v="364" actId="1076"/>
-          <ac:picMkLst>
-            <pc:docMk/>
-            <pc:sldMk cId="406015231" sldId="332"/>
-            <ac:picMk id="7" creationId="{509B3CAA-B2B0-70B3-F9DC-11F4822C7B82}"/>
-          </ac:picMkLst>
-        </pc:picChg>
-        <pc:picChg chg="mod">
-          <ac:chgData name="Bustillo, Gian [USA]" userId="S::624912@bah.com::d2f80d41-3521-48e3-8b17-00e1dec3a46e" providerId="AD" clId="Web-{356E8415-CFE1-D4AF-DD7F-CB68EE77AF7A}" dt="2022-09-28T15:18:06.317" v="366" actId="1076"/>
-          <ac:picMkLst>
-            <pc:docMk/>
-            <pc:sldMk cId="406015231" sldId="332"/>
-            <ac:picMk id="8" creationId="{32E9E5C6-CBC6-AC75-D2DC-EC109C5FE9F9}"/>
-          </ac:picMkLst>
-        </pc:picChg>
-        <pc:picChg chg="mod">
-          <ac:chgData name="Bustillo, Gian [USA]" userId="S::624912@bah.com::d2f80d41-3521-48e3-8b17-00e1dec3a46e" providerId="AD" clId="Web-{356E8415-CFE1-D4AF-DD7F-CB68EE77AF7A}" dt="2022-09-28T15:18:06.442" v="367" actId="1076"/>
-          <ac:picMkLst>
-            <pc:docMk/>
-            <pc:sldMk cId="406015231" sldId="332"/>
-            <ac:picMk id="10" creationId="{D5D920A8-DEAD-D557-D8ED-25B8FAC75844}"/>
-          </ac:picMkLst>
-        </pc:picChg>
-        <pc:picChg chg="mod">
-          <ac:chgData name="Bustillo, Gian [USA]" userId="S::624912@bah.com::d2f80d41-3521-48e3-8b17-00e1dec3a46e" providerId="AD" clId="Web-{356E8415-CFE1-D4AF-DD7F-CB68EE77AF7A}" dt="2022-09-28T15:18:04.239" v="346" actId="1076"/>
-          <ac:picMkLst>
-            <pc:docMk/>
-            <pc:sldMk cId="406015231" sldId="332"/>
-            <ac:picMk id="11" creationId="{C3374779-DEF1-B27A-FA0B-4CDD15CD429E}"/>
-          </ac:picMkLst>
-        </pc:picChg>
-        <pc:picChg chg="mod">
-          <ac:chgData name="Bustillo, Gian [USA]" userId="S::624912@bah.com::d2f80d41-3521-48e3-8b17-00e1dec3a46e" providerId="AD" clId="Web-{356E8415-CFE1-D4AF-DD7F-CB68EE77AF7A}" dt="2022-09-28T15:18:06.567" v="368" actId="1076"/>
-          <ac:picMkLst>
-            <pc:docMk/>
-            <pc:sldMk cId="406015231" sldId="332"/>
-            <ac:picMk id="12" creationId="{E867A663-BE3F-5F4D-6EEE-CB62E3E9EB60}"/>
-          </ac:picMkLst>
-        </pc:picChg>
-        <pc:picChg chg="mod">
-          <ac:chgData name="Bustillo, Gian [USA]" userId="S::624912@bah.com::d2f80d41-3521-48e3-8b17-00e1dec3a46e" providerId="AD" clId="Web-{356E8415-CFE1-D4AF-DD7F-CB68EE77AF7A}" dt="2022-09-28T15:18:04.333" v="347" actId="1076"/>
-          <ac:picMkLst>
-            <pc:docMk/>
-            <pc:sldMk cId="406015231" sldId="332"/>
-            <ac:picMk id="13" creationId="{C491AC46-EDBD-DE74-8679-C131ABD9491A}"/>
-          </ac:picMkLst>
-        </pc:picChg>
-        <pc:picChg chg="mod">
-          <ac:chgData name="Bustillo, Gian [USA]" userId="S::624912@bah.com::d2f80d41-3521-48e3-8b17-00e1dec3a46e" providerId="AD" clId="Web-{356E8415-CFE1-D4AF-DD7F-CB68EE77AF7A}" dt="2022-09-28T15:18:06.692" v="369" actId="1076"/>
-          <ac:picMkLst>
-            <pc:docMk/>
-            <pc:sldMk cId="406015231" sldId="332"/>
-            <ac:picMk id="14" creationId="{239B7457-5DFC-B224-0B05-412D1CD8B4CE}"/>
-          </ac:picMkLst>
-        </pc:picChg>
-        <pc:picChg chg="mod">
-          <ac:chgData name="Bustillo, Gian [USA]" userId="S::624912@bah.com::d2f80d41-3521-48e3-8b17-00e1dec3a46e" providerId="AD" clId="Web-{356E8415-CFE1-D4AF-DD7F-CB68EE77AF7A}" dt="2022-09-28T15:18:04.442" v="348" actId="1076"/>
-          <ac:picMkLst>
-            <pc:docMk/>
-            <pc:sldMk cId="406015231" sldId="332"/>
-            <ac:picMk id="15" creationId="{C89671F3-D128-ED53-F478-FE3E9CCC4335}"/>
-          </ac:picMkLst>
-        </pc:picChg>
-        <pc:picChg chg="mod">
-          <ac:chgData name="Bustillo, Gian [USA]" userId="S::624912@bah.com::d2f80d41-3521-48e3-8b17-00e1dec3a46e" providerId="AD" clId="Web-{356E8415-CFE1-D4AF-DD7F-CB68EE77AF7A}" dt="2022-09-28T15:18:06.880" v="370" actId="1076"/>
-          <ac:picMkLst>
-            <pc:docMk/>
-            <pc:sldMk cId="406015231" sldId="332"/>
-            <ac:picMk id="16" creationId="{B890B647-1D26-3C8A-3553-85D03DDD47D5}"/>
-          </ac:picMkLst>
-        </pc:picChg>
-        <pc:picChg chg="mod">
-          <ac:chgData name="Bustillo, Gian [USA]" userId="S::624912@bah.com::d2f80d41-3521-48e3-8b17-00e1dec3a46e" providerId="AD" clId="Web-{356E8415-CFE1-D4AF-DD7F-CB68EE77AF7A}" dt="2022-09-28T15:18:04.536" v="349" actId="1076"/>
-          <ac:picMkLst>
-            <pc:docMk/>
-            <pc:sldMk cId="406015231" sldId="332"/>
-            <ac:picMk id="17" creationId="{77AA32C0-CE22-FD2E-F5FB-B7294AD3EA66}"/>
-          </ac:picMkLst>
-        </pc:picChg>
-        <pc:picChg chg="mod">
-          <ac:chgData name="Bustillo, Gian [USA]" userId="S::624912@bah.com::d2f80d41-3521-48e3-8b17-00e1dec3a46e" providerId="AD" clId="Web-{356E8415-CFE1-D4AF-DD7F-CB68EE77AF7A}" dt="2022-09-28T15:18:06.974" v="371" actId="1076"/>
-          <ac:picMkLst>
-            <pc:docMk/>
-            <pc:sldMk cId="406015231" sldId="332"/>
-            <ac:picMk id="18" creationId="{C86C0BE9-B32C-8BF2-E9A1-347BF38BDA5C}"/>
-          </ac:picMkLst>
-        </pc:picChg>
-        <pc:picChg chg="mod">
-          <ac:chgData name="Bustillo, Gian [USA]" userId="S::624912@bah.com::d2f80d41-3521-48e3-8b17-00e1dec3a46e" providerId="AD" clId="Web-{356E8415-CFE1-D4AF-DD7F-CB68EE77AF7A}" dt="2022-09-28T15:18:04.645" v="350" actId="1076"/>
-          <ac:picMkLst>
-            <pc:docMk/>
-            <pc:sldMk cId="406015231" sldId="332"/>
-            <ac:picMk id="19" creationId="{B15E8432-7283-35C3-7B37-BEBEB6FEF1A9}"/>
-          </ac:picMkLst>
-        </pc:picChg>
-        <pc:picChg chg="mod">
-          <ac:chgData name="Bustillo, Gian [USA]" userId="S::624912@bah.com::d2f80d41-3521-48e3-8b17-00e1dec3a46e" providerId="AD" clId="Web-{356E8415-CFE1-D4AF-DD7F-CB68EE77AF7A}" dt="2022-09-28T15:18:07.083" v="372" actId="1076"/>
-          <ac:picMkLst>
-            <pc:docMk/>
-            <pc:sldMk cId="406015231" sldId="332"/>
-            <ac:picMk id="20" creationId="{2251457B-A318-F254-2448-E0903E616027}"/>
-          </ac:picMkLst>
-        </pc:picChg>
-        <pc:picChg chg="mod">
-          <ac:chgData name="Bustillo, Gian [USA]" userId="S::624912@bah.com::d2f80d41-3521-48e3-8b17-00e1dec3a46e" providerId="AD" clId="Web-{356E8415-CFE1-D4AF-DD7F-CB68EE77AF7A}" dt="2022-09-28T15:18:04.723" v="351" actId="1076"/>
-          <ac:picMkLst>
-            <pc:docMk/>
-            <pc:sldMk cId="406015231" sldId="332"/>
-            <ac:picMk id="21" creationId="{9CBEDF66-7516-FD87-47C4-AE9C5F1B7C46}"/>
-          </ac:picMkLst>
-        </pc:picChg>
-        <pc:picChg chg="mod">
-          <ac:chgData name="Bustillo, Gian [USA]" userId="S::624912@bah.com::d2f80d41-3521-48e3-8b17-00e1dec3a46e" providerId="AD" clId="Web-{356E8415-CFE1-D4AF-DD7F-CB68EE77AF7A}" dt="2022-09-28T15:18:04.833" v="352" actId="1076"/>
-          <ac:picMkLst>
-            <pc:docMk/>
-            <pc:sldMk cId="406015231" sldId="332"/>
-            <ac:picMk id="23" creationId="{469321A0-16B4-4167-BD80-5F784198BC5F}"/>
-          </ac:picMkLst>
-        </pc:picChg>
-        <pc:picChg chg="mod">
-          <ac:chgData name="Bustillo, Gian [USA]" userId="S::624912@bah.com::d2f80d41-3521-48e3-8b17-00e1dec3a46e" providerId="AD" clId="Web-{356E8415-CFE1-D4AF-DD7F-CB68EE77AF7A}" dt="2022-09-28T15:18:05.411" v="358" actId="1076"/>
-          <ac:picMkLst>
-            <pc:docMk/>
-            <pc:sldMk cId="406015231" sldId="332"/>
-            <ac:picMk id="24" creationId="{BC4B23C6-C714-AE09-0470-5BA59334851B}"/>
-          </ac:picMkLst>
-        </pc:picChg>
-        <pc:picChg chg="mod">
-          <ac:chgData name="Bustillo, Gian [USA]" userId="S::624912@bah.com::d2f80d41-3521-48e3-8b17-00e1dec3a46e" providerId="AD" clId="Web-{356E8415-CFE1-D4AF-DD7F-CB68EE77AF7A}" dt="2022-09-28T15:18:04.927" v="353" actId="1076"/>
-          <ac:picMkLst>
-            <pc:docMk/>
-            <pc:sldMk cId="406015231" sldId="332"/>
-            <ac:picMk id="25" creationId="{C51C3EDE-FF85-215F-C163-EFF28E7423AD}"/>
-          </ac:picMkLst>
-        </pc:picChg>
-        <pc:picChg chg="mod">
-          <ac:chgData name="Bustillo, Gian [USA]" userId="S::624912@bah.com::d2f80d41-3521-48e3-8b17-00e1dec3a46e" providerId="AD" clId="Web-{356E8415-CFE1-D4AF-DD7F-CB68EE77AF7A}" dt="2022-09-28T15:18:05.505" v="359" actId="1076"/>
-          <ac:picMkLst>
-            <pc:docMk/>
-            <pc:sldMk cId="406015231" sldId="332"/>
-            <ac:picMk id="26" creationId="{C302071C-A940-1343-AA9A-41029BA00A11}"/>
-          </ac:picMkLst>
-        </pc:picChg>
-        <pc:picChg chg="mod">
-          <ac:chgData name="Bustillo, Gian [USA]" userId="S::624912@bah.com::d2f80d41-3521-48e3-8b17-00e1dec3a46e" providerId="AD" clId="Web-{356E8415-CFE1-D4AF-DD7F-CB68EE77AF7A}" dt="2022-09-28T15:18:05.036" v="354" actId="1076"/>
-          <ac:picMkLst>
-            <pc:docMk/>
-            <pc:sldMk cId="406015231" sldId="332"/>
-            <ac:picMk id="27" creationId="{A3C823C1-29B6-166A-4E18-EA27881D01D5}"/>
-          </ac:picMkLst>
-        </pc:picChg>
-        <pc:picChg chg="mod">
-          <ac:chgData name="Bustillo, Gian [USA]" userId="S::624912@bah.com::d2f80d41-3521-48e3-8b17-00e1dec3a46e" providerId="AD" clId="Web-{356E8415-CFE1-D4AF-DD7F-CB68EE77AF7A}" dt="2022-09-28T15:18:05.614" v="360" actId="1076"/>
-          <ac:picMkLst>
-            <pc:docMk/>
-            <pc:sldMk cId="406015231" sldId="332"/>
-            <ac:picMk id="28" creationId="{A7BEEB3E-F285-959E-D146-58DA18087F05}"/>
-          </ac:picMkLst>
-        </pc:picChg>
-        <pc:picChg chg="mod">
-          <ac:chgData name="Bustillo, Gian [USA]" userId="S::624912@bah.com::d2f80d41-3521-48e3-8b17-00e1dec3a46e" providerId="AD" clId="Web-{356E8415-CFE1-D4AF-DD7F-CB68EE77AF7A}" dt="2022-09-28T15:18:05.130" v="355" actId="1076"/>
-          <ac:picMkLst>
-            <pc:docMk/>
-            <pc:sldMk cId="406015231" sldId="332"/>
-            <ac:picMk id="29" creationId="{3E29974F-2058-9AE4-C31B-BD08CC93E4C3}"/>
-          </ac:picMkLst>
-        </pc:picChg>
-        <pc:picChg chg="mod">
-          <ac:chgData name="Bustillo, Gian [USA]" userId="S::624912@bah.com::d2f80d41-3521-48e3-8b17-00e1dec3a46e" providerId="AD" clId="Web-{356E8415-CFE1-D4AF-DD7F-CB68EE77AF7A}" dt="2022-09-28T15:18:06.192" v="365" actId="1076"/>
-          <ac:picMkLst>
-            <pc:docMk/>
-            <pc:sldMk cId="406015231" sldId="332"/>
-            <ac:picMk id="30" creationId="{B6125B74-70D0-435E-83B6-1182C8979462}"/>
-          </ac:picMkLst>
-        </pc:picChg>
-        <pc:picChg chg="mod">
-          <ac:chgData name="Bustillo, Gian [USA]" userId="S::624912@bah.com::d2f80d41-3521-48e3-8b17-00e1dec3a46e" providerId="AD" clId="Web-{356E8415-CFE1-D4AF-DD7F-CB68EE77AF7A}" dt="2022-09-28T15:18:05.239" v="356" actId="1076"/>
-          <ac:picMkLst>
-            <pc:docMk/>
-            <pc:sldMk cId="406015231" sldId="332"/>
-            <ac:picMk id="31" creationId="{EAE55916-283D-76DB-AB46-11C25578A064}"/>
-          </ac:picMkLst>
-        </pc:picChg>
-        <pc:picChg chg="mod">
-          <ac:chgData name="Bustillo, Gian [USA]" userId="S::624912@bah.com::d2f80d41-3521-48e3-8b17-00e1dec3a46e" providerId="AD" clId="Web-{356E8415-CFE1-D4AF-DD7F-CB68EE77AF7A}" dt="2022-09-28T15:18:07.208" v="373" actId="1076"/>
-          <ac:picMkLst>
-            <pc:docMk/>
-            <pc:sldMk cId="406015231" sldId="332"/>
-            <ac:picMk id="32" creationId="{DC258CBB-D714-B905-CA85-8BD765241D1E}"/>
-          </ac:picMkLst>
-        </pc:picChg>
-        <pc:picChg chg="mod">
-          <ac:chgData name="Bustillo, Gian [USA]" userId="S::624912@bah.com::d2f80d41-3521-48e3-8b17-00e1dec3a46e" providerId="AD" clId="Web-{356E8415-CFE1-D4AF-DD7F-CB68EE77AF7A}" dt="2022-09-28T15:18:05.333" v="357" actId="1076"/>
-          <ac:picMkLst>
-            <pc:docMk/>
-            <pc:sldMk cId="406015231" sldId="332"/>
-            <ac:picMk id="33" creationId="{891BB737-A6DF-C049-FBB2-ED35A66F4349}"/>
-          </ac:picMkLst>
-        </pc:picChg>
-        <pc:picChg chg="mod">
-          <ac:chgData name="Bustillo, Gian [USA]" userId="S::624912@bah.com::d2f80d41-3521-48e3-8b17-00e1dec3a46e" providerId="AD" clId="Web-{356E8415-CFE1-D4AF-DD7F-CB68EE77AF7A}" dt="2022-09-28T15:18:07.333" v="374" actId="1076"/>
-          <ac:picMkLst>
-            <pc:docMk/>
-            <pc:sldMk cId="406015231" sldId="332"/>
-            <ac:picMk id="34" creationId="{0003CB12-6B36-E953-10D8-E53FB3CEC6DA}"/>
-          </ac:picMkLst>
-        </pc:picChg>
-        <pc:picChg chg="mod">
-          <ac:chgData name="Bustillo, Gian [USA]" userId="S::624912@bah.com::d2f80d41-3521-48e3-8b17-00e1dec3a46e" providerId="AD" clId="Web-{356E8415-CFE1-D4AF-DD7F-CB68EE77AF7A}" dt="2022-09-28T15:18:07.458" v="375" actId="1076"/>
-          <ac:picMkLst>
-            <pc:docMk/>
-            <pc:sldMk cId="406015231" sldId="332"/>
-            <ac:picMk id="35" creationId="{DDCAC729-EB56-E0BA-73EA-3320E66D9B99}"/>
-          </ac:picMkLst>
-        </pc:picChg>
-        <pc:picChg chg="mod">
-          <ac:chgData name="Bustillo, Gian [USA]" userId="S::624912@bah.com::d2f80d41-3521-48e3-8b17-00e1dec3a46e" providerId="AD" clId="Web-{356E8415-CFE1-D4AF-DD7F-CB68EE77AF7A}" dt="2022-09-28T15:18:07.567" v="376" actId="1076"/>
-          <ac:picMkLst>
-            <pc:docMk/>
-            <pc:sldMk cId="406015231" sldId="332"/>
-            <ac:picMk id="36" creationId="{85D55FFD-1198-1535-C76A-FC9636E6F6CD}"/>
-          </ac:picMkLst>
-        </pc:picChg>
-        <pc:picChg chg="mod">
-          <ac:chgData name="Bustillo, Gian [USA]" userId="S::624912@bah.com::d2f80d41-3521-48e3-8b17-00e1dec3a46e" providerId="AD" clId="Web-{356E8415-CFE1-D4AF-DD7F-CB68EE77AF7A}" dt="2022-09-28T15:18:07.692" v="377" actId="1076"/>
-          <ac:picMkLst>
-            <pc:docMk/>
-            <pc:sldMk cId="406015231" sldId="332"/>
-            <ac:picMk id="37" creationId="{7CBC2415-B753-48A5-9790-0FA7BEA9491A}"/>
-          </ac:picMkLst>
-        </pc:picChg>
-        <pc:picChg chg="mod">
-          <ac:chgData name="Bustillo, Gian [USA]" userId="S::624912@bah.com::d2f80d41-3521-48e3-8b17-00e1dec3a46e" providerId="AD" clId="Web-{356E8415-CFE1-D4AF-DD7F-CB68EE77AF7A}" dt="2022-09-28T15:18:07.802" v="378" actId="1076"/>
-          <ac:picMkLst>
-            <pc:docMk/>
-            <pc:sldMk cId="406015231" sldId="332"/>
-            <ac:picMk id="38" creationId="{7E7FD735-D8A7-422E-8007-64AF0AF5B00D}"/>
-          </ac:picMkLst>
-        </pc:picChg>
-        <pc:picChg chg="mod">
-          <ac:chgData name="Bustillo, Gian [USA]" userId="S::624912@bah.com::d2f80d41-3521-48e3-8b17-00e1dec3a46e" providerId="AD" clId="Web-{356E8415-CFE1-D4AF-DD7F-CB68EE77AF7A}" dt="2022-09-28T15:18:07.911" v="379" actId="1076"/>
-          <ac:picMkLst>
-            <pc:docMk/>
-            <pc:sldMk cId="406015231" sldId="332"/>
-            <ac:picMk id="39" creationId="{FAB6B671-CA9C-4CED-9E9D-80C317E7B954}"/>
-          </ac:picMkLst>
-        </pc:picChg>
-        <pc:picChg chg="mod">
-          <ac:chgData name="Bustillo, Gian [USA]" userId="S::624912@bah.com::d2f80d41-3521-48e3-8b17-00e1dec3a46e" providerId="AD" clId="Web-{356E8415-CFE1-D4AF-DD7F-CB68EE77AF7A}" dt="2022-09-28T15:18:08.020" v="380" actId="1076"/>
-          <ac:picMkLst>
-            <pc:docMk/>
-            <pc:sldMk cId="406015231" sldId="332"/>
-            <ac:picMk id="40" creationId="{48676BA6-2C54-5BE9-8D94-9F0340D49680}"/>
-          </ac:picMkLst>
-        </pc:picChg>
-        <pc:picChg chg="mod">
-          <ac:chgData name="Bustillo, Gian [USA]" userId="S::624912@bah.com::d2f80d41-3521-48e3-8b17-00e1dec3a46e" providerId="AD" clId="Web-{356E8415-CFE1-D4AF-DD7F-CB68EE77AF7A}" dt="2022-09-28T15:18:08.145" v="381" actId="1076"/>
-          <ac:picMkLst>
-            <pc:docMk/>
-            <pc:sldMk cId="406015231" sldId="332"/>
-            <ac:picMk id="41" creationId="{F8FEE23F-334E-215B-D192-3CB085D558A7}"/>
-          </ac:picMkLst>
-        </pc:picChg>
-        <pc:picChg chg="mod">
-          <ac:chgData name="Bustillo, Gian [USA]" userId="S::624912@bah.com::d2f80d41-3521-48e3-8b17-00e1dec3a46e" providerId="AD" clId="Web-{356E8415-CFE1-D4AF-DD7F-CB68EE77AF7A}" dt="2022-09-28T15:18:08.239" v="382" actId="1076"/>
-          <ac:picMkLst>
-            <pc:docMk/>
-            <pc:sldMk cId="406015231" sldId="332"/>
-            <ac:picMk id="42" creationId="{35C4163A-DE47-4604-A275-DFABD9625441}"/>
-          </ac:picMkLst>
-        </pc:picChg>
-        <pc:picChg chg="mod">
-          <ac:chgData name="Bustillo, Gian [USA]" userId="S::624912@bah.com::d2f80d41-3521-48e3-8b17-00e1dec3a46e" providerId="AD" clId="Web-{356E8415-CFE1-D4AF-DD7F-CB68EE77AF7A}" dt="2022-09-28T15:18:08.348" v="383" actId="1076"/>
-          <ac:picMkLst>
-            <pc:docMk/>
-            <pc:sldMk cId="406015231" sldId="332"/>
-            <ac:picMk id="43" creationId="{24A6D04C-9360-4CE5-BC88-7636EF80FC0D}"/>
-          </ac:picMkLst>
-        </pc:picChg>
-        <pc:picChg chg="mod">
-          <ac:chgData name="Bustillo, Gian [USA]" userId="S::624912@bah.com::d2f80d41-3521-48e3-8b17-00e1dec3a46e" providerId="AD" clId="Web-{356E8415-CFE1-D4AF-DD7F-CB68EE77AF7A}" dt="2022-09-28T15:18:08.458" v="384" actId="1076"/>
-          <ac:picMkLst>
-            <pc:docMk/>
-            <pc:sldMk cId="406015231" sldId="332"/>
-            <ac:picMk id="44" creationId="{DEE4900B-C7CD-42D5-BA01-CDAA1A624733}"/>
-          </ac:picMkLst>
-        </pc:picChg>
-        <pc:picChg chg="mod">
-          <ac:chgData name="Bustillo, Gian [USA]" userId="S::624912@bah.com::d2f80d41-3521-48e3-8b17-00e1dec3a46e" providerId="AD" clId="Web-{356E8415-CFE1-D4AF-DD7F-CB68EE77AF7A}" dt="2022-09-28T15:18:08.552" v="385" actId="1076"/>
-          <ac:picMkLst>
-            <pc:docMk/>
-            <pc:sldMk cId="406015231" sldId="332"/>
-            <ac:picMk id="45" creationId="{55CC96E4-ADAD-437A-AFE5-D98506B273D3}"/>
-          </ac:picMkLst>
-        </pc:picChg>
-        <pc:picChg chg="mod">
-          <ac:chgData name="Bustillo, Gian [USA]" userId="S::624912@bah.com::d2f80d41-3521-48e3-8b17-00e1dec3a46e" providerId="AD" clId="Web-{356E8415-CFE1-D4AF-DD7F-CB68EE77AF7A}" dt="2022-09-28T15:18:08.661" v="386" actId="1076"/>
-          <ac:picMkLst>
-            <pc:docMk/>
-            <pc:sldMk cId="406015231" sldId="332"/>
-            <ac:picMk id="46" creationId="{B73C0667-4BE5-4CCB-9FC7-5FBA7D9D0288}"/>
-          </ac:picMkLst>
-        </pc:picChg>
-        <pc:picChg chg="mod">
-          <ac:chgData name="Bustillo, Gian [USA]" userId="S::624912@bah.com::d2f80d41-3521-48e3-8b17-00e1dec3a46e" providerId="AD" clId="Web-{356E8415-CFE1-D4AF-DD7F-CB68EE77AF7A}" dt="2022-09-28T15:18:08.770" v="387" actId="1076"/>
-          <ac:picMkLst>
-            <pc:docMk/>
-            <pc:sldMk cId="406015231" sldId="332"/>
-            <ac:picMk id="47" creationId="{786D9B48-1527-4E8D-9FA4-B7906037BA09}"/>
-          </ac:picMkLst>
-        </pc:picChg>
-        <pc:picChg chg="mod">
-          <ac:chgData name="Bustillo, Gian [USA]" userId="S::624912@bah.com::d2f80d41-3521-48e3-8b17-00e1dec3a46e" providerId="AD" clId="Web-{356E8415-CFE1-D4AF-DD7F-CB68EE77AF7A}" dt="2022-09-28T15:18:08.880" v="388" actId="1076"/>
-          <ac:picMkLst>
-            <pc:docMk/>
-            <pc:sldMk cId="406015231" sldId="332"/>
-            <ac:picMk id="48" creationId="{01F0828D-72CD-C7CA-343E-632ABFFC92B8}"/>
-          </ac:picMkLst>
-        </pc:picChg>
-        <pc:picChg chg="mod">
-          <ac:chgData name="Bustillo, Gian [USA]" userId="S::624912@bah.com::d2f80d41-3521-48e3-8b17-00e1dec3a46e" providerId="AD" clId="Web-{356E8415-CFE1-D4AF-DD7F-CB68EE77AF7A}" dt="2022-09-28T15:18:08.989" v="389" actId="1076"/>
-          <ac:picMkLst>
-            <pc:docMk/>
-            <pc:sldMk cId="406015231" sldId="332"/>
-            <ac:picMk id="49" creationId="{6F39D3E1-316B-4B32-3AAF-DE139406FD91}"/>
-          </ac:picMkLst>
-        </pc:picChg>
-        <pc:picChg chg="mod">
-          <ac:chgData name="Bustillo, Gian [USA]" userId="S::624912@bah.com::d2f80d41-3521-48e3-8b17-00e1dec3a46e" providerId="AD" clId="Web-{356E8415-CFE1-D4AF-DD7F-CB68EE77AF7A}" dt="2022-09-28T15:18:09.099" v="390" actId="1076"/>
-          <ac:picMkLst>
-            <pc:docMk/>
-            <pc:sldMk cId="406015231" sldId="332"/>
-            <ac:picMk id="50" creationId="{C5381CA2-E5FE-45DC-A4EB-832BD159277E}"/>
-          </ac:picMkLst>
-        </pc:picChg>
-        <pc:picChg chg="mod">
-          <ac:chgData name="Bustillo, Gian [USA]" userId="S::624912@bah.com::d2f80d41-3521-48e3-8b17-00e1dec3a46e" providerId="AD" clId="Web-{356E8415-CFE1-D4AF-DD7F-CB68EE77AF7A}" dt="2022-09-28T15:18:09.208" v="391" actId="1076"/>
-          <ac:picMkLst>
-            <pc:docMk/>
-            <pc:sldMk cId="406015231" sldId="332"/>
-            <ac:picMk id="51" creationId="{B6BADEB1-ECFF-C7C9-BB28-2B1007ACBC34}"/>
-          </ac:picMkLst>
-        </pc:picChg>
-        <pc:picChg chg="mod">
-          <ac:chgData name="Bustillo, Gian [USA]" userId="S::624912@bah.com::d2f80d41-3521-48e3-8b17-00e1dec3a46e" providerId="AD" clId="Web-{356E8415-CFE1-D4AF-DD7F-CB68EE77AF7A}" dt="2022-09-28T15:18:09.302" v="392" actId="1076"/>
-          <ac:picMkLst>
-            <pc:docMk/>
-            <pc:sldMk cId="406015231" sldId="332"/>
-            <ac:picMk id="52" creationId="{D865995B-4144-3341-5B22-3E5B6075DE47}"/>
-          </ac:picMkLst>
-        </pc:picChg>
-        <pc:picChg chg="add mod">
-          <ac:chgData name="Bustillo, Gian [USA]" userId="S::624912@bah.com::d2f80d41-3521-48e3-8b17-00e1dec3a46e" providerId="AD" clId="Web-{356E8415-CFE1-D4AF-DD7F-CB68EE77AF7A}" dt="2022-09-28T15:18:09.427" v="393" actId="1076"/>
-          <ac:picMkLst>
-            <pc:docMk/>
-            <pc:sldMk cId="406015231" sldId="332"/>
-            <ac:picMk id="53" creationId="{F4634756-0763-023C-B9CC-003A008E0EFE}"/>
-          </ac:picMkLst>
-        </pc:picChg>
-        <pc:picChg chg="add mod">
-          <ac:chgData name="Bustillo, Gian [USA]" userId="S::624912@bah.com::d2f80d41-3521-48e3-8b17-00e1dec3a46e" providerId="AD" clId="Web-{356E8415-CFE1-D4AF-DD7F-CB68EE77AF7A}" dt="2022-09-28T15:18:09.536" v="394" actId="1076"/>
-          <ac:picMkLst>
-            <pc:docMk/>
-            <pc:sldMk cId="406015231" sldId="332"/>
-            <ac:picMk id="54" creationId="{3CF5C192-090A-6755-E6FC-8738ED8A5DB8}"/>
-          </ac:picMkLst>
-        </pc:picChg>
-        <pc:picChg chg="add mod">
-          <ac:chgData name="Bustillo, Gian [USA]" userId="S::624912@bah.com::d2f80d41-3521-48e3-8b17-00e1dec3a46e" providerId="AD" clId="Web-{356E8415-CFE1-D4AF-DD7F-CB68EE77AF7A}" dt="2022-09-28T15:18:09.630" v="395" actId="1076"/>
-          <ac:picMkLst>
-            <pc:docMk/>
-            <pc:sldMk cId="406015231" sldId="332"/>
-            <ac:picMk id="55" creationId="{41B66DD8-82D9-CBC9-B2BC-29F3DE071C59}"/>
-          </ac:picMkLst>
-        </pc:picChg>
-        <pc:picChg chg="add mod">
-          <ac:chgData name="Bustillo, Gian [USA]" userId="S::624912@bah.com::d2f80d41-3521-48e3-8b17-00e1dec3a46e" providerId="AD" clId="Web-{356E8415-CFE1-D4AF-DD7F-CB68EE77AF7A}" dt="2022-09-28T15:18:09.739" v="396" actId="1076"/>
-          <ac:picMkLst>
-            <pc:docMk/>
-            <pc:sldMk cId="406015231" sldId="332"/>
-            <ac:picMk id="56" creationId="{A6FF4F34-4892-5762-D7D2-553AE566CB91}"/>
-          </ac:picMkLst>
-        </pc:picChg>
-      </pc:sldChg>
-      <pc:sldChg chg="modSp">
-        <pc:chgData name="Bustillo, Gian [USA]" userId="S::624912@bah.com::d2f80d41-3521-48e3-8b17-00e1dec3a46e" providerId="AD" clId="Web-{356E8415-CFE1-D4AF-DD7F-CB68EE77AF7A}" dt="2022-09-28T16:03:57.508" v="1188"/>
-        <pc:sldMkLst>
-          <pc:docMk/>
-          <pc:sldMk cId="2997908498" sldId="338"/>
-        </pc:sldMkLst>
-        <pc:graphicFrameChg chg="mod modGraphic">
-          <ac:chgData name="Bustillo, Gian [USA]" userId="S::624912@bah.com::d2f80d41-3521-48e3-8b17-00e1dec3a46e" providerId="AD" clId="Web-{356E8415-CFE1-D4AF-DD7F-CB68EE77AF7A}" dt="2022-09-28T16:03:57.508" v="1188"/>
-          <ac:graphicFrameMkLst>
-            <pc:docMk/>
-            <pc:sldMk cId="2997908498" sldId="338"/>
-            <ac:graphicFrameMk id="6" creationId="{721398D6-4401-DAB3-8C67-407658FE3F55}"/>
-          </ac:graphicFrameMkLst>
-        </pc:graphicFrameChg>
-      </pc:sldChg>
-      <pc:sldChg chg="modSp">
-        <pc:chgData name="Bustillo, Gian [USA]" userId="S::624912@bah.com::d2f80d41-3521-48e3-8b17-00e1dec3a46e" providerId="AD" clId="Web-{356E8415-CFE1-D4AF-DD7F-CB68EE77AF7A}" dt="2022-09-28T16:04:50.103" v="1218"/>
-        <pc:sldMkLst>
-          <pc:docMk/>
-          <pc:sldMk cId="3615197908" sldId="342"/>
-        </pc:sldMkLst>
-        <pc:graphicFrameChg chg="mod modGraphic">
-          <ac:chgData name="Bustillo, Gian [USA]" userId="S::624912@bah.com::d2f80d41-3521-48e3-8b17-00e1dec3a46e" providerId="AD" clId="Web-{356E8415-CFE1-D4AF-DD7F-CB68EE77AF7A}" dt="2022-09-28T16:04:50.103" v="1218"/>
-          <ac:graphicFrameMkLst>
-            <pc:docMk/>
-            <pc:sldMk cId="3615197908" sldId="342"/>
-            <ac:graphicFrameMk id="6" creationId="{721398D6-4401-DAB3-8C67-407658FE3F55}"/>
-          </ac:graphicFrameMkLst>
-        </pc:graphicFrameChg>
-      </pc:sldChg>
-      <pc:sldChg chg="del">
-        <pc:chgData name="Bustillo, Gian [USA]" userId="S::624912@bah.com::d2f80d41-3521-48e3-8b17-00e1dec3a46e" providerId="AD" clId="Web-{356E8415-CFE1-D4AF-DD7F-CB68EE77AF7A}" dt="2022-09-28T16:00:19.317" v="911"/>
-        <pc:sldMkLst>
-          <pc:docMk/>
-          <pc:sldMk cId="3827174074" sldId="347"/>
-        </pc:sldMkLst>
-      </pc:sldChg>
-    </pc:docChg>
-  </pc:docChgLst>
-  <pc:docChgLst>
-    <pc:chgData clId="Web-{356E8415-CFE1-D4AF-DD7F-CB68EE77AF7A}"/>
-    <pc:docChg chg="modSld">
-      <pc:chgData name="" userId="" providerId="" clId="Web-{356E8415-CFE1-D4AF-DD7F-CB68EE77AF7A}" dt="2022-09-28T15:40:28.856" v="1"/>
-      <pc:docMkLst>
-        <pc:docMk/>
-      </pc:docMkLst>
-      <pc:sldChg chg="modSp">
-        <pc:chgData name="" userId="" providerId="" clId="Web-{356E8415-CFE1-D4AF-DD7F-CB68EE77AF7A}" dt="2022-09-28T15:40:28.856" v="1"/>
-        <pc:sldMkLst>
-          <pc:docMk/>
-          <pc:sldMk cId="1730437909" sldId="325"/>
-        </pc:sldMkLst>
-        <pc:graphicFrameChg chg="mod modGraphic">
-          <ac:chgData name="" userId="" providerId="" clId="Web-{356E8415-CFE1-D4AF-DD7F-CB68EE77AF7A}" dt="2022-09-28T15:40:28.856" v="1"/>
-          <ac:graphicFrameMkLst>
-            <pc:docMk/>
-            <pc:sldMk cId="1730437909" sldId="325"/>
-            <ac:graphicFrameMk id="6" creationId="{721398D6-4401-DAB3-8C67-407658FE3F55}"/>
-          </ac:graphicFrameMkLst>
-        </pc:graphicFrameChg>
-      </pc:sldChg>
-    </pc:docChg>
-  </pc:docChgLst>
-  <pc:docChgLst>
-    <pc:chgData name="Bustillo, Gian [USA]" userId="S::624912@bah.com::d2f80d41-3521-48e3-8b17-00e1dec3a46e" providerId="AD" clId="Web-{0EE75923-0F11-913D-2EC0-629DCB2F0821}"/>
-    <pc:docChg chg="modSld">
-      <pc:chgData name="Bustillo, Gian [USA]" userId="S::624912@bah.com::d2f80d41-3521-48e3-8b17-00e1dec3a46e" providerId="AD" clId="Web-{0EE75923-0F11-913D-2EC0-629DCB2F0821}" dt="2022-09-21T14:29:50.880" v="1612"/>
-      <pc:docMkLst>
-        <pc:docMk/>
-      </pc:docMkLst>
-      <pc:sldChg chg="modSp">
-        <pc:chgData name="Bustillo, Gian [USA]" userId="S::624912@bah.com::d2f80d41-3521-48e3-8b17-00e1dec3a46e" providerId="AD" clId="Web-{0EE75923-0F11-913D-2EC0-629DCB2F0821}" dt="2022-09-21T13:54:07.838" v="1554"/>
-        <pc:sldMkLst>
-          <pc:docMk/>
-          <pc:sldMk cId="1730437909" sldId="325"/>
-        </pc:sldMkLst>
-        <pc:graphicFrameChg chg="mod modGraphic">
-          <ac:chgData name="Bustillo, Gian [USA]" userId="S::624912@bah.com::d2f80d41-3521-48e3-8b17-00e1dec3a46e" providerId="AD" clId="Web-{0EE75923-0F11-913D-2EC0-629DCB2F0821}" dt="2022-09-21T13:54:07.838" v="1554"/>
-          <ac:graphicFrameMkLst>
-            <pc:docMk/>
-            <pc:sldMk cId="1730437909" sldId="325"/>
-            <ac:graphicFrameMk id="6" creationId="{721398D6-4401-DAB3-8C67-407658FE3F55}"/>
-          </ac:graphicFrameMkLst>
-        </pc:graphicFrameChg>
-      </pc:sldChg>
-      <pc:sldChg chg="modSp">
-        <pc:chgData name="Bustillo, Gian [USA]" userId="S::624912@bah.com::d2f80d41-3521-48e3-8b17-00e1dec3a46e" providerId="AD" clId="Web-{0EE75923-0F11-913D-2EC0-629DCB2F0821}" dt="2022-09-21T14:29:50.880" v="1612"/>
-        <pc:sldMkLst>
-          <pc:docMk/>
-          <pc:sldMk cId="406015231" sldId="332"/>
-        </pc:sldMkLst>
-        <pc:graphicFrameChg chg="mod">
-          <ac:chgData name="Bustillo, Gian [USA]" userId="S::624912@bah.com::d2f80d41-3521-48e3-8b17-00e1dec3a46e" providerId="AD" clId="Web-{0EE75923-0F11-913D-2EC0-629DCB2F0821}" dt="2022-09-21T13:43:16.882" v="1342" actId="1076"/>
-          <ac:graphicFrameMkLst>
-            <pc:docMk/>
-            <pc:sldMk cId="406015231" sldId="332"/>
-            <ac:graphicFrameMk id="9" creationId="{01CBABE8-2EFC-AAC9-99BF-51F104312217}"/>
-          </ac:graphicFrameMkLst>
-        </pc:graphicFrameChg>
-        <pc:graphicFrameChg chg="mod modGraphic">
-          <ac:chgData name="Bustillo, Gian [USA]" userId="S::624912@bah.com::d2f80d41-3521-48e3-8b17-00e1dec3a46e" providerId="AD" clId="Web-{0EE75923-0F11-913D-2EC0-629DCB2F0821}" dt="2022-09-21T14:29:50.880" v="1612"/>
-          <ac:graphicFrameMkLst>
-            <pc:docMk/>
-            <pc:sldMk cId="406015231" sldId="332"/>
-            <ac:graphicFrameMk id="22" creationId="{C84DDD7B-6774-5EFC-723D-2DB69F219CEC}"/>
-          </ac:graphicFrameMkLst>
-        </pc:graphicFrameChg>
-        <pc:picChg chg="mod">
-          <ac:chgData name="Bustillo, Gian [USA]" userId="S::624912@bah.com::d2f80d41-3521-48e3-8b17-00e1dec3a46e" providerId="AD" clId="Web-{0EE75923-0F11-913D-2EC0-629DCB2F0821}" dt="2022-09-21T13:43:17.991" v="1358" actId="1076"/>
-          <ac:picMkLst>
-            <pc:docMk/>
-            <pc:sldMk cId="406015231" sldId="332"/>
-            <ac:picMk id="3" creationId="{E988F262-1705-14FA-D5F7-404BBF481260}"/>
-          </ac:picMkLst>
-        </pc:picChg>
-        <pc:picChg chg="mod">
-          <ac:chgData name="Bustillo, Gian [USA]" userId="S::624912@bah.com::d2f80d41-3521-48e3-8b17-00e1dec3a46e" providerId="AD" clId="Web-{0EE75923-0F11-913D-2EC0-629DCB2F0821}" dt="2022-09-21T13:43:18.038" v="1359" actId="1076"/>
-          <ac:picMkLst>
-            <pc:docMk/>
-            <pc:sldMk cId="406015231" sldId="332"/>
-            <ac:picMk id="5" creationId="{D12C361A-9D6A-E334-B391-865061D4FBAD}"/>
-          </ac:picMkLst>
-        </pc:picChg>
-        <pc:picChg chg="mod">
-          <ac:chgData name="Bustillo, Gian [USA]" userId="S::624912@bah.com::d2f80d41-3521-48e3-8b17-00e1dec3a46e" providerId="AD" clId="Web-{0EE75923-0F11-913D-2EC0-629DCB2F0821}" dt="2022-09-21T13:43:18.101" v="1360" actId="1076"/>
-          <ac:picMkLst>
-            <pc:docMk/>
-            <pc:sldMk cId="406015231" sldId="332"/>
-            <ac:picMk id="6" creationId="{726EEF72-65C8-DAFD-08A1-6F9FC7E90673}"/>
-          </ac:picMkLst>
-        </pc:picChg>
-        <pc:picChg chg="mod">
-          <ac:chgData name="Bustillo, Gian [USA]" userId="S::624912@bah.com::d2f80d41-3521-48e3-8b17-00e1dec3a46e" providerId="AD" clId="Web-{0EE75923-0F11-913D-2EC0-629DCB2F0821}" dt="2022-09-21T13:43:18.163" v="1361" actId="1076"/>
-          <ac:picMkLst>
-            <pc:docMk/>
-            <pc:sldMk cId="406015231" sldId="332"/>
-            <ac:picMk id="7" creationId="{509B3CAA-B2B0-70B3-F9DC-11F4822C7B82}"/>
-          </ac:picMkLst>
-        </pc:picChg>
-        <pc:picChg chg="mod">
-          <ac:chgData name="Bustillo, Gian [USA]" userId="S::624912@bah.com::d2f80d41-3521-48e3-8b17-00e1dec3a46e" providerId="AD" clId="Web-{0EE75923-0F11-913D-2EC0-629DCB2F0821}" dt="2022-09-21T13:43:18.273" v="1363" actId="1076"/>
-          <ac:picMkLst>
-            <pc:docMk/>
-            <pc:sldMk cId="406015231" sldId="332"/>
-            <ac:picMk id="8" creationId="{32E9E5C6-CBC6-AC75-D2DC-EC109C5FE9F9}"/>
-          </ac:picMkLst>
-        </pc:picChg>
-        <pc:picChg chg="mod">
-          <ac:chgData name="Bustillo, Gian [USA]" userId="S::624912@bah.com::d2f80d41-3521-48e3-8b17-00e1dec3a46e" providerId="AD" clId="Web-{0EE75923-0F11-913D-2EC0-629DCB2F0821}" dt="2022-09-21T13:43:18.335" v="1364" actId="1076"/>
-          <ac:picMkLst>
-            <pc:docMk/>
-            <pc:sldMk cId="406015231" sldId="332"/>
-            <ac:picMk id="10" creationId="{D5D920A8-DEAD-D557-D8ED-25B8FAC75844}"/>
-          </ac:picMkLst>
-        </pc:picChg>
-        <pc:picChg chg="mod">
-          <ac:chgData name="Bustillo, Gian [USA]" userId="S::624912@bah.com::d2f80d41-3521-48e3-8b17-00e1dec3a46e" providerId="AD" clId="Web-{0EE75923-0F11-913D-2EC0-629DCB2F0821}" dt="2022-09-21T13:43:16.976" v="1343" actId="1076"/>
-          <ac:picMkLst>
-            <pc:docMk/>
-            <pc:sldMk cId="406015231" sldId="332"/>
-            <ac:picMk id="11" creationId="{C3374779-DEF1-B27A-FA0B-4CDD15CD429E}"/>
-          </ac:picMkLst>
-        </pc:picChg>
-        <pc:picChg chg="mod">
-          <ac:chgData name="Bustillo, Gian [USA]" userId="S::624912@bah.com::d2f80d41-3521-48e3-8b17-00e1dec3a46e" providerId="AD" clId="Web-{0EE75923-0F11-913D-2EC0-629DCB2F0821}" dt="2022-09-21T13:43:18.398" v="1365" actId="1076"/>
-          <ac:picMkLst>
-            <pc:docMk/>
-            <pc:sldMk cId="406015231" sldId="332"/>
-            <ac:picMk id="12" creationId="{E867A663-BE3F-5F4D-6EEE-CB62E3E9EB60}"/>
-          </ac:picMkLst>
-        </pc:picChg>
-        <pc:picChg chg="mod">
-          <ac:chgData name="Bustillo, Gian [USA]" userId="S::624912@bah.com::d2f80d41-3521-48e3-8b17-00e1dec3a46e" providerId="AD" clId="Web-{0EE75923-0F11-913D-2EC0-629DCB2F0821}" dt="2022-09-21T13:43:17.069" v="1344" actId="1076"/>
-          <ac:picMkLst>
-            <pc:docMk/>
-            <pc:sldMk cId="406015231" sldId="332"/>
-            <ac:picMk id="13" creationId="{C491AC46-EDBD-DE74-8679-C131ABD9491A}"/>
-          </ac:picMkLst>
-        </pc:picChg>
-        <pc:picChg chg="mod">
-          <ac:chgData name="Bustillo, Gian [USA]" userId="S::624912@bah.com::d2f80d41-3521-48e3-8b17-00e1dec3a46e" providerId="AD" clId="Web-{0EE75923-0F11-913D-2EC0-629DCB2F0821}" dt="2022-09-21T13:43:18.460" v="1366" actId="1076"/>
-          <ac:picMkLst>
-            <pc:docMk/>
-            <pc:sldMk cId="406015231" sldId="332"/>
-            <ac:picMk id="14" creationId="{239B7457-5DFC-B224-0B05-412D1CD8B4CE}"/>
-          </ac:picMkLst>
-        </pc:picChg>
-        <pc:picChg chg="mod">
-          <ac:chgData name="Bustillo, Gian [USA]" userId="S::624912@bah.com::d2f80d41-3521-48e3-8b17-00e1dec3a46e" providerId="AD" clId="Web-{0EE75923-0F11-913D-2EC0-629DCB2F0821}" dt="2022-09-21T13:43:17.163" v="1345" actId="1076"/>
-          <ac:picMkLst>
-            <pc:docMk/>
-            <pc:sldMk cId="406015231" sldId="332"/>
-            <ac:picMk id="15" creationId="{C89671F3-D128-ED53-F478-FE3E9CCC4335}"/>
-          </ac:picMkLst>
-        </pc:picChg>
-        <pc:picChg chg="mod">
-          <ac:chgData name="Bustillo, Gian [USA]" userId="S::624912@bah.com::d2f80d41-3521-48e3-8b17-00e1dec3a46e" providerId="AD" clId="Web-{0EE75923-0F11-913D-2EC0-629DCB2F0821}" dt="2022-09-21T13:43:18.570" v="1367" actId="1076"/>
-          <ac:picMkLst>
-            <pc:docMk/>
-            <pc:sldMk cId="406015231" sldId="332"/>
-            <ac:picMk id="16" creationId="{B890B647-1D26-3C8A-3553-85D03DDD47D5}"/>
-          </ac:picMkLst>
-        </pc:picChg>
-        <pc:picChg chg="mod">
-          <ac:chgData name="Bustillo, Gian [USA]" userId="S::624912@bah.com::d2f80d41-3521-48e3-8b17-00e1dec3a46e" providerId="AD" clId="Web-{0EE75923-0F11-913D-2EC0-629DCB2F0821}" dt="2022-09-21T13:43:17.241" v="1346" actId="1076"/>
-          <ac:picMkLst>
-            <pc:docMk/>
-            <pc:sldMk cId="406015231" sldId="332"/>
-            <ac:picMk id="17" creationId="{77AA32C0-CE22-FD2E-F5FB-B7294AD3EA66}"/>
-          </ac:picMkLst>
-        </pc:picChg>
-        <pc:picChg chg="mod">
-          <ac:chgData name="Bustillo, Gian [USA]" userId="S::624912@bah.com::d2f80d41-3521-48e3-8b17-00e1dec3a46e" providerId="AD" clId="Web-{0EE75923-0F11-913D-2EC0-629DCB2F0821}" dt="2022-09-21T13:43:18.663" v="1368" actId="1076"/>
-          <ac:picMkLst>
-            <pc:docMk/>
-            <pc:sldMk cId="406015231" sldId="332"/>
-            <ac:picMk id="18" creationId="{C86C0BE9-B32C-8BF2-E9A1-347BF38BDA5C}"/>
-          </ac:picMkLst>
-        </pc:picChg>
-        <pc:picChg chg="mod">
-          <ac:chgData name="Bustillo, Gian [USA]" userId="S::624912@bah.com::d2f80d41-3521-48e3-8b17-00e1dec3a46e" providerId="AD" clId="Web-{0EE75923-0F11-913D-2EC0-629DCB2F0821}" dt="2022-09-21T13:43:17.304" v="1347" actId="1076"/>
-          <ac:picMkLst>
-            <pc:docMk/>
-            <pc:sldMk cId="406015231" sldId="332"/>
-            <ac:picMk id="19" creationId="{B15E8432-7283-35C3-7B37-BEBEB6FEF1A9}"/>
-          </ac:picMkLst>
-        </pc:picChg>
-        <pc:picChg chg="mod">
-          <ac:chgData name="Bustillo, Gian [USA]" userId="S::624912@bah.com::d2f80d41-3521-48e3-8b17-00e1dec3a46e" providerId="AD" clId="Web-{0EE75923-0F11-913D-2EC0-629DCB2F0821}" dt="2022-09-21T13:43:18.741" v="1369" actId="1076"/>
-          <ac:picMkLst>
-            <pc:docMk/>
-            <pc:sldMk cId="406015231" sldId="332"/>
-            <ac:picMk id="20" creationId="{2251457B-A318-F254-2448-E0903E616027}"/>
-          </ac:picMkLst>
-        </pc:picChg>
-        <pc:picChg chg="mod">
-          <ac:chgData name="Bustillo, Gian [USA]" userId="S::624912@bah.com::d2f80d41-3521-48e3-8b17-00e1dec3a46e" providerId="AD" clId="Web-{0EE75923-0F11-913D-2EC0-629DCB2F0821}" dt="2022-09-21T13:43:17.366" v="1348" actId="1076"/>
-          <ac:picMkLst>
-            <pc:docMk/>
-            <pc:sldMk cId="406015231" sldId="332"/>
-            <ac:picMk id="21" creationId="{9CBEDF66-7516-FD87-47C4-AE9C5F1B7C46}"/>
-          </ac:picMkLst>
-        </pc:picChg>
-        <pc:picChg chg="mod">
-          <ac:chgData name="Bustillo, Gian [USA]" userId="S::624912@bah.com::d2f80d41-3521-48e3-8b17-00e1dec3a46e" providerId="AD" clId="Web-{0EE75923-0F11-913D-2EC0-629DCB2F0821}" dt="2022-09-21T13:43:17.429" v="1349" actId="1076"/>
-          <ac:picMkLst>
-            <pc:docMk/>
-            <pc:sldMk cId="406015231" sldId="332"/>
-            <ac:picMk id="23" creationId="{469321A0-16B4-4167-BD80-5F784198BC5F}"/>
-          </ac:picMkLst>
-        </pc:picChg>
-        <pc:picChg chg="mod">
-          <ac:chgData name="Bustillo, Gian [USA]" userId="S::624912@bah.com::d2f80d41-3521-48e3-8b17-00e1dec3a46e" providerId="AD" clId="Web-{0EE75923-0F11-913D-2EC0-629DCB2F0821}" dt="2022-09-21T13:43:17.820" v="1355" actId="1076"/>
-          <ac:picMkLst>
-            <pc:docMk/>
-            <pc:sldMk cId="406015231" sldId="332"/>
-            <ac:picMk id="24" creationId="{BC4B23C6-C714-AE09-0470-5BA59334851B}"/>
-          </ac:picMkLst>
-        </pc:picChg>
-        <pc:picChg chg="mod">
-          <ac:chgData name="Bustillo, Gian [USA]" userId="S::624912@bah.com::d2f80d41-3521-48e3-8b17-00e1dec3a46e" providerId="AD" clId="Web-{0EE75923-0F11-913D-2EC0-629DCB2F0821}" dt="2022-09-21T13:43:17.507" v="1350" actId="1076"/>
-          <ac:picMkLst>
-            <pc:docMk/>
-            <pc:sldMk cId="406015231" sldId="332"/>
-            <ac:picMk id="25" creationId="{C51C3EDE-FF85-215F-C163-EFF28E7423AD}"/>
-          </ac:picMkLst>
-        </pc:picChg>
-        <pc:picChg chg="mod">
-          <ac:chgData name="Bustillo, Gian [USA]" userId="S::624912@bah.com::d2f80d41-3521-48e3-8b17-00e1dec3a46e" providerId="AD" clId="Web-{0EE75923-0F11-913D-2EC0-629DCB2F0821}" dt="2022-09-21T13:43:17.866" v="1356" actId="1076"/>
-          <ac:picMkLst>
-            <pc:docMk/>
-            <pc:sldMk cId="406015231" sldId="332"/>
-            <ac:picMk id="26" creationId="{C302071C-A940-1343-AA9A-41029BA00A11}"/>
-          </ac:picMkLst>
-        </pc:picChg>
-        <pc:picChg chg="mod">
-          <ac:chgData name="Bustillo, Gian [USA]" userId="S::624912@bah.com::d2f80d41-3521-48e3-8b17-00e1dec3a46e" providerId="AD" clId="Web-{0EE75923-0F11-913D-2EC0-629DCB2F0821}" dt="2022-09-21T13:43:17.585" v="1351" actId="1076"/>
-          <ac:picMkLst>
-            <pc:docMk/>
-            <pc:sldMk cId="406015231" sldId="332"/>
-            <ac:picMk id="27" creationId="{A3C823C1-29B6-166A-4E18-EA27881D01D5}"/>
-          </ac:picMkLst>
-        </pc:picChg>
-        <pc:picChg chg="mod">
-          <ac:chgData name="Bustillo, Gian [USA]" userId="S::624912@bah.com::d2f80d41-3521-48e3-8b17-00e1dec3a46e" providerId="AD" clId="Web-{0EE75923-0F11-913D-2EC0-629DCB2F0821}" dt="2022-09-21T13:43:17.929" v="1357" actId="1076"/>
-          <ac:picMkLst>
-            <pc:docMk/>
-            <pc:sldMk cId="406015231" sldId="332"/>
-            <ac:picMk id="28" creationId="{A7BEEB3E-F285-959E-D146-58DA18087F05}"/>
-          </ac:picMkLst>
-        </pc:picChg>
-        <pc:picChg chg="mod">
-          <ac:chgData name="Bustillo, Gian [USA]" userId="S::624912@bah.com::d2f80d41-3521-48e3-8b17-00e1dec3a46e" providerId="AD" clId="Web-{0EE75923-0F11-913D-2EC0-629DCB2F0821}" dt="2022-09-21T13:43:17.648" v="1352" actId="1076"/>
-          <ac:picMkLst>
-            <pc:docMk/>
-            <pc:sldMk cId="406015231" sldId="332"/>
-            <ac:picMk id="29" creationId="{3E29974F-2058-9AE4-C31B-BD08CC93E4C3}"/>
-          </ac:picMkLst>
-        </pc:picChg>
-        <pc:picChg chg="mod">
-          <ac:chgData name="Bustillo, Gian [USA]" userId="S::624912@bah.com::d2f80d41-3521-48e3-8b17-00e1dec3a46e" providerId="AD" clId="Web-{0EE75923-0F11-913D-2EC0-629DCB2F0821}" dt="2022-09-21T13:43:18.226" v="1362" actId="1076"/>
-          <ac:picMkLst>
-            <pc:docMk/>
-            <pc:sldMk cId="406015231" sldId="332"/>
-            <ac:picMk id="30" creationId="{B6125B74-70D0-435E-83B6-1182C8979462}"/>
-          </ac:picMkLst>
-        </pc:picChg>
-        <pc:picChg chg="mod">
-          <ac:chgData name="Bustillo, Gian [USA]" userId="S::624912@bah.com::d2f80d41-3521-48e3-8b17-00e1dec3a46e" providerId="AD" clId="Web-{0EE75923-0F11-913D-2EC0-629DCB2F0821}" dt="2022-09-21T13:43:17.710" v="1353" actId="1076"/>
-          <ac:picMkLst>
-            <pc:docMk/>
-            <pc:sldMk cId="406015231" sldId="332"/>
-            <ac:picMk id="31" creationId="{EAE55916-283D-76DB-AB46-11C25578A064}"/>
-          </ac:picMkLst>
-        </pc:picChg>
-        <pc:picChg chg="mod">
-          <ac:chgData name="Bustillo, Gian [USA]" userId="S::624912@bah.com::d2f80d41-3521-48e3-8b17-00e1dec3a46e" providerId="AD" clId="Web-{0EE75923-0F11-913D-2EC0-629DCB2F0821}" dt="2022-09-21T13:43:18.820" v="1370" actId="1076"/>
-          <ac:picMkLst>
-            <pc:docMk/>
-            <pc:sldMk cId="406015231" sldId="332"/>
-            <ac:picMk id="32" creationId="{DC258CBB-D714-B905-CA85-8BD765241D1E}"/>
-          </ac:picMkLst>
-        </pc:picChg>
-        <pc:picChg chg="mod">
-          <ac:chgData name="Bustillo, Gian [USA]" userId="S::624912@bah.com::d2f80d41-3521-48e3-8b17-00e1dec3a46e" providerId="AD" clId="Web-{0EE75923-0F11-913D-2EC0-629DCB2F0821}" dt="2022-09-21T13:43:17.757" v="1354" actId="1076"/>
-          <ac:picMkLst>
-            <pc:docMk/>
-            <pc:sldMk cId="406015231" sldId="332"/>
-            <ac:picMk id="33" creationId="{891BB737-A6DF-C049-FBB2-ED35A66F4349}"/>
-          </ac:picMkLst>
-        </pc:picChg>
-        <pc:picChg chg="mod">
-          <ac:chgData name="Bustillo, Gian [USA]" userId="S::624912@bah.com::d2f80d41-3521-48e3-8b17-00e1dec3a46e" providerId="AD" clId="Web-{0EE75923-0F11-913D-2EC0-629DCB2F0821}" dt="2022-09-21T13:43:18.882" v="1371" actId="1076"/>
-          <ac:picMkLst>
-            <pc:docMk/>
-            <pc:sldMk cId="406015231" sldId="332"/>
-            <ac:picMk id="34" creationId="{0003CB12-6B36-E953-10D8-E53FB3CEC6DA}"/>
-          </ac:picMkLst>
-        </pc:picChg>
-        <pc:picChg chg="mod">
-          <ac:chgData name="Bustillo, Gian [USA]" userId="S::624912@bah.com::d2f80d41-3521-48e3-8b17-00e1dec3a46e" providerId="AD" clId="Web-{0EE75923-0F11-913D-2EC0-629DCB2F0821}" dt="2022-09-21T13:43:18.945" v="1372" actId="1076"/>
-          <ac:picMkLst>
-            <pc:docMk/>
-            <pc:sldMk cId="406015231" sldId="332"/>
-            <ac:picMk id="35" creationId="{DDCAC729-EB56-E0BA-73EA-3320E66D9B99}"/>
-          </ac:picMkLst>
-        </pc:picChg>
-        <pc:picChg chg="mod">
-          <ac:chgData name="Bustillo, Gian [USA]" userId="S::624912@bah.com::d2f80d41-3521-48e3-8b17-00e1dec3a46e" providerId="AD" clId="Web-{0EE75923-0F11-913D-2EC0-629DCB2F0821}" dt="2022-09-21T13:43:19.023" v="1373" actId="1076"/>
-          <ac:picMkLst>
-            <pc:docMk/>
-            <pc:sldMk cId="406015231" sldId="332"/>
-            <ac:picMk id="36" creationId="{85D55FFD-1198-1535-C76A-FC9636E6F6CD}"/>
-          </ac:picMkLst>
-        </pc:picChg>
-        <pc:picChg chg="mod">
-          <ac:chgData name="Bustillo, Gian [USA]" userId="S::624912@bah.com::d2f80d41-3521-48e3-8b17-00e1dec3a46e" providerId="AD" clId="Web-{0EE75923-0F11-913D-2EC0-629DCB2F0821}" dt="2022-09-21T13:43:19.085" v="1374" actId="1076"/>
-          <ac:picMkLst>
-            <pc:docMk/>
-            <pc:sldMk cId="406015231" sldId="332"/>
-            <ac:picMk id="37" creationId="{7CBC2415-B753-48A5-9790-0FA7BEA9491A}"/>
-          </ac:picMkLst>
-        </pc:picChg>
-        <pc:picChg chg="mod">
-          <ac:chgData name="Bustillo, Gian [USA]" userId="S::624912@bah.com::d2f80d41-3521-48e3-8b17-00e1dec3a46e" providerId="AD" clId="Web-{0EE75923-0F11-913D-2EC0-629DCB2F0821}" dt="2022-09-21T13:43:19.148" v="1375" actId="1076"/>
-          <ac:picMkLst>
-            <pc:docMk/>
-            <pc:sldMk cId="406015231" sldId="332"/>
-            <ac:picMk id="38" creationId="{7E7FD735-D8A7-422E-8007-64AF0AF5B00D}"/>
-          </ac:picMkLst>
-        </pc:picChg>
-        <pc:picChg chg="mod">
-          <ac:chgData name="Bustillo, Gian [USA]" userId="S::624912@bah.com::d2f80d41-3521-48e3-8b17-00e1dec3a46e" providerId="AD" clId="Web-{0EE75923-0F11-913D-2EC0-629DCB2F0821}" dt="2022-09-21T13:43:19.226" v="1376" actId="1076"/>
-          <ac:picMkLst>
-            <pc:docMk/>
-            <pc:sldMk cId="406015231" sldId="332"/>
-            <ac:picMk id="39" creationId="{FAB6B671-CA9C-4CED-9E9D-80C317E7B954}"/>
-          </ac:picMkLst>
-        </pc:picChg>
-        <pc:picChg chg="mod">
-          <ac:chgData name="Bustillo, Gian [USA]" userId="S::624912@bah.com::d2f80d41-3521-48e3-8b17-00e1dec3a46e" providerId="AD" clId="Web-{0EE75923-0F11-913D-2EC0-629DCB2F0821}" dt="2022-09-21T13:43:19.320" v="1377" actId="1076"/>
-          <ac:picMkLst>
-            <pc:docMk/>
-            <pc:sldMk cId="406015231" sldId="332"/>
-            <ac:picMk id="40" creationId="{48676BA6-2C54-5BE9-8D94-9F0340D49680}"/>
-          </ac:picMkLst>
-        </pc:picChg>
-        <pc:picChg chg="mod">
-          <ac:chgData name="Bustillo, Gian [USA]" userId="S::624912@bah.com::d2f80d41-3521-48e3-8b17-00e1dec3a46e" providerId="AD" clId="Web-{0EE75923-0F11-913D-2EC0-629DCB2F0821}" dt="2022-09-21T13:43:19.398" v="1378" actId="1076"/>
-          <ac:picMkLst>
-            <pc:docMk/>
-            <pc:sldMk cId="406015231" sldId="332"/>
-            <ac:picMk id="41" creationId="{F8FEE23F-334E-215B-D192-3CB085D558A7}"/>
-          </ac:picMkLst>
-        </pc:picChg>
-        <pc:picChg chg="mod">
-          <ac:chgData name="Bustillo, Gian [USA]" userId="S::624912@bah.com::d2f80d41-3521-48e3-8b17-00e1dec3a46e" providerId="AD" clId="Web-{0EE75923-0F11-913D-2EC0-629DCB2F0821}" dt="2022-09-21T13:43:19.476" v="1379" actId="1076"/>
-          <ac:picMkLst>
-            <pc:docMk/>
-            <pc:sldMk cId="406015231" sldId="332"/>
-            <ac:picMk id="42" creationId="{35C4163A-DE47-4604-A275-DFABD9625441}"/>
-          </ac:picMkLst>
-        </pc:picChg>
-        <pc:picChg chg="mod">
-          <ac:chgData name="Bustillo, Gian [USA]" userId="S::624912@bah.com::d2f80d41-3521-48e3-8b17-00e1dec3a46e" providerId="AD" clId="Web-{0EE75923-0F11-913D-2EC0-629DCB2F0821}" dt="2022-09-21T13:43:19.538" v="1380" actId="1076"/>
-          <ac:picMkLst>
-            <pc:docMk/>
-            <pc:sldMk cId="406015231" sldId="332"/>
-            <ac:picMk id="43" creationId="{24A6D04C-9360-4CE5-BC88-7636EF80FC0D}"/>
-          </ac:picMkLst>
-        </pc:picChg>
-        <pc:picChg chg="mod">
-          <ac:chgData name="Bustillo, Gian [USA]" userId="S::624912@bah.com::d2f80d41-3521-48e3-8b17-00e1dec3a46e" providerId="AD" clId="Web-{0EE75923-0F11-913D-2EC0-629DCB2F0821}" dt="2022-09-21T13:43:19.616" v="1381" actId="1076"/>
-          <ac:picMkLst>
-            <pc:docMk/>
-            <pc:sldMk cId="406015231" sldId="332"/>
-            <ac:picMk id="44" creationId="{DEE4900B-C7CD-42D5-BA01-CDAA1A624733}"/>
-          </ac:picMkLst>
-        </pc:picChg>
-        <pc:picChg chg="mod">
-          <ac:chgData name="Bustillo, Gian [USA]" userId="S::624912@bah.com::d2f80d41-3521-48e3-8b17-00e1dec3a46e" providerId="AD" clId="Web-{0EE75923-0F11-913D-2EC0-629DCB2F0821}" dt="2022-09-21T13:43:19.679" v="1382" actId="1076"/>
-          <ac:picMkLst>
-            <pc:docMk/>
-            <pc:sldMk cId="406015231" sldId="332"/>
-            <ac:picMk id="45" creationId="{55CC96E4-ADAD-437A-AFE5-D98506B273D3}"/>
-          </ac:picMkLst>
-        </pc:picChg>
-        <pc:picChg chg="mod">
-          <ac:chgData name="Bustillo, Gian [USA]" userId="S::624912@bah.com::d2f80d41-3521-48e3-8b17-00e1dec3a46e" providerId="AD" clId="Web-{0EE75923-0F11-913D-2EC0-629DCB2F0821}" dt="2022-09-21T13:43:19.757" v="1383" actId="1076"/>
-          <ac:picMkLst>
-            <pc:docMk/>
-            <pc:sldMk cId="406015231" sldId="332"/>
-            <ac:picMk id="46" creationId="{B73C0667-4BE5-4CCB-9FC7-5FBA7D9D0288}"/>
-          </ac:picMkLst>
-        </pc:picChg>
-        <pc:picChg chg="mod">
-          <ac:chgData name="Bustillo, Gian [USA]" userId="S::624912@bah.com::d2f80d41-3521-48e3-8b17-00e1dec3a46e" providerId="AD" clId="Web-{0EE75923-0F11-913D-2EC0-629DCB2F0821}" dt="2022-09-21T13:43:19.820" v="1384" actId="1076"/>
-          <ac:picMkLst>
-            <pc:docMk/>
-            <pc:sldMk cId="406015231" sldId="332"/>
-            <ac:picMk id="47" creationId="{786D9B48-1527-4E8D-9FA4-B7906037BA09}"/>
-          </ac:picMkLst>
-        </pc:picChg>
-        <pc:picChg chg="mod">
-          <ac:chgData name="Bustillo, Gian [USA]" userId="S::624912@bah.com::d2f80d41-3521-48e3-8b17-00e1dec3a46e" providerId="AD" clId="Web-{0EE75923-0F11-913D-2EC0-629DCB2F0821}" dt="2022-09-21T13:43:19.913" v="1385" actId="1076"/>
-          <ac:picMkLst>
-            <pc:docMk/>
-            <pc:sldMk cId="406015231" sldId="332"/>
-            <ac:picMk id="48" creationId="{01F0828D-72CD-C7CA-343E-632ABFFC92B8}"/>
-          </ac:picMkLst>
-        </pc:picChg>
-      </pc:sldChg>
-      <pc:sldChg chg="modSp">
-        <pc:chgData name="Bustillo, Gian [USA]" userId="S::624912@bah.com::d2f80d41-3521-48e3-8b17-00e1dec3a46e" providerId="AD" clId="Web-{0EE75923-0F11-913D-2EC0-629DCB2F0821}" dt="2022-09-21T13:52:19.710" v="1463"/>
-        <pc:sldMkLst>
-          <pc:docMk/>
-          <pc:sldMk cId="2997908498" sldId="338"/>
-        </pc:sldMkLst>
-        <pc:graphicFrameChg chg="mod modGraphic">
-          <ac:chgData name="Bustillo, Gian [USA]" userId="S::624912@bah.com::d2f80d41-3521-48e3-8b17-00e1dec3a46e" providerId="AD" clId="Web-{0EE75923-0F11-913D-2EC0-629DCB2F0821}" dt="2022-09-21T13:52:19.710" v="1463"/>
-          <ac:graphicFrameMkLst>
-            <pc:docMk/>
-            <pc:sldMk cId="2997908498" sldId="338"/>
-            <ac:graphicFrameMk id="6" creationId="{721398D6-4401-DAB3-8C67-407658FE3F55}"/>
-          </ac:graphicFrameMkLst>
-        </pc:graphicFrameChg>
-      </pc:sldChg>
-      <pc:sldChg chg="modSp">
-        <pc:chgData name="Bustillo, Gian [USA]" userId="S::624912@bah.com::d2f80d41-3521-48e3-8b17-00e1dec3a46e" providerId="AD" clId="Web-{0EE75923-0F11-913D-2EC0-629DCB2F0821}" dt="2022-09-21T13:51:30.458" v="1461"/>
-        <pc:sldMkLst>
-          <pc:docMk/>
-          <pc:sldMk cId="3615197908" sldId="342"/>
-        </pc:sldMkLst>
-        <pc:graphicFrameChg chg="mod modGraphic">
-          <ac:chgData name="Bustillo, Gian [USA]" userId="S::624912@bah.com::d2f80d41-3521-48e3-8b17-00e1dec3a46e" providerId="AD" clId="Web-{0EE75923-0F11-913D-2EC0-629DCB2F0821}" dt="2022-09-21T13:51:30.458" v="1461"/>
-          <ac:graphicFrameMkLst>
-            <pc:docMk/>
-            <pc:sldMk cId="3615197908" sldId="342"/>
-            <ac:graphicFrameMk id="6" creationId="{721398D6-4401-DAB3-8C67-407658FE3F55}"/>
-          </ac:graphicFrameMkLst>
-        </pc:graphicFrameChg>
-      </pc:sldChg>
-    </pc:docChg>
-  </pc:docChgLst>
-  <pc:docChgLst>
-    <pc:chgData name="Naga, Julie [USA]" userId="d1165e67-58da-4881-b44d-d330f5e94ed8" providerId="ADAL" clId="{8872B553-1DC5-47F1-8952-26A1403D32AC}"/>
-    <pc:docChg chg="undo custSel modSld">
-      <pc:chgData name="Naga, Julie [USA]" userId="d1165e67-58da-4881-b44d-d330f5e94ed8" providerId="ADAL" clId="{8872B553-1DC5-47F1-8952-26A1403D32AC}" dt="2022-09-21T18:53:58.269" v="604" actId="20577"/>
-      <pc:docMkLst>
-        <pc:docMk/>
-      </pc:docMkLst>
-      <pc:sldChg chg="modSp mod">
-        <pc:chgData name="Naga, Julie [USA]" userId="d1165e67-58da-4881-b44d-d330f5e94ed8" providerId="ADAL" clId="{8872B553-1DC5-47F1-8952-26A1403D32AC}" dt="2022-09-21T18:53:58.269" v="604" actId="20577"/>
-        <pc:sldMkLst>
-          <pc:docMk/>
-          <pc:sldMk cId="1730437909" sldId="325"/>
-        </pc:sldMkLst>
-        <pc:graphicFrameChg chg="modGraphic">
-          <ac:chgData name="Naga, Julie [USA]" userId="d1165e67-58da-4881-b44d-d330f5e94ed8" providerId="ADAL" clId="{8872B553-1DC5-47F1-8952-26A1403D32AC}" dt="2022-09-21T18:53:58.269" v="604" actId="20577"/>
-          <ac:graphicFrameMkLst>
-            <pc:docMk/>
-            <pc:sldMk cId="1730437909" sldId="325"/>
-            <ac:graphicFrameMk id="6" creationId="{721398D6-4401-DAB3-8C67-407658FE3F55}"/>
-          </ac:graphicFrameMkLst>
-        </pc:graphicFrameChg>
-      </pc:sldChg>
-      <pc:sldChg chg="addSp delSp modSp mod">
-        <pc:chgData name="Naga, Julie [USA]" userId="d1165e67-58da-4881-b44d-d330f5e94ed8" providerId="ADAL" clId="{8872B553-1DC5-47F1-8952-26A1403D32AC}" dt="2022-09-21T18:37:31.456" v="343" actId="478"/>
-        <pc:sldMkLst>
-          <pc:docMk/>
-          <pc:sldMk cId="3827174074" sldId="347"/>
-        </pc:sldMkLst>
-        <pc:spChg chg="add mod">
-          <ac:chgData name="Naga, Julie [USA]" userId="d1165e67-58da-4881-b44d-d330f5e94ed8" providerId="ADAL" clId="{8872B553-1DC5-47F1-8952-26A1403D32AC}" dt="2022-09-21T18:37:28.833" v="342" actId="20577"/>
-          <ac:spMkLst>
-            <pc:docMk/>
-            <pc:sldMk cId="3827174074" sldId="347"/>
-            <ac:spMk id="9" creationId="{762B2DE7-9A80-456F-B7F1-09031CBADA76}"/>
-          </ac:spMkLst>
-        </pc:spChg>
-        <pc:spChg chg="add mod">
-          <ac:chgData name="Naga, Julie [USA]" userId="d1165e67-58da-4881-b44d-d330f5e94ed8" providerId="ADAL" clId="{8872B553-1DC5-47F1-8952-26A1403D32AC}" dt="2022-09-21T18:35:09.613" v="278" actId="1076"/>
-          <ac:spMkLst>
-            <pc:docMk/>
-            <pc:sldMk cId="3827174074" sldId="347"/>
-            <ac:spMk id="17" creationId="{51C6BD13-8A76-4369-9504-9573B099B13A}"/>
-          </ac:spMkLst>
-        </pc:spChg>
-        <pc:spChg chg="add mod">
-          <ac:chgData name="Naga, Julie [USA]" userId="d1165e67-58da-4881-b44d-d330f5e94ed8" providerId="ADAL" clId="{8872B553-1DC5-47F1-8952-26A1403D32AC}" dt="2022-09-21T18:35:51.742" v="321" actId="1076"/>
-          <ac:spMkLst>
-            <pc:docMk/>
-            <pc:sldMk cId="3827174074" sldId="347"/>
-            <ac:spMk id="19" creationId="{9AF8291A-4E3A-4DFA-A573-B8F7DEB394C3}"/>
-          </ac:spMkLst>
-        </pc:spChg>
-        <pc:spChg chg="add mod">
-          <ac:chgData name="Naga, Julie [USA]" userId="d1165e67-58da-4881-b44d-d330f5e94ed8" providerId="ADAL" clId="{8872B553-1DC5-47F1-8952-26A1403D32AC}" dt="2022-09-21T18:37:15.001" v="339" actId="1076"/>
-          <ac:spMkLst>
-            <pc:docMk/>
-            <pc:sldMk cId="3827174074" sldId="347"/>
-            <ac:spMk id="21" creationId="{A2D09F0C-58BC-4117-9F96-BB8BDFFAFC89}"/>
-          </ac:spMkLst>
-        </pc:spChg>
-        <pc:picChg chg="mod">
-          <ac:chgData name="Naga, Julie [USA]" userId="d1165e67-58da-4881-b44d-d330f5e94ed8" providerId="ADAL" clId="{8872B553-1DC5-47F1-8952-26A1403D32AC}" dt="2022-09-21T18:28:35.240" v="103" actId="1076"/>
-          <ac:picMkLst>
-            <pc:docMk/>
-            <pc:sldMk cId="3827174074" sldId="347"/>
-            <ac:picMk id="5" creationId="{FC49EB1A-2B3B-9ED6-E228-823F4DA0CEBD}"/>
-          </ac:picMkLst>
-        </pc:picChg>
-        <pc:picChg chg="mod">
-          <ac:chgData name="Naga, Julie [USA]" userId="d1165e67-58da-4881-b44d-d330f5e94ed8" providerId="ADAL" clId="{8872B553-1DC5-47F1-8952-26A1403D32AC}" dt="2022-09-21T18:32:02.499" v="150" actId="1076"/>
-          <ac:picMkLst>
-            <pc:docMk/>
-            <pc:sldMk cId="3827174074" sldId="347"/>
-            <ac:picMk id="8" creationId="{35D443B1-FD86-FEEF-90C1-07777D29E808}"/>
-          </ac:picMkLst>
-        </pc:picChg>
-        <pc:picChg chg="del mod">
-          <ac:chgData name="Naga, Julie [USA]" userId="d1165e67-58da-4881-b44d-d330f5e94ed8" providerId="ADAL" clId="{8872B553-1DC5-47F1-8952-26A1403D32AC}" dt="2022-09-21T18:31:37.406" v="147" actId="478"/>
-          <ac:picMkLst>
-            <pc:docMk/>
-            <pc:sldMk cId="3827174074" sldId="347"/>
-            <ac:picMk id="10" creationId="{F9FE7814-AC46-1001-2D9B-74DD11C3CD52}"/>
-          </ac:picMkLst>
-        </pc:picChg>
-        <pc:picChg chg="add mod modCrop">
-          <ac:chgData name="Naga, Julie [USA]" userId="d1165e67-58da-4881-b44d-d330f5e94ed8" providerId="ADAL" clId="{8872B553-1DC5-47F1-8952-26A1403D32AC}" dt="2022-09-21T18:34:24.169" v="240" actId="1076"/>
-          <ac:picMkLst>
-            <pc:docMk/>
-            <pc:sldMk cId="3827174074" sldId="347"/>
-            <ac:picMk id="11" creationId="{3FF40C5D-E8FF-447B-9A1C-0070FD41DC93}"/>
-          </ac:picMkLst>
-        </pc:picChg>
-        <pc:picChg chg="del mod modCrop">
-          <ac:chgData name="Naga, Julie [USA]" userId="d1165e67-58da-4881-b44d-d330f5e94ed8" providerId="ADAL" clId="{8872B553-1DC5-47F1-8952-26A1403D32AC}" dt="2022-09-21T18:31:31.160" v="144" actId="478"/>
-          <ac:picMkLst>
-            <pc:docMk/>
-            <pc:sldMk cId="3827174074" sldId="347"/>
-            <ac:picMk id="12" creationId="{C8D711C8-2562-6619-602A-4B5902E891F7}"/>
-          </ac:picMkLst>
-        </pc:picChg>
-        <pc:picChg chg="add mod modCrop">
-          <ac:chgData name="Naga, Julie [USA]" userId="d1165e67-58da-4881-b44d-d330f5e94ed8" providerId="ADAL" clId="{8872B553-1DC5-47F1-8952-26A1403D32AC}" dt="2022-09-21T18:34:31.455" v="241" actId="1076"/>
-          <ac:picMkLst>
-            <pc:docMk/>
-            <pc:sldMk cId="3827174074" sldId="347"/>
-            <ac:picMk id="13" creationId="{B3C21EA7-C41A-42A9-AE6B-4A7AE95A5C63}"/>
-          </ac:picMkLst>
-        </pc:picChg>
-        <pc:picChg chg="del">
-          <ac:chgData name="Naga, Julie [USA]" userId="d1165e67-58da-4881-b44d-d330f5e94ed8" providerId="ADAL" clId="{8872B553-1DC5-47F1-8952-26A1403D32AC}" dt="2022-09-21T18:27:58.448" v="97" actId="478"/>
-          <ac:picMkLst>
-            <pc:docMk/>
-            <pc:sldMk cId="3827174074" sldId="347"/>
-            <ac:picMk id="14" creationId="{F26AE20A-65AB-6702-FAEC-AC7782DE3406}"/>
-          </ac:picMkLst>
-        </pc:picChg>
-        <pc:picChg chg="add mod modCrop">
-          <ac:chgData name="Naga, Julie [USA]" userId="d1165e67-58da-4881-b44d-d330f5e94ed8" providerId="ADAL" clId="{8872B553-1DC5-47F1-8952-26A1403D32AC}" dt="2022-09-21T18:34:31.455" v="241" actId="1076"/>
-          <ac:picMkLst>
-            <pc:docMk/>
-            <pc:sldMk cId="3827174074" sldId="347"/>
-            <ac:picMk id="15" creationId="{A619274D-69AE-4477-B272-797826D3A6B9}"/>
-          </ac:picMkLst>
-        </pc:picChg>
-        <pc:picChg chg="del">
-          <ac:chgData name="Naga, Julie [USA]" userId="d1165e67-58da-4881-b44d-d330f5e94ed8" providerId="ADAL" clId="{8872B553-1DC5-47F1-8952-26A1403D32AC}" dt="2022-09-21T18:37:31.456" v="343" actId="478"/>
-          <ac:picMkLst>
-            <pc:docMk/>
-            <pc:sldMk cId="3827174074" sldId="347"/>
-            <ac:picMk id="16" creationId="{DAB59E5C-7BB7-1A17-15C8-33338EB0FD61}"/>
-          </ac:picMkLst>
-        </pc:picChg>
-        <pc:picChg chg="del">
-          <ac:chgData name="Naga, Julie [USA]" userId="d1165e67-58da-4881-b44d-d330f5e94ed8" providerId="ADAL" clId="{8872B553-1DC5-47F1-8952-26A1403D32AC}" dt="2022-09-21T18:31:33.228" v="145" actId="478"/>
-          <ac:picMkLst>
-            <pc:docMk/>
-            <pc:sldMk cId="3827174074" sldId="347"/>
-            <ac:picMk id="18" creationId="{24053767-421D-5482-6B50-6DC0503C344C}"/>
-          </ac:picMkLst>
-        </pc:picChg>
-        <pc:picChg chg="del">
-          <ac:chgData name="Naga, Julie [USA]" userId="d1165e67-58da-4881-b44d-d330f5e94ed8" providerId="ADAL" clId="{8872B553-1DC5-47F1-8952-26A1403D32AC}" dt="2022-09-21T18:30:43.705" v="122" actId="478"/>
-          <ac:picMkLst>
-            <pc:docMk/>
-            <pc:sldMk cId="3827174074" sldId="347"/>
-            <ac:picMk id="20" creationId="{54211602-A44A-FEFF-B8F2-67217D3C64A7}"/>
-          </ac:picMkLst>
-        </pc:picChg>
-      </pc:sldChg>
-    </pc:docChg>
-  </pc:docChgLst>
-  <pc:docChgLst>
-    <pc:chgData name="Bustillo, Gian [USA]" userId="S::624912@bah.com::d2f80d41-3521-48e3-8b17-00e1dec3a46e" providerId="AD" clId="Web-{8A329A3F-2856-AB7D-208A-200666291135}"/>
-    <pc:docChg chg="delSld">
-      <pc:chgData name="Bustillo, Gian [USA]" userId="S::624912@bah.com::d2f80d41-3521-48e3-8b17-00e1dec3a46e" providerId="AD" clId="Web-{8A329A3F-2856-AB7D-208A-200666291135}" dt="2022-10-12T20:00:12.545" v="1"/>
-      <pc:docMkLst>
-        <pc:docMk/>
-      </pc:docMkLst>
-      <pc:sldChg chg="del">
-        <pc:chgData name="Bustillo, Gian [USA]" userId="S::624912@bah.com::d2f80d41-3521-48e3-8b17-00e1dec3a46e" providerId="AD" clId="Web-{8A329A3F-2856-AB7D-208A-200666291135}" dt="2022-10-12T20:00:12.545" v="1"/>
-        <pc:sldMkLst>
-          <pc:docMk/>
-          <pc:sldMk cId="1919599644" sldId="327"/>
-        </pc:sldMkLst>
-      </pc:sldChg>
-      <pc:sldChg chg="del">
-        <pc:chgData name="Bustillo, Gian [USA]" userId="S::624912@bah.com::d2f80d41-3521-48e3-8b17-00e1dec3a46e" providerId="AD" clId="Web-{8A329A3F-2856-AB7D-208A-200666291135}" dt="2022-10-12T19:59:51.762" v="0"/>
-        <pc:sldMkLst>
-          <pc:docMk/>
-          <pc:sldMk cId="2383740140" sldId="344"/>
-        </pc:sldMkLst>
-      </pc:sldChg>
-    </pc:docChg>
-  </pc:docChgLst>
-  <pc:docChgLst>
-    <pc:chgData clId="Web-{A7D169EE-0B18-5A1D-13D4-7DEF870D6E8F}"/>
-    <pc:docChg chg="modSld">
-      <pc:chgData name="" userId="" providerId="" clId="Web-{A7D169EE-0B18-5A1D-13D4-7DEF870D6E8F}" dt="2022-11-02T19:55:24.155" v="4" actId="20577"/>
-      <pc:docMkLst>
-        <pc:docMk/>
-      </pc:docMkLst>
-      <pc:sldChg chg="modSp">
-        <pc:chgData name="" userId="" providerId="" clId="Web-{A7D169EE-0B18-5A1D-13D4-7DEF870D6E8F}" dt="2022-11-02T19:55:24.155" v="4" actId="20577"/>
-        <pc:sldMkLst>
-          <pc:docMk/>
-          <pc:sldMk cId="815678163" sldId="273"/>
-        </pc:sldMkLst>
-        <pc:spChg chg="mod">
-          <ac:chgData name="" userId="" providerId="" clId="Web-{A7D169EE-0B18-5A1D-13D4-7DEF870D6E8F}" dt="2022-11-02T19:55:24.155" v="4" actId="20577"/>
-          <ac:spMkLst>
-            <pc:docMk/>
-            <pc:sldMk cId="815678163" sldId="273"/>
-            <ac:spMk id="4" creationId="{1408AF8C-36F5-4E54-888B-435A9B6B6EA8}"/>
-          </ac:spMkLst>
-        </pc:spChg>
-      </pc:sldChg>
-    </pc:docChg>
-  </pc:docChgLst>
-  <pc:docChgLst>
-    <pc:chgData name="Goodenough, Grace [USA]" userId="S::624306@bah.com::4223f804-184a-4090-a0f5-cee3bfcfa365" providerId="AD" clId="Web-{2E7FCD24-04E3-4932-DB9F-C76DE6AE23B3}"/>
-    <pc:docChg chg="modSld">
-      <pc:chgData name="Goodenough, Grace [USA]" userId="S::624306@bah.com::4223f804-184a-4090-a0f5-cee3bfcfa365" providerId="AD" clId="Web-{2E7FCD24-04E3-4932-DB9F-C76DE6AE23B3}" dt="2022-11-02T17:24:40.361" v="93"/>
-      <pc:docMkLst>
-        <pc:docMk/>
-      </pc:docMkLst>
-      <pc:sldChg chg="modSp">
-        <pc:chgData name="Goodenough, Grace [USA]" userId="S::624306@bah.com::4223f804-184a-4090-a0f5-cee3bfcfa365" providerId="AD" clId="Web-{2E7FCD24-04E3-4932-DB9F-C76DE6AE23B3}" dt="2022-11-02T17:24:40.361" v="93"/>
-        <pc:sldMkLst>
-          <pc:docMk/>
-          <pc:sldMk cId="1730437909" sldId="325"/>
-        </pc:sldMkLst>
-        <pc:graphicFrameChg chg="mod modGraphic">
-          <ac:chgData name="Goodenough, Grace [USA]" userId="S::624306@bah.com::4223f804-184a-4090-a0f5-cee3bfcfa365" providerId="AD" clId="Web-{2E7FCD24-04E3-4932-DB9F-C76DE6AE23B3}" dt="2022-11-02T17:24:40.361" v="93"/>
-          <ac:graphicFrameMkLst>
-            <pc:docMk/>
-            <pc:sldMk cId="1730437909" sldId="325"/>
-            <ac:graphicFrameMk id="6" creationId="{721398D6-4401-DAB3-8C67-407658FE3F55}"/>
-          </ac:graphicFrameMkLst>
-        </pc:graphicFrameChg>
-      </pc:sldChg>
-    </pc:docChg>
-  </pc:docChgLst>
-  <pc:docChgLst>
-    <pc:chgData name="Bustillo, Gian [USA]" userId="S::624912@bah.com::d2f80d41-3521-48e3-8b17-00e1dec3a46e" providerId="AD" clId="Web-{344371A6-AC4E-2BA0-CFF7-905B963A72C2}"/>
-    <pc:docChg chg="addSld delSld modSld">
-      <pc:chgData name="Bustillo, Gian [USA]" userId="S::624912@bah.com::d2f80d41-3521-48e3-8b17-00e1dec3a46e" providerId="AD" clId="Web-{344371A6-AC4E-2BA0-CFF7-905B963A72C2}" dt="2022-08-25T13:50:25.236" v="26"/>
-      <pc:docMkLst>
-        <pc:docMk/>
-      </pc:docMkLst>
-      <pc:sldChg chg="modSp">
-        <pc:chgData name="Bustillo, Gian [USA]" userId="S::624912@bah.com::d2f80d41-3521-48e3-8b17-00e1dec3a46e" providerId="AD" clId="Web-{344371A6-AC4E-2BA0-CFF7-905B963A72C2}" dt="2022-08-25T13:50:25.236" v="26"/>
-        <pc:sldMkLst>
-          <pc:docMk/>
-          <pc:sldMk cId="1730437909" sldId="325"/>
-        </pc:sldMkLst>
-        <pc:graphicFrameChg chg="mod modGraphic">
-          <ac:chgData name="Bustillo, Gian [USA]" userId="S::624912@bah.com::d2f80d41-3521-48e3-8b17-00e1dec3a46e" providerId="AD" clId="Web-{344371A6-AC4E-2BA0-CFF7-905B963A72C2}" dt="2022-08-25T13:50:25.236" v="26"/>
-          <ac:graphicFrameMkLst>
-            <pc:docMk/>
-            <pc:sldMk cId="1730437909" sldId="325"/>
-            <ac:graphicFrameMk id="6" creationId="{721398D6-4401-DAB3-8C67-407658FE3F55}"/>
-          </ac:graphicFrameMkLst>
-        </pc:graphicFrameChg>
-      </pc:sldChg>
-      <pc:sldChg chg="modSp add del">
-        <pc:chgData name="Bustillo, Gian [USA]" userId="S::624912@bah.com::d2f80d41-3521-48e3-8b17-00e1dec3a46e" providerId="AD" clId="Web-{344371A6-AC4E-2BA0-CFF7-905B963A72C2}" dt="2022-08-25T13:49:46.719" v="8"/>
-        <pc:sldMkLst>
-          <pc:docMk/>
-          <pc:sldMk cId="4236055788" sldId="333"/>
-        </pc:sldMkLst>
-        <pc:spChg chg="mod">
-          <ac:chgData name="Bustillo, Gian [USA]" userId="S::624912@bah.com::d2f80d41-3521-48e3-8b17-00e1dec3a46e" providerId="AD" clId="Web-{344371A6-AC4E-2BA0-CFF7-905B963A72C2}" dt="2022-08-25T13:49:43.297" v="7" actId="20577"/>
-          <ac:spMkLst>
-            <pc:docMk/>
-            <pc:sldMk cId="4236055788" sldId="333"/>
-            <ac:spMk id="2" creationId="{98724F25-AEF2-A44A-9426-46B073EF367F}"/>
-          </ac:spMkLst>
-        </pc:spChg>
-        <pc:spChg chg="mod">
-          <ac:chgData name="Bustillo, Gian [USA]" userId="S::624912@bah.com::d2f80d41-3521-48e3-8b17-00e1dec3a46e" providerId="AD" clId="Web-{344371A6-AC4E-2BA0-CFF7-905B963A72C2}" dt="2022-08-25T13:49:15.140" v="2" actId="20577"/>
-          <ac:spMkLst>
-            <pc:docMk/>
-            <pc:sldMk cId="4236055788" sldId="333"/>
-            <ac:spMk id="3" creationId="{F5AEE255-63A5-4C8D-63A4-EA97D5912588}"/>
-          </ac:spMkLst>
-        </pc:spChg>
-      </pc:sldChg>
-      <pc:sldChg chg="add">
-        <pc:chgData name="Bustillo, Gian [USA]" userId="S::624912@bah.com::d2f80d41-3521-48e3-8b17-00e1dec3a46e" providerId="AD" clId="Web-{344371A6-AC4E-2BA0-CFF7-905B963A72C2}" dt="2022-08-25T13:50:05.891" v="9"/>
-        <pc:sldMkLst>
-          <pc:docMk/>
-          <pc:sldMk cId="2407803864" sldId="339"/>
-        </pc:sldMkLst>
-      </pc:sldChg>
-      <pc:sldChg chg="add">
-        <pc:chgData name="Bustillo, Gian [USA]" userId="S::624912@bah.com::d2f80d41-3521-48e3-8b17-00e1dec3a46e" providerId="AD" clId="Web-{344371A6-AC4E-2BA0-CFF7-905B963A72C2}" dt="2022-08-25T13:50:07.641" v="10"/>
-        <pc:sldMkLst>
-          <pc:docMk/>
-          <pc:sldMk cId="2344164123" sldId="340"/>
-        </pc:sldMkLst>
-      </pc:sldChg>
-    </pc:docChg>
-  </pc:docChgLst>
-  <pc:docChgLst>
-    <pc:chgData name="Bustillo, Gian [USA]" userId="S::624912@bah.com::d2f80d41-3521-48e3-8b17-00e1dec3a46e" providerId="AD" clId="Web-{816E0442-EB60-547D-1649-B02F39D5B646}"/>
-    <pc:docChg chg="modSld">
-      <pc:chgData name="Bustillo, Gian [USA]" userId="S::624912@bah.com::d2f80d41-3521-48e3-8b17-00e1dec3a46e" providerId="AD" clId="Web-{816E0442-EB60-547D-1649-B02F39D5B646}" dt="2022-09-14T20:18:49.654" v="717"/>
-      <pc:docMkLst>
-        <pc:docMk/>
-      </pc:docMkLst>
-      <pc:sldChg chg="modSp">
-        <pc:chgData name="Bustillo, Gian [USA]" userId="S::624912@bah.com::d2f80d41-3521-48e3-8b17-00e1dec3a46e" providerId="AD" clId="Web-{816E0442-EB60-547D-1649-B02F39D5B646}" dt="2022-09-14T20:16:11.883" v="523"/>
-        <pc:sldMkLst>
-          <pc:docMk/>
-          <pc:sldMk cId="1730437909" sldId="325"/>
-        </pc:sldMkLst>
-        <pc:graphicFrameChg chg="mod modGraphic">
-          <ac:chgData name="Bustillo, Gian [USA]" userId="S::624912@bah.com::d2f80d41-3521-48e3-8b17-00e1dec3a46e" providerId="AD" clId="Web-{816E0442-EB60-547D-1649-B02F39D5B646}" dt="2022-09-14T20:16:11.883" v="523"/>
-          <ac:graphicFrameMkLst>
-            <pc:docMk/>
-            <pc:sldMk cId="1730437909" sldId="325"/>
-            <ac:graphicFrameMk id="6" creationId="{721398D6-4401-DAB3-8C67-407658FE3F55}"/>
-          </ac:graphicFrameMkLst>
-        </pc:graphicFrameChg>
-      </pc:sldChg>
-      <pc:sldChg chg="modSp">
-        <pc:chgData name="Bustillo, Gian [USA]" userId="S::624912@bah.com::d2f80d41-3521-48e3-8b17-00e1dec3a46e" providerId="AD" clId="Web-{816E0442-EB60-547D-1649-B02F39D5B646}" dt="2022-09-14T20:16:26.602" v="527"/>
-        <pc:sldMkLst>
-          <pc:docMk/>
-          <pc:sldMk cId="2997908498" sldId="338"/>
-        </pc:sldMkLst>
-        <pc:graphicFrameChg chg="mod modGraphic">
-          <ac:chgData name="Bustillo, Gian [USA]" userId="S::624912@bah.com::d2f80d41-3521-48e3-8b17-00e1dec3a46e" providerId="AD" clId="Web-{816E0442-EB60-547D-1649-B02F39D5B646}" dt="2022-09-14T20:16:26.602" v="527"/>
-          <ac:graphicFrameMkLst>
-            <pc:docMk/>
-            <pc:sldMk cId="2997908498" sldId="338"/>
-            <ac:graphicFrameMk id="6" creationId="{721398D6-4401-DAB3-8C67-407658FE3F55}"/>
-          </ac:graphicFrameMkLst>
-        </pc:graphicFrameChg>
-      </pc:sldChg>
-      <pc:sldChg chg="modSp">
-        <pc:chgData name="Bustillo, Gian [USA]" userId="S::624912@bah.com::d2f80d41-3521-48e3-8b17-00e1dec3a46e" providerId="AD" clId="Web-{816E0442-EB60-547D-1649-B02F39D5B646}" dt="2022-09-14T20:18:49.654" v="717"/>
-        <pc:sldMkLst>
-          <pc:docMk/>
-          <pc:sldMk cId="3615197908" sldId="342"/>
-        </pc:sldMkLst>
-        <pc:graphicFrameChg chg="mod modGraphic">
-          <ac:chgData name="Bustillo, Gian [USA]" userId="S::624912@bah.com::d2f80d41-3521-48e3-8b17-00e1dec3a46e" providerId="AD" clId="Web-{816E0442-EB60-547D-1649-B02F39D5B646}" dt="2022-09-14T20:18:49.654" v="717"/>
-          <ac:graphicFrameMkLst>
-            <pc:docMk/>
-            <pc:sldMk cId="3615197908" sldId="342"/>
-            <ac:graphicFrameMk id="6" creationId="{721398D6-4401-DAB3-8C67-407658FE3F55}"/>
-          </ac:graphicFrameMkLst>
-        </pc:graphicFrameChg>
-      </pc:sldChg>
-    </pc:docChg>
-  </pc:docChgLst>
-  <pc:docChgLst>
-    <pc:chgData name="Allen, Ty [USA]" userId="dd763b48-02c2-4b2d-a668-ca9385d09dd8" providerId="ADAL" clId="{EB5F90E5-D965-AC41-8BC5-4602DF7C25DC}"/>
-    <pc:docChg chg="custSel addSld modSld">
-      <pc:chgData name="Allen, Ty [USA]" userId="dd763b48-02c2-4b2d-a668-ca9385d09dd8" providerId="ADAL" clId="{EB5F90E5-D965-AC41-8BC5-4602DF7C25DC}" dt="2022-09-21T18:30:23.909" v="31" actId="1076"/>
-      <pc:docMkLst>
-        <pc:docMk/>
-      </pc:docMkLst>
-      <pc:sldChg chg="addSp delSp modSp add mod">
-        <pc:chgData name="Allen, Ty [USA]" userId="dd763b48-02c2-4b2d-a668-ca9385d09dd8" providerId="ADAL" clId="{EB5F90E5-D965-AC41-8BC5-4602DF7C25DC}" dt="2022-09-21T18:30:23.909" v="31" actId="1076"/>
-        <pc:sldMkLst>
-          <pc:docMk/>
-          <pc:sldMk cId="3827174074" sldId="347"/>
-        </pc:sldMkLst>
-        <pc:graphicFrameChg chg="del">
-          <ac:chgData name="Allen, Ty [USA]" userId="dd763b48-02c2-4b2d-a668-ca9385d09dd8" providerId="ADAL" clId="{EB5F90E5-D965-AC41-8BC5-4602DF7C25DC}" dt="2022-09-21T15:11:49.285" v="1" actId="478"/>
-          <ac:graphicFrameMkLst>
-            <pc:docMk/>
-            <pc:sldMk cId="3827174074" sldId="347"/>
-            <ac:graphicFrameMk id="6" creationId="{721398D6-4401-DAB3-8C67-407658FE3F55}"/>
-          </ac:graphicFrameMkLst>
-        </pc:graphicFrameChg>
-        <pc:picChg chg="add mod">
-          <ac:chgData name="Allen, Ty [USA]" userId="dd763b48-02c2-4b2d-a668-ca9385d09dd8" providerId="ADAL" clId="{EB5F90E5-D965-AC41-8BC5-4602DF7C25DC}" dt="2022-09-21T18:23:50.164" v="7" actId="27614"/>
-          <ac:picMkLst>
-            <pc:docMk/>
-            <pc:sldMk cId="3827174074" sldId="347"/>
-            <ac:picMk id="5" creationId="{FC49EB1A-2B3B-9ED6-E228-823F4DA0CEBD}"/>
-          </ac:picMkLst>
-        </pc:picChg>
-        <pc:picChg chg="add mod">
-          <ac:chgData name="Allen, Ty [USA]" userId="dd763b48-02c2-4b2d-a668-ca9385d09dd8" providerId="ADAL" clId="{EB5F90E5-D965-AC41-8BC5-4602DF7C25DC}" dt="2022-09-21T18:24:05.474" v="16" actId="1076"/>
-          <ac:picMkLst>
-            <pc:docMk/>
-            <pc:sldMk cId="3827174074" sldId="347"/>
-            <ac:picMk id="8" creationId="{35D443B1-FD86-FEEF-90C1-07777D29E808}"/>
-          </ac:picMkLst>
-        </pc:picChg>
-        <pc:picChg chg="add mod">
-          <ac:chgData name="Allen, Ty [USA]" userId="dd763b48-02c2-4b2d-a668-ca9385d09dd8" providerId="ADAL" clId="{EB5F90E5-D965-AC41-8BC5-4602DF7C25DC}" dt="2022-09-21T18:24:00.744" v="15" actId="1076"/>
-          <ac:picMkLst>
-            <pc:docMk/>
-            <pc:sldMk cId="3827174074" sldId="347"/>
-            <ac:picMk id="10" creationId="{F9FE7814-AC46-1001-2D9B-74DD11C3CD52}"/>
-          </ac:picMkLst>
-        </pc:picChg>
-        <pc:picChg chg="add mod">
-          <ac:chgData name="Allen, Ty [USA]" userId="dd763b48-02c2-4b2d-a668-ca9385d09dd8" providerId="ADAL" clId="{EB5F90E5-D965-AC41-8BC5-4602DF7C25DC}" dt="2022-09-21T18:29:55.835" v="17" actId="931"/>
-          <ac:picMkLst>
-            <pc:docMk/>
-            <pc:sldMk cId="3827174074" sldId="347"/>
-            <ac:picMk id="12" creationId="{C8D711C8-2562-6619-602A-4B5902E891F7}"/>
-          </ac:picMkLst>
-        </pc:picChg>
-        <pc:picChg chg="mod">
-          <ac:chgData name="Allen, Ty [USA]" userId="dd763b48-02c2-4b2d-a668-ca9385d09dd8" providerId="ADAL" clId="{EB5F90E5-D965-AC41-8BC5-4602DF7C25DC}" dt="2022-09-21T18:29:55.835" v="17" actId="931"/>
-          <ac:picMkLst>
-            <pc:docMk/>
-            <pc:sldMk cId="3827174074" sldId="347"/>
-            <ac:picMk id="13" creationId="{B3C21EA7-C41A-42A9-AE6B-4A7AE95A5C63}"/>
-          </ac:picMkLst>
-        </pc:picChg>
-        <pc:picChg chg="add mod">
-          <ac:chgData name="Allen, Ty [USA]" userId="dd763b48-02c2-4b2d-a668-ca9385d09dd8" providerId="ADAL" clId="{EB5F90E5-D965-AC41-8BC5-4602DF7C25DC}" dt="2022-09-21T18:23:51.845" v="13" actId="1076"/>
-          <ac:picMkLst>
-            <pc:docMk/>
-            <pc:sldMk cId="3827174074" sldId="347"/>
-            <ac:picMk id="14" creationId="{F26AE20A-65AB-6702-FAEC-AC7782DE3406}"/>
-          </ac:picMkLst>
-        </pc:picChg>
-        <pc:picChg chg="add mod">
-          <ac:chgData name="Allen, Ty [USA]" userId="dd763b48-02c2-4b2d-a668-ca9385d09dd8" providerId="ADAL" clId="{EB5F90E5-D965-AC41-8BC5-4602DF7C25DC}" dt="2022-09-21T18:30:23.909" v="31" actId="1076"/>
-          <ac:picMkLst>
-            <pc:docMk/>
-            <pc:sldMk cId="3827174074" sldId="347"/>
-            <ac:picMk id="16" creationId="{DAB59E5C-7BB7-1A17-15C8-33338EB0FD61}"/>
-          </ac:picMkLst>
-        </pc:picChg>
-        <pc:picChg chg="add mod">
-          <ac:chgData name="Allen, Ty [USA]" userId="dd763b48-02c2-4b2d-a668-ca9385d09dd8" providerId="ADAL" clId="{EB5F90E5-D965-AC41-8BC5-4602DF7C25DC}" dt="2022-09-21T18:30:18.901" v="29" actId="1076"/>
-          <ac:picMkLst>
-            <pc:docMk/>
-            <pc:sldMk cId="3827174074" sldId="347"/>
-            <ac:picMk id="18" creationId="{24053767-421D-5482-6B50-6DC0503C344C}"/>
-          </ac:picMkLst>
-        </pc:picChg>
-        <pc:picChg chg="add mod">
-          <ac:chgData name="Allen, Ty [USA]" userId="dd763b48-02c2-4b2d-a668-ca9385d09dd8" providerId="ADAL" clId="{EB5F90E5-D965-AC41-8BC5-4602DF7C25DC}" dt="2022-09-21T18:30:11.482" v="27" actId="1076"/>
-          <ac:picMkLst>
-            <pc:docMk/>
-            <pc:sldMk cId="3827174074" sldId="347"/>
-            <ac:picMk id="20" creationId="{54211602-A44A-FEFF-B8F2-67217D3C64A7}"/>
-          </ac:picMkLst>
-        </pc:picChg>
-      </pc:sldChg>
-    </pc:docChg>
-  </pc:docChgLst>
-  <pc:docChgLst>
-    <pc:chgData name="Naga, Julie [USA]" userId="S::524919@bah.com::d1165e67-58da-4881-b44d-d330f5e94ed8" providerId="AD" clId="Web-{370C0109-262A-442A-AF6D-E54598F3E585}"/>
-    <pc:docChg chg="modSld">
-      <pc:chgData name="Naga, Julie [USA]" userId="S::524919@bah.com::d1165e67-58da-4881-b44d-d330f5e94ed8" providerId="AD" clId="Web-{370C0109-262A-442A-AF6D-E54598F3E585}" dt="2022-10-05T18:02:00.259" v="21"/>
-      <pc:docMkLst>
-        <pc:docMk/>
-      </pc:docMkLst>
-      <pc:sldChg chg="modSp">
-        <pc:chgData name="Naga, Julie [USA]" userId="S::524919@bah.com::d1165e67-58da-4881-b44d-d330f5e94ed8" providerId="AD" clId="Web-{370C0109-262A-442A-AF6D-E54598F3E585}" dt="2022-10-05T18:02:00.259" v="21"/>
-        <pc:sldMkLst>
-          <pc:docMk/>
-          <pc:sldMk cId="1730437909" sldId="325"/>
-        </pc:sldMkLst>
-        <pc:graphicFrameChg chg="mod modGraphic">
-          <ac:chgData name="Naga, Julie [USA]" userId="S::524919@bah.com::d1165e67-58da-4881-b44d-d330f5e94ed8" providerId="AD" clId="Web-{370C0109-262A-442A-AF6D-E54598F3E585}" dt="2022-10-05T18:02:00.259" v="21"/>
-          <ac:graphicFrameMkLst>
-            <pc:docMk/>
-            <pc:sldMk cId="1730437909" sldId="325"/>
-            <ac:graphicFrameMk id="6" creationId="{721398D6-4401-DAB3-8C67-407658FE3F55}"/>
-          </ac:graphicFrameMkLst>
-        </pc:graphicFrameChg>
-      </pc:sldChg>
-    </pc:docChg>
-  </pc:docChgLst>
-  <pc:docChgLst>
-    <pc:chgData name="Bustillo, Gian [USA]" userId="S::624912@bah.com::d2f80d41-3521-48e3-8b17-00e1dec3a46e" providerId="AD" clId="Web-{23913F70-AE11-6092-8059-91D79CC6922C}"/>
-    <pc:docChg chg="delSld">
-      <pc:chgData name="Bustillo, Gian [USA]" userId="S::624912@bah.com::d2f80d41-3521-48e3-8b17-00e1dec3a46e" providerId="AD" clId="Web-{23913F70-AE11-6092-8059-91D79CC6922C}" dt="2022-08-25T20:49:20.662" v="0"/>
-      <pc:docMkLst>
-        <pc:docMk/>
-      </pc:docMkLst>
-      <pc:sldChg chg="del">
-        <pc:chgData name="Bustillo, Gian [USA]" userId="S::624912@bah.com::d2f80d41-3521-48e3-8b17-00e1dec3a46e" providerId="AD" clId="Web-{23913F70-AE11-6092-8059-91D79CC6922C}" dt="2022-08-25T20:49:20.662" v="0"/>
-        <pc:sldMkLst>
-          <pc:docMk/>
-          <pc:sldMk cId="2407803864" sldId="339"/>
-        </pc:sldMkLst>
-      </pc:sldChg>
-    </pc:docChg>
-  </pc:docChgLst>
-  <pc:docChgLst>
-    <pc:chgData name="Goodenough, Grace [USA]" userId="4223f804-184a-4090-a0f5-cee3bfcfa365" providerId="ADAL" clId="{903F711D-A052-4A4F-A083-C60D74606D53}"/>
-    <pc:docChg chg="modSld">
-      <pc:chgData name="Goodenough, Grace [USA]" userId="4223f804-184a-4090-a0f5-cee3bfcfa365" providerId="ADAL" clId="{903F711D-A052-4A4F-A083-C60D74606D53}" dt="2022-10-12T20:01:00.732" v="189" actId="20577"/>
-      <pc:docMkLst>
-        <pc:docMk/>
-      </pc:docMkLst>
-      <pc:sldChg chg="modSp mod">
-        <pc:chgData name="Goodenough, Grace [USA]" userId="4223f804-184a-4090-a0f5-cee3bfcfa365" providerId="ADAL" clId="{903F711D-A052-4A4F-A083-C60D74606D53}" dt="2022-10-12T20:01:00.732" v="189" actId="20577"/>
-        <pc:sldMkLst>
-          <pc:docMk/>
-          <pc:sldMk cId="1730437909" sldId="325"/>
-        </pc:sldMkLst>
-        <pc:graphicFrameChg chg="mod modGraphic">
-          <ac:chgData name="Goodenough, Grace [USA]" userId="4223f804-184a-4090-a0f5-cee3bfcfa365" providerId="ADAL" clId="{903F711D-A052-4A4F-A083-C60D74606D53}" dt="2022-10-12T20:01:00.732" v="189" actId="20577"/>
-          <ac:graphicFrameMkLst>
-            <pc:docMk/>
-            <pc:sldMk cId="1730437909" sldId="325"/>
-            <ac:graphicFrameMk id="6" creationId="{721398D6-4401-DAB3-8C67-407658FE3F55}"/>
-          </ac:graphicFrameMkLst>
-        </pc:graphicFrameChg>
-      </pc:sldChg>
-    </pc:docChg>
-  </pc:docChgLst>
-  <pc:docChgLst>
-    <pc:chgData name="Bustillo, Gian [USA]" userId="S::624912@bah.com::d2f80d41-3521-48e3-8b17-00e1dec3a46e" providerId="AD" clId="Web-{2BC643AD-85A1-5E04-D2E7-87093FDB1C70}"/>
-    <pc:docChg chg="modSld">
-      <pc:chgData name="Bustillo, Gian [USA]" userId="S::624912@bah.com::d2f80d41-3521-48e3-8b17-00e1dec3a46e" providerId="AD" clId="Web-{2BC643AD-85A1-5E04-D2E7-87093FDB1C70}" dt="2022-09-16T12:26:12.460" v="17"/>
-      <pc:docMkLst>
-        <pc:docMk/>
-      </pc:docMkLst>
-      <pc:sldChg chg="modSp">
-        <pc:chgData name="Bustillo, Gian [USA]" userId="S::624912@bah.com::d2f80d41-3521-48e3-8b17-00e1dec3a46e" providerId="AD" clId="Web-{2BC643AD-85A1-5E04-D2E7-87093FDB1C70}" dt="2022-09-16T12:26:12.460" v="17"/>
-        <pc:sldMkLst>
-          <pc:docMk/>
-          <pc:sldMk cId="3615197908" sldId="342"/>
-        </pc:sldMkLst>
-        <pc:graphicFrameChg chg="mod modGraphic">
-          <ac:chgData name="Bustillo, Gian [USA]" userId="S::624912@bah.com::d2f80d41-3521-48e3-8b17-00e1dec3a46e" providerId="AD" clId="Web-{2BC643AD-85A1-5E04-D2E7-87093FDB1C70}" dt="2022-09-16T12:26:12.460" v="17"/>
-          <ac:graphicFrameMkLst>
-            <pc:docMk/>
-            <pc:sldMk cId="3615197908" sldId="342"/>
-            <ac:graphicFrameMk id="6" creationId="{721398D6-4401-DAB3-8C67-407658FE3F55}"/>
-          </ac:graphicFrameMkLst>
-        </pc:graphicFrameChg>
-      </pc:sldChg>
-    </pc:docChg>
-  </pc:docChgLst>
-  <pc:docChgLst>
-    <pc:chgData name="Bustillo, Gian [USA]" userId="S::624912@bah.com::d2f80d41-3521-48e3-8b17-00e1dec3a46e" providerId="AD" clId="Web-{EECBDF53-AAFA-918B-E83A-836E06B135D7}"/>
-    <pc:docChg chg="modSld">
-      <pc:chgData name="Bustillo, Gian [USA]" userId="S::624912@bah.com::d2f80d41-3521-48e3-8b17-00e1dec3a46e" providerId="AD" clId="Web-{EECBDF53-AAFA-918B-E83A-836E06B135D7}" dt="2022-11-02T17:14:05.016" v="410"/>
-      <pc:docMkLst>
-        <pc:docMk/>
-      </pc:docMkLst>
-      <pc:sldChg chg="modSp">
-        <pc:chgData name="Bustillo, Gian [USA]" userId="S::624912@bah.com::d2f80d41-3521-48e3-8b17-00e1dec3a46e" providerId="AD" clId="Web-{EECBDF53-AAFA-918B-E83A-836E06B135D7}" dt="2022-11-02T17:09:56.211" v="2" actId="20577"/>
-        <pc:sldMkLst>
-          <pc:docMk/>
-          <pc:sldMk cId="815678163" sldId="273"/>
-        </pc:sldMkLst>
-        <pc:spChg chg="mod">
-          <ac:chgData name="Bustillo, Gian [USA]" userId="S::624912@bah.com::d2f80d41-3521-48e3-8b17-00e1dec3a46e" providerId="AD" clId="Web-{EECBDF53-AAFA-918B-E83A-836E06B135D7}" dt="2022-11-02T17:09:56.211" v="2" actId="20577"/>
-          <ac:spMkLst>
-            <pc:docMk/>
-            <pc:sldMk cId="815678163" sldId="273"/>
-            <ac:spMk id="4" creationId="{1408AF8C-36F5-4E54-888B-435A9B6B6EA8}"/>
-          </ac:spMkLst>
-        </pc:spChg>
-      </pc:sldChg>
-      <pc:sldChg chg="modSp">
-        <pc:chgData name="Bustillo, Gian [USA]" userId="S::624912@bah.com::d2f80d41-3521-48e3-8b17-00e1dec3a46e" providerId="AD" clId="Web-{EECBDF53-AAFA-918B-E83A-836E06B135D7}" dt="2022-11-02T17:12:41.748" v="190"/>
-        <pc:sldMkLst>
-          <pc:docMk/>
-          <pc:sldMk cId="1730437909" sldId="325"/>
-        </pc:sldMkLst>
-        <pc:graphicFrameChg chg="mod modGraphic">
-          <ac:chgData name="Bustillo, Gian [USA]" userId="S::624912@bah.com::d2f80d41-3521-48e3-8b17-00e1dec3a46e" providerId="AD" clId="Web-{EECBDF53-AAFA-918B-E83A-836E06B135D7}" dt="2022-11-02T17:12:41.748" v="190"/>
-          <ac:graphicFrameMkLst>
-            <pc:docMk/>
-            <pc:sldMk cId="1730437909" sldId="325"/>
-            <ac:graphicFrameMk id="6" creationId="{721398D6-4401-DAB3-8C67-407658FE3F55}"/>
-          </ac:graphicFrameMkLst>
-        </pc:graphicFrameChg>
-      </pc:sldChg>
-      <pc:sldChg chg="modSp">
-        <pc:chgData name="Bustillo, Gian [USA]" userId="S::624912@bah.com::d2f80d41-3521-48e3-8b17-00e1dec3a46e" providerId="AD" clId="Web-{EECBDF53-AAFA-918B-E83A-836E06B135D7}" dt="2022-11-02T17:11:34.027" v="94"/>
-        <pc:sldMkLst>
-          <pc:docMk/>
-          <pc:sldMk cId="406015231" sldId="332"/>
-        </pc:sldMkLst>
-        <pc:graphicFrameChg chg="mod modGraphic">
-          <ac:chgData name="Bustillo, Gian [USA]" userId="S::624912@bah.com::d2f80d41-3521-48e3-8b17-00e1dec3a46e" providerId="AD" clId="Web-{EECBDF53-AAFA-918B-E83A-836E06B135D7}" dt="2022-11-02T17:11:34.027" v="94"/>
-          <ac:graphicFrameMkLst>
-            <pc:docMk/>
-            <pc:sldMk cId="406015231" sldId="332"/>
-            <ac:graphicFrameMk id="22" creationId="{C84DDD7B-6774-5EFC-723D-2DB69F219CEC}"/>
-          </ac:graphicFrameMkLst>
-        </pc:graphicFrameChg>
-      </pc:sldChg>
-      <pc:sldChg chg="modSp">
-        <pc:chgData name="Bustillo, Gian [USA]" userId="S::624912@bah.com::d2f80d41-3521-48e3-8b17-00e1dec3a46e" providerId="AD" clId="Web-{EECBDF53-AAFA-918B-E83A-836E06B135D7}" dt="2022-11-02T17:14:05.016" v="410"/>
-        <pc:sldMkLst>
-          <pc:docMk/>
-          <pc:sldMk cId="2997908498" sldId="338"/>
-        </pc:sldMkLst>
-        <pc:graphicFrameChg chg="mod modGraphic">
-          <ac:chgData name="Bustillo, Gian [USA]" userId="S::624912@bah.com::d2f80d41-3521-48e3-8b17-00e1dec3a46e" providerId="AD" clId="Web-{EECBDF53-AAFA-918B-E83A-836E06B135D7}" dt="2022-11-02T17:14:05.016" v="410"/>
-          <ac:graphicFrameMkLst>
-            <pc:docMk/>
-            <pc:sldMk cId="2997908498" sldId="338"/>
-            <ac:graphicFrameMk id="6" creationId="{721398D6-4401-DAB3-8C67-407658FE3F55}"/>
-          </ac:graphicFrameMkLst>
-        </pc:graphicFrameChg>
-      </pc:sldChg>
-    </pc:docChg>
-  </pc:docChgLst>
-  <pc:docChgLst>
-    <pc:chgData name="Bustillo, Gian [USA]" userId="S::624912@bah.com::d2f80d41-3521-48e3-8b17-00e1dec3a46e" providerId="AD" clId="Web-{D8A1EE23-FCF2-1B6F-1422-A28B2C94AE94}"/>
-    <pc:docChg chg="modSld">
-      <pc:chgData name="Bustillo, Gian [USA]" userId="S::624912@bah.com::d2f80d41-3521-48e3-8b17-00e1dec3a46e" providerId="AD" clId="Web-{D8A1EE23-FCF2-1B6F-1422-A28B2C94AE94}" dt="2022-11-10T13:07:19.802" v="0" actId="20577"/>
-      <pc:docMkLst>
-        <pc:docMk/>
-      </pc:docMkLst>
-      <pc:sldChg chg="modSp">
-        <pc:chgData name="Bustillo, Gian [USA]" userId="S::624912@bah.com::d2f80d41-3521-48e3-8b17-00e1dec3a46e" providerId="AD" clId="Web-{D8A1EE23-FCF2-1B6F-1422-A28B2C94AE94}" dt="2022-11-10T13:07:19.802" v="0" actId="20577"/>
-        <pc:sldMkLst>
-          <pc:docMk/>
-          <pc:sldMk cId="815678163" sldId="273"/>
-        </pc:sldMkLst>
-        <pc:spChg chg="mod">
-          <ac:chgData name="Bustillo, Gian [USA]" userId="S::624912@bah.com::d2f80d41-3521-48e3-8b17-00e1dec3a46e" providerId="AD" clId="Web-{D8A1EE23-FCF2-1B6F-1422-A28B2C94AE94}" dt="2022-11-10T13:07:19.802" v="0" actId="20577"/>
-          <ac:spMkLst>
-            <pc:docMk/>
-            <pc:sldMk cId="815678163" sldId="273"/>
-            <ac:spMk id="4" creationId="{1408AF8C-36F5-4E54-888B-435A9B6B6EA8}"/>
-          </ac:spMkLst>
-        </pc:spChg>
-      </pc:sldChg>
-    </pc:docChg>
-  </pc:docChgLst>
-  <pc:docChgLst>
-    <pc:chgData name="Goel, Sunayna [USA]" userId="S::625168@bah.com::abc387ba-55f4-491c-a73c-17dee6a00d97" providerId="AD" clId="Web-{EB10E3D7-FBFF-4C1B-8CCE-96B4C14C664D}"/>
-    <pc:docChg chg="modSld">
-      <pc:chgData name="Goel, Sunayna [USA]" userId="S::625168@bah.com::abc387ba-55f4-491c-a73c-17dee6a00d97" providerId="AD" clId="Web-{EB10E3D7-FBFF-4C1B-8CCE-96B4C14C664D}" dt="2022-10-05T15:20:42.383" v="1"/>
-      <pc:docMkLst>
-        <pc:docMk/>
-      </pc:docMkLst>
-      <pc:sldChg chg="modSp">
-        <pc:chgData name="Goel, Sunayna [USA]" userId="S::625168@bah.com::abc387ba-55f4-491c-a73c-17dee6a00d97" providerId="AD" clId="Web-{EB10E3D7-FBFF-4C1B-8CCE-96B4C14C664D}" dt="2022-10-05T15:20:42.383" v="1"/>
-        <pc:sldMkLst>
-          <pc:docMk/>
-          <pc:sldMk cId="1730437909" sldId="325"/>
-        </pc:sldMkLst>
-        <pc:graphicFrameChg chg="mod modGraphic">
-          <ac:chgData name="Goel, Sunayna [USA]" userId="S::625168@bah.com::abc387ba-55f4-491c-a73c-17dee6a00d97" providerId="AD" clId="Web-{EB10E3D7-FBFF-4C1B-8CCE-96B4C14C664D}" dt="2022-10-05T15:20:42.383" v="1"/>
-          <ac:graphicFrameMkLst>
-            <pc:docMk/>
-            <pc:sldMk cId="1730437909" sldId="325"/>
-            <ac:graphicFrameMk id="6" creationId="{721398D6-4401-DAB3-8C67-407658FE3F55}"/>
-          </ac:graphicFrameMkLst>
-        </pc:graphicFrameChg>
-      </pc:sldChg>
-    </pc:docChg>
-  </pc:docChgLst>
-  <pc:docChgLst>
-    <pc:chgData name="Bush, Nicole [USA]" userId="S::625966@bah.com::5c03dfba-b736-46b3-907c-245bd83404ad" providerId="AD" clId="Web-{8866C88B-3D81-408F-A802-4FCEA3592B10}"/>
-    <pc:docChg chg="modSld">
-      <pc:chgData name="Bush, Nicole [USA]" userId="S::625966@bah.com::5c03dfba-b736-46b3-907c-245bd83404ad" providerId="AD" clId="Web-{8866C88B-3D81-408F-A802-4FCEA3592B10}" dt="2022-10-05T20:36:19.710" v="191"/>
-      <pc:docMkLst>
-        <pc:docMk/>
-      </pc:docMkLst>
-      <pc:sldChg chg="modSp">
-        <pc:chgData name="Bush, Nicole [USA]" userId="S::625966@bah.com::5c03dfba-b736-46b3-907c-245bd83404ad" providerId="AD" clId="Web-{8866C88B-3D81-408F-A802-4FCEA3592B10}" dt="2022-10-05T20:36:19.710" v="191"/>
-        <pc:sldMkLst>
-          <pc:docMk/>
-          <pc:sldMk cId="3615197908" sldId="342"/>
-        </pc:sldMkLst>
-        <pc:graphicFrameChg chg="mod modGraphic">
-          <ac:chgData name="Bush, Nicole [USA]" userId="S::625966@bah.com::5c03dfba-b736-46b3-907c-245bd83404ad" providerId="AD" clId="Web-{8866C88B-3D81-408F-A802-4FCEA3592B10}" dt="2022-10-05T20:36:19.710" v="191"/>
-          <ac:graphicFrameMkLst>
-            <pc:docMk/>
-            <pc:sldMk cId="3615197908" sldId="342"/>
-            <ac:graphicFrameMk id="6" creationId="{721398D6-4401-DAB3-8C67-407658FE3F55}"/>
-          </ac:graphicFrameMkLst>
-        </pc:graphicFrameChg>
-      </pc:sldChg>
-    </pc:docChg>
-  </pc:docChgLst>
-  <pc:docChgLst>
-    <pc:chgData name="Bustillo, Gian [USA]" userId="d2f80d41-3521-48e3-8b17-00e1dec3a46e" providerId="ADAL" clId="{F09A8D49-D6AC-4439-B746-62AAA0BAA073}"/>
-    <pc:docChg chg="modSld">
-      <pc:chgData name="Bustillo, Gian [USA]" userId="d2f80d41-3521-48e3-8b17-00e1dec3a46e" providerId="ADAL" clId="{F09A8D49-D6AC-4439-B746-62AAA0BAA073}" dt="2022-09-29T13:34:48.267" v="2" actId="2164"/>
-      <pc:docMkLst>
-        <pc:docMk/>
-      </pc:docMkLst>
-      <pc:sldChg chg="modSp mod">
-        <pc:chgData name="Bustillo, Gian [USA]" userId="d2f80d41-3521-48e3-8b17-00e1dec3a46e" providerId="ADAL" clId="{F09A8D49-D6AC-4439-B746-62AAA0BAA073}" dt="2022-09-29T13:34:48.267" v="2" actId="2164"/>
-        <pc:sldMkLst>
-          <pc:docMk/>
-          <pc:sldMk cId="2997908498" sldId="338"/>
-        </pc:sldMkLst>
-        <pc:graphicFrameChg chg="modGraphic">
-          <ac:chgData name="Bustillo, Gian [USA]" userId="d2f80d41-3521-48e3-8b17-00e1dec3a46e" providerId="ADAL" clId="{F09A8D49-D6AC-4439-B746-62AAA0BAA073}" dt="2022-09-29T13:34:48.267" v="2" actId="2164"/>
-          <ac:graphicFrameMkLst>
-            <pc:docMk/>
-            <pc:sldMk cId="2997908498" sldId="338"/>
-            <ac:graphicFrameMk id="6" creationId="{721398D6-4401-DAB3-8C67-407658FE3F55}"/>
-          </ac:graphicFrameMkLst>
-        </pc:graphicFrameChg>
-      </pc:sldChg>
-      <pc:sldChg chg="modSp mod">
-        <pc:chgData name="Bustillo, Gian [USA]" userId="d2f80d41-3521-48e3-8b17-00e1dec3a46e" providerId="ADAL" clId="{F09A8D49-D6AC-4439-B746-62AAA0BAA073}" dt="2022-09-29T13:34:44.357" v="1"/>
-        <pc:sldMkLst>
-          <pc:docMk/>
-          <pc:sldMk cId="3615197908" sldId="342"/>
-        </pc:sldMkLst>
-        <pc:graphicFrameChg chg="mod modGraphic">
-          <ac:chgData name="Bustillo, Gian [USA]" userId="d2f80d41-3521-48e3-8b17-00e1dec3a46e" providerId="ADAL" clId="{F09A8D49-D6AC-4439-B746-62AAA0BAA073}" dt="2022-09-29T13:34:44.357" v="1"/>
-          <ac:graphicFrameMkLst>
-            <pc:docMk/>
-            <pc:sldMk cId="3615197908" sldId="342"/>
-            <ac:graphicFrameMk id="6" creationId="{721398D6-4401-DAB3-8C67-407658FE3F55}"/>
-          </ac:graphicFrameMkLst>
-        </pc:graphicFrameChg>
-      </pc:sldChg>
-    </pc:docChg>
-  </pc:docChgLst>
-  <pc:docChgLst>
-    <pc:chgData name="Goel, Sunayna [USA]" userId="S::625168@bah.com::abc387ba-55f4-491c-a73c-17dee6a00d97" providerId="AD" clId="Web-{0154341D-E4E4-48FF-8E86-E6A2A0D9C8B6}"/>
-    <pc:docChg chg="modSld">
-      <pc:chgData name="Goel, Sunayna [USA]" userId="S::625168@bah.com::abc387ba-55f4-491c-a73c-17dee6a00d97" providerId="AD" clId="Web-{0154341D-E4E4-48FF-8E86-E6A2A0D9C8B6}" dt="2022-09-28T19:03:35.097" v="202"/>
-      <pc:docMkLst>
-        <pc:docMk/>
-      </pc:docMkLst>
-      <pc:sldChg chg="modSp">
-        <pc:chgData name="Goel, Sunayna [USA]" userId="S::625168@bah.com::abc387ba-55f4-491c-a73c-17dee6a00d97" providerId="AD" clId="Web-{0154341D-E4E4-48FF-8E86-E6A2A0D9C8B6}" dt="2022-09-28T19:03:35.097" v="202"/>
-        <pc:sldMkLst>
-          <pc:docMk/>
-          <pc:sldMk cId="1730437909" sldId="325"/>
-        </pc:sldMkLst>
-        <pc:graphicFrameChg chg="mod modGraphic">
-          <ac:chgData name="Goel, Sunayna [USA]" userId="S::625168@bah.com::abc387ba-55f4-491c-a73c-17dee6a00d97" providerId="AD" clId="Web-{0154341D-E4E4-48FF-8E86-E6A2A0D9C8B6}" dt="2022-09-28T19:03:35.097" v="202"/>
-          <ac:graphicFrameMkLst>
-            <pc:docMk/>
-            <pc:sldMk cId="1730437909" sldId="325"/>
-            <ac:graphicFrameMk id="6" creationId="{721398D6-4401-DAB3-8C67-407658FE3F55}"/>
-          </ac:graphicFrameMkLst>
-        </pc:graphicFrameChg>
-      </pc:sldChg>
-    </pc:docChg>
-  </pc:docChgLst>
-  <pc:docChgLst>
-    <pc:chgData name="Goodenough, Grace [USA]" userId="4223f804-184a-4090-a0f5-cee3bfcfa365" providerId="ADAL" clId="{909A29F2-FBBE-A443-891E-97DC44B53FE5}"/>
-    <pc:docChg chg="modSld">
-      <pc:chgData name="Goodenough, Grace [USA]" userId="4223f804-184a-4090-a0f5-cee3bfcfa365" providerId="ADAL" clId="{909A29F2-FBBE-A443-891E-97DC44B53FE5}" dt="2022-10-19T15:46:13.893" v="117" actId="20577"/>
-      <pc:docMkLst>
-        <pc:docMk/>
-      </pc:docMkLst>
-      <pc:sldChg chg="modSp mod">
-        <pc:chgData name="Goodenough, Grace [USA]" userId="4223f804-184a-4090-a0f5-cee3bfcfa365" providerId="ADAL" clId="{909A29F2-FBBE-A443-891E-97DC44B53FE5}" dt="2022-10-19T15:46:13.893" v="117" actId="20577"/>
-        <pc:sldMkLst>
-          <pc:docMk/>
-          <pc:sldMk cId="1730437909" sldId="325"/>
-        </pc:sldMkLst>
-        <pc:graphicFrameChg chg="mod modGraphic">
-          <ac:chgData name="Goodenough, Grace [USA]" userId="4223f804-184a-4090-a0f5-cee3bfcfa365" providerId="ADAL" clId="{909A29F2-FBBE-A443-891E-97DC44B53FE5}" dt="2022-10-19T15:46:13.893" v="117" actId="20577"/>
-          <ac:graphicFrameMkLst>
-            <pc:docMk/>
-            <pc:sldMk cId="1730437909" sldId="325"/>
-            <ac:graphicFrameMk id="6" creationId="{721398D6-4401-DAB3-8C67-407658FE3F55}"/>
-          </ac:graphicFrameMkLst>
-        </pc:graphicFrameChg>
-      </pc:sldChg>
-    </pc:docChg>
-  </pc:docChgLst>
-  <pc:docChgLst>
-    <pc:chgData name="Bustillo, Gian [USA]" userId="S::624912@bah.com::d2f80d41-3521-48e3-8b17-00e1dec3a46e" providerId="AD" clId="Web-{83AB59AF-9523-7F68-497B-B4C63F034755}"/>
-    <pc:docChg chg="modSld">
-      <pc:chgData name="Bustillo, Gian [USA]" userId="S::624912@bah.com::d2f80d41-3521-48e3-8b17-00e1dec3a46e" providerId="AD" clId="Web-{83AB59AF-9523-7F68-497B-B4C63F034755}" dt="2022-09-28T16:08:43.648" v="171"/>
-      <pc:docMkLst>
-        <pc:docMk/>
-      </pc:docMkLst>
-      <pc:sldChg chg="modSp">
-        <pc:chgData name="Bustillo, Gian [USA]" userId="S::624912@bah.com::d2f80d41-3521-48e3-8b17-00e1dec3a46e" providerId="AD" clId="Web-{83AB59AF-9523-7F68-497B-B4C63F034755}" dt="2022-09-28T16:08:43.648" v="171"/>
-        <pc:sldMkLst>
-          <pc:docMk/>
-          <pc:sldMk cId="406015231" sldId="332"/>
-        </pc:sldMkLst>
-        <pc:graphicFrameChg chg="mod modGraphic">
-          <ac:chgData name="Bustillo, Gian [USA]" userId="S::624912@bah.com::d2f80d41-3521-48e3-8b17-00e1dec3a46e" providerId="AD" clId="Web-{83AB59AF-9523-7F68-497B-B4C63F034755}" dt="2022-09-28T16:08:43.648" v="171"/>
-          <ac:graphicFrameMkLst>
-            <pc:docMk/>
-            <pc:sldMk cId="406015231" sldId="332"/>
-            <ac:graphicFrameMk id="22" creationId="{C84DDD7B-6774-5EFC-723D-2DB69F219CEC}"/>
-          </ac:graphicFrameMkLst>
-        </pc:graphicFrameChg>
-      </pc:sldChg>
-    </pc:docChg>
-  </pc:docChgLst>
-  <pc:docChgLst>
-    <pc:chgData name="Naga, Julie [USA]" userId="d1165e67-58da-4881-b44d-d330f5e94ed8" providerId="ADAL" clId="{B2F6CD85-FB83-47F0-BDC0-600D1626CA74}"/>
-    <pc:docChg chg="custSel addSld delSld modSld">
-      <pc:chgData name="Naga, Julie [USA]" userId="d1165e67-58da-4881-b44d-d330f5e94ed8" providerId="ADAL" clId="{B2F6CD85-FB83-47F0-BDC0-600D1626CA74}" dt="2022-08-31T14:44:51.889" v="1494" actId="14100"/>
-      <pc:docMkLst>
-        <pc:docMk/>
-      </pc:docMkLst>
-      <pc:sldChg chg="delSp modSp add del mod">
-        <pc:chgData name="Naga, Julie [USA]" userId="d1165e67-58da-4881-b44d-d330f5e94ed8" providerId="ADAL" clId="{B2F6CD85-FB83-47F0-BDC0-600D1626CA74}" dt="2022-08-31T14:41:39.865" v="1480" actId="47"/>
-        <pc:sldMkLst>
-          <pc:docMk/>
-          <pc:sldMk cId="1767127440" sldId="343"/>
-        </pc:sldMkLst>
-        <pc:spChg chg="mod">
-          <ac:chgData name="Naga, Julie [USA]" userId="d1165e67-58da-4881-b44d-d330f5e94ed8" providerId="ADAL" clId="{B2F6CD85-FB83-47F0-BDC0-600D1626CA74}" dt="2022-08-30T15:58:12.759" v="22" actId="20577"/>
-          <ac:spMkLst>
-            <pc:docMk/>
-            <pc:sldMk cId="1767127440" sldId="343"/>
-            <ac:spMk id="2" creationId="{98724F25-AEF2-A44A-9426-46B073EF367F}"/>
-          </ac:spMkLst>
-        </pc:spChg>
-        <pc:graphicFrameChg chg="del">
-          <ac:chgData name="Naga, Julie [USA]" userId="d1165e67-58da-4881-b44d-d330f5e94ed8" providerId="ADAL" clId="{B2F6CD85-FB83-47F0-BDC0-600D1626CA74}" dt="2022-08-30T15:57:36.024" v="1" actId="478"/>
-          <ac:graphicFrameMkLst>
-            <pc:docMk/>
-            <pc:sldMk cId="1767127440" sldId="343"/>
-            <ac:graphicFrameMk id="9" creationId="{01CBABE8-2EFC-AAC9-99BF-51F104312217}"/>
-          </ac:graphicFrameMkLst>
-        </pc:graphicFrameChg>
-        <pc:graphicFrameChg chg="del">
-          <ac:chgData name="Naga, Julie [USA]" userId="d1165e67-58da-4881-b44d-d330f5e94ed8" providerId="ADAL" clId="{B2F6CD85-FB83-47F0-BDC0-600D1626CA74}" dt="2022-08-30T15:57:41.873" v="2" actId="478"/>
-          <ac:graphicFrameMkLst>
-            <pc:docMk/>
-            <pc:sldMk cId="1767127440" sldId="343"/>
-            <ac:graphicFrameMk id="22" creationId="{C84DDD7B-6774-5EFC-723D-2DB69F219CEC}"/>
-          </ac:graphicFrameMkLst>
-        </pc:graphicFrameChg>
-        <pc:picChg chg="del">
-          <ac:chgData name="Naga, Julie [USA]" userId="d1165e67-58da-4881-b44d-d330f5e94ed8" providerId="ADAL" clId="{B2F6CD85-FB83-47F0-BDC0-600D1626CA74}" dt="2022-08-30T15:57:41.873" v="2" actId="478"/>
-          <ac:picMkLst>
-            <pc:docMk/>
-            <pc:sldMk cId="1767127440" sldId="343"/>
-            <ac:picMk id="3" creationId="{E988F262-1705-14FA-D5F7-404BBF481260}"/>
-          </ac:picMkLst>
-        </pc:picChg>
-        <pc:picChg chg="del">
-          <ac:chgData name="Naga, Julie [USA]" userId="d1165e67-58da-4881-b44d-d330f5e94ed8" providerId="ADAL" clId="{B2F6CD85-FB83-47F0-BDC0-600D1626CA74}" dt="2022-08-30T15:57:41.873" v="2" actId="478"/>
-          <ac:picMkLst>
-            <pc:docMk/>
-            <pc:sldMk cId="1767127440" sldId="343"/>
-            <ac:picMk id="5" creationId="{D12C361A-9D6A-E334-B391-865061D4FBAD}"/>
-          </ac:picMkLst>
-        </pc:picChg>
-        <pc:picChg chg="del">
-          <ac:chgData name="Naga, Julie [USA]" userId="d1165e67-58da-4881-b44d-d330f5e94ed8" providerId="ADAL" clId="{B2F6CD85-FB83-47F0-BDC0-600D1626CA74}" dt="2022-08-30T15:57:41.873" v="2" actId="478"/>
-          <ac:picMkLst>
-            <pc:docMk/>
-            <pc:sldMk cId="1767127440" sldId="343"/>
-            <ac:picMk id="6" creationId="{726EEF72-65C8-DAFD-08A1-6F9FC7E90673}"/>
-          </ac:picMkLst>
-        </pc:picChg>
-        <pc:picChg chg="del">
-          <ac:chgData name="Naga, Julie [USA]" userId="d1165e67-58da-4881-b44d-d330f5e94ed8" providerId="ADAL" clId="{B2F6CD85-FB83-47F0-BDC0-600D1626CA74}" dt="2022-08-30T15:57:41.873" v="2" actId="478"/>
-          <ac:picMkLst>
-            <pc:docMk/>
-            <pc:sldMk cId="1767127440" sldId="343"/>
-            <ac:picMk id="7" creationId="{509B3CAA-B2B0-70B3-F9DC-11F4822C7B82}"/>
-          </ac:picMkLst>
-        </pc:picChg>
-        <pc:picChg chg="del">
-          <ac:chgData name="Naga, Julie [USA]" userId="d1165e67-58da-4881-b44d-d330f5e94ed8" providerId="ADAL" clId="{B2F6CD85-FB83-47F0-BDC0-600D1626CA74}" dt="2022-08-30T15:57:41.873" v="2" actId="478"/>
-          <ac:picMkLst>
-            <pc:docMk/>
-            <pc:sldMk cId="1767127440" sldId="343"/>
-            <ac:picMk id="8" creationId="{32E9E5C6-CBC6-AC75-D2DC-EC109C5FE9F9}"/>
-          </ac:picMkLst>
-        </pc:picChg>
-        <pc:picChg chg="del">
-          <ac:chgData name="Naga, Julie [USA]" userId="d1165e67-58da-4881-b44d-d330f5e94ed8" providerId="ADAL" clId="{B2F6CD85-FB83-47F0-BDC0-600D1626CA74}" dt="2022-08-30T15:57:41.873" v="2" actId="478"/>
-          <ac:picMkLst>
-            <pc:docMk/>
-            <pc:sldMk cId="1767127440" sldId="343"/>
-            <ac:picMk id="10" creationId="{D5D920A8-DEAD-D557-D8ED-25B8FAC75844}"/>
-          </ac:picMkLst>
-        </pc:picChg>
-        <pc:picChg chg="del">
-          <ac:chgData name="Naga, Julie [USA]" userId="d1165e67-58da-4881-b44d-d330f5e94ed8" providerId="ADAL" clId="{B2F6CD85-FB83-47F0-BDC0-600D1626CA74}" dt="2022-08-30T15:57:41.873" v="2" actId="478"/>
-          <ac:picMkLst>
-            <pc:docMk/>
-            <pc:sldMk cId="1767127440" sldId="343"/>
-            <ac:picMk id="11" creationId="{C3374779-DEF1-B27A-FA0B-4CDD15CD429E}"/>
-          </ac:picMkLst>
-        </pc:picChg>
-        <pc:picChg chg="del">
-          <ac:chgData name="Naga, Julie [USA]" userId="d1165e67-58da-4881-b44d-d330f5e94ed8" providerId="ADAL" clId="{B2F6CD85-FB83-47F0-BDC0-600D1626CA74}" dt="2022-08-30T15:57:41.873" v="2" actId="478"/>
-          <ac:picMkLst>
-            <pc:docMk/>
-            <pc:sldMk cId="1767127440" sldId="343"/>
-            <ac:picMk id="12" creationId="{E867A663-BE3F-5F4D-6EEE-CB62E3E9EB60}"/>
-          </ac:picMkLst>
-        </pc:picChg>
-        <pc:picChg chg="del">
-          <ac:chgData name="Naga, Julie [USA]" userId="d1165e67-58da-4881-b44d-d330f5e94ed8" providerId="ADAL" clId="{B2F6CD85-FB83-47F0-BDC0-600D1626CA74}" dt="2022-08-30T15:57:41.873" v="2" actId="478"/>
-          <ac:picMkLst>
-            <pc:docMk/>
-            <pc:sldMk cId="1767127440" sldId="343"/>
-            <ac:picMk id="13" creationId="{C491AC46-EDBD-DE74-8679-C131ABD9491A}"/>
-          </ac:picMkLst>
-        </pc:picChg>
-        <pc:picChg chg="del">
-          <ac:chgData name="Naga, Julie [USA]" userId="d1165e67-58da-4881-b44d-d330f5e94ed8" providerId="ADAL" clId="{B2F6CD85-FB83-47F0-BDC0-600D1626CA74}" dt="2022-08-30T15:57:41.873" v="2" actId="478"/>
-          <ac:picMkLst>
-            <pc:docMk/>
-            <pc:sldMk cId="1767127440" sldId="343"/>
-            <ac:picMk id="14" creationId="{239B7457-5DFC-B224-0B05-412D1CD8B4CE}"/>
-          </ac:picMkLst>
-        </pc:picChg>
-        <pc:picChg chg="del">
-          <ac:chgData name="Naga, Julie [USA]" userId="d1165e67-58da-4881-b44d-d330f5e94ed8" providerId="ADAL" clId="{B2F6CD85-FB83-47F0-BDC0-600D1626CA74}" dt="2022-08-30T15:57:41.873" v="2" actId="478"/>
-          <ac:picMkLst>
-            <pc:docMk/>
-            <pc:sldMk cId="1767127440" sldId="343"/>
-            <ac:picMk id="15" creationId="{C89671F3-D128-ED53-F478-FE3E9CCC4335}"/>
-          </ac:picMkLst>
-        </pc:picChg>
-        <pc:picChg chg="del">
-          <ac:chgData name="Naga, Julie [USA]" userId="d1165e67-58da-4881-b44d-d330f5e94ed8" providerId="ADAL" clId="{B2F6CD85-FB83-47F0-BDC0-600D1626CA74}" dt="2022-08-30T15:57:41.873" v="2" actId="478"/>
-          <ac:picMkLst>
-            <pc:docMk/>
-            <pc:sldMk cId="1767127440" sldId="343"/>
-            <ac:picMk id="16" creationId="{B890B647-1D26-3C8A-3553-85D03DDD47D5}"/>
-          </ac:picMkLst>
-        </pc:picChg>
-        <pc:picChg chg="del">
-          <ac:chgData name="Naga, Julie [USA]" userId="d1165e67-58da-4881-b44d-d330f5e94ed8" providerId="ADAL" clId="{B2F6CD85-FB83-47F0-BDC0-600D1626CA74}" dt="2022-08-30T15:57:41.873" v="2" actId="478"/>
-          <ac:picMkLst>
-            <pc:docMk/>
-            <pc:sldMk cId="1767127440" sldId="343"/>
-            <ac:picMk id="17" creationId="{77AA32C0-CE22-FD2E-F5FB-B7294AD3EA66}"/>
-          </ac:picMkLst>
-        </pc:picChg>
-        <pc:picChg chg="del">
-          <ac:chgData name="Naga, Julie [USA]" userId="d1165e67-58da-4881-b44d-d330f5e94ed8" providerId="ADAL" clId="{B2F6CD85-FB83-47F0-BDC0-600D1626CA74}" dt="2022-08-30T15:57:41.873" v="2" actId="478"/>
-          <ac:picMkLst>
-            <pc:docMk/>
-            <pc:sldMk cId="1767127440" sldId="343"/>
-            <ac:picMk id="18" creationId="{C86C0BE9-B32C-8BF2-E9A1-347BF38BDA5C}"/>
-          </ac:picMkLst>
-        </pc:picChg>
-        <pc:picChg chg="del">
-          <ac:chgData name="Naga, Julie [USA]" userId="d1165e67-58da-4881-b44d-d330f5e94ed8" providerId="ADAL" clId="{B2F6CD85-FB83-47F0-BDC0-600D1626CA74}" dt="2022-08-30T15:57:41.873" v="2" actId="478"/>
-          <ac:picMkLst>
-            <pc:docMk/>
-            <pc:sldMk cId="1767127440" sldId="343"/>
-            <ac:picMk id="19" creationId="{B15E8432-7283-35C3-7B37-BEBEB6FEF1A9}"/>
-          </ac:picMkLst>
-        </pc:picChg>
-        <pc:picChg chg="del">
-          <ac:chgData name="Naga, Julie [USA]" userId="d1165e67-58da-4881-b44d-d330f5e94ed8" providerId="ADAL" clId="{B2F6CD85-FB83-47F0-BDC0-600D1626CA74}" dt="2022-08-30T15:57:41.873" v="2" actId="478"/>
-          <ac:picMkLst>
-            <pc:docMk/>
-            <pc:sldMk cId="1767127440" sldId="343"/>
-            <ac:picMk id="20" creationId="{2251457B-A318-F254-2448-E0903E616027}"/>
-          </ac:picMkLst>
-        </pc:picChg>
-        <pc:picChg chg="del">
-          <ac:chgData name="Naga, Julie [USA]" userId="d1165e67-58da-4881-b44d-d330f5e94ed8" providerId="ADAL" clId="{B2F6CD85-FB83-47F0-BDC0-600D1626CA74}" dt="2022-08-30T15:57:41.873" v="2" actId="478"/>
-          <ac:picMkLst>
-            <pc:docMk/>
-            <pc:sldMk cId="1767127440" sldId="343"/>
-            <ac:picMk id="21" creationId="{9CBEDF66-7516-FD87-47C4-AE9C5F1B7C46}"/>
-          </ac:picMkLst>
-        </pc:picChg>
-        <pc:picChg chg="del">
-          <ac:chgData name="Naga, Julie [USA]" userId="d1165e67-58da-4881-b44d-d330f5e94ed8" providerId="ADAL" clId="{B2F6CD85-FB83-47F0-BDC0-600D1626CA74}" dt="2022-08-30T15:57:41.873" v="2" actId="478"/>
-          <ac:picMkLst>
-            <pc:docMk/>
-            <pc:sldMk cId="1767127440" sldId="343"/>
-            <ac:picMk id="23" creationId="{469321A0-16B4-4167-BD80-5F784198BC5F}"/>
-          </ac:picMkLst>
-        </pc:picChg>
-        <pc:picChg chg="del">
-          <ac:chgData name="Naga, Julie [USA]" userId="d1165e67-58da-4881-b44d-d330f5e94ed8" providerId="ADAL" clId="{B2F6CD85-FB83-47F0-BDC0-600D1626CA74}" dt="2022-08-30T15:57:41.873" v="2" actId="478"/>
-          <ac:picMkLst>
-            <pc:docMk/>
-            <pc:sldMk cId="1767127440" sldId="343"/>
-            <ac:picMk id="24" creationId="{BC4B23C6-C714-AE09-0470-5BA59334851B}"/>
-          </ac:picMkLst>
-        </pc:picChg>
-        <pc:picChg chg="del">
-          <ac:chgData name="Naga, Julie [USA]" userId="d1165e67-58da-4881-b44d-d330f5e94ed8" providerId="ADAL" clId="{B2F6CD85-FB83-47F0-BDC0-600D1626CA74}" dt="2022-08-30T15:57:41.873" v="2" actId="478"/>
-          <ac:picMkLst>
-            <pc:docMk/>
-            <pc:sldMk cId="1767127440" sldId="343"/>
-            <ac:picMk id="25" creationId="{C51C3EDE-FF85-215F-C163-EFF28E7423AD}"/>
-          </ac:picMkLst>
-        </pc:picChg>
-        <pc:picChg chg="del">
-          <ac:chgData name="Naga, Julie [USA]" userId="d1165e67-58da-4881-b44d-d330f5e94ed8" providerId="ADAL" clId="{B2F6CD85-FB83-47F0-BDC0-600D1626CA74}" dt="2022-08-30T15:57:41.873" v="2" actId="478"/>
-          <ac:picMkLst>
-            <pc:docMk/>
-            <pc:sldMk cId="1767127440" sldId="343"/>
-            <ac:picMk id="26" creationId="{C302071C-A940-1343-AA9A-41029BA00A11}"/>
-          </ac:picMkLst>
-        </pc:picChg>
-        <pc:picChg chg="del">
-          <ac:chgData name="Naga, Julie [USA]" userId="d1165e67-58da-4881-b44d-d330f5e94ed8" providerId="ADAL" clId="{B2F6CD85-FB83-47F0-BDC0-600D1626CA74}" dt="2022-08-30T15:57:41.873" v="2" actId="478"/>
-          <ac:picMkLst>
-            <pc:docMk/>
-            <pc:sldMk cId="1767127440" sldId="343"/>
-            <ac:picMk id="27" creationId="{A3C823C1-29B6-166A-4E18-EA27881D01D5}"/>
-          </ac:picMkLst>
-        </pc:picChg>
-        <pc:picChg chg="del">
-          <ac:chgData name="Naga, Julie [USA]" userId="d1165e67-58da-4881-b44d-d330f5e94ed8" providerId="ADAL" clId="{B2F6CD85-FB83-47F0-BDC0-600D1626CA74}" dt="2022-08-30T15:57:41.873" v="2" actId="478"/>
-          <ac:picMkLst>
-            <pc:docMk/>
-            <pc:sldMk cId="1767127440" sldId="343"/>
-            <ac:picMk id="28" creationId="{A7BEEB3E-F285-959E-D146-58DA18087F05}"/>
-          </ac:picMkLst>
-        </pc:picChg>
-        <pc:picChg chg="del">
-          <ac:chgData name="Naga, Julie [USA]" userId="d1165e67-58da-4881-b44d-d330f5e94ed8" providerId="ADAL" clId="{B2F6CD85-FB83-47F0-BDC0-600D1626CA74}" dt="2022-08-30T15:57:41.873" v="2" actId="478"/>
-          <ac:picMkLst>
-            <pc:docMk/>
-            <pc:sldMk cId="1767127440" sldId="343"/>
-            <ac:picMk id="29" creationId="{3E29974F-2058-9AE4-C31B-BD08CC93E4C3}"/>
-          </ac:picMkLst>
-        </pc:picChg>
-        <pc:picChg chg="del">
-          <ac:chgData name="Naga, Julie [USA]" userId="d1165e67-58da-4881-b44d-d330f5e94ed8" providerId="ADAL" clId="{B2F6CD85-FB83-47F0-BDC0-600D1626CA74}" dt="2022-08-30T15:57:41.873" v="2" actId="478"/>
-          <ac:picMkLst>
-            <pc:docMk/>
-            <pc:sldMk cId="1767127440" sldId="343"/>
-            <ac:picMk id="30" creationId="{B6125B74-70D0-435E-83B6-1182C8979462}"/>
-          </ac:picMkLst>
-        </pc:picChg>
-        <pc:picChg chg="del">
-          <ac:chgData name="Naga, Julie [USA]" userId="d1165e67-58da-4881-b44d-d330f5e94ed8" providerId="ADAL" clId="{B2F6CD85-FB83-47F0-BDC0-600D1626CA74}" dt="2022-08-30T15:57:41.873" v="2" actId="478"/>
-          <ac:picMkLst>
-            <pc:docMk/>
-            <pc:sldMk cId="1767127440" sldId="343"/>
-            <ac:picMk id="31" creationId="{EAE55916-283D-76DB-AB46-11C25578A064}"/>
-          </ac:picMkLst>
-        </pc:picChg>
-        <pc:picChg chg="del">
-          <ac:chgData name="Naga, Julie [USA]" userId="d1165e67-58da-4881-b44d-d330f5e94ed8" providerId="ADAL" clId="{B2F6CD85-FB83-47F0-BDC0-600D1626CA74}" dt="2022-08-30T15:57:41.873" v="2" actId="478"/>
-          <ac:picMkLst>
-            <pc:docMk/>
-            <pc:sldMk cId="1767127440" sldId="343"/>
-            <ac:picMk id="32" creationId="{DC258CBB-D714-B905-CA85-8BD765241D1E}"/>
-          </ac:picMkLst>
-        </pc:picChg>
-        <pc:picChg chg="del">
-          <ac:chgData name="Naga, Julie [USA]" userId="d1165e67-58da-4881-b44d-d330f5e94ed8" providerId="ADAL" clId="{B2F6CD85-FB83-47F0-BDC0-600D1626CA74}" dt="2022-08-30T15:57:41.873" v="2" actId="478"/>
-          <ac:picMkLst>
-            <pc:docMk/>
-            <pc:sldMk cId="1767127440" sldId="343"/>
-            <ac:picMk id="33" creationId="{891BB737-A6DF-C049-FBB2-ED35A66F4349}"/>
-          </ac:picMkLst>
-        </pc:picChg>
-        <pc:picChg chg="del">
-          <ac:chgData name="Naga, Julie [USA]" userId="d1165e67-58da-4881-b44d-d330f5e94ed8" providerId="ADAL" clId="{B2F6CD85-FB83-47F0-BDC0-600D1626CA74}" dt="2022-08-30T15:57:41.873" v="2" actId="478"/>
-          <ac:picMkLst>
-            <pc:docMk/>
-            <pc:sldMk cId="1767127440" sldId="343"/>
-            <ac:picMk id="34" creationId="{0003CB12-6B36-E953-10D8-E53FB3CEC6DA}"/>
-          </ac:picMkLst>
-        </pc:picChg>
-        <pc:picChg chg="del">
-          <ac:chgData name="Naga, Julie [USA]" userId="d1165e67-58da-4881-b44d-d330f5e94ed8" providerId="ADAL" clId="{B2F6CD85-FB83-47F0-BDC0-600D1626CA74}" dt="2022-08-30T15:57:41.873" v="2" actId="478"/>
-          <ac:picMkLst>
-            <pc:docMk/>
-            <pc:sldMk cId="1767127440" sldId="343"/>
-            <ac:picMk id="35" creationId="{DDCAC729-EB56-E0BA-73EA-3320E66D9B99}"/>
-          </ac:picMkLst>
-        </pc:picChg>
-        <pc:picChg chg="del">
-          <ac:chgData name="Naga, Julie [USA]" userId="d1165e67-58da-4881-b44d-d330f5e94ed8" providerId="ADAL" clId="{B2F6CD85-FB83-47F0-BDC0-600D1626CA74}" dt="2022-08-30T15:57:41.873" v="2" actId="478"/>
-          <ac:picMkLst>
-            <pc:docMk/>
-            <pc:sldMk cId="1767127440" sldId="343"/>
-            <ac:picMk id="36" creationId="{85D55FFD-1198-1535-C76A-FC9636E6F6CD}"/>
-          </ac:picMkLst>
-        </pc:picChg>
-        <pc:picChg chg="del">
-          <ac:chgData name="Naga, Julie [USA]" userId="d1165e67-58da-4881-b44d-d330f5e94ed8" providerId="ADAL" clId="{B2F6CD85-FB83-47F0-BDC0-600D1626CA74}" dt="2022-08-30T15:57:41.873" v="2" actId="478"/>
-          <ac:picMkLst>
-            <pc:docMk/>
-            <pc:sldMk cId="1767127440" sldId="343"/>
-            <ac:picMk id="37" creationId="{7CBC2415-B753-48A5-9790-0FA7BEA9491A}"/>
-          </ac:picMkLst>
-        </pc:picChg>
-        <pc:picChg chg="del">
-          <ac:chgData name="Naga, Julie [USA]" userId="d1165e67-58da-4881-b44d-d330f5e94ed8" providerId="ADAL" clId="{B2F6CD85-FB83-47F0-BDC0-600D1626CA74}" dt="2022-08-30T15:57:41.873" v="2" actId="478"/>
-          <ac:picMkLst>
-            <pc:docMk/>
-            <pc:sldMk cId="1767127440" sldId="343"/>
-            <ac:picMk id="38" creationId="{7E7FD735-D8A7-422E-8007-64AF0AF5B00D}"/>
-          </ac:picMkLst>
-        </pc:picChg>
-        <pc:picChg chg="del">
-          <ac:chgData name="Naga, Julie [USA]" userId="d1165e67-58da-4881-b44d-d330f5e94ed8" providerId="ADAL" clId="{B2F6CD85-FB83-47F0-BDC0-600D1626CA74}" dt="2022-08-30T15:57:41.873" v="2" actId="478"/>
-          <ac:picMkLst>
-            <pc:docMk/>
-            <pc:sldMk cId="1767127440" sldId="343"/>
-            <ac:picMk id="39" creationId="{FAB6B671-CA9C-4CED-9E9D-80C317E7B954}"/>
-          </ac:picMkLst>
-        </pc:picChg>
-        <pc:picChg chg="del">
-          <ac:chgData name="Naga, Julie [USA]" userId="d1165e67-58da-4881-b44d-d330f5e94ed8" providerId="ADAL" clId="{B2F6CD85-FB83-47F0-BDC0-600D1626CA74}" dt="2022-08-30T15:57:41.873" v="2" actId="478"/>
-          <ac:picMkLst>
-            <pc:docMk/>
-            <pc:sldMk cId="1767127440" sldId="343"/>
-            <ac:picMk id="40" creationId="{48676BA6-2C54-5BE9-8D94-9F0340D49680}"/>
-          </ac:picMkLst>
-        </pc:picChg>
-        <pc:picChg chg="del">
-          <ac:chgData name="Naga, Julie [USA]" userId="d1165e67-58da-4881-b44d-d330f5e94ed8" providerId="ADAL" clId="{B2F6CD85-FB83-47F0-BDC0-600D1626CA74}" dt="2022-08-30T15:57:41.873" v="2" actId="478"/>
-          <ac:picMkLst>
-            <pc:docMk/>
-            <pc:sldMk cId="1767127440" sldId="343"/>
-            <ac:picMk id="41" creationId="{F8FEE23F-334E-215B-D192-3CB085D558A7}"/>
-          </ac:picMkLst>
-        </pc:picChg>
-        <pc:picChg chg="del">
-          <ac:chgData name="Naga, Julie [USA]" userId="d1165e67-58da-4881-b44d-d330f5e94ed8" providerId="ADAL" clId="{B2F6CD85-FB83-47F0-BDC0-600D1626CA74}" dt="2022-08-30T15:57:41.873" v="2" actId="478"/>
-          <ac:picMkLst>
-            <pc:docMk/>
-            <pc:sldMk cId="1767127440" sldId="343"/>
-            <ac:picMk id="42" creationId="{35C4163A-DE47-4604-A275-DFABD9625441}"/>
-          </ac:picMkLst>
-        </pc:picChg>
-        <pc:picChg chg="del">
-          <ac:chgData name="Naga, Julie [USA]" userId="d1165e67-58da-4881-b44d-d330f5e94ed8" providerId="ADAL" clId="{B2F6CD85-FB83-47F0-BDC0-600D1626CA74}" dt="2022-08-30T15:57:41.873" v="2" actId="478"/>
-          <ac:picMkLst>
-            <pc:docMk/>
-            <pc:sldMk cId="1767127440" sldId="343"/>
-            <ac:picMk id="43" creationId="{24A6D04C-9360-4CE5-BC88-7636EF80FC0D}"/>
-          </ac:picMkLst>
-        </pc:picChg>
-        <pc:picChg chg="del">
-          <ac:chgData name="Naga, Julie [USA]" userId="d1165e67-58da-4881-b44d-d330f5e94ed8" providerId="ADAL" clId="{B2F6CD85-FB83-47F0-BDC0-600D1626CA74}" dt="2022-08-30T15:57:41.873" v="2" actId="478"/>
-          <ac:picMkLst>
-            <pc:docMk/>
-            <pc:sldMk cId="1767127440" sldId="343"/>
-            <ac:picMk id="44" creationId="{DEE4900B-C7CD-42D5-BA01-CDAA1A624733}"/>
-          </ac:picMkLst>
-        </pc:picChg>
-      </pc:sldChg>
-      <pc:sldChg chg="addSp modSp add mod">
-        <pc:chgData name="Naga, Julie [USA]" userId="d1165e67-58da-4881-b44d-d330f5e94ed8" providerId="ADAL" clId="{B2F6CD85-FB83-47F0-BDC0-600D1626CA74}" dt="2022-08-31T14:44:51.889" v="1494" actId="14100"/>
-        <pc:sldMkLst>
-          <pc:docMk/>
-          <pc:sldMk cId="2383740140" sldId="344"/>
-        </pc:sldMkLst>
-        <pc:spChg chg="mod">
-          <ac:chgData name="Naga, Julie [USA]" userId="d1165e67-58da-4881-b44d-d330f5e94ed8" providerId="ADAL" clId="{B2F6CD85-FB83-47F0-BDC0-600D1626CA74}" dt="2022-08-31T14:19:21.542" v="1315" actId="20577"/>
-          <ac:spMkLst>
-            <pc:docMk/>
-            <pc:sldMk cId="2383740140" sldId="344"/>
-            <ac:spMk id="2" creationId="{98724F25-AEF2-A44A-9426-46B073EF367F}"/>
-          </ac:spMkLst>
-        </pc:spChg>
-        <pc:spChg chg="add mod">
-          <ac:chgData name="Naga, Julie [USA]" userId="d1165e67-58da-4881-b44d-d330f5e94ed8" providerId="ADAL" clId="{B2F6CD85-FB83-47F0-BDC0-600D1626CA74}" dt="2022-08-31T14:44:19.195" v="1488" actId="14100"/>
-          <ac:spMkLst>
-            <pc:docMk/>
-            <pc:sldMk cId="2383740140" sldId="344"/>
-            <ac:spMk id="5" creationId="{876D46C3-1597-4A82-B86E-6BA0511E3B6A}"/>
-          </ac:spMkLst>
-        </pc:spChg>
-        <pc:spChg chg="add mod">
-          <ac:chgData name="Naga, Julie [USA]" userId="d1165e67-58da-4881-b44d-d330f5e94ed8" providerId="ADAL" clId="{B2F6CD85-FB83-47F0-BDC0-600D1626CA74}" dt="2022-08-31T14:44:30.799" v="1490" actId="14100"/>
-          <ac:spMkLst>
-            <pc:docMk/>
-            <pc:sldMk cId="2383740140" sldId="344"/>
-            <ac:spMk id="6" creationId="{575EF3FD-AC78-4EA2-AB46-C3C62C4CBAFF}"/>
-          </ac:spMkLst>
-        </pc:spChg>
-        <pc:spChg chg="add mod">
-          <ac:chgData name="Naga, Julie [USA]" userId="d1165e67-58da-4881-b44d-d330f5e94ed8" providerId="ADAL" clId="{B2F6CD85-FB83-47F0-BDC0-600D1626CA74}" dt="2022-08-31T14:44:39.695" v="1491" actId="14100"/>
-          <ac:spMkLst>
-            <pc:docMk/>
-            <pc:sldMk cId="2383740140" sldId="344"/>
-            <ac:spMk id="7" creationId="{BD64A1CD-0AA0-40BD-9F36-F409C11B4169}"/>
-          </ac:spMkLst>
-        </pc:spChg>
-        <pc:spChg chg="add mod">
-          <ac:chgData name="Naga, Julie [USA]" userId="d1165e67-58da-4881-b44d-d330f5e94ed8" providerId="ADAL" clId="{B2F6CD85-FB83-47F0-BDC0-600D1626CA74}" dt="2022-08-31T14:44:23.811" v="1489" actId="14100"/>
-          <ac:spMkLst>
-            <pc:docMk/>
-            <pc:sldMk cId="2383740140" sldId="344"/>
-            <ac:spMk id="8" creationId="{128C6689-3B6B-4EB8-9D41-02D56F7B8ED7}"/>
-          </ac:spMkLst>
-        </pc:spChg>
-        <pc:spChg chg="add mod">
-          <ac:chgData name="Naga, Julie [USA]" userId="d1165e67-58da-4881-b44d-d330f5e94ed8" providerId="ADAL" clId="{B2F6CD85-FB83-47F0-BDC0-600D1626CA74}" dt="2022-08-31T14:44:46.797" v="1492" actId="14100"/>
-          <ac:spMkLst>
-            <pc:docMk/>
-            <pc:sldMk cId="2383740140" sldId="344"/>
-            <ac:spMk id="9" creationId="{12E92524-F141-48D8-B450-38CA3E1228FF}"/>
-          </ac:spMkLst>
-        </pc:spChg>
-        <pc:spChg chg="add mod">
-          <ac:chgData name="Naga, Julie [USA]" userId="d1165e67-58da-4881-b44d-d330f5e94ed8" providerId="ADAL" clId="{B2F6CD85-FB83-47F0-BDC0-600D1626CA74}" dt="2022-08-31T14:44:51.889" v="1494" actId="14100"/>
-          <ac:spMkLst>
-            <pc:docMk/>
-            <pc:sldMk cId="2383740140" sldId="344"/>
-            <ac:spMk id="10" creationId="{164C800D-E1DE-4C51-A3FE-44F1C9911C2B}"/>
-          </ac:spMkLst>
-        </pc:spChg>
-      </pc:sldChg>
-      <pc:sldChg chg="addSp delSp modSp add del mod">
-        <pc:chgData name="Naga, Julie [USA]" userId="d1165e67-58da-4881-b44d-d330f5e94ed8" providerId="ADAL" clId="{B2F6CD85-FB83-47F0-BDC0-600D1626CA74}" dt="2022-08-31T14:41:32.263" v="1478" actId="47"/>
-        <pc:sldMkLst>
-          <pc:docMk/>
-          <pc:sldMk cId="3911888010" sldId="345"/>
-        </pc:sldMkLst>
-        <pc:spChg chg="mod">
-          <ac:chgData name="Naga, Julie [USA]" userId="d1165e67-58da-4881-b44d-d330f5e94ed8" providerId="ADAL" clId="{B2F6CD85-FB83-47F0-BDC0-600D1626CA74}" dt="2022-08-31T14:17:37.760" v="1213" actId="20577"/>
-          <ac:spMkLst>
-            <pc:docMk/>
-            <pc:sldMk cId="3911888010" sldId="345"/>
-            <ac:spMk id="2" creationId="{98724F25-AEF2-A44A-9426-46B073EF367F}"/>
-          </ac:spMkLst>
-        </pc:spChg>
-        <pc:spChg chg="add mod">
-          <ac:chgData name="Naga, Julie [USA]" userId="d1165e67-58da-4881-b44d-d330f5e94ed8" providerId="ADAL" clId="{B2F6CD85-FB83-47F0-BDC0-600D1626CA74}" dt="2022-08-31T14:19:02.173" v="1298" actId="113"/>
-          <ac:spMkLst>
-            <pc:docMk/>
-            <pc:sldMk cId="3911888010" sldId="345"/>
-            <ac:spMk id="5" creationId="{3B5777C6-AF96-48BC-B583-C30500BFD37C}"/>
-          </ac:spMkLst>
-        </pc:spChg>
-        <pc:spChg chg="add del mod">
-          <ac:chgData name="Naga, Julie [USA]" userId="d1165e67-58da-4881-b44d-d330f5e94ed8" providerId="ADAL" clId="{B2F6CD85-FB83-47F0-BDC0-600D1626CA74}" dt="2022-08-30T16:06:53.967" v="462" actId="478"/>
-          <ac:spMkLst>
-            <pc:docMk/>
-            <pc:sldMk cId="3911888010" sldId="345"/>
-            <ac:spMk id="6" creationId="{28324CE4-D09C-44AC-971B-505B44A58CE2}"/>
-          </ac:spMkLst>
-        </pc:spChg>
-        <pc:spChg chg="add del mod">
-          <ac:chgData name="Naga, Julie [USA]" userId="d1165e67-58da-4881-b44d-d330f5e94ed8" providerId="ADAL" clId="{B2F6CD85-FB83-47F0-BDC0-600D1626CA74}" dt="2022-08-30T16:06:53.967" v="462" actId="478"/>
-          <ac:spMkLst>
-            <pc:docMk/>
-            <pc:sldMk cId="3911888010" sldId="345"/>
-            <ac:spMk id="7" creationId="{0C7E27E6-2A9A-4DF7-9ABB-68ADC9857DAA}"/>
-          </ac:spMkLst>
-        </pc:spChg>
-        <pc:spChg chg="add del mod">
-          <ac:chgData name="Naga, Julie [USA]" userId="d1165e67-58da-4881-b44d-d330f5e94ed8" providerId="ADAL" clId="{B2F6CD85-FB83-47F0-BDC0-600D1626CA74}" dt="2022-08-30T16:06:53.967" v="462" actId="478"/>
-          <ac:spMkLst>
-            <pc:docMk/>
-            <pc:sldMk cId="3911888010" sldId="345"/>
-            <ac:spMk id="8" creationId="{D86F25E7-F090-4CF2-AB2B-6AFB53FBDE19}"/>
-          </ac:spMkLst>
-        </pc:spChg>
-        <pc:spChg chg="add del mod">
-          <ac:chgData name="Naga, Julie [USA]" userId="d1165e67-58da-4881-b44d-d330f5e94ed8" providerId="ADAL" clId="{B2F6CD85-FB83-47F0-BDC0-600D1626CA74}" dt="2022-08-30T16:07:33.141" v="519" actId="478"/>
-          <ac:spMkLst>
-            <pc:docMk/>
-            <pc:sldMk cId="3911888010" sldId="345"/>
-            <ac:spMk id="9" creationId="{481EC20F-A50C-42CD-B46A-8EA7130C7C1A}"/>
-          </ac:spMkLst>
-        </pc:spChg>
-      </pc:sldChg>
-      <pc:sldChg chg="modSp add del mod">
-        <pc:chgData name="Naga, Julie [USA]" userId="d1165e67-58da-4881-b44d-d330f5e94ed8" providerId="ADAL" clId="{B2F6CD85-FB83-47F0-BDC0-600D1626CA74}" dt="2022-08-31T14:41:33.494" v="1479" actId="47"/>
-        <pc:sldMkLst>
-          <pc:docMk/>
-          <pc:sldMk cId="993626601" sldId="346"/>
-        </pc:sldMkLst>
-        <pc:spChg chg="mod">
-          <ac:chgData name="Naga, Julie [USA]" userId="d1165e67-58da-4881-b44d-d330f5e94ed8" providerId="ADAL" clId="{B2F6CD85-FB83-47F0-BDC0-600D1626CA74}" dt="2022-08-30T16:07:19.796" v="516" actId="20577"/>
-          <ac:spMkLst>
-            <pc:docMk/>
-            <pc:sldMk cId="993626601" sldId="346"/>
-            <ac:spMk id="2" creationId="{98724F25-AEF2-A44A-9426-46B073EF367F}"/>
-          </ac:spMkLst>
-        </pc:spChg>
-        <pc:spChg chg="mod">
-          <ac:chgData name="Naga, Julie [USA]" userId="d1165e67-58da-4881-b44d-d330f5e94ed8" providerId="ADAL" clId="{B2F6CD85-FB83-47F0-BDC0-600D1626CA74}" dt="2022-08-31T14:16:50.068" v="1196" actId="1076"/>
-          <ac:spMkLst>
-            <pc:docMk/>
-            <pc:sldMk cId="993626601" sldId="346"/>
-            <ac:spMk id="6" creationId="{28324CE4-D09C-44AC-971B-505B44A58CE2}"/>
-          </ac:spMkLst>
-        </pc:spChg>
-        <pc:spChg chg="mod">
-          <ac:chgData name="Naga, Julie [USA]" userId="d1165e67-58da-4881-b44d-d330f5e94ed8" providerId="ADAL" clId="{B2F6CD85-FB83-47F0-BDC0-600D1626CA74}" dt="2022-08-31T14:16:54.775" v="1197" actId="1076"/>
-          <ac:spMkLst>
-            <pc:docMk/>
-            <pc:sldMk cId="993626601" sldId="346"/>
-            <ac:spMk id="7" creationId="{0C7E27E6-2A9A-4DF7-9ABB-68ADC9857DAA}"/>
-          </ac:spMkLst>
-        </pc:spChg>
-        <pc:spChg chg="mod">
-          <ac:chgData name="Naga, Julie [USA]" userId="d1165e67-58da-4881-b44d-d330f5e94ed8" providerId="ADAL" clId="{B2F6CD85-FB83-47F0-BDC0-600D1626CA74}" dt="2022-08-31T14:14:57.710" v="1162" actId="20577"/>
-          <ac:spMkLst>
-            <pc:docMk/>
-            <pc:sldMk cId="993626601" sldId="346"/>
-            <ac:spMk id="8" creationId="{D86F25E7-F090-4CF2-AB2B-6AFB53FBDE19}"/>
-          </ac:spMkLst>
-        </pc:spChg>
-        <pc:spChg chg="mod">
-          <ac:chgData name="Naga, Julie [USA]" userId="d1165e67-58da-4881-b44d-d330f5e94ed8" providerId="ADAL" clId="{B2F6CD85-FB83-47F0-BDC0-600D1626CA74}" dt="2022-08-31T14:16:21.517" v="1194" actId="20577"/>
-          <ac:spMkLst>
-            <pc:docMk/>
-            <pc:sldMk cId="993626601" sldId="346"/>
-            <ac:spMk id="9" creationId="{481EC20F-A50C-42CD-B46A-8EA7130C7C1A}"/>
-          </ac:spMkLst>
-        </pc:spChg>
-      </pc:sldChg>
-    </pc:docChg>
-  </pc:docChgLst>
-  <pc:docChgLst>
-    <pc:chgData name="Bustillo, Gian [USA]" userId="S::624912@bah.com::d2f80d41-3521-48e3-8b17-00e1dec3a46e" providerId="AD" clId="Web-{E0F75D83-DAF9-851E-53E6-B892DDC81239}"/>
-    <pc:docChg chg="modSld">
-      <pc:chgData name="Bustillo, Gian [USA]" userId="S::624912@bah.com::d2f80d41-3521-48e3-8b17-00e1dec3a46e" providerId="AD" clId="Web-{E0F75D83-DAF9-851E-53E6-B892DDC81239}" dt="2022-10-26T14:07:42.048" v="803"/>
-      <pc:docMkLst>
-        <pc:docMk/>
-      </pc:docMkLst>
-      <pc:sldChg chg="modSp">
-        <pc:chgData name="Bustillo, Gian [USA]" userId="S::624912@bah.com::d2f80d41-3521-48e3-8b17-00e1dec3a46e" providerId="AD" clId="Web-{E0F75D83-DAF9-851E-53E6-B892DDC81239}" dt="2022-10-26T13:52:10.409" v="0" actId="20577"/>
-        <pc:sldMkLst>
-          <pc:docMk/>
-          <pc:sldMk cId="815678163" sldId="273"/>
-        </pc:sldMkLst>
-        <pc:spChg chg="mod">
-          <ac:chgData name="Bustillo, Gian [USA]" userId="S::624912@bah.com::d2f80d41-3521-48e3-8b17-00e1dec3a46e" providerId="AD" clId="Web-{E0F75D83-DAF9-851E-53E6-B892DDC81239}" dt="2022-10-26T13:52:10.409" v="0" actId="20577"/>
-          <ac:spMkLst>
-            <pc:docMk/>
-            <pc:sldMk cId="815678163" sldId="273"/>
-            <ac:spMk id="4" creationId="{1408AF8C-36F5-4E54-888B-435A9B6B6EA8}"/>
-          </ac:spMkLst>
-        </pc:spChg>
-      </pc:sldChg>
-      <pc:sldChg chg="delSp modSp">
-        <pc:chgData name="Bustillo, Gian [USA]" userId="S::624912@bah.com::d2f80d41-3521-48e3-8b17-00e1dec3a46e" providerId="AD" clId="Web-{E0F75D83-DAF9-851E-53E6-B892DDC81239}" dt="2022-10-26T14:07:42.048" v="803"/>
-        <pc:sldMkLst>
-          <pc:docMk/>
-          <pc:sldMk cId="406015231" sldId="332"/>
-        </pc:sldMkLst>
-        <pc:graphicFrameChg chg="del">
-          <ac:chgData name="Bustillo, Gian [USA]" userId="S::624912@bah.com::d2f80d41-3521-48e3-8b17-00e1dec3a46e" providerId="AD" clId="Web-{E0F75D83-DAF9-851E-53E6-B892DDC81239}" dt="2022-10-26T14:07:42.048" v="803"/>
-          <ac:graphicFrameMkLst>
-            <pc:docMk/>
-            <pc:sldMk cId="406015231" sldId="332"/>
-            <ac:graphicFrameMk id="9" creationId="{01CBABE8-2EFC-AAC9-99BF-51F104312217}"/>
-          </ac:graphicFrameMkLst>
-        </pc:graphicFrameChg>
-        <pc:graphicFrameChg chg="mod modGraphic">
-          <ac:chgData name="Bustillo, Gian [USA]" userId="S::624912@bah.com::d2f80d41-3521-48e3-8b17-00e1dec3a46e" providerId="AD" clId="Web-{E0F75D83-DAF9-851E-53E6-B892DDC81239}" dt="2022-10-26T14:07:17.672" v="745"/>
-          <ac:graphicFrameMkLst>
-            <pc:docMk/>
-            <pc:sldMk cId="406015231" sldId="332"/>
-            <ac:graphicFrameMk id="22" creationId="{C84DDD7B-6774-5EFC-723D-2DB69F219CEC}"/>
-          </ac:graphicFrameMkLst>
-        </pc:graphicFrameChg>
-        <pc:picChg chg="del">
-          <ac:chgData name="Bustillo, Gian [USA]" userId="S::624912@bah.com::d2f80d41-3521-48e3-8b17-00e1dec3a46e" providerId="AD" clId="Web-{E0F75D83-DAF9-851E-53E6-B892DDC81239}" dt="2022-10-26T14:07:39.313" v="787"/>
-          <ac:picMkLst>
-            <pc:docMk/>
-            <pc:sldMk cId="406015231" sldId="332"/>
-            <ac:picMk id="3" creationId="{E988F262-1705-14FA-D5F7-404BBF481260}"/>
-          </ac:picMkLst>
-        </pc:picChg>
-        <pc:picChg chg="del">
-          <ac:chgData name="Bustillo, Gian [USA]" userId="S::624912@bah.com::d2f80d41-3521-48e3-8b17-00e1dec3a46e" providerId="AD" clId="Web-{E0F75D83-DAF9-851E-53E6-B892DDC81239}" dt="2022-10-26T14:07:39.313" v="786"/>
-          <ac:picMkLst>
-            <pc:docMk/>
-            <pc:sldMk cId="406015231" sldId="332"/>
-            <ac:picMk id="5" creationId="{D12C361A-9D6A-E334-B391-865061D4FBAD}"/>
-          </ac:picMkLst>
-        </pc:picChg>
-        <pc:picChg chg="del">
-          <ac:chgData name="Bustillo, Gian [USA]" userId="S::624912@bah.com::d2f80d41-3521-48e3-8b17-00e1dec3a46e" providerId="AD" clId="Web-{E0F75D83-DAF9-851E-53E6-B892DDC81239}" dt="2022-10-26T14:07:39.313" v="785"/>
-          <ac:picMkLst>
-            <pc:docMk/>
-            <pc:sldMk cId="406015231" sldId="332"/>
-            <ac:picMk id="6" creationId="{726EEF72-65C8-DAFD-08A1-6F9FC7E90673}"/>
-          </ac:picMkLst>
-        </pc:picChg>
-        <pc:picChg chg="del">
-          <ac:chgData name="Bustillo, Gian [USA]" userId="S::624912@bah.com::d2f80d41-3521-48e3-8b17-00e1dec3a46e" providerId="AD" clId="Web-{E0F75D83-DAF9-851E-53E6-B892DDC81239}" dt="2022-10-26T14:07:39.313" v="784"/>
-          <ac:picMkLst>
-            <pc:docMk/>
-            <pc:sldMk cId="406015231" sldId="332"/>
-            <ac:picMk id="7" creationId="{509B3CAA-B2B0-70B3-F9DC-11F4822C7B82}"/>
-          </ac:picMkLst>
-        </pc:picChg>
-        <pc:picChg chg="del">
-          <ac:chgData name="Bustillo, Gian [USA]" userId="S::624912@bah.com::d2f80d41-3521-48e3-8b17-00e1dec3a46e" providerId="AD" clId="Web-{E0F75D83-DAF9-851E-53E6-B892DDC81239}" dt="2022-10-26T14:07:39.313" v="782"/>
-          <ac:picMkLst>
-            <pc:docMk/>
-            <pc:sldMk cId="406015231" sldId="332"/>
-            <ac:picMk id="8" creationId="{32E9E5C6-CBC6-AC75-D2DC-EC109C5FE9F9}"/>
-          </ac:picMkLst>
-        </pc:picChg>
-        <pc:picChg chg="del">
-          <ac:chgData name="Bustillo, Gian [USA]" userId="S::624912@bah.com::d2f80d41-3521-48e3-8b17-00e1dec3a46e" providerId="AD" clId="Web-{E0F75D83-DAF9-851E-53E6-B892DDC81239}" dt="2022-10-26T14:07:39.313" v="781"/>
-          <ac:picMkLst>
-            <pc:docMk/>
-            <pc:sldMk cId="406015231" sldId="332"/>
-            <ac:picMk id="10" creationId="{D5D920A8-DEAD-D557-D8ED-25B8FAC75844}"/>
-          </ac:picMkLst>
-        </pc:picChg>
-        <pc:picChg chg="del">
-          <ac:chgData name="Bustillo, Gian [USA]" userId="S::624912@bah.com::d2f80d41-3521-48e3-8b17-00e1dec3a46e" providerId="AD" clId="Web-{E0F75D83-DAF9-851E-53E6-B892DDC81239}" dt="2022-10-26T14:07:39.329" v="802"/>
-          <ac:picMkLst>
-            <pc:docMk/>
-            <pc:sldMk cId="406015231" sldId="332"/>
-            <ac:picMk id="11" creationId="{C3374779-DEF1-B27A-FA0B-4CDD15CD429E}"/>
-          </ac:picMkLst>
-        </pc:picChg>
-        <pc:picChg chg="del">
-          <ac:chgData name="Bustillo, Gian [USA]" userId="S::624912@bah.com::d2f80d41-3521-48e3-8b17-00e1dec3a46e" providerId="AD" clId="Web-{E0F75D83-DAF9-851E-53E6-B892DDC81239}" dt="2022-10-26T14:07:39.313" v="780"/>
-          <ac:picMkLst>
-            <pc:docMk/>
-            <pc:sldMk cId="406015231" sldId="332"/>
-            <ac:picMk id="12" creationId="{E867A663-BE3F-5F4D-6EEE-CB62E3E9EB60}"/>
-          </ac:picMkLst>
-        </pc:picChg>
-        <pc:picChg chg="del">
-          <ac:chgData name="Bustillo, Gian [USA]" userId="S::624912@bah.com::d2f80d41-3521-48e3-8b17-00e1dec3a46e" providerId="AD" clId="Web-{E0F75D83-DAF9-851E-53E6-B892DDC81239}" dt="2022-10-26T14:07:39.329" v="801"/>
-          <ac:picMkLst>
-            <pc:docMk/>
-            <pc:sldMk cId="406015231" sldId="332"/>
-            <ac:picMk id="13" creationId="{C491AC46-EDBD-DE74-8679-C131ABD9491A}"/>
-          </ac:picMkLst>
-        </pc:picChg>
-        <pc:picChg chg="del">
-          <ac:chgData name="Bustillo, Gian [USA]" userId="S::624912@bah.com::d2f80d41-3521-48e3-8b17-00e1dec3a46e" providerId="AD" clId="Web-{E0F75D83-DAF9-851E-53E6-B892DDC81239}" dt="2022-10-26T14:07:39.313" v="779"/>
-          <ac:picMkLst>
-            <pc:docMk/>
-            <pc:sldMk cId="406015231" sldId="332"/>
-            <ac:picMk id="14" creationId="{239B7457-5DFC-B224-0B05-412D1CD8B4CE}"/>
-          </ac:picMkLst>
-        </pc:picChg>
-        <pc:picChg chg="del">
-          <ac:chgData name="Bustillo, Gian [USA]" userId="S::624912@bah.com::d2f80d41-3521-48e3-8b17-00e1dec3a46e" providerId="AD" clId="Web-{E0F75D83-DAF9-851E-53E6-B892DDC81239}" dt="2022-10-26T14:07:39.329" v="800"/>
-          <ac:picMkLst>
-            <pc:docMk/>
-            <pc:sldMk cId="406015231" sldId="332"/>
-            <ac:picMk id="15" creationId="{C89671F3-D128-ED53-F478-FE3E9CCC4335}"/>
-          </ac:picMkLst>
-        </pc:picChg>
-        <pc:picChg chg="del">
-          <ac:chgData name="Bustillo, Gian [USA]" userId="S::624912@bah.com::d2f80d41-3521-48e3-8b17-00e1dec3a46e" providerId="AD" clId="Web-{E0F75D83-DAF9-851E-53E6-B892DDC81239}" dt="2022-10-26T14:07:39.313" v="778"/>
-          <ac:picMkLst>
-            <pc:docMk/>
-            <pc:sldMk cId="406015231" sldId="332"/>
-            <ac:picMk id="16" creationId="{B890B647-1D26-3C8A-3553-85D03DDD47D5}"/>
-          </ac:picMkLst>
-        </pc:picChg>
-        <pc:picChg chg="del">
-          <ac:chgData name="Bustillo, Gian [USA]" userId="S::624912@bah.com::d2f80d41-3521-48e3-8b17-00e1dec3a46e" providerId="AD" clId="Web-{E0F75D83-DAF9-851E-53E6-B892DDC81239}" dt="2022-10-26T14:07:39.329" v="799"/>
-          <ac:picMkLst>
-            <pc:docMk/>
-            <pc:sldMk cId="406015231" sldId="332"/>
-            <ac:picMk id="17" creationId="{77AA32C0-CE22-FD2E-F5FB-B7294AD3EA66}"/>
-          </ac:picMkLst>
-        </pc:picChg>
-        <pc:picChg chg="del">
-          <ac:chgData name="Bustillo, Gian [USA]" userId="S::624912@bah.com::d2f80d41-3521-48e3-8b17-00e1dec3a46e" providerId="AD" clId="Web-{E0F75D83-DAF9-851E-53E6-B892DDC81239}" dt="2022-10-26T14:07:39.313" v="777"/>
-          <ac:picMkLst>
-            <pc:docMk/>
-            <pc:sldMk cId="406015231" sldId="332"/>
-            <ac:picMk id="18" creationId="{C86C0BE9-B32C-8BF2-E9A1-347BF38BDA5C}"/>
-          </ac:picMkLst>
-        </pc:picChg>
-        <pc:picChg chg="del">
-          <ac:chgData name="Bustillo, Gian [USA]" userId="S::624912@bah.com::d2f80d41-3521-48e3-8b17-00e1dec3a46e" providerId="AD" clId="Web-{E0F75D83-DAF9-851E-53E6-B892DDC81239}" dt="2022-10-26T14:07:39.329" v="798"/>
-          <ac:picMkLst>
-            <pc:docMk/>
-            <pc:sldMk cId="406015231" sldId="332"/>
-            <ac:picMk id="19" creationId="{B15E8432-7283-35C3-7B37-BEBEB6FEF1A9}"/>
-          </ac:picMkLst>
-        </pc:picChg>
-        <pc:picChg chg="del">
-          <ac:chgData name="Bustillo, Gian [USA]" userId="S::624912@bah.com::d2f80d41-3521-48e3-8b17-00e1dec3a46e" providerId="AD" clId="Web-{E0F75D83-DAF9-851E-53E6-B892DDC81239}" dt="2022-10-26T14:07:39.313" v="776"/>
-          <ac:picMkLst>
-            <pc:docMk/>
-            <pc:sldMk cId="406015231" sldId="332"/>
-            <ac:picMk id="20" creationId="{2251457B-A318-F254-2448-E0903E616027}"/>
-          </ac:picMkLst>
-        </pc:picChg>
-        <pc:picChg chg="del">
-          <ac:chgData name="Bustillo, Gian [USA]" userId="S::624912@bah.com::d2f80d41-3521-48e3-8b17-00e1dec3a46e" providerId="AD" clId="Web-{E0F75D83-DAF9-851E-53E6-B892DDC81239}" dt="2022-10-26T14:07:39.313" v="797"/>
-          <ac:picMkLst>
-            <pc:docMk/>
-            <pc:sldMk cId="406015231" sldId="332"/>
-            <ac:picMk id="21" creationId="{9CBEDF66-7516-FD87-47C4-AE9C5F1B7C46}"/>
-          </ac:picMkLst>
-        </pc:picChg>
-        <pc:picChg chg="del">
-          <ac:chgData name="Bustillo, Gian [USA]" userId="S::624912@bah.com::d2f80d41-3521-48e3-8b17-00e1dec3a46e" providerId="AD" clId="Web-{E0F75D83-DAF9-851E-53E6-B892DDC81239}" dt="2022-10-26T14:07:39.313" v="796"/>
-          <ac:picMkLst>
-            <pc:docMk/>
-            <pc:sldMk cId="406015231" sldId="332"/>
-            <ac:picMk id="23" creationId="{469321A0-16B4-4167-BD80-5F784198BC5F}"/>
-          </ac:picMkLst>
-        </pc:picChg>
-        <pc:picChg chg="del">
-          <ac:chgData name="Bustillo, Gian [USA]" userId="S::624912@bah.com::d2f80d41-3521-48e3-8b17-00e1dec3a46e" providerId="AD" clId="Web-{E0F75D83-DAF9-851E-53E6-B892DDC81239}" dt="2022-10-26T14:07:39.313" v="790"/>
-          <ac:picMkLst>
-            <pc:docMk/>
-            <pc:sldMk cId="406015231" sldId="332"/>
-            <ac:picMk id="24" creationId="{BC4B23C6-C714-AE09-0470-5BA59334851B}"/>
-          </ac:picMkLst>
-        </pc:picChg>
-        <pc:picChg chg="del">
-          <ac:chgData name="Bustillo, Gian [USA]" userId="S::624912@bah.com::d2f80d41-3521-48e3-8b17-00e1dec3a46e" providerId="AD" clId="Web-{E0F75D83-DAF9-851E-53E6-B892DDC81239}" dt="2022-10-26T14:07:39.313" v="795"/>
-          <ac:picMkLst>
-            <pc:docMk/>
-            <pc:sldMk cId="406015231" sldId="332"/>
-            <ac:picMk id="25" creationId="{C51C3EDE-FF85-215F-C163-EFF28E7423AD}"/>
-          </ac:picMkLst>
-        </pc:picChg>
-        <pc:picChg chg="del">
-          <ac:chgData name="Bustillo, Gian [USA]" userId="S::624912@bah.com::d2f80d41-3521-48e3-8b17-00e1dec3a46e" providerId="AD" clId="Web-{E0F75D83-DAF9-851E-53E6-B892DDC81239}" dt="2022-10-26T14:07:39.313" v="789"/>
-          <ac:picMkLst>
-            <pc:docMk/>
-            <pc:sldMk cId="406015231" sldId="332"/>
-            <ac:picMk id="26" creationId="{C302071C-A940-1343-AA9A-41029BA00A11}"/>
-          </ac:picMkLst>
-        </pc:picChg>
-        <pc:picChg chg="del">
-          <ac:chgData name="Bustillo, Gian [USA]" userId="S::624912@bah.com::d2f80d41-3521-48e3-8b17-00e1dec3a46e" providerId="AD" clId="Web-{E0F75D83-DAF9-851E-53E6-B892DDC81239}" dt="2022-10-26T14:07:39.313" v="794"/>
-          <ac:picMkLst>
-            <pc:docMk/>
-            <pc:sldMk cId="406015231" sldId="332"/>
-            <ac:picMk id="27" creationId="{A3C823C1-29B6-166A-4E18-EA27881D01D5}"/>
-          </ac:picMkLst>
-        </pc:picChg>
-        <pc:picChg chg="del">
-          <ac:chgData name="Bustillo, Gian [USA]" userId="S::624912@bah.com::d2f80d41-3521-48e3-8b17-00e1dec3a46e" providerId="AD" clId="Web-{E0F75D83-DAF9-851E-53E6-B892DDC81239}" dt="2022-10-26T14:07:39.313" v="788"/>
-          <ac:picMkLst>
-            <pc:docMk/>
-            <pc:sldMk cId="406015231" sldId="332"/>
-            <ac:picMk id="28" creationId="{A7BEEB3E-F285-959E-D146-58DA18087F05}"/>
-          </ac:picMkLst>
-        </pc:picChg>
-        <pc:picChg chg="del">
-          <ac:chgData name="Bustillo, Gian [USA]" userId="S::624912@bah.com::d2f80d41-3521-48e3-8b17-00e1dec3a46e" providerId="AD" clId="Web-{E0F75D83-DAF9-851E-53E6-B892DDC81239}" dt="2022-10-26T14:07:39.313" v="793"/>
-          <ac:picMkLst>
-            <pc:docMk/>
-            <pc:sldMk cId="406015231" sldId="332"/>
-            <ac:picMk id="29" creationId="{3E29974F-2058-9AE4-C31B-BD08CC93E4C3}"/>
-          </ac:picMkLst>
-        </pc:picChg>
-        <pc:picChg chg="del">
-          <ac:chgData name="Bustillo, Gian [USA]" userId="S::624912@bah.com::d2f80d41-3521-48e3-8b17-00e1dec3a46e" providerId="AD" clId="Web-{E0F75D83-DAF9-851E-53E6-B892DDC81239}" dt="2022-10-26T14:07:39.313" v="783"/>
-          <ac:picMkLst>
-            <pc:docMk/>
-            <pc:sldMk cId="406015231" sldId="332"/>
-            <ac:picMk id="30" creationId="{B6125B74-70D0-435E-83B6-1182C8979462}"/>
-          </ac:picMkLst>
-        </pc:picChg>
-        <pc:picChg chg="del">
-          <ac:chgData name="Bustillo, Gian [USA]" userId="S::624912@bah.com::d2f80d41-3521-48e3-8b17-00e1dec3a46e" providerId="AD" clId="Web-{E0F75D83-DAF9-851E-53E6-B892DDC81239}" dt="2022-10-26T14:07:39.313" v="792"/>
-          <ac:picMkLst>
-            <pc:docMk/>
-            <pc:sldMk cId="406015231" sldId="332"/>
-            <ac:picMk id="31" creationId="{EAE55916-283D-76DB-AB46-11C25578A064}"/>
-          </ac:picMkLst>
-        </pc:picChg>
-        <pc:picChg chg="del">
-          <ac:chgData name="Bustillo, Gian [USA]" userId="S::624912@bah.com::d2f80d41-3521-48e3-8b17-00e1dec3a46e" providerId="AD" clId="Web-{E0F75D83-DAF9-851E-53E6-B892DDC81239}" dt="2022-10-26T14:07:39.313" v="775"/>
-          <ac:picMkLst>
-            <pc:docMk/>
-            <pc:sldMk cId="406015231" sldId="332"/>
-            <ac:picMk id="32" creationId="{DC258CBB-D714-B905-CA85-8BD765241D1E}"/>
-          </ac:picMkLst>
-        </pc:picChg>
-        <pc:picChg chg="del">
-          <ac:chgData name="Bustillo, Gian [USA]" userId="S::624912@bah.com::d2f80d41-3521-48e3-8b17-00e1dec3a46e" providerId="AD" clId="Web-{E0F75D83-DAF9-851E-53E6-B892DDC81239}" dt="2022-10-26T14:07:39.313" v="791"/>
-          <ac:picMkLst>
-            <pc:docMk/>
-            <pc:sldMk cId="406015231" sldId="332"/>
-            <ac:picMk id="33" creationId="{891BB737-A6DF-C049-FBB2-ED35A66F4349}"/>
-          </ac:picMkLst>
-        </pc:picChg>
-        <pc:picChg chg="del">
-          <ac:chgData name="Bustillo, Gian [USA]" userId="S::624912@bah.com::d2f80d41-3521-48e3-8b17-00e1dec3a46e" providerId="AD" clId="Web-{E0F75D83-DAF9-851E-53E6-B892DDC81239}" dt="2022-10-26T14:07:39.313" v="774"/>
-          <ac:picMkLst>
-            <pc:docMk/>
-            <pc:sldMk cId="406015231" sldId="332"/>
-            <ac:picMk id="34" creationId="{0003CB12-6B36-E953-10D8-E53FB3CEC6DA}"/>
-          </ac:picMkLst>
-        </pc:picChg>
-        <pc:picChg chg="del">
-          <ac:chgData name="Bustillo, Gian [USA]" userId="S::624912@bah.com::d2f80d41-3521-48e3-8b17-00e1dec3a46e" providerId="AD" clId="Web-{E0F75D83-DAF9-851E-53E6-B892DDC81239}" dt="2022-10-26T14:07:39.313" v="773"/>
-          <ac:picMkLst>
-            <pc:docMk/>
-            <pc:sldMk cId="406015231" sldId="332"/>
-            <ac:picMk id="35" creationId="{DDCAC729-EB56-E0BA-73EA-3320E66D9B99}"/>
-          </ac:picMkLst>
-        </pc:picChg>
-        <pc:picChg chg="del">
-          <ac:chgData name="Bustillo, Gian [USA]" userId="S::624912@bah.com::d2f80d41-3521-48e3-8b17-00e1dec3a46e" providerId="AD" clId="Web-{E0F75D83-DAF9-851E-53E6-B892DDC81239}" dt="2022-10-26T14:07:39.313" v="772"/>
-          <ac:picMkLst>
-            <pc:docMk/>
-            <pc:sldMk cId="406015231" sldId="332"/>
-            <ac:picMk id="36" creationId="{85D55FFD-1198-1535-C76A-FC9636E6F6CD}"/>
-          </ac:picMkLst>
-        </pc:picChg>
-        <pc:picChg chg="del">
-          <ac:chgData name="Bustillo, Gian [USA]" userId="S::624912@bah.com::d2f80d41-3521-48e3-8b17-00e1dec3a46e" providerId="AD" clId="Web-{E0F75D83-DAF9-851E-53E6-B892DDC81239}" dt="2022-10-26T14:07:39.313" v="771"/>
-          <ac:picMkLst>
-            <pc:docMk/>
-            <pc:sldMk cId="406015231" sldId="332"/>
-            <ac:picMk id="37" creationId="{7CBC2415-B753-48A5-9790-0FA7BEA9491A}"/>
-          </ac:picMkLst>
-        </pc:picChg>
-        <pc:picChg chg="del">
-          <ac:chgData name="Bustillo, Gian [USA]" userId="S::624912@bah.com::d2f80d41-3521-48e3-8b17-00e1dec3a46e" providerId="AD" clId="Web-{E0F75D83-DAF9-851E-53E6-B892DDC81239}" dt="2022-10-26T14:07:39.313" v="770"/>
-          <ac:picMkLst>
-            <pc:docMk/>
-            <pc:sldMk cId="406015231" sldId="332"/>
-            <ac:picMk id="38" creationId="{7E7FD735-D8A7-422E-8007-64AF0AF5B00D}"/>
-          </ac:picMkLst>
-        </pc:picChg>
-        <pc:picChg chg="del">
-          <ac:chgData name="Bustillo, Gian [USA]" userId="S::624912@bah.com::d2f80d41-3521-48e3-8b17-00e1dec3a46e" providerId="AD" clId="Web-{E0F75D83-DAF9-851E-53E6-B892DDC81239}" dt="2022-10-26T14:07:39.313" v="769"/>
-          <ac:picMkLst>
-            <pc:docMk/>
-            <pc:sldMk cId="406015231" sldId="332"/>
-            <ac:picMk id="39" creationId="{FAB6B671-CA9C-4CED-9E9D-80C317E7B954}"/>
-          </ac:picMkLst>
-        </pc:picChg>
-        <pc:picChg chg="del">
-          <ac:chgData name="Bustillo, Gian [USA]" userId="S::624912@bah.com::d2f80d41-3521-48e3-8b17-00e1dec3a46e" providerId="AD" clId="Web-{E0F75D83-DAF9-851E-53E6-B892DDC81239}" dt="2022-10-26T14:07:39.313" v="768"/>
-          <ac:picMkLst>
-            <pc:docMk/>
-            <pc:sldMk cId="406015231" sldId="332"/>
-            <ac:picMk id="40" creationId="{48676BA6-2C54-5BE9-8D94-9F0340D49680}"/>
-          </ac:picMkLst>
-        </pc:picChg>
-        <pc:picChg chg="del">
-          <ac:chgData name="Bustillo, Gian [USA]" userId="S::624912@bah.com::d2f80d41-3521-48e3-8b17-00e1dec3a46e" providerId="AD" clId="Web-{E0F75D83-DAF9-851E-53E6-B892DDC81239}" dt="2022-10-26T14:07:39.313" v="767"/>
-          <ac:picMkLst>
-            <pc:docMk/>
-            <pc:sldMk cId="406015231" sldId="332"/>
-            <ac:picMk id="41" creationId="{F8FEE23F-334E-215B-D192-3CB085D558A7}"/>
-          </ac:picMkLst>
-        </pc:picChg>
-        <pc:picChg chg="del">
-          <ac:chgData name="Bustillo, Gian [USA]" userId="S::624912@bah.com::d2f80d41-3521-48e3-8b17-00e1dec3a46e" providerId="AD" clId="Web-{E0F75D83-DAF9-851E-53E6-B892DDC81239}" dt="2022-10-26T14:07:39.313" v="766"/>
-          <ac:picMkLst>
-            <pc:docMk/>
-            <pc:sldMk cId="406015231" sldId="332"/>
-            <ac:picMk id="42" creationId="{35C4163A-DE47-4604-A275-DFABD9625441}"/>
-          </ac:picMkLst>
-        </pc:picChg>
-        <pc:picChg chg="del">
-          <ac:chgData name="Bustillo, Gian [USA]" userId="S::624912@bah.com::d2f80d41-3521-48e3-8b17-00e1dec3a46e" providerId="AD" clId="Web-{E0F75D83-DAF9-851E-53E6-B892DDC81239}" dt="2022-10-26T14:07:39.313" v="765"/>
-          <ac:picMkLst>
-            <pc:docMk/>
-            <pc:sldMk cId="406015231" sldId="332"/>
-            <ac:picMk id="43" creationId="{24A6D04C-9360-4CE5-BC88-7636EF80FC0D}"/>
-          </ac:picMkLst>
-        </pc:picChg>
-        <pc:picChg chg="del">
-          <ac:chgData name="Bustillo, Gian [USA]" userId="S::624912@bah.com::d2f80d41-3521-48e3-8b17-00e1dec3a46e" providerId="AD" clId="Web-{E0F75D83-DAF9-851E-53E6-B892DDC81239}" dt="2022-10-26T14:07:39.313" v="764"/>
-          <ac:picMkLst>
-            <pc:docMk/>
-            <pc:sldMk cId="406015231" sldId="332"/>
-            <ac:picMk id="44" creationId="{DEE4900B-C7CD-42D5-BA01-CDAA1A624733}"/>
-          </ac:picMkLst>
-        </pc:picChg>
-        <pc:picChg chg="del">
-          <ac:chgData name="Bustillo, Gian [USA]" userId="S::624912@bah.com::d2f80d41-3521-48e3-8b17-00e1dec3a46e" providerId="AD" clId="Web-{E0F75D83-DAF9-851E-53E6-B892DDC81239}" dt="2022-10-26T14:07:39.298" v="763"/>
-          <ac:picMkLst>
-            <pc:docMk/>
-            <pc:sldMk cId="406015231" sldId="332"/>
-            <ac:picMk id="45" creationId="{55CC96E4-ADAD-437A-AFE5-D98506B273D3}"/>
-          </ac:picMkLst>
-        </pc:picChg>
-        <pc:picChg chg="del">
-          <ac:chgData name="Bustillo, Gian [USA]" userId="S::624912@bah.com::d2f80d41-3521-48e3-8b17-00e1dec3a46e" providerId="AD" clId="Web-{E0F75D83-DAF9-851E-53E6-B892DDC81239}" dt="2022-10-26T14:07:39.298" v="762"/>
-          <ac:picMkLst>
-            <pc:docMk/>
-            <pc:sldMk cId="406015231" sldId="332"/>
-            <ac:picMk id="46" creationId="{B73C0667-4BE5-4CCB-9FC7-5FBA7D9D0288}"/>
-          </ac:picMkLst>
-        </pc:picChg>
-        <pc:picChg chg="del">
-          <ac:chgData name="Bustillo, Gian [USA]" userId="S::624912@bah.com::d2f80d41-3521-48e3-8b17-00e1dec3a46e" providerId="AD" clId="Web-{E0F75D83-DAF9-851E-53E6-B892DDC81239}" dt="2022-10-26T14:07:39.298" v="761"/>
-          <ac:picMkLst>
-            <pc:docMk/>
-            <pc:sldMk cId="406015231" sldId="332"/>
-            <ac:picMk id="47" creationId="{786D9B48-1527-4E8D-9FA4-B7906037BA09}"/>
-          </ac:picMkLst>
-        </pc:picChg>
-        <pc:picChg chg="del">
-          <ac:chgData name="Bustillo, Gian [USA]" userId="S::624912@bah.com::d2f80d41-3521-48e3-8b17-00e1dec3a46e" providerId="AD" clId="Web-{E0F75D83-DAF9-851E-53E6-B892DDC81239}" dt="2022-10-26T14:07:39.298" v="760"/>
-          <ac:picMkLst>
-            <pc:docMk/>
-            <pc:sldMk cId="406015231" sldId="332"/>
-            <ac:picMk id="48" creationId="{01F0828D-72CD-C7CA-343E-632ABFFC92B8}"/>
-          </ac:picMkLst>
-        </pc:picChg>
-        <pc:picChg chg="del">
-          <ac:chgData name="Bustillo, Gian [USA]" userId="S::624912@bah.com::d2f80d41-3521-48e3-8b17-00e1dec3a46e" providerId="AD" clId="Web-{E0F75D83-DAF9-851E-53E6-B892DDC81239}" dt="2022-10-26T14:07:39.298" v="759"/>
-          <ac:picMkLst>
-            <pc:docMk/>
-            <pc:sldMk cId="406015231" sldId="332"/>
-            <ac:picMk id="49" creationId="{6F39D3E1-316B-4B32-3AAF-DE139406FD91}"/>
-          </ac:picMkLst>
-        </pc:picChg>
-        <pc:picChg chg="del">
-          <ac:chgData name="Bustillo, Gian [USA]" userId="S::624912@bah.com::d2f80d41-3521-48e3-8b17-00e1dec3a46e" providerId="AD" clId="Web-{E0F75D83-DAF9-851E-53E6-B892DDC81239}" dt="2022-10-26T14:07:39.298" v="758"/>
-          <ac:picMkLst>
-            <pc:docMk/>
-            <pc:sldMk cId="406015231" sldId="332"/>
-            <ac:picMk id="50" creationId="{C5381CA2-E5FE-45DC-A4EB-832BD159277E}"/>
-          </ac:picMkLst>
-        </pc:picChg>
-        <pc:picChg chg="del">
-          <ac:chgData name="Bustillo, Gian [USA]" userId="S::624912@bah.com::d2f80d41-3521-48e3-8b17-00e1dec3a46e" providerId="AD" clId="Web-{E0F75D83-DAF9-851E-53E6-B892DDC81239}" dt="2022-10-26T14:07:39.298" v="757"/>
-          <ac:picMkLst>
-            <pc:docMk/>
-            <pc:sldMk cId="406015231" sldId="332"/>
-            <ac:picMk id="51" creationId="{B6BADEB1-ECFF-C7C9-BB28-2B1007ACBC34}"/>
-          </ac:picMkLst>
-        </pc:picChg>
-        <pc:picChg chg="del">
-          <ac:chgData name="Bustillo, Gian [USA]" userId="S::624912@bah.com::d2f80d41-3521-48e3-8b17-00e1dec3a46e" providerId="AD" clId="Web-{E0F75D83-DAF9-851E-53E6-B892DDC81239}" dt="2022-10-26T14:07:39.298" v="756"/>
-          <ac:picMkLst>
-            <pc:docMk/>
-            <pc:sldMk cId="406015231" sldId="332"/>
-            <ac:picMk id="52" creationId="{D865995B-4144-3341-5B22-3E5B6075DE47}"/>
-          </ac:picMkLst>
-        </pc:picChg>
-        <pc:picChg chg="del">
-          <ac:chgData name="Bustillo, Gian [USA]" userId="S::624912@bah.com::d2f80d41-3521-48e3-8b17-00e1dec3a46e" providerId="AD" clId="Web-{E0F75D83-DAF9-851E-53E6-B892DDC81239}" dt="2022-10-26T14:07:39.298" v="755"/>
-          <ac:picMkLst>
-            <pc:docMk/>
-            <pc:sldMk cId="406015231" sldId="332"/>
-            <ac:picMk id="53" creationId="{F4634756-0763-023C-B9CC-003A008E0EFE}"/>
-          </ac:picMkLst>
-        </pc:picChg>
-        <pc:picChg chg="del">
-          <ac:chgData name="Bustillo, Gian [USA]" userId="S::624912@bah.com::d2f80d41-3521-48e3-8b17-00e1dec3a46e" providerId="AD" clId="Web-{E0F75D83-DAF9-851E-53E6-B892DDC81239}" dt="2022-10-26T14:07:39.298" v="754"/>
-          <ac:picMkLst>
-            <pc:docMk/>
-            <pc:sldMk cId="406015231" sldId="332"/>
-            <ac:picMk id="54" creationId="{3CF5C192-090A-6755-E6FC-8738ED8A5DB8}"/>
-          </ac:picMkLst>
-        </pc:picChg>
-        <pc:picChg chg="del">
-          <ac:chgData name="Bustillo, Gian [USA]" userId="S::624912@bah.com::d2f80d41-3521-48e3-8b17-00e1dec3a46e" providerId="AD" clId="Web-{E0F75D83-DAF9-851E-53E6-B892DDC81239}" dt="2022-10-26T14:07:39.298" v="753"/>
-          <ac:picMkLst>
-            <pc:docMk/>
-            <pc:sldMk cId="406015231" sldId="332"/>
-            <ac:picMk id="55" creationId="{41B66DD8-82D9-CBC9-B2BC-29F3DE071C59}"/>
-          </ac:picMkLst>
-        </pc:picChg>
-        <pc:picChg chg="del">
-          <ac:chgData name="Bustillo, Gian [USA]" userId="S::624912@bah.com::d2f80d41-3521-48e3-8b17-00e1dec3a46e" providerId="AD" clId="Web-{E0F75D83-DAF9-851E-53E6-B892DDC81239}" dt="2022-10-26T14:07:39.298" v="752"/>
-          <ac:picMkLst>
-            <pc:docMk/>
-            <pc:sldMk cId="406015231" sldId="332"/>
-            <ac:picMk id="56" creationId="{A6FF4F34-4892-5762-D7D2-553AE566CB91}"/>
-          </ac:picMkLst>
-        </pc:picChg>
-        <pc:picChg chg="del">
-          <ac:chgData name="Bustillo, Gian [USA]" userId="S::624912@bah.com::d2f80d41-3521-48e3-8b17-00e1dec3a46e" providerId="AD" clId="Web-{E0F75D83-DAF9-851E-53E6-B892DDC81239}" dt="2022-10-26T14:07:39.298" v="751"/>
-          <ac:picMkLst>
-            <pc:docMk/>
-            <pc:sldMk cId="406015231" sldId="332"/>
-            <ac:picMk id="57" creationId="{C0C4E677-C0BB-1618-CDCC-7BF4B8FC09AE}"/>
-          </ac:picMkLst>
-        </pc:picChg>
-        <pc:picChg chg="del">
-          <ac:chgData name="Bustillo, Gian [USA]" userId="S::624912@bah.com::d2f80d41-3521-48e3-8b17-00e1dec3a46e" providerId="AD" clId="Web-{E0F75D83-DAF9-851E-53E6-B892DDC81239}" dt="2022-10-26T14:07:39.298" v="750"/>
-          <ac:picMkLst>
-            <pc:docMk/>
-            <pc:sldMk cId="406015231" sldId="332"/>
-            <ac:picMk id="58" creationId="{6A4080DC-7AA0-9BDD-8CB8-A291CDB46F2E}"/>
-          </ac:picMkLst>
-        </pc:picChg>
-        <pc:picChg chg="del">
-          <ac:chgData name="Bustillo, Gian [USA]" userId="S::624912@bah.com::d2f80d41-3521-48e3-8b17-00e1dec3a46e" providerId="AD" clId="Web-{E0F75D83-DAF9-851E-53E6-B892DDC81239}" dt="2022-10-26T14:07:39.298" v="749"/>
-          <ac:picMkLst>
-            <pc:docMk/>
-            <pc:sldMk cId="406015231" sldId="332"/>
-            <ac:picMk id="59" creationId="{87B9E0D9-97FD-A7CA-4F2A-28461150A0F2}"/>
-          </ac:picMkLst>
-        </pc:picChg>
-        <pc:picChg chg="del">
-          <ac:chgData name="Bustillo, Gian [USA]" userId="S::624912@bah.com::d2f80d41-3521-48e3-8b17-00e1dec3a46e" providerId="AD" clId="Web-{E0F75D83-DAF9-851E-53E6-B892DDC81239}" dt="2022-10-26T14:07:39.298" v="748"/>
-          <ac:picMkLst>
-            <pc:docMk/>
-            <pc:sldMk cId="406015231" sldId="332"/>
-            <ac:picMk id="60" creationId="{B4282BB9-92A7-1711-AD47-A54E9B3903F2}"/>
-          </ac:picMkLst>
-        </pc:picChg>
-        <pc:picChg chg="del">
-          <ac:chgData name="Bustillo, Gian [USA]" userId="S::624912@bah.com::d2f80d41-3521-48e3-8b17-00e1dec3a46e" providerId="AD" clId="Web-{E0F75D83-DAF9-851E-53E6-B892DDC81239}" dt="2022-10-26T14:07:39.298" v="747"/>
-          <ac:picMkLst>
-            <pc:docMk/>
-            <pc:sldMk cId="406015231" sldId="332"/>
-            <ac:picMk id="61" creationId="{05637EA3-6FA8-3FA6-D4A4-2187151D78D8}"/>
-          </ac:picMkLst>
-        </pc:picChg>
-        <pc:picChg chg="del">
-          <ac:chgData name="Bustillo, Gian [USA]" userId="S::624912@bah.com::d2f80d41-3521-48e3-8b17-00e1dec3a46e" providerId="AD" clId="Web-{E0F75D83-DAF9-851E-53E6-B892DDC81239}" dt="2022-10-26T14:07:39.298" v="746"/>
-          <ac:picMkLst>
-            <pc:docMk/>
-            <pc:sldMk cId="406015231" sldId="332"/>
-            <ac:picMk id="62" creationId="{EA482B55-20BF-F7E5-34F7-083723154A6B}"/>
-          </ac:picMkLst>
-        </pc:picChg>
-      </pc:sldChg>
-      <pc:sldChg chg="modSp">
-        <pc:chgData name="Bustillo, Gian [USA]" userId="S::624912@bah.com::d2f80d41-3521-48e3-8b17-00e1dec3a46e" providerId="AD" clId="Web-{E0F75D83-DAF9-851E-53E6-B892DDC81239}" dt="2022-10-26T13:59:55.643" v="160"/>
-        <pc:sldMkLst>
-          <pc:docMk/>
-          <pc:sldMk cId="2997908498" sldId="338"/>
-        </pc:sldMkLst>
-        <pc:graphicFrameChg chg="mod modGraphic">
-          <ac:chgData name="Bustillo, Gian [USA]" userId="S::624912@bah.com::d2f80d41-3521-48e3-8b17-00e1dec3a46e" providerId="AD" clId="Web-{E0F75D83-DAF9-851E-53E6-B892DDC81239}" dt="2022-10-26T13:59:55.643" v="160"/>
-          <ac:graphicFrameMkLst>
-            <pc:docMk/>
-            <pc:sldMk cId="2997908498" sldId="338"/>
-            <ac:graphicFrameMk id="6" creationId="{721398D6-4401-DAB3-8C67-407658FE3F55}"/>
-          </ac:graphicFrameMkLst>
-        </pc:graphicFrameChg>
-      </pc:sldChg>
-      <pc:sldChg chg="modSp">
-        <pc:chgData name="Bustillo, Gian [USA]" userId="S::624912@bah.com::d2f80d41-3521-48e3-8b17-00e1dec3a46e" providerId="AD" clId="Web-{E0F75D83-DAF9-851E-53E6-B892DDC81239}" dt="2022-10-26T14:04:04.478" v="415"/>
-        <pc:sldMkLst>
-          <pc:docMk/>
-          <pc:sldMk cId="3615197908" sldId="342"/>
-        </pc:sldMkLst>
-        <pc:graphicFrameChg chg="mod modGraphic">
-          <ac:chgData name="Bustillo, Gian [USA]" userId="S::624912@bah.com::d2f80d41-3521-48e3-8b17-00e1dec3a46e" providerId="AD" clId="Web-{E0F75D83-DAF9-851E-53E6-B892DDC81239}" dt="2022-10-26T14:04:04.478" v="415"/>
-          <ac:graphicFrameMkLst>
-            <pc:docMk/>
-            <pc:sldMk cId="3615197908" sldId="342"/>
-            <ac:graphicFrameMk id="6" creationId="{721398D6-4401-DAB3-8C67-407658FE3F55}"/>
-          </ac:graphicFrameMkLst>
-        </pc:graphicFrameChg>
-      </pc:sldChg>
-    </pc:docChg>
-  </pc:docChgLst>
-  <pc:docChgLst>
-    <pc:chgData name="Bustillo, Gian [USA]" userId="S::624912@bah.com::d2f80d41-3521-48e3-8b17-00e1dec3a46e" providerId="AD" clId="Web-{5D551809-65A9-1018-27D4-2422D34B3A7C}"/>
-    <pc:docChg chg="modSld">
-      <pc:chgData name="Bustillo, Gian [USA]" userId="S::624912@bah.com::d2f80d41-3521-48e3-8b17-00e1dec3a46e" providerId="AD" clId="Web-{5D551809-65A9-1018-27D4-2422D34B3A7C}" dt="2022-08-19T17:02:59.097" v="265"/>
-      <pc:docMkLst>
-        <pc:docMk/>
-      </pc:docMkLst>
-      <pc:sldChg chg="modSp">
-        <pc:chgData name="Bustillo, Gian [USA]" userId="S::624912@bah.com::d2f80d41-3521-48e3-8b17-00e1dec3a46e" providerId="AD" clId="Web-{5D551809-65A9-1018-27D4-2422D34B3A7C}" dt="2022-08-19T17:00:50.078" v="1" actId="20577"/>
-        <pc:sldMkLst>
-          <pc:docMk/>
-          <pc:sldMk cId="815678163" sldId="273"/>
-        </pc:sldMkLst>
-        <pc:spChg chg="mod">
-          <ac:chgData name="Bustillo, Gian [USA]" userId="S::624912@bah.com::d2f80d41-3521-48e3-8b17-00e1dec3a46e" providerId="AD" clId="Web-{5D551809-65A9-1018-27D4-2422D34B3A7C}" dt="2022-08-19T17:00:50.078" v="1" actId="20577"/>
-          <ac:spMkLst>
-            <pc:docMk/>
-            <pc:sldMk cId="815678163" sldId="273"/>
-            <ac:spMk id="4" creationId="{1408AF8C-36F5-4E54-888B-435A9B6B6EA8}"/>
-          </ac:spMkLst>
-        </pc:spChg>
-      </pc:sldChg>
-      <pc:sldChg chg="modSp">
-        <pc:chgData name="Bustillo, Gian [USA]" userId="S::624912@bah.com::d2f80d41-3521-48e3-8b17-00e1dec3a46e" providerId="AD" clId="Web-{5D551809-65A9-1018-27D4-2422D34B3A7C}" dt="2022-08-19T17:02:38.831" v="195"/>
-        <pc:sldMkLst>
-          <pc:docMk/>
-          <pc:sldMk cId="1730437909" sldId="325"/>
-        </pc:sldMkLst>
-        <pc:graphicFrameChg chg="mod modGraphic">
-          <ac:chgData name="Bustillo, Gian [USA]" userId="S::624912@bah.com::d2f80d41-3521-48e3-8b17-00e1dec3a46e" providerId="AD" clId="Web-{5D551809-65A9-1018-27D4-2422D34B3A7C}" dt="2022-08-19T17:02:38.831" v="195"/>
-          <ac:graphicFrameMkLst>
-            <pc:docMk/>
-            <pc:sldMk cId="1730437909" sldId="325"/>
-            <ac:graphicFrameMk id="6" creationId="{721398D6-4401-DAB3-8C67-407658FE3F55}"/>
-          </ac:graphicFrameMkLst>
-        </pc:graphicFrameChg>
-      </pc:sldChg>
-      <pc:sldChg chg="modSp">
-        <pc:chgData name="Bustillo, Gian [USA]" userId="S::624912@bah.com::d2f80d41-3521-48e3-8b17-00e1dec3a46e" providerId="AD" clId="Web-{5D551809-65A9-1018-27D4-2422D34B3A7C}" dt="2022-08-19T17:02:59.097" v="265"/>
-        <pc:sldMkLst>
-          <pc:docMk/>
-          <pc:sldMk cId="2997908498" sldId="338"/>
-        </pc:sldMkLst>
-        <pc:graphicFrameChg chg="mod modGraphic">
-          <ac:chgData name="Bustillo, Gian [USA]" userId="S::624912@bah.com::d2f80d41-3521-48e3-8b17-00e1dec3a46e" providerId="AD" clId="Web-{5D551809-65A9-1018-27D4-2422D34B3A7C}" dt="2022-08-19T17:02:59.097" v="265"/>
-          <ac:graphicFrameMkLst>
-            <pc:docMk/>
-            <pc:sldMk cId="2997908498" sldId="338"/>
-            <ac:graphicFrameMk id="6" creationId="{721398D6-4401-DAB3-8C67-407658FE3F55}"/>
-          </ac:graphicFrameMkLst>
-        </pc:graphicFrameChg>
-      </pc:sldChg>
-    </pc:docChg>
-  </pc:docChgLst>
-  <pc:docChgLst>
-    <pc:chgData name="Goel, Sunayna [USA]" userId="abc387ba-55f4-491c-a73c-17dee6a00d97" providerId="ADAL" clId="{EB0922D8-FFD3-AB42-AC07-E920ACEF1536}"/>
-    <pc:docChg chg="modSld">
-      <pc:chgData name="Goel, Sunayna [USA]" userId="abc387ba-55f4-491c-a73c-17dee6a00d97" providerId="ADAL" clId="{EB0922D8-FFD3-AB42-AC07-E920ACEF1536}" dt="2022-10-12T14:37:42.418" v="3" actId="20577"/>
-      <pc:docMkLst>
-        <pc:docMk/>
-      </pc:docMkLst>
-      <pc:sldChg chg="modSp mod">
-        <pc:chgData name="Goel, Sunayna [USA]" userId="abc387ba-55f4-491c-a73c-17dee6a00d97" providerId="ADAL" clId="{EB0922D8-FFD3-AB42-AC07-E920ACEF1536}" dt="2022-10-12T14:37:42.418" v="3" actId="20577"/>
-        <pc:sldMkLst>
-          <pc:docMk/>
-          <pc:sldMk cId="1730437909" sldId="325"/>
-        </pc:sldMkLst>
-        <pc:graphicFrameChg chg="modGraphic">
-          <ac:chgData name="Goel, Sunayna [USA]" userId="abc387ba-55f4-491c-a73c-17dee6a00d97" providerId="ADAL" clId="{EB0922D8-FFD3-AB42-AC07-E920ACEF1536}" dt="2022-10-12T14:37:42.418" v="3" actId="20577"/>
-          <ac:graphicFrameMkLst>
-            <pc:docMk/>
-            <pc:sldMk cId="1730437909" sldId="325"/>
-            <ac:graphicFrameMk id="6" creationId="{721398D6-4401-DAB3-8C67-407658FE3F55}"/>
-          </ac:graphicFrameMkLst>
-        </pc:graphicFrameChg>
-      </pc:sldChg>
-    </pc:docChg>
-  </pc:docChgLst>
-  <pc:docChgLst>
-    <pc:chgData name="Mamedova, Millie [USA]" userId="S::623269@bah.com::b940716b-82ab-47d4-8bfc-28e7a71cb12f" providerId="AD" clId="Web-{80696653-5C49-4B20-8E83-414FAF6326B8}"/>
-    <pc:docChg chg="modSld">
-      <pc:chgData name="Mamedova, Millie [USA]" userId="S::623269@bah.com::b940716b-82ab-47d4-8bfc-28e7a71cb12f" providerId="AD" clId="Web-{80696653-5C49-4B20-8E83-414FAF6326B8}" dt="2022-09-29T12:48:35.629" v="7"/>
-      <pc:docMkLst>
-        <pc:docMk/>
-      </pc:docMkLst>
-      <pc:sldChg chg="modSp">
-        <pc:chgData name="Mamedova, Millie [USA]" userId="S::623269@bah.com::b940716b-82ab-47d4-8bfc-28e7a71cb12f" providerId="AD" clId="Web-{80696653-5C49-4B20-8E83-414FAF6326B8}" dt="2022-09-29T12:48:35.629" v="7"/>
-        <pc:sldMkLst>
-          <pc:docMk/>
-          <pc:sldMk cId="1730437909" sldId="325"/>
-        </pc:sldMkLst>
-        <pc:graphicFrameChg chg="mod modGraphic">
-          <ac:chgData name="Mamedova, Millie [USA]" userId="S::623269@bah.com::b940716b-82ab-47d4-8bfc-28e7a71cb12f" providerId="AD" clId="Web-{80696653-5C49-4B20-8E83-414FAF6326B8}" dt="2022-09-29T12:48:35.629" v="7"/>
-          <ac:graphicFrameMkLst>
-            <pc:docMk/>
-            <pc:sldMk cId="1730437909" sldId="325"/>
-            <ac:graphicFrameMk id="6" creationId="{721398D6-4401-DAB3-8C67-407658FE3F55}"/>
-          </ac:graphicFrameMkLst>
-        </pc:graphicFrameChg>
-      </pc:sldChg>
-    </pc:docChg>
-  </pc:docChgLst>
-  <pc:docChgLst>
-    <pc:chgData name="Bustillo, Gian [USA]" userId="S::624912@bah.com::d2f80d41-3521-48e3-8b17-00e1dec3a46e" providerId="AD" clId="Web-{1270A522-5EA4-24E5-0C9D-608658220A90}"/>
-    <pc:docChg chg="modSld">
-      <pc:chgData name="Bustillo, Gian [USA]" userId="S::624912@bah.com::d2f80d41-3521-48e3-8b17-00e1dec3a46e" providerId="AD" clId="Web-{1270A522-5EA4-24E5-0C9D-608658220A90}" dt="2022-10-19T20:51:16.103" v="1534"/>
-      <pc:docMkLst>
-        <pc:docMk/>
-      </pc:docMkLst>
-      <pc:sldChg chg="modSp">
-        <pc:chgData name="Bustillo, Gian [USA]" userId="S::624912@bah.com::d2f80d41-3521-48e3-8b17-00e1dec3a46e" providerId="AD" clId="Web-{1270A522-5EA4-24E5-0C9D-608658220A90}" dt="2022-10-19T14:44:13.182" v="1" actId="20577"/>
-        <pc:sldMkLst>
-          <pc:docMk/>
-          <pc:sldMk cId="815678163" sldId="273"/>
-        </pc:sldMkLst>
-        <pc:spChg chg="mod">
-          <ac:chgData name="Bustillo, Gian [USA]" userId="S::624912@bah.com::d2f80d41-3521-48e3-8b17-00e1dec3a46e" providerId="AD" clId="Web-{1270A522-5EA4-24E5-0C9D-608658220A90}" dt="2022-10-19T14:44:13.182" v="1" actId="20577"/>
-          <ac:spMkLst>
-            <pc:docMk/>
-            <pc:sldMk cId="815678163" sldId="273"/>
-            <ac:spMk id="4" creationId="{1408AF8C-36F5-4E54-888B-435A9B6B6EA8}"/>
-          </ac:spMkLst>
-        </pc:spChg>
-      </pc:sldChg>
-      <pc:sldChg chg="modSp">
-        <pc:chgData name="Bustillo, Gian [USA]" userId="S::624912@bah.com::d2f80d41-3521-48e3-8b17-00e1dec3a46e" providerId="AD" clId="Web-{1270A522-5EA4-24E5-0C9D-608658220A90}" dt="2022-10-19T14:55:35.832" v="458"/>
-        <pc:sldMkLst>
-          <pc:docMk/>
-          <pc:sldMk cId="1730437909" sldId="325"/>
-        </pc:sldMkLst>
-        <pc:graphicFrameChg chg="mod modGraphic">
-          <ac:chgData name="Bustillo, Gian [USA]" userId="S::624912@bah.com::d2f80d41-3521-48e3-8b17-00e1dec3a46e" providerId="AD" clId="Web-{1270A522-5EA4-24E5-0C9D-608658220A90}" dt="2022-10-19T14:55:35.832" v="458"/>
-          <ac:graphicFrameMkLst>
-            <pc:docMk/>
-            <pc:sldMk cId="1730437909" sldId="325"/>
-            <ac:graphicFrameMk id="6" creationId="{721398D6-4401-DAB3-8C67-407658FE3F55}"/>
-          </ac:graphicFrameMkLst>
-        </pc:graphicFrameChg>
-      </pc:sldChg>
-      <pc:sldChg chg="modSp">
-        <pc:chgData name="Bustillo, Gian [USA]" userId="S::624912@bah.com::d2f80d41-3521-48e3-8b17-00e1dec3a46e" providerId="AD" clId="Web-{1270A522-5EA4-24E5-0C9D-608658220A90}" dt="2022-10-19T15:08:46.235" v="1289"/>
-        <pc:sldMkLst>
-          <pc:docMk/>
-          <pc:sldMk cId="406015231" sldId="332"/>
-        </pc:sldMkLst>
-        <pc:graphicFrameChg chg="mod modGraphic">
-          <ac:chgData name="Bustillo, Gian [USA]" userId="S::624912@bah.com::d2f80d41-3521-48e3-8b17-00e1dec3a46e" providerId="AD" clId="Web-{1270A522-5EA4-24E5-0C9D-608658220A90}" dt="2022-10-19T15:08:46.235" v="1289"/>
-          <ac:graphicFrameMkLst>
-            <pc:docMk/>
-            <pc:sldMk cId="406015231" sldId="332"/>
-            <ac:graphicFrameMk id="22" creationId="{C84DDD7B-6774-5EFC-723D-2DB69F219CEC}"/>
-          </ac:graphicFrameMkLst>
-        </pc:graphicFrameChg>
-      </pc:sldChg>
-      <pc:sldChg chg="addSp delSp modSp">
-        <pc:chgData name="Bustillo, Gian [USA]" userId="S::624912@bah.com::d2f80d41-3521-48e3-8b17-00e1dec3a46e" providerId="AD" clId="Web-{1270A522-5EA4-24E5-0C9D-608658220A90}" dt="2022-10-19T14:54:08.735" v="208"/>
-        <pc:sldMkLst>
-          <pc:docMk/>
-          <pc:sldMk cId="2997908498" sldId="338"/>
-        </pc:sldMkLst>
-        <pc:graphicFrameChg chg="add del mod modGraphic">
-          <ac:chgData name="Bustillo, Gian [USA]" userId="S::624912@bah.com::d2f80d41-3521-48e3-8b17-00e1dec3a46e" providerId="AD" clId="Web-{1270A522-5EA4-24E5-0C9D-608658220A90}" dt="2022-10-19T14:54:08.735" v="208"/>
-          <ac:graphicFrameMkLst>
-            <pc:docMk/>
-            <pc:sldMk cId="2997908498" sldId="338"/>
-            <ac:graphicFrameMk id="6" creationId="{721398D6-4401-DAB3-8C67-407658FE3F55}"/>
-          </ac:graphicFrameMkLst>
-        </pc:graphicFrameChg>
-      </pc:sldChg>
-      <pc:sldChg chg="modSp">
-        <pc:chgData name="Bustillo, Gian [USA]" userId="S::624912@bah.com::d2f80d41-3521-48e3-8b17-00e1dec3a46e" providerId="AD" clId="Web-{1270A522-5EA4-24E5-0C9D-608658220A90}" dt="2022-10-19T20:51:16.103" v="1534"/>
-        <pc:sldMkLst>
-          <pc:docMk/>
-          <pc:sldMk cId="3615197908" sldId="342"/>
-        </pc:sldMkLst>
-        <pc:graphicFrameChg chg="mod modGraphic">
-          <ac:chgData name="Bustillo, Gian [USA]" userId="S::624912@bah.com::d2f80d41-3521-48e3-8b17-00e1dec3a46e" providerId="AD" clId="Web-{1270A522-5EA4-24E5-0C9D-608658220A90}" dt="2022-10-19T20:51:16.103" v="1534"/>
-          <ac:graphicFrameMkLst>
-            <pc:docMk/>
-            <pc:sldMk cId="3615197908" sldId="342"/>
-            <ac:graphicFrameMk id="6" creationId="{721398D6-4401-DAB3-8C67-407658FE3F55}"/>
-          </ac:graphicFrameMkLst>
-        </pc:graphicFrameChg>
-      </pc:sldChg>
-    </pc:docChg>
-  </pc:docChgLst>
-  <pc:docChgLst>
-    <pc:chgData name="Naga, Julie [USA]" userId="S::524919@bah.com::d1165e67-58da-4881-b44d-d330f5e94ed8" providerId="AD" clId="Web-{6DD46AF6-6069-489A-8AD6-6DF6E62E7A05}"/>
-    <pc:docChg chg="modSld">
-      <pc:chgData name="Naga, Julie [USA]" userId="S::524919@bah.com::d1165e67-58da-4881-b44d-d330f5e94ed8" providerId="AD" clId="Web-{6DD46AF6-6069-489A-8AD6-6DF6E62E7A05}" dt="2022-09-21T14:20:05.347" v="1" actId="20577"/>
-      <pc:docMkLst>
-        <pc:docMk/>
-      </pc:docMkLst>
-      <pc:sldChg chg="modSp">
-        <pc:chgData name="Naga, Julie [USA]" userId="S::524919@bah.com::d1165e67-58da-4881-b44d-d330f5e94ed8" providerId="AD" clId="Web-{6DD46AF6-6069-489A-8AD6-6DF6E62E7A05}" dt="2022-09-21T14:20:05.347" v="1" actId="20577"/>
-        <pc:sldMkLst>
-          <pc:docMk/>
-          <pc:sldMk cId="815678163" sldId="273"/>
-        </pc:sldMkLst>
-        <pc:spChg chg="mod">
-          <ac:chgData name="Naga, Julie [USA]" userId="S::524919@bah.com::d1165e67-58da-4881-b44d-d330f5e94ed8" providerId="AD" clId="Web-{6DD46AF6-6069-489A-8AD6-6DF6E62E7A05}" dt="2022-09-21T14:20:05.347" v="1" actId="20577"/>
-          <ac:spMkLst>
-            <pc:docMk/>
-            <pc:sldMk cId="815678163" sldId="273"/>
-            <ac:spMk id="2" creationId="{C4EAAF8E-7AEC-4F46-8C2E-CB5A4578AEEE}"/>
-          </ac:spMkLst>
-        </pc:spChg>
-      </pc:sldChg>
-    </pc:docChg>
-  </pc:docChgLst>
-  <pc:docChgLst>
-    <pc:chgData name="Bustillo, Gian [USA]" userId="S::624912@bah.com::d2f80d41-3521-48e3-8b17-00e1dec3a46e" providerId="AD" clId="Web-{EC1DB744-1D5F-E82D-1DB6-A29A16C0EB55}"/>
-    <pc:docChg chg="modSld">
-      <pc:chgData name="Bustillo, Gian [USA]" userId="S::624912@bah.com::d2f80d41-3521-48e3-8b17-00e1dec3a46e" providerId="AD" clId="Web-{EC1DB744-1D5F-E82D-1DB6-A29A16C0EB55}" dt="2022-09-15T18:08:24.104" v="52"/>
-      <pc:docMkLst>
-        <pc:docMk/>
-      </pc:docMkLst>
-      <pc:sldChg chg="modSp">
-        <pc:chgData name="Bustillo, Gian [USA]" userId="S::624912@bah.com::d2f80d41-3521-48e3-8b17-00e1dec3a46e" providerId="AD" clId="Web-{EC1DB744-1D5F-E82D-1DB6-A29A16C0EB55}" dt="2022-09-15T18:07:54.321" v="0" actId="20577"/>
-        <pc:sldMkLst>
-          <pc:docMk/>
-          <pc:sldMk cId="815678163" sldId="273"/>
-        </pc:sldMkLst>
-        <pc:spChg chg="mod">
-          <ac:chgData name="Bustillo, Gian [USA]" userId="S::624912@bah.com::d2f80d41-3521-48e3-8b17-00e1dec3a46e" providerId="AD" clId="Web-{EC1DB744-1D5F-E82D-1DB6-A29A16C0EB55}" dt="2022-09-15T18:07:54.321" v="0" actId="20577"/>
-          <ac:spMkLst>
-            <pc:docMk/>
-            <pc:sldMk cId="815678163" sldId="273"/>
-            <ac:spMk id="4" creationId="{1408AF8C-36F5-4E54-888B-435A9B6B6EA8}"/>
-          </ac:spMkLst>
-        </pc:spChg>
-      </pc:sldChg>
-      <pc:sldChg chg="modSp">
-        <pc:chgData name="Bustillo, Gian [USA]" userId="S::624912@bah.com::d2f80d41-3521-48e3-8b17-00e1dec3a46e" providerId="AD" clId="Web-{EC1DB744-1D5F-E82D-1DB6-A29A16C0EB55}" dt="2022-09-15T18:08:24.104" v="52"/>
-        <pc:sldMkLst>
-          <pc:docMk/>
-          <pc:sldMk cId="3615197908" sldId="342"/>
-        </pc:sldMkLst>
-        <pc:graphicFrameChg chg="mod modGraphic">
-          <ac:chgData name="Bustillo, Gian [USA]" userId="S::624912@bah.com::d2f80d41-3521-48e3-8b17-00e1dec3a46e" providerId="AD" clId="Web-{EC1DB744-1D5F-E82D-1DB6-A29A16C0EB55}" dt="2022-09-15T18:08:24.104" v="52"/>
-          <ac:graphicFrameMkLst>
-            <pc:docMk/>
-            <pc:sldMk cId="3615197908" sldId="342"/>
-            <ac:graphicFrameMk id="6" creationId="{721398D6-4401-DAB3-8C67-407658FE3F55}"/>
-          </ac:graphicFrameMkLst>
-        </pc:graphicFrameChg>
-      </pc:sldChg>
-    </pc:docChg>
-  </pc:docChgLst>
-  <pc:docChgLst>
-    <pc:chgData name="Goodenough, Grace [USA]" userId="S::624306@bah.com::4223f804-184a-4090-a0f5-cee3bfcfa365" providerId="AD" clId="Web-{B8104032-13C4-405B-BC07-69BE3C39B62F}"/>
-    <pc:docChg chg="modSld">
-      <pc:chgData name="Goodenough, Grace [USA]" userId="S::624306@bah.com::4223f804-184a-4090-a0f5-cee3bfcfa365" providerId="AD" clId="Web-{B8104032-13C4-405B-BC07-69BE3C39B62F}" dt="2022-09-28T16:13:27.161" v="75"/>
-      <pc:docMkLst>
-        <pc:docMk/>
-      </pc:docMkLst>
-      <pc:sldChg chg="modSp">
-        <pc:chgData name="Goodenough, Grace [USA]" userId="S::624306@bah.com::4223f804-184a-4090-a0f5-cee3bfcfa365" providerId="AD" clId="Web-{B8104032-13C4-405B-BC07-69BE3C39B62F}" dt="2022-09-28T16:13:27.161" v="75"/>
-        <pc:sldMkLst>
-          <pc:docMk/>
-          <pc:sldMk cId="1730437909" sldId="325"/>
-        </pc:sldMkLst>
-        <pc:graphicFrameChg chg="mod modGraphic">
-          <ac:chgData name="Goodenough, Grace [USA]" userId="S::624306@bah.com::4223f804-184a-4090-a0f5-cee3bfcfa365" providerId="AD" clId="Web-{B8104032-13C4-405B-BC07-69BE3C39B62F}" dt="2022-09-28T16:13:27.161" v="75"/>
-          <ac:graphicFrameMkLst>
-            <pc:docMk/>
-            <pc:sldMk cId="1730437909" sldId="325"/>
-            <ac:graphicFrameMk id="6" creationId="{721398D6-4401-DAB3-8C67-407658FE3F55}"/>
-          </ac:graphicFrameMkLst>
-        </pc:graphicFrameChg>
-      </pc:sldChg>
-    </pc:docChg>
-  </pc:docChgLst>
-  <pc:docChgLst>
-    <pc:chgData name="Bustillo, Gian [USA]" userId="S::624912@bah.com::d2f80d41-3521-48e3-8b17-00e1dec3a46e" providerId="AD" clId="Web-{F9F9F903-1EA2-13BF-8DAA-A82137C8988C}"/>
-    <pc:docChg chg="delSld modSld">
-      <pc:chgData name="Bustillo, Gian [USA]" userId="S::624912@bah.com::d2f80d41-3521-48e3-8b17-00e1dec3a46e" providerId="AD" clId="Web-{F9F9F903-1EA2-13BF-8DAA-A82137C8988C}" dt="2022-11-03T12:50:50.954" v="437"/>
-      <pc:docMkLst>
-        <pc:docMk/>
-      </pc:docMkLst>
-      <pc:sldChg chg="modSp">
-        <pc:chgData name="Bustillo, Gian [USA]" userId="S::624912@bah.com::d2f80d41-3521-48e3-8b17-00e1dec3a46e" providerId="AD" clId="Web-{F9F9F903-1EA2-13BF-8DAA-A82137C8988C}" dt="2022-11-03T12:50:05.030" v="409"/>
-        <pc:sldMkLst>
-          <pc:docMk/>
-          <pc:sldMk cId="406015231" sldId="332"/>
-        </pc:sldMkLst>
-        <pc:graphicFrameChg chg="mod modGraphic">
-          <ac:chgData name="Bustillo, Gian [USA]" userId="S::624912@bah.com::d2f80d41-3521-48e3-8b17-00e1dec3a46e" providerId="AD" clId="Web-{F9F9F903-1EA2-13BF-8DAA-A82137C8988C}" dt="2022-11-03T12:50:05.030" v="409"/>
-          <ac:graphicFrameMkLst>
-            <pc:docMk/>
-            <pc:sldMk cId="406015231" sldId="332"/>
-            <ac:graphicFrameMk id="22" creationId="{C84DDD7B-6774-5EFC-723D-2DB69F219CEC}"/>
-          </ac:graphicFrameMkLst>
-        </pc:graphicFrameChg>
-      </pc:sldChg>
-      <pc:sldChg chg="modSp">
-        <pc:chgData name="Bustillo, Gian [USA]" userId="S::624912@bah.com::d2f80d41-3521-48e3-8b17-00e1dec3a46e" providerId="AD" clId="Web-{F9F9F903-1EA2-13BF-8DAA-A82137C8988C}" dt="2022-11-03T12:48:00.933" v="182"/>
-        <pc:sldMkLst>
-          <pc:docMk/>
-          <pc:sldMk cId="2997908498" sldId="338"/>
-        </pc:sldMkLst>
-        <pc:graphicFrameChg chg="modGraphic">
-          <ac:chgData name="Bustillo, Gian [USA]" userId="S::624912@bah.com::d2f80d41-3521-48e3-8b17-00e1dec3a46e" providerId="AD" clId="Web-{F9F9F903-1EA2-13BF-8DAA-A82137C8988C}" dt="2022-11-03T12:48:00.933" v="182"/>
-          <ac:graphicFrameMkLst>
-            <pc:docMk/>
-            <pc:sldMk cId="2997908498" sldId="338"/>
-            <ac:graphicFrameMk id="6" creationId="{721398D6-4401-DAB3-8C67-407658FE3F55}"/>
-          </ac:graphicFrameMkLst>
-        </pc:graphicFrameChg>
-      </pc:sldChg>
-      <pc:sldChg chg="modSp">
-        <pc:chgData name="Bustillo, Gian [USA]" userId="S::624912@bah.com::d2f80d41-3521-48e3-8b17-00e1dec3a46e" providerId="AD" clId="Web-{F9F9F903-1EA2-13BF-8DAA-A82137C8988C}" dt="2022-11-03T12:50:50.954" v="437"/>
-        <pc:sldMkLst>
-          <pc:docMk/>
-          <pc:sldMk cId="3615197908" sldId="342"/>
-        </pc:sldMkLst>
-        <pc:graphicFrameChg chg="mod modGraphic">
-          <ac:chgData name="Bustillo, Gian [USA]" userId="S::624912@bah.com::d2f80d41-3521-48e3-8b17-00e1dec3a46e" providerId="AD" clId="Web-{F9F9F903-1EA2-13BF-8DAA-A82137C8988C}" dt="2022-11-03T12:50:50.954" v="437"/>
-          <ac:graphicFrameMkLst>
-            <pc:docMk/>
-            <pc:sldMk cId="3615197908" sldId="342"/>
-            <ac:graphicFrameMk id="6" creationId="{721398D6-4401-DAB3-8C67-407658FE3F55}"/>
-          </ac:graphicFrameMkLst>
-        </pc:graphicFrameChg>
-      </pc:sldChg>
-      <pc:sldChg chg="modSp">
-        <pc:chgData name="Bustillo, Gian [USA]" userId="S::624912@bah.com::d2f80d41-3521-48e3-8b17-00e1dec3a46e" providerId="AD" clId="Web-{F9F9F903-1EA2-13BF-8DAA-A82137C8988C}" dt="2022-11-03T12:43:03.267" v="178"/>
-        <pc:sldMkLst>
-          <pc:docMk/>
-          <pc:sldMk cId="874433587" sldId="347"/>
-        </pc:sldMkLst>
-        <pc:graphicFrameChg chg="mod modGraphic">
-          <ac:chgData name="Bustillo, Gian [USA]" userId="S::624912@bah.com::d2f80d41-3521-48e3-8b17-00e1dec3a46e" providerId="AD" clId="Web-{F9F9F903-1EA2-13BF-8DAA-A82137C8988C}" dt="2022-11-03T12:43:03.267" v="178"/>
-          <ac:graphicFrameMkLst>
-            <pc:docMk/>
-            <pc:sldMk cId="874433587" sldId="347"/>
-            <ac:graphicFrameMk id="6" creationId="{721398D6-4401-DAB3-8C67-407658FE3F55}"/>
-          </ac:graphicFrameMkLst>
-        </pc:graphicFrameChg>
-      </pc:sldChg>
-      <pc:sldChg chg="del">
-        <pc:chgData name="Bustillo, Gian [USA]" userId="S::624912@bah.com::d2f80d41-3521-48e3-8b17-00e1dec3a46e" providerId="AD" clId="Web-{F9F9F903-1EA2-13BF-8DAA-A82137C8988C}" dt="2022-11-03T12:44:56.818" v="179"/>
-        <pc:sldMkLst>
-          <pc:docMk/>
-          <pc:sldMk cId="2152859334" sldId="349"/>
-        </pc:sldMkLst>
-      </pc:sldChg>
-      <pc:sldChg chg="del">
-        <pc:chgData name="Bustillo, Gian [USA]" userId="S::624912@bah.com::d2f80d41-3521-48e3-8b17-00e1dec3a46e" providerId="AD" clId="Web-{F9F9F903-1EA2-13BF-8DAA-A82137C8988C}" dt="2022-11-03T12:44:59.958" v="180"/>
-        <pc:sldMkLst>
-          <pc:docMk/>
-          <pc:sldMk cId="4086621007" sldId="350"/>
-        </pc:sldMkLst>
-      </pc:sldChg>
-      <pc:sldChg chg="modSp">
-        <pc:chgData name="Bustillo, Gian [USA]" userId="S::624912@bah.com::d2f80d41-3521-48e3-8b17-00e1dec3a46e" providerId="AD" clId="Web-{F9F9F903-1EA2-13BF-8DAA-A82137C8988C}" dt="2022-11-03T12:40:38.403" v="166"/>
-        <pc:sldMkLst>
-          <pc:docMk/>
-          <pc:sldMk cId="422448212" sldId="351"/>
-        </pc:sldMkLst>
-        <pc:graphicFrameChg chg="mod modGraphic">
-          <ac:chgData name="Bustillo, Gian [USA]" userId="S::624912@bah.com::d2f80d41-3521-48e3-8b17-00e1dec3a46e" providerId="AD" clId="Web-{F9F9F903-1EA2-13BF-8DAA-A82137C8988C}" dt="2022-11-03T12:40:38.403" v="166"/>
-          <ac:graphicFrameMkLst>
-            <pc:docMk/>
-            <pc:sldMk cId="422448212" sldId="351"/>
-            <ac:graphicFrameMk id="6" creationId="{721398D6-4401-DAB3-8C67-407658FE3F55}"/>
-          </ac:graphicFrameMkLst>
-        </pc:graphicFrameChg>
-      </pc:sldChg>
-    </pc:docChg>
-  </pc:docChgLst>
-  <pc:docChgLst>
-    <pc:chgData clId="Web-{52AD9F9C-F6FE-A345-273C-34AFFA81E6FB}"/>
-    <pc:docChg chg="modSld">
-      <pc:chgData name="" userId="" providerId="" clId="Web-{52AD9F9C-F6FE-A345-273C-34AFFA81E6FB}" dt="2022-09-07T12:46:16.950" v="0" actId="20577"/>
-      <pc:docMkLst>
-        <pc:docMk/>
-      </pc:docMkLst>
-      <pc:sldChg chg="modSp">
-        <pc:chgData name="" userId="" providerId="" clId="Web-{52AD9F9C-F6FE-A345-273C-34AFFA81E6FB}" dt="2022-09-07T12:46:16.950" v="0" actId="20577"/>
-        <pc:sldMkLst>
-          <pc:docMk/>
-          <pc:sldMk cId="815678163" sldId="273"/>
-        </pc:sldMkLst>
-        <pc:spChg chg="mod">
-          <ac:chgData name="" userId="" providerId="" clId="Web-{52AD9F9C-F6FE-A345-273C-34AFFA81E6FB}" dt="2022-09-07T12:46:16.950" v="0" actId="20577"/>
-          <ac:spMkLst>
-            <pc:docMk/>
-            <pc:sldMk cId="815678163" sldId="273"/>
-            <ac:spMk id="4" creationId="{1408AF8C-36F5-4E54-888B-435A9B6B6EA8}"/>
-          </ac:spMkLst>
-        </pc:spChg>
-      </pc:sldChg>
-    </pc:docChg>
-  </pc:docChgLst>
-  <pc:docChgLst>
-    <pc:chgData name="Bush, Nicole [USA]" userId="S::625966@bah.com::5c03dfba-b736-46b3-907c-245bd83404ad" providerId="AD" clId="Web-{A79B74B5-8DDF-4DFA-AE4B-E6FDAC98A1E0}"/>
-    <pc:docChg chg="modSld">
-      <pc:chgData name="Bush, Nicole [USA]" userId="S::625966@bah.com::5c03dfba-b736-46b3-907c-245bd83404ad" providerId="AD" clId="Web-{A79B74B5-8DDF-4DFA-AE4B-E6FDAC98A1E0}" dt="2022-09-21T16:26:25.720" v="189"/>
-      <pc:docMkLst>
-        <pc:docMk/>
-      </pc:docMkLst>
-      <pc:sldChg chg="modSp">
-        <pc:chgData name="Bush, Nicole [USA]" userId="S::625966@bah.com::5c03dfba-b736-46b3-907c-245bd83404ad" providerId="AD" clId="Web-{A79B74B5-8DDF-4DFA-AE4B-E6FDAC98A1E0}" dt="2022-09-21T16:26:25.720" v="189"/>
-        <pc:sldMkLst>
-          <pc:docMk/>
-          <pc:sldMk cId="2997908498" sldId="338"/>
-        </pc:sldMkLst>
-        <pc:graphicFrameChg chg="mod modGraphic">
-          <ac:chgData name="Bush, Nicole [USA]" userId="S::625966@bah.com::5c03dfba-b736-46b3-907c-245bd83404ad" providerId="AD" clId="Web-{A79B74B5-8DDF-4DFA-AE4B-E6FDAC98A1E0}" dt="2022-09-21T16:26:25.720" v="189"/>
-          <ac:graphicFrameMkLst>
-            <pc:docMk/>
-            <pc:sldMk cId="2997908498" sldId="338"/>
-            <ac:graphicFrameMk id="6" creationId="{721398D6-4401-DAB3-8C67-407658FE3F55}"/>
-          </ac:graphicFrameMkLst>
-        </pc:graphicFrameChg>
-      </pc:sldChg>
-    </pc:docChg>
-  </pc:docChgLst>
-  <pc:docChgLst>
-    <pc:chgData name="Bustillo, Gian [USA]" userId="S::624912@bah.com::d2f80d41-3521-48e3-8b17-00e1dec3a46e" providerId="AD" clId="Web-{09135D6A-5FF0-099F-7E5F-7925DEB0C3F2}"/>
-    <pc:docChg chg="modSld">
-      <pc:chgData name="Bustillo, Gian [USA]" userId="S::624912@bah.com::d2f80d41-3521-48e3-8b17-00e1dec3a46e" providerId="AD" clId="Web-{09135D6A-5FF0-099F-7E5F-7925DEB0C3F2}" dt="2022-08-25T12:51:12.944" v="163"/>
-      <pc:docMkLst>
-        <pc:docMk/>
-      </pc:docMkLst>
-      <pc:sldChg chg="modSp">
-        <pc:chgData name="Bustillo, Gian [USA]" userId="S::624912@bah.com::d2f80d41-3521-48e3-8b17-00e1dec3a46e" providerId="AD" clId="Web-{09135D6A-5FF0-099F-7E5F-7925DEB0C3F2}" dt="2022-08-25T12:51:12.944" v="163"/>
-        <pc:sldMkLst>
-          <pc:docMk/>
-          <pc:sldMk cId="1730437909" sldId="325"/>
-        </pc:sldMkLst>
-        <pc:graphicFrameChg chg="mod modGraphic">
-          <ac:chgData name="Bustillo, Gian [USA]" userId="S::624912@bah.com::d2f80d41-3521-48e3-8b17-00e1dec3a46e" providerId="AD" clId="Web-{09135D6A-5FF0-099F-7E5F-7925DEB0C3F2}" dt="2022-08-25T12:51:12.944" v="163"/>
-          <ac:graphicFrameMkLst>
-            <pc:docMk/>
-            <pc:sldMk cId="1730437909" sldId="325"/>
-            <ac:graphicFrameMk id="6" creationId="{721398D6-4401-DAB3-8C67-407658FE3F55}"/>
-          </ac:graphicFrameMkLst>
-        </pc:graphicFrameChg>
-      </pc:sldChg>
-      <pc:sldChg chg="modSp">
-        <pc:chgData name="Bustillo, Gian [USA]" userId="S::624912@bah.com::d2f80d41-3521-48e3-8b17-00e1dec3a46e" providerId="AD" clId="Web-{09135D6A-5FF0-099F-7E5F-7925DEB0C3F2}" dt="2022-08-24T17:06:08.857" v="101"/>
-        <pc:sldMkLst>
-          <pc:docMk/>
-          <pc:sldMk cId="2997908498" sldId="338"/>
-        </pc:sldMkLst>
-        <pc:graphicFrameChg chg="mod modGraphic">
-          <ac:chgData name="Bustillo, Gian [USA]" userId="S::624912@bah.com::d2f80d41-3521-48e3-8b17-00e1dec3a46e" providerId="AD" clId="Web-{09135D6A-5FF0-099F-7E5F-7925DEB0C3F2}" dt="2022-08-24T17:06:08.857" v="101"/>
-          <ac:graphicFrameMkLst>
-            <pc:docMk/>
-            <pc:sldMk cId="2997908498" sldId="338"/>
-            <ac:graphicFrameMk id="6" creationId="{721398D6-4401-DAB3-8C67-407658FE3F55}"/>
-          </ac:graphicFrameMkLst>
-        </pc:graphicFrameChg>
-      </pc:sldChg>
-    </pc:docChg>
-  </pc:docChgLst>
-  <pc:docChgLst>
-    <pc:chgData name="Goel, Sunayna [USA]" userId="S::625168@bah.com::abc387ba-55f4-491c-a73c-17dee6a00d97" providerId="AD" clId="Web-{94B565B0-8849-40C9-BF08-D1FF3A063D23}"/>
-    <pc:docChg chg="modSld">
-      <pc:chgData name="Goel, Sunayna [USA]" userId="S::625168@bah.com::abc387ba-55f4-491c-a73c-17dee6a00d97" providerId="AD" clId="Web-{94B565B0-8849-40C9-BF08-D1FF3A063D23}" dt="2022-10-12T14:33:10.728" v="285"/>
-      <pc:docMkLst>
-        <pc:docMk/>
-      </pc:docMkLst>
-      <pc:sldChg chg="modSp">
-        <pc:chgData name="Goel, Sunayna [USA]" userId="S::625168@bah.com::abc387ba-55f4-491c-a73c-17dee6a00d97" providerId="AD" clId="Web-{94B565B0-8849-40C9-BF08-D1FF3A063D23}" dt="2022-10-12T14:33:10.728" v="285"/>
-        <pc:sldMkLst>
-          <pc:docMk/>
-          <pc:sldMk cId="1730437909" sldId="325"/>
-        </pc:sldMkLst>
-        <pc:graphicFrameChg chg="mod modGraphic">
-          <ac:chgData name="Goel, Sunayna [USA]" userId="S::625168@bah.com::abc387ba-55f4-491c-a73c-17dee6a00d97" providerId="AD" clId="Web-{94B565B0-8849-40C9-BF08-D1FF3A063D23}" dt="2022-10-12T14:33:10.728" v="285"/>
-          <ac:graphicFrameMkLst>
-            <pc:docMk/>
-            <pc:sldMk cId="1730437909" sldId="325"/>
-            <ac:graphicFrameMk id="6" creationId="{721398D6-4401-DAB3-8C67-407658FE3F55}"/>
-          </ac:graphicFrameMkLst>
-        </pc:graphicFrameChg>
-      </pc:sldChg>
-    </pc:docChg>
-  </pc:docChgLst>
-  <pc:docChgLst>
-    <pc:chgData name="Mamedova, Millie [USA]" userId="S::623269@bah.com::b940716b-82ab-47d4-8bfc-28e7a71cb12f" providerId="AD" clId="Web-{1FBCEEBF-5744-4153-ACF8-EBA3D2C7B4DC}"/>
-    <pc:docChg chg="modSld">
-      <pc:chgData name="Mamedova, Millie [USA]" userId="S::623269@bah.com::b940716b-82ab-47d4-8bfc-28e7a71cb12f" providerId="AD" clId="Web-{1FBCEEBF-5744-4153-ACF8-EBA3D2C7B4DC}" dt="2022-09-29T15:19:26.280" v="49"/>
-      <pc:docMkLst>
-        <pc:docMk/>
-      </pc:docMkLst>
-      <pc:sldChg chg="modSp">
-        <pc:chgData name="Mamedova, Millie [USA]" userId="S::623269@bah.com::b940716b-82ab-47d4-8bfc-28e7a71cb12f" providerId="AD" clId="Web-{1FBCEEBF-5744-4153-ACF8-EBA3D2C7B4DC}" dt="2022-09-29T15:19:26.280" v="49"/>
-        <pc:sldMkLst>
-          <pc:docMk/>
-          <pc:sldMk cId="3615197908" sldId="342"/>
-        </pc:sldMkLst>
-        <pc:graphicFrameChg chg="mod modGraphic">
-          <ac:chgData name="Mamedova, Millie [USA]" userId="S::623269@bah.com::b940716b-82ab-47d4-8bfc-28e7a71cb12f" providerId="AD" clId="Web-{1FBCEEBF-5744-4153-ACF8-EBA3D2C7B4DC}" dt="2022-09-29T15:19:26.280" v="49"/>
-          <ac:graphicFrameMkLst>
-            <pc:docMk/>
-            <pc:sldMk cId="3615197908" sldId="342"/>
-            <ac:graphicFrameMk id="6" creationId="{721398D6-4401-DAB3-8C67-407658FE3F55}"/>
-          </ac:graphicFrameMkLst>
-        </pc:graphicFrameChg>
-      </pc:sldChg>
-    </pc:docChg>
-  </pc:docChgLst>
-  <pc:docChgLst>
-    <pc:chgData name="Goodenough, Grace [USA]" userId="4223f804-184a-4090-a0f5-cee3bfcfa365" providerId="ADAL" clId="{10909E50-B363-6848-BA84-65EB9F736B1F}"/>
-    <pc:docChg chg="custSel modSld">
-      <pc:chgData name="Goodenough, Grace [USA]" userId="4223f804-184a-4090-a0f5-cee3bfcfa365" providerId="ADAL" clId="{10909E50-B363-6848-BA84-65EB9F736B1F}" dt="2022-11-09T20:46:19.240" v="755" actId="20577"/>
-      <pc:docMkLst>
-        <pc:docMk/>
-      </pc:docMkLst>
-      <pc:sldChg chg="modSp mod">
-        <pc:chgData name="Goodenough, Grace [USA]" userId="4223f804-184a-4090-a0f5-cee3bfcfa365" providerId="ADAL" clId="{10909E50-B363-6848-BA84-65EB9F736B1F}" dt="2022-11-09T20:46:19.240" v="755" actId="20577"/>
-        <pc:sldMkLst>
-          <pc:docMk/>
-          <pc:sldMk cId="422448212" sldId="351"/>
-        </pc:sldMkLst>
-        <pc:graphicFrameChg chg="mod modGraphic">
-          <ac:chgData name="Goodenough, Grace [USA]" userId="4223f804-184a-4090-a0f5-cee3bfcfa365" providerId="ADAL" clId="{10909E50-B363-6848-BA84-65EB9F736B1F}" dt="2022-11-09T20:46:19.240" v="755" actId="20577"/>
-          <ac:graphicFrameMkLst>
-            <pc:docMk/>
-            <pc:sldMk cId="422448212" sldId="351"/>
-            <ac:graphicFrameMk id="6" creationId="{721398D6-4401-DAB3-8C67-407658FE3F55}"/>
-          </ac:graphicFrameMkLst>
-        </pc:graphicFrameChg>
-      </pc:sldChg>
-    </pc:docChg>
-  </pc:docChgLst>
-  <pc:docChgLst>
-    <pc:chgData name="Bustillo, Gian [USA]" userId="S::624912@bah.com::d2f80d41-3521-48e3-8b17-00e1dec3a46e" providerId="AD" clId="Web-{412C5D2A-FC06-3275-18B4-07EF7C0903D5}"/>
-    <pc:docChg chg="modSld">
-      <pc:chgData name="Bustillo, Gian [USA]" userId="S::624912@bah.com::d2f80d41-3521-48e3-8b17-00e1dec3a46e" providerId="AD" clId="Web-{412C5D2A-FC06-3275-18B4-07EF7C0903D5}" dt="2022-09-08T17:18:25.120" v="94"/>
-      <pc:docMkLst>
-        <pc:docMk/>
-      </pc:docMkLst>
-      <pc:sldChg chg="modSp">
-        <pc:chgData name="Bustillo, Gian [USA]" userId="S::624912@bah.com::d2f80d41-3521-48e3-8b17-00e1dec3a46e" providerId="AD" clId="Web-{412C5D2A-FC06-3275-18B4-07EF7C0903D5}" dt="2022-09-08T17:17:44.931" v="0" actId="20577"/>
-        <pc:sldMkLst>
-          <pc:docMk/>
-          <pc:sldMk cId="815678163" sldId="273"/>
-        </pc:sldMkLst>
-        <pc:spChg chg="mod">
-          <ac:chgData name="Bustillo, Gian [USA]" userId="S::624912@bah.com::d2f80d41-3521-48e3-8b17-00e1dec3a46e" providerId="AD" clId="Web-{412C5D2A-FC06-3275-18B4-07EF7C0903D5}" dt="2022-09-08T17:17:44.931" v="0" actId="20577"/>
-          <ac:spMkLst>
-            <pc:docMk/>
-            <pc:sldMk cId="815678163" sldId="273"/>
-            <ac:spMk id="4" creationId="{1408AF8C-36F5-4E54-888B-435A9B6B6EA8}"/>
-          </ac:spMkLst>
-        </pc:spChg>
-      </pc:sldChg>
-      <pc:sldChg chg="modSp">
-        <pc:chgData name="Bustillo, Gian [USA]" userId="S::624912@bah.com::d2f80d41-3521-48e3-8b17-00e1dec3a46e" providerId="AD" clId="Web-{412C5D2A-FC06-3275-18B4-07EF7C0903D5}" dt="2022-09-08T17:18:25.120" v="94"/>
-        <pc:sldMkLst>
-          <pc:docMk/>
-          <pc:sldMk cId="1730437909" sldId="325"/>
-        </pc:sldMkLst>
-        <pc:graphicFrameChg chg="mod modGraphic">
-          <ac:chgData name="Bustillo, Gian [USA]" userId="S::624912@bah.com::d2f80d41-3521-48e3-8b17-00e1dec3a46e" providerId="AD" clId="Web-{412C5D2A-FC06-3275-18B4-07EF7C0903D5}" dt="2022-09-08T17:18:25.120" v="94"/>
-          <ac:graphicFrameMkLst>
-            <pc:docMk/>
-            <pc:sldMk cId="1730437909" sldId="325"/>
-            <ac:graphicFrameMk id="6" creationId="{721398D6-4401-DAB3-8C67-407658FE3F55}"/>
-          </ac:graphicFrameMkLst>
-        </pc:graphicFrameChg>
-      </pc:sldChg>
-    </pc:docChg>
-  </pc:docChgLst>
-  <pc:docChgLst>
-    <pc:chgData name="Bustillo, Gian [USA]" userId="S::624912@bah.com::d2f80d41-3521-48e3-8b17-00e1dec3a46e" providerId="AD" clId="Web-{BDE0BFBF-B814-CD71-A976-7DFAA689DE10}"/>
-    <pc:docChg chg="modSld">
-      <pc:chgData name="Bustillo, Gian [USA]" userId="S::624912@bah.com::d2f80d41-3521-48e3-8b17-00e1dec3a46e" providerId="AD" clId="Web-{BDE0BFBF-B814-CD71-A976-7DFAA689DE10}" dt="2022-11-10T13:04:53.143" v="1"/>
-      <pc:docMkLst>
-        <pc:docMk/>
-      </pc:docMkLst>
-      <pc:sldChg chg="modSp">
-        <pc:chgData name="Bustillo, Gian [USA]" userId="S::624912@bah.com::d2f80d41-3521-48e3-8b17-00e1dec3a46e" providerId="AD" clId="Web-{BDE0BFBF-B814-CD71-A976-7DFAA689DE10}" dt="2022-11-10T13:04:53.143" v="1"/>
-        <pc:sldMkLst>
-          <pc:docMk/>
-          <pc:sldMk cId="874433587" sldId="347"/>
-        </pc:sldMkLst>
-        <pc:graphicFrameChg chg="mod modGraphic">
-          <ac:chgData name="Bustillo, Gian [USA]" userId="S::624912@bah.com::d2f80d41-3521-48e3-8b17-00e1dec3a46e" providerId="AD" clId="Web-{BDE0BFBF-B814-CD71-A976-7DFAA689DE10}" dt="2022-11-10T13:04:53.143" v="1"/>
-          <ac:graphicFrameMkLst>
-            <pc:docMk/>
-            <pc:sldMk cId="874433587" sldId="347"/>
-            <ac:graphicFrameMk id="6" creationId="{721398D6-4401-DAB3-8C67-407658FE3F55}"/>
-          </ac:graphicFrameMkLst>
-        </pc:graphicFrameChg>
-      </pc:sldChg>
-    </pc:docChg>
-  </pc:docChgLst>
-  <pc:docChgLst>
-    <pc:chgData name="Mamedova, Millie [USA]" userId="b940716b-82ab-47d4-8bfc-28e7a71cb12f" providerId="ADAL" clId="{2D3617A0-DB94-D34D-A1C9-FB7342F80C8E}"/>
-    <pc:docChg chg="custSel modSld">
-      <pc:chgData name="Mamedova, Millie [USA]" userId="b940716b-82ab-47d4-8bfc-28e7a71cb12f" providerId="ADAL" clId="{2D3617A0-DB94-D34D-A1C9-FB7342F80C8E}" dt="2022-09-29T12:59:27.776" v="403" actId="20577"/>
-      <pc:docMkLst>
-        <pc:docMk/>
-      </pc:docMkLst>
-      <pc:sldChg chg="modSp mod">
-        <pc:chgData name="Mamedova, Millie [USA]" userId="b940716b-82ab-47d4-8bfc-28e7a71cb12f" providerId="ADAL" clId="{2D3617A0-DB94-D34D-A1C9-FB7342F80C8E}" dt="2022-09-29T12:51:52.768" v="1" actId="20577"/>
-        <pc:sldMkLst>
-          <pc:docMk/>
-          <pc:sldMk cId="815678163" sldId="273"/>
-        </pc:sldMkLst>
-        <pc:spChg chg="mod">
-          <ac:chgData name="Mamedova, Millie [USA]" userId="b940716b-82ab-47d4-8bfc-28e7a71cb12f" providerId="ADAL" clId="{2D3617A0-DB94-D34D-A1C9-FB7342F80C8E}" dt="2022-09-29T12:51:52.768" v="1" actId="20577"/>
-          <ac:spMkLst>
-            <pc:docMk/>
-            <pc:sldMk cId="815678163" sldId="273"/>
-            <ac:spMk id="4" creationId="{1408AF8C-36F5-4E54-888B-435A9B6B6EA8}"/>
-          </ac:spMkLst>
-        </pc:spChg>
-      </pc:sldChg>
-      <pc:sldChg chg="modSp mod">
-        <pc:chgData name="Mamedova, Millie [USA]" userId="b940716b-82ab-47d4-8bfc-28e7a71cb12f" providerId="ADAL" clId="{2D3617A0-DB94-D34D-A1C9-FB7342F80C8E}" dt="2022-09-29T12:59:27.776" v="403" actId="20577"/>
-        <pc:sldMkLst>
-          <pc:docMk/>
-          <pc:sldMk cId="1730437909" sldId="325"/>
-        </pc:sldMkLst>
-        <pc:graphicFrameChg chg="mod modGraphic">
-          <ac:chgData name="Mamedova, Millie [USA]" userId="b940716b-82ab-47d4-8bfc-28e7a71cb12f" providerId="ADAL" clId="{2D3617A0-DB94-D34D-A1C9-FB7342F80C8E}" dt="2022-09-29T12:59:27.776" v="403" actId="20577"/>
-          <ac:graphicFrameMkLst>
-            <pc:docMk/>
-            <pc:sldMk cId="1730437909" sldId="325"/>
-            <ac:graphicFrameMk id="6" creationId="{721398D6-4401-DAB3-8C67-407658FE3F55}"/>
-          </ac:graphicFrameMkLst>
-        </pc:graphicFrameChg>
-      </pc:sldChg>
-    </pc:docChg>
-  </pc:docChgLst>
-  <pc:docChgLst>
-    <pc:chgData name="Bush, Nicole [USA]" userId="S::625966@bah.com::5c03dfba-b736-46b3-907c-245bd83404ad" providerId="AD" clId="Web-{62C474CB-8953-41EB-B889-1CFDA16EAF77}"/>
-    <pc:docChg chg="modSld">
-      <pc:chgData name="Bush, Nicole [USA]" userId="S::625966@bah.com::5c03dfba-b736-46b3-907c-245bd83404ad" providerId="AD" clId="Web-{62C474CB-8953-41EB-B889-1CFDA16EAF77}" dt="2022-09-21T15:02:42.538" v="293"/>
-      <pc:docMkLst>
-        <pc:docMk/>
-      </pc:docMkLst>
-      <pc:sldChg chg="modSp">
-        <pc:chgData name="Bush, Nicole [USA]" userId="S::625966@bah.com::5c03dfba-b736-46b3-907c-245bd83404ad" providerId="AD" clId="Web-{62C474CB-8953-41EB-B889-1CFDA16EAF77}" dt="2022-09-21T15:02:42.538" v="293"/>
-        <pc:sldMkLst>
-          <pc:docMk/>
-          <pc:sldMk cId="3615197908" sldId="342"/>
-        </pc:sldMkLst>
-        <pc:graphicFrameChg chg="mod modGraphic">
-          <ac:chgData name="Bush, Nicole [USA]" userId="S::625966@bah.com::5c03dfba-b736-46b3-907c-245bd83404ad" providerId="AD" clId="Web-{62C474CB-8953-41EB-B889-1CFDA16EAF77}" dt="2022-09-21T15:02:42.538" v="293"/>
-          <ac:graphicFrameMkLst>
-            <pc:docMk/>
-            <pc:sldMk cId="3615197908" sldId="342"/>
-            <ac:graphicFrameMk id="6" creationId="{721398D6-4401-DAB3-8C67-407658FE3F55}"/>
-          </ac:graphicFrameMkLst>
-        </pc:graphicFrameChg>
-      </pc:sldChg>
-    </pc:docChg>
-  </pc:docChgLst>
-  <pc:docChgLst>
-    <pc:chgData name="Bustillo, Gian [USA]" userId="d2f80d41-3521-48e3-8b17-00e1dec3a46e" providerId="ADAL" clId="{5D88FCC0-F7FF-4EB1-A109-E49B31F0EC44}"/>
-    <pc:docChg chg="undo custSel addSld delSld modSld sldOrd">
-      <pc:chgData name="Bustillo, Gian [USA]" userId="d2f80d41-3521-48e3-8b17-00e1dec3a46e" providerId="ADAL" clId="{5D88FCC0-F7FF-4EB1-A109-E49B31F0EC44}" dt="2022-08-31T20:13:14.643" v="3067" actId="478"/>
-      <pc:docMkLst>
-        <pc:docMk/>
-      </pc:docMkLst>
-      <pc:sldChg chg="modSp mod">
-        <pc:chgData name="Bustillo, Gian [USA]" userId="d2f80d41-3521-48e3-8b17-00e1dec3a46e" providerId="ADAL" clId="{5D88FCC0-F7FF-4EB1-A109-E49B31F0EC44}" dt="2022-08-30T19:33:19.845" v="1926" actId="20577"/>
-        <pc:sldMkLst>
-          <pc:docMk/>
-          <pc:sldMk cId="815678163" sldId="273"/>
-        </pc:sldMkLst>
-        <pc:spChg chg="mod">
-          <ac:chgData name="Bustillo, Gian [USA]" userId="d2f80d41-3521-48e3-8b17-00e1dec3a46e" providerId="ADAL" clId="{5D88FCC0-F7FF-4EB1-A109-E49B31F0EC44}" dt="2022-08-30T19:33:19.845" v="1926" actId="20577"/>
-          <ac:spMkLst>
-            <pc:docMk/>
-            <pc:sldMk cId="815678163" sldId="273"/>
-            <ac:spMk id="4" creationId="{1408AF8C-36F5-4E54-888B-435A9B6B6EA8}"/>
-          </ac:spMkLst>
-        </pc:spChg>
-      </pc:sldChg>
-      <pc:sldChg chg="modSp mod">
-        <pc:chgData name="Bustillo, Gian [USA]" userId="d2f80d41-3521-48e3-8b17-00e1dec3a46e" providerId="ADAL" clId="{5D88FCC0-F7FF-4EB1-A109-E49B31F0EC44}" dt="2022-08-30T19:32:49.990" v="1908" actId="20577"/>
-        <pc:sldMkLst>
-          <pc:docMk/>
-          <pc:sldMk cId="4202350489" sldId="324"/>
-        </pc:sldMkLst>
-        <pc:spChg chg="mod">
-          <ac:chgData name="Bustillo, Gian [USA]" userId="d2f80d41-3521-48e3-8b17-00e1dec3a46e" providerId="ADAL" clId="{5D88FCC0-F7FF-4EB1-A109-E49B31F0EC44}" dt="2022-08-30T19:32:49.990" v="1908" actId="20577"/>
-          <ac:spMkLst>
-            <pc:docMk/>
-            <pc:sldMk cId="4202350489" sldId="324"/>
-            <ac:spMk id="5" creationId="{0D6393E4-F091-972F-2A4C-EAA06E3CAC94}"/>
-          </ac:spMkLst>
-        </pc:spChg>
-      </pc:sldChg>
-      <pc:sldChg chg="modSp mod">
-        <pc:chgData name="Bustillo, Gian [USA]" userId="d2f80d41-3521-48e3-8b17-00e1dec3a46e" providerId="ADAL" clId="{5D88FCC0-F7FF-4EB1-A109-E49B31F0EC44}" dt="2022-08-31T19:32:03.913" v="2973" actId="33524"/>
-        <pc:sldMkLst>
-          <pc:docMk/>
-          <pc:sldMk cId="1730437909" sldId="325"/>
-        </pc:sldMkLst>
-        <pc:spChg chg="mod">
-          <ac:chgData name="Bustillo, Gian [USA]" userId="d2f80d41-3521-48e3-8b17-00e1dec3a46e" providerId="ADAL" clId="{5D88FCC0-F7FF-4EB1-A109-E49B31F0EC44}" dt="2022-08-30T18:01:10.284" v="365" actId="20577"/>
-          <ac:spMkLst>
-            <pc:docMk/>
-            <pc:sldMk cId="1730437909" sldId="325"/>
-            <ac:spMk id="2" creationId="{98724F25-AEF2-A44A-9426-46B073EF367F}"/>
-          </ac:spMkLst>
-        </pc:spChg>
-        <pc:graphicFrameChg chg="mod modGraphic">
-          <ac:chgData name="Bustillo, Gian [USA]" userId="d2f80d41-3521-48e3-8b17-00e1dec3a46e" providerId="ADAL" clId="{5D88FCC0-F7FF-4EB1-A109-E49B31F0EC44}" dt="2022-08-31T19:32:03.913" v="2973" actId="33524"/>
-          <ac:graphicFrameMkLst>
-            <pc:docMk/>
-            <pc:sldMk cId="1730437909" sldId="325"/>
-            <ac:graphicFrameMk id="6" creationId="{721398D6-4401-DAB3-8C67-407658FE3F55}"/>
-          </ac:graphicFrameMkLst>
-        </pc:graphicFrameChg>
-      </pc:sldChg>
-      <pc:sldChg chg="addSp delSp modSp mod ord">
-        <pc:chgData name="Bustillo, Gian [USA]" userId="d2f80d41-3521-48e3-8b17-00e1dec3a46e" providerId="ADAL" clId="{5D88FCC0-F7FF-4EB1-A109-E49B31F0EC44}" dt="2022-08-31T20:13:14.643" v="3067" actId="478"/>
-        <pc:sldMkLst>
-          <pc:docMk/>
-          <pc:sldMk cId="406015231" sldId="332"/>
-        </pc:sldMkLst>
-        <pc:spChg chg="mod">
-          <ac:chgData name="Bustillo, Gian [USA]" userId="d2f80d41-3521-48e3-8b17-00e1dec3a46e" providerId="ADAL" clId="{5D88FCC0-F7FF-4EB1-A109-E49B31F0EC44}" dt="2022-08-30T19:32:58.412" v="1911" actId="20577"/>
-          <ac:spMkLst>
-            <pc:docMk/>
-            <pc:sldMk cId="406015231" sldId="332"/>
-            <ac:spMk id="2" creationId="{98724F25-AEF2-A44A-9426-46B073EF367F}"/>
-          </ac:spMkLst>
-        </pc:spChg>
-        <pc:graphicFrameChg chg="mod modGraphic">
-          <ac:chgData name="Bustillo, Gian [USA]" userId="d2f80d41-3521-48e3-8b17-00e1dec3a46e" providerId="ADAL" clId="{5D88FCC0-F7FF-4EB1-A109-E49B31F0EC44}" dt="2022-08-31T20:13:14.328" v="3066" actId="20577"/>
-          <ac:graphicFrameMkLst>
-            <pc:docMk/>
-            <pc:sldMk cId="406015231" sldId="332"/>
-            <ac:graphicFrameMk id="9" creationId="{01CBABE8-2EFC-AAC9-99BF-51F104312217}"/>
-          </ac:graphicFrameMkLst>
-        </pc:graphicFrameChg>
-        <pc:graphicFrameChg chg="modGraphic">
-          <ac:chgData name="Bustillo, Gian [USA]" userId="d2f80d41-3521-48e3-8b17-00e1dec3a46e" providerId="ADAL" clId="{5D88FCC0-F7FF-4EB1-A109-E49B31F0EC44}" dt="2022-08-30T20:30:12.169" v="2585" actId="20577"/>
-          <ac:graphicFrameMkLst>
-            <pc:docMk/>
-            <pc:sldMk cId="406015231" sldId="332"/>
-            <ac:graphicFrameMk id="22" creationId="{C84DDD7B-6774-5EFC-723D-2DB69F219CEC}"/>
-          </ac:graphicFrameMkLst>
-        </pc:graphicFrameChg>
-        <pc:picChg chg="mod">
-          <ac:chgData name="Bustillo, Gian [USA]" userId="d2f80d41-3521-48e3-8b17-00e1dec3a46e" providerId="ADAL" clId="{5D88FCC0-F7FF-4EB1-A109-E49B31F0EC44}" dt="2022-08-31T18:05:34.696" v="2719" actId="1036"/>
-          <ac:picMkLst>
-            <pc:docMk/>
-            <pc:sldMk cId="406015231" sldId="332"/>
-            <ac:picMk id="3" creationId="{E988F262-1705-14FA-D5F7-404BBF481260}"/>
-          </ac:picMkLst>
-        </pc:picChg>
-        <pc:picChg chg="mod">
-          <ac:chgData name="Bustillo, Gian [USA]" userId="d2f80d41-3521-48e3-8b17-00e1dec3a46e" providerId="ADAL" clId="{5D88FCC0-F7FF-4EB1-A109-E49B31F0EC44}" dt="2022-08-31T18:05:24.132" v="2698" actId="1036"/>
-          <ac:picMkLst>
-            <pc:docMk/>
-            <pc:sldMk cId="406015231" sldId="332"/>
-            <ac:picMk id="32" creationId="{DC258CBB-D714-B905-CA85-8BD765241D1E}"/>
-          </ac:picMkLst>
-        </pc:picChg>
-        <pc:picChg chg="mod">
-          <ac:chgData name="Bustillo, Gian [USA]" userId="d2f80d41-3521-48e3-8b17-00e1dec3a46e" providerId="ADAL" clId="{5D88FCC0-F7FF-4EB1-A109-E49B31F0EC44}" dt="2022-08-31T18:05:33.061" v="2714" actId="1036"/>
-          <ac:picMkLst>
-            <pc:docMk/>
-            <pc:sldMk cId="406015231" sldId="332"/>
-            <ac:picMk id="34" creationId="{0003CB12-6B36-E953-10D8-E53FB3CEC6DA}"/>
-          </ac:picMkLst>
-        </pc:picChg>
-        <pc:picChg chg="mod">
-          <ac:chgData name="Bustillo, Gian [USA]" userId="d2f80d41-3521-48e3-8b17-00e1dec3a46e" providerId="ADAL" clId="{5D88FCC0-F7FF-4EB1-A109-E49B31F0EC44}" dt="2022-08-31T18:05:27.027" v="2703" actId="1036"/>
-          <ac:picMkLst>
-            <pc:docMk/>
-            <pc:sldMk cId="406015231" sldId="332"/>
-            <ac:picMk id="36" creationId="{85D55FFD-1198-1535-C76A-FC9636E6F6CD}"/>
-          </ac:picMkLst>
-        </pc:picChg>
-        <pc:picChg chg="add mod">
-          <ac:chgData name="Bustillo, Gian [USA]" userId="d2f80d41-3521-48e3-8b17-00e1dec3a46e" providerId="ADAL" clId="{5D88FCC0-F7FF-4EB1-A109-E49B31F0EC44}" dt="2022-08-30T15:52:23.076" v="174" actId="1076"/>
-          <ac:picMkLst>
-            <pc:docMk/>
-            <pc:sldMk cId="406015231" sldId="332"/>
-            <ac:picMk id="42" creationId="{35C4163A-DE47-4604-A275-DFABD9625441}"/>
-          </ac:picMkLst>
-        </pc:picChg>
-        <pc:picChg chg="add mod">
-          <ac:chgData name="Bustillo, Gian [USA]" userId="d2f80d41-3521-48e3-8b17-00e1dec3a46e" providerId="ADAL" clId="{5D88FCC0-F7FF-4EB1-A109-E49B31F0EC44}" dt="2022-08-31T18:05:09.456" v="2658" actId="1076"/>
-          <ac:picMkLst>
-            <pc:docMk/>
-            <pc:sldMk cId="406015231" sldId="332"/>
-            <ac:picMk id="43" creationId="{24A6D04C-9360-4CE5-BC88-7636EF80FC0D}"/>
-          </ac:picMkLst>
-        </pc:picChg>
-        <pc:picChg chg="add del mod">
-          <ac:chgData name="Bustillo, Gian [USA]" userId="d2f80d41-3521-48e3-8b17-00e1dec3a46e" providerId="ADAL" clId="{5D88FCC0-F7FF-4EB1-A109-E49B31F0EC44}" dt="2022-08-31T20:13:14.643" v="3067" actId="478"/>
-          <ac:picMkLst>
-            <pc:docMk/>
-            <pc:sldMk cId="406015231" sldId="332"/>
-            <ac:picMk id="44" creationId="{DEE4900B-C7CD-42D5-BA01-CDAA1A624733}"/>
-          </ac:picMkLst>
-        </pc:picChg>
-      </pc:sldChg>
-      <pc:sldChg chg="modSp mod">
-        <pc:chgData name="Bustillo, Gian [USA]" userId="d2f80d41-3521-48e3-8b17-00e1dec3a46e" providerId="ADAL" clId="{5D88FCC0-F7FF-4EB1-A109-E49B31F0EC44}" dt="2022-08-31T19:37:04.621" v="3062" actId="20577"/>
-        <pc:sldMkLst>
-          <pc:docMk/>
-          <pc:sldMk cId="2997908498" sldId="338"/>
-        </pc:sldMkLst>
-        <pc:spChg chg="mod">
-          <ac:chgData name="Bustillo, Gian [USA]" userId="d2f80d41-3521-48e3-8b17-00e1dec3a46e" providerId="ADAL" clId="{5D88FCC0-F7FF-4EB1-A109-E49B31F0EC44}" dt="2022-08-30T18:42:11.088" v="387" actId="20577"/>
-          <ac:spMkLst>
-            <pc:docMk/>
-            <pc:sldMk cId="2997908498" sldId="338"/>
-            <ac:spMk id="2" creationId="{98724F25-AEF2-A44A-9426-46B073EF367F}"/>
-          </ac:spMkLst>
-        </pc:spChg>
-        <pc:graphicFrameChg chg="mod modGraphic">
-          <ac:chgData name="Bustillo, Gian [USA]" userId="d2f80d41-3521-48e3-8b17-00e1dec3a46e" providerId="ADAL" clId="{5D88FCC0-F7FF-4EB1-A109-E49B31F0EC44}" dt="2022-08-31T19:37:04.621" v="3062" actId="20577"/>
-          <ac:graphicFrameMkLst>
-            <pc:docMk/>
-            <pc:sldMk cId="2997908498" sldId="338"/>
-            <ac:graphicFrameMk id="6" creationId="{721398D6-4401-DAB3-8C67-407658FE3F55}"/>
-          </ac:graphicFrameMkLst>
-        </pc:graphicFrameChg>
-      </pc:sldChg>
-      <pc:sldChg chg="del">
-        <pc:chgData name="Bustillo, Gian [USA]" userId="d2f80d41-3521-48e3-8b17-00e1dec3a46e" providerId="ADAL" clId="{5D88FCC0-F7FF-4EB1-A109-E49B31F0EC44}" dt="2022-08-30T15:30:07.396" v="15" actId="47"/>
-        <pc:sldMkLst>
-          <pc:docMk/>
-          <pc:sldMk cId="2344164123" sldId="340"/>
-        </pc:sldMkLst>
-      </pc:sldChg>
-      <pc:sldChg chg="modSp add del mod">
-        <pc:chgData name="Bustillo, Gian [USA]" userId="d2f80d41-3521-48e3-8b17-00e1dec3a46e" providerId="ADAL" clId="{5D88FCC0-F7FF-4EB1-A109-E49B31F0EC44}" dt="2022-08-30T19:32:05.215" v="1813" actId="2696"/>
-        <pc:sldMkLst>
-          <pc:docMk/>
-          <pc:sldMk cId="371605846" sldId="341"/>
-        </pc:sldMkLst>
-        <pc:spChg chg="mod">
-          <ac:chgData name="Bustillo, Gian [USA]" userId="d2f80d41-3521-48e3-8b17-00e1dec3a46e" providerId="ADAL" clId="{5D88FCC0-F7FF-4EB1-A109-E49B31F0EC44}" dt="2022-08-30T15:30:31.251" v="74" actId="20577"/>
-          <ac:spMkLst>
-            <pc:docMk/>
-            <pc:sldMk cId="371605846" sldId="341"/>
-            <ac:spMk id="2" creationId="{98724F25-AEF2-A44A-9426-46B073EF367F}"/>
-          </ac:spMkLst>
-        </pc:spChg>
-        <pc:graphicFrameChg chg="mod modGraphic">
-          <ac:chgData name="Bustillo, Gian [USA]" userId="d2f80d41-3521-48e3-8b17-00e1dec3a46e" providerId="ADAL" clId="{5D88FCC0-F7FF-4EB1-A109-E49B31F0EC44}" dt="2022-08-30T18:01:54.358" v="376" actId="20577"/>
-          <ac:graphicFrameMkLst>
-            <pc:docMk/>
-            <pc:sldMk cId="371605846" sldId="341"/>
-            <ac:graphicFrameMk id="6" creationId="{721398D6-4401-DAB3-8C67-407658FE3F55}"/>
-          </ac:graphicFrameMkLst>
-        </pc:graphicFrameChg>
-      </pc:sldChg>
-      <pc:sldChg chg="modSp add mod">
-        <pc:chgData name="Bustillo, Gian [USA]" userId="d2f80d41-3521-48e3-8b17-00e1dec3a46e" providerId="ADAL" clId="{5D88FCC0-F7FF-4EB1-A109-E49B31F0EC44}" dt="2022-08-30T19:38:39.018" v="2031" actId="20577"/>
-        <pc:sldMkLst>
-          <pc:docMk/>
-          <pc:sldMk cId="3615197908" sldId="342"/>
-        </pc:sldMkLst>
-        <pc:spChg chg="mod">
-          <ac:chgData name="Bustillo, Gian [USA]" userId="d2f80d41-3521-48e3-8b17-00e1dec3a46e" providerId="ADAL" clId="{5D88FCC0-F7FF-4EB1-A109-E49B31F0EC44}" dt="2022-08-30T15:30:26.976" v="61" actId="20577"/>
-          <ac:spMkLst>
-            <pc:docMk/>
-            <pc:sldMk cId="3615197908" sldId="342"/>
-            <ac:spMk id="2" creationId="{98724F25-AEF2-A44A-9426-46B073EF367F}"/>
-          </ac:spMkLst>
-        </pc:spChg>
-        <pc:graphicFrameChg chg="modGraphic">
-          <ac:chgData name="Bustillo, Gian [USA]" userId="d2f80d41-3521-48e3-8b17-00e1dec3a46e" providerId="ADAL" clId="{5D88FCC0-F7FF-4EB1-A109-E49B31F0EC44}" dt="2022-08-30T19:38:39.018" v="2031" actId="20577"/>
-          <ac:graphicFrameMkLst>
-            <pc:docMk/>
-            <pc:sldMk cId="3615197908" sldId="342"/>
-            <ac:graphicFrameMk id="6" creationId="{721398D6-4401-DAB3-8C67-407658FE3F55}"/>
-          </ac:graphicFrameMkLst>
-        </pc:graphicFrameChg>
-      </pc:sldChg>
-      <pc:sldChg chg="add del">
-        <pc:chgData name="Bustillo, Gian [USA]" userId="d2f80d41-3521-48e3-8b17-00e1dec3a46e" providerId="ADAL" clId="{5D88FCC0-F7FF-4EB1-A109-E49B31F0EC44}" dt="2022-08-30T15:51:17.469" v="126"/>
-        <pc:sldMkLst>
-          <pc:docMk/>
-          <pc:sldMk cId="449705530" sldId="343"/>
-        </pc:sldMkLst>
-      </pc:sldChg>
-      <pc:sldChg chg="ord">
-        <pc:chgData name="Bustillo, Gian [USA]" userId="d2f80d41-3521-48e3-8b17-00e1dec3a46e" providerId="ADAL" clId="{5D88FCC0-F7FF-4EB1-A109-E49B31F0EC44}" dt="2022-08-31T18:03:14.357" v="2630"/>
-        <pc:sldMkLst>
-          <pc:docMk/>
-          <pc:sldMk cId="2383740140" sldId="344"/>
-        </pc:sldMkLst>
-      </pc:sldChg>
-      <pc:sldChg chg="addSp delSp modSp add mod">
-        <pc:chgData name="Bustillo, Gian [USA]" userId="d2f80d41-3521-48e3-8b17-00e1dec3a46e" providerId="ADAL" clId="{5D88FCC0-F7FF-4EB1-A109-E49B31F0EC44}" dt="2022-08-31T15:42:29.088" v="2628" actId="1076"/>
-        <pc:sldMkLst>
-          <pc:docMk/>
-          <pc:sldMk cId="3213179443" sldId="345"/>
-        </pc:sldMkLst>
-        <pc:spChg chg="mod">
-          <ac:chgData name="Bustillo, Gian [USA]" userId="d2f80d41-3521-48e3-8b17-00e1dec3a46e" providerId="ADAL" clId="{5D88FCC0-F7FF-4EB1-A109-E49B31F0EC44}" dt="2022-08-31T15:41:37.782" v="2596" actId="20577"/>
-          <ac:spMkLst>
-            <pc:docMk/>
-            <pc:sldMk cId="3213179443" sldId="345"/>
-            <ac:spMk id="2" creationId="{98724F25-AEF2-A44A-9426-46B073EF367F}"/>
-          </ac:spMkLst>
-        </pc:spChg>
-        <pc:spChg chg="add mod">
-          <ac:chgData name="Bustillo, Gian [USA]" userId="d2f80d41-3521-48e3-8b17-00e1dec3a46e" providerId="ADAL" clId="{5D88FCC0-F7FF-4EB1-A109-E49B31F0EC44}" dt="2022-08-31T15:42:29.088" v="2628" actId="1076"/>
-          <ac:spMkLst>
-            <pc:docMk/>
-            <pc:sldMk cId="3213179443" sldId="345"/>
-            <ac:spMk id="45" creationId="{7099D06C-8EC9-4A37-B6DE-EE27F62A5176}"/>
-          </ac:spMkLst>
-        </pc:spChg>
-        <pc:graphicFrameChg chg="del modGraphic">
-          <ac:chgData name="Bustillo, Gian [USA]" userId="d2f80d41-3521-48e3-8b17-00e1dec3a46e" providerId="ADAL" clId="{5D88FCC0-F7FF-4EB1-A109-E49B31F0EC44}" dt="2022-08-31T15:41:55.978" v="2599" actId="478"/>
-          <ac:graphicFrameMkLst>
-            <pc:docMk/>
-            <pc:sldMk cId="3213179443" sldId="345"/>
-            <ac:graphicFrameMk id="9" creationId="{01CBABE8-2EFC-AAC9-99BF-51F104312217}"/>
-          </ac:graphicFrameMkLst>
-        </pc:graphicFrameChg>
-        <pc:graphicFrameChg chg="del mod modGraphic">
-          <ac:chgData name="Bustillo, Gian [USA]" userId="d2f80d41-3521-48e3-8b17-00e1dec3a46e" providerId="ADAL" clId="{5D88FCC0-F7FF-4EB1-A109-E49B31F0EC44}" dt="2022-08-31T15:42:00.236" v="2602" actId="478"/>
-          <ac:graphicFrameMkLst>
-            <pc:docMk/>
-            <pc:sldMk cId="3213179443" sldId="345"/>
-            <ac:graphicFrameMk id="22" creationId="{C84DDD7B-6774-5EFC-723D-2DB69F219CEC}"/>
-          </ac:graphicFrameMkLst>
-        </pc:graphicFrameChg>
-        <pc:picChg chg="del">
-          <ac:chgData name="Bustillo, Gian [USA]" userId="d2f80d41-3521-48e3-8b17-00e1dec3a46e" providerId="ADAL" clId="{5D88FCC0-F7FF-4EB1-A109-E49B31F0EC44}" dt="2022-08-31T15:41:53.261" v="2597" actId="478"/>
-          <ac:picMkLst>
-            <pc:docMk/>
-            <pc:sldMk cId="3213179443" sldId="345"/>
-            <ac:picMk id="3" creationId="{E988F262-1705-14FA-D5F7-404BBF481260}"/>
-          </ac:picMkLst>
-        </pc:picChg>
-        <pc:picChg chg="del">
-          <ac:chgData name="Bustillo, Gian [USA]" userId="d2f80d41-3521-48e3-8b17-00e1dec3a46e" providerId="ADAL" clId="{5D88FCC0-F7FF-4EB1-A109-E49B31F0EC44}" dt="2022-08-31T15:41:53.261" v="2597" actId="478"/>
-          <ac:picMkLst>
-            <pc:docMk/>
-            <pc:sldMk cId="3213179443" sldId="345"/>
-            <ac:picMk id="5" creationId="{D12C361A-9D6A-E334-B391-865061D4FBAD}"/>
-          </ac:picMkLst>
-        </pc:picChg>
-        <pc:picChg chg="del">
-          <ac:chgData name="Bustillo, Gian [USA]" userId="d2f80d41-3521-48e3-8b17-00e1dec3a46e" providerId="ADAL" clId="{5D88FCC0-F7FF-4EB1-A109-E49B31F0EC44}" dt="2022-08-31T15:41:53.261" v="2597" actId="478"/>
-          <ac:picMkLst>
-            <pc:docMk/>
-            <pc:sldMk cId="3213179443" sldId="345"/>
-            <ac:picMk id="6" creationId="{726EEF72-65C8-DAFD-08A1-6F9FC7E90673}"/>
-          </ac:picMkLst>
-        </pc:picChg>
-        <pc:picChg chg="del">
-          <ac:chgData name="Bustillo, Gian [USA]" userId="d2f80d41-3521-48e3-8b17-00e1dec3a46e" providerId="ADAL" clId="{5D88FCC0-F7FF-4EB1-A109-E49B31F0EC44}" dt="2022-08-31T15:41:53.261" v="2597" actId="478"/>
-          <ac:picMkLst>
-            <pc:docMk/>
-            <pc:sldMk cId="3213179443" sldId="345"/>
-            <ac:picMk id="7" creationId="{509B3CAA-B2B0-70B3-F9DC-11F4822C7B82}"/>
-          </ac:picMkLst>
-        </pc:picChg>
-        <pc:picChg chg="del">
-          <ac:chgData name="Bustillo, Gian [USA]" userId="d2f80d41-3521-48e3-8b17-00e1dec3a46e" providerId="ADAL" clId="{5D88FCC0-F7FF-4EB1-A109-E49B31F0EC44}" dt="2022-08-31T15:41:53.261" v="2597" actId="478"/>
-          <ac:picMkLst>
-            <pc:docMk/>
-            <pc:sldMk cId="3213179443" sldId="345"/>
-            <ac:picMk id="8" creationId="{32E9E5C6-CBC6-AC75-D2DC-EC109C5FE9F9}"/>
-          </ac:picMkLst>
-        </pc:picChg>
-        <pc:picChg chg="del">
-          <ac:chgData name="Bustillo, Gian [USA]" userId="d2f80d41-3521-48e3-8b17-00e1dec3a46e" providerId="ADAL" clId="{5D88FCC0-F7FF-4EB1-A109-E49B31F0EC44}" dt="2022-08-31T15:41:53.261" v="2597" actId="478"/>
-          <ac:picMkLst>
-            <pc:docMk/>
-            <pc:sldMk cId="3213179443" sldId="345"/>
-            <ac:picMk id="10" creationId="{D5D920A8-DEAD-D557-D8ED-25B8FAC75844}"/>
-          </ac:picMkLst>
-        </pc:picChg>
-        <pc:picChg chg="del">
-          <ac:chgData name="Bustillo, Gian [USA]" userId="d2f80d41-3521-48e3-8b17-00e1dec3a46e" providerId="ADAL" clId="{5D88FCC0-F7FF-4EB1-A109-E49B31F0EC44}" dt="2022-08-31T15:41:53.261" v="2597" actId="478"/>
-          <ac:picMkLst>
-            <pc:docMk/>
-            <pc:sldMk cId="3213179443" sldId="345"/>
-            <ac:picMk id="11" creationId="{C3374779-DEF1-B27A-FA0B-4CDD15CD429E}"/>
-          </ac:picMkLst>
-        </pc:picChg>
-        <pc:picChg chg="del">
-          <ac:chgData name="Bustillo, Gian [USA]" userId="d2f80d41-3521-48e3-8b17-00e1dec3a46e" providerId="ADAL" clId="{5D88FCC0-F7FF-4EB1-A109-E49B31F0EC44}" dt="2022-08-31T15:41:53.261" v="2597" actId="478"/>
-          <ac:picMkLst>
-            <pc:docMk/>
-            <pc:sldMk cId="3213179443" sldId="345"/>
-            <ac:picMk id="12" creationId="{E867A663-BE3F-5F4D-6EEE-CB62E3E9EB60}"/>
-          </ac:picMkLst>
-        </pc:picChg>
-        <pc:picChg chg="del">
-          <ac:chgData name="Bustillo, Gian [USA]" userId="d2f80d41-3521-48e3-8b17-00e1dec3a46e" providerId="ADAL" clId="{5D88FCC0-F7FF-4EB1-A109-E49B31F0EC44}" dt="2022-08-31T15:41:53.261" v="2597" actId="478"/>
-          <ac:picMkLst>
-            <pc:docMk/>
-            <pc:sldMk cId="3213179443" sldId="345"/>
-            <ac:picMk id="13" creationId="{C491AC46-EDBD-DE74-8679-C131ABD9491A}"/>
-          </ac:picMkLst>
-        </pc:picChg>
-        <pc:picChg chg="del">
-          <ac:chgData name="Bustillo, Gian [USA]" userId="d2f80d41-3521-48e3-8b17-00e1dec3a46e" providerId="ADAL" clId="{5D88FCC0-F7FF-4EB1-A109-E49B31F0EC44}" dt="2022-08-31T15:41:53.261" v="2597" actId="478"/>
-          <ac:picMkLst>
-            <pc:docMk/>
-            <pc:sldMk cId="3213179443" sldId="345"/>
-            <ac:picMk id="14" creationId="{239B7457-5DFC-B224-0B05-412D1CD8B4CE}"/>
-          </ac:picMkLst>
-        </pc:picChg>
-        <pc:picChg chg="del">
-          <ac:chgData name="Bustillo, Gian [USA]" userId="d2f80d41-3521-48e3-8b17-00e1dec3a46e" providerId="ADAL" clId="{5D88FCC0-F7FF-4EB1-A109-E49B31F0EC44}" dt="2022-08-31T15:41:53.261" v="2597" actId="478"/>
-          <ac:picMkLst>
-            <pc:docMk/>
-            <pc:sldMk cId="3213179443" sldId="345"/>
-            <ac:picMk id="15" creationId="{C89671F3-D128-ED53-F478-FE3E9CCC4335}"/>
-          </ac:picMkLst>
-        </pc:picChg>
-        <pc:picChg chg="del">
-          <ac:chgData name="Bustillo, Gian [USA]" userId="d2f80d41-3521-48e3-8b17-00e1dec3a46e" providerId="ADAL" clId="{5D88FCC0-F7FF-4EB1-A109-E49B31F0EC44}" dt="2022-08-31T15:41:53.261" v="2597" actId="478"/>
-          <ac:picMkLst>
-            <pc:docMk/>
-            <pc:sldMk cId="3213179443" sldId="345"/>
-            <ac:picMk id="16" creationId="{B890B647-1D26-3C8A-3553-85D03DDD47D5}"/>
-          </ac:picMkLst>
-        </pc:picChg>
-        <pc:picChg chg="del">
-          <ac:chgData name="Bustillo, Gian [USA]" userId="d2f80d41-3521-48e3-8b17-00e1dec3a46e" providerId="ADAL" clId="{5D88FCC0-F7FF-4EB1-A109-E49B31F0EC44}" dt="2022-08-31T15:41:53.261" v="2597" actId="478"/>
-          <ac:picMkLst>
-            <pc:docMk/>
-            <pc:sldMk cId="3213179443" sldId="345"/>
-            <ac:picMk id="17" creationId="{77AA32C0-CE22-FD2E-F5FB-B7294AD3EA66}"/>
-          </ac:picMkLst>
-        </pc:picChg>
-        <pc:picChg chg="del">
-          <ac:chgData name="Bustillo, Gian [USA]" userId="d2f80d41-3521-48e3-8b17-00e1dec3a46e" providerId="ADAL" clId="{5D88FCC0-F7FF-4EB1-A109-E49B31F0EC44}" dt="2022-08-31T15:41:53.261" v="2597" actId="478"/>
-          <ac:picMkLst>
-            <pc:docMk/>
-            <pc:sldMk cId="3213179443" sldId="345"/>
-            <ac:picMk id="18" creationId="{C86C0BE9-B32C-8BF2-E9A1-347BF38BDA5C}"/>
-          </ac:picMkLst>
-        </pc:picChg>
-        <pc:picChg chg="del">
-          <ac:chgData name="Bustillo, Gian [USA]" userId="d2f80d41-3521-48e3-8b17-00e1dec3a46e" providerId="ADAL" clId="{5D88FCC0-F7FF-4EB1-A109-E49B31F0EC44}" dt="2022-08-31T15:41:53.261" v="2597" actId="478"/>
-          <ac:picMkLst>
-            <pc:docMk/>
-            <pc:sldMk cId="3213179443" sldId="345"/>
-            <ac:picMk id="19" creationId="{B15E8432-7283-35C3-7B37-BEBEB6FEF1A9}"/>
-          </ac:picMkLst>
-        </pc:picChg>
-        <pc:picChg chg="del">
-          <ac:chgData name="Bustillo, Gian [USA]" userId="d2f80d41-3521-48e3-8b17-00e1dec3a46e" providerId="ADAL" clId="{5D88FCC0-F7FF-4EB1-A109-E49B31F0EC44}" dt="2022-08-31T15:41:53.261" v="2597" actId="478"/>
-          <ac:picMkLst>
-            <pc:docMk/>
-            <pc:sldMk cId="3213179443" sldId="345"/>
-            <ac:picMk id="20" creationId="{2251457B-A318-F254-2448-E0903E616027}"/>
-          </ac:picMkLst>
-        </pc:picChg>
-        <pc:picChg chg="del">
-          <ac:chgData name="Bustillo, Gian [USA]" userId="d2f80d41-3521-48e3-8b17-00e1dec3a46e" providerId="ADAL" clId="{5D88FCC0-F7FF-4EB1-A109-E49B31F0EC44}" dt="2022-08-31T15:41:53.261" v="2597" actId="478"/>
-          <ac:picMkLst>
-            <pc:docMk/>
-            <pc:sldMk cId="3213179443" sldId="345"/>
-            <ac:picMk id="21" creationId="{9CBEDF66-7516-FD87-47C4-AE9C5F1B7C46}"/>
-          </ac:picMkLst>
-        </pc:picChg>
-        <pc:picChg chg="del">
-          <ac:chgData name="Bustillo, Gian [USA]" userId="d2f80d41-3521-48e3-8b17-00e1dec3a46e" providerId="ADAL" clId="{5D88FCC0-F7FF-4EB1-A109-E49B31F0EC44}" dt="2022-08-31T15:41:53.261" v="2597" actId="478"/>
-          <ac:picMkLst>
-            <pc:docMk/>
-            <pc:sldMk cId="3213179443" sldId="345"/>
-            <ac:picMk id="23" creationId="{469321A0-16B4-4167-BD80-5F784198BC5F}"/>
-          </ac:picMkLst>
-        </pc:picChg>
-        <pc:picChg chg="del">
-          <ac:chgData name="Bustillo, Gian [USA]" userId="d2f80d41-3521-48e3-8b17-00e1dec3a46e" providerId="ADAL" clId="{5D88FCC0-F7FF-4EB1-A109-E49B31F0EC44}" dt="2022-08-31T15:41:53.261" v="2597" actId="478"/>
-          <ac:picMkLst>
-            <pc:docMk/>
-            <pc:sldMk cId="3213179443" sldId="345"/>
-            <ac:picMk id="24" creationId="{BC4B23C6-C714-AE09-0470-5BA59334851B}"/>
-          </ac:picMkLst>
-        </pc:picChg>
-        <pc:picChg chg="del">
-          <ac:chgData name="Bustillo, Gian [USA]" userId="d2f80d41-3521-48e3-8b17-00e1dec3a46e" providerId="ADAL" clId="{5D88FCC0-F7FF-4EB1-A109-E49B31F0EC44}" dt="2022-08-31T15:41:53.261" v="2597" actId="478"/>
-          <ac:picMkLst>
-            <pc:docMk/>
-            <pc:sldMk cId="3213179443" sldId="345"/>
-            <ac:picMk id="25" creationId="{C51C3EDE-FF85-215F-C163-EFF28E7423AD}"/>
-          </ac:picMkLst>
-        </pc:picChg>
-        <pc:picChg chg="del">
-          <ac:chgData name="Bustillo, Gian [USA]" userId="d2f80d41-3521-48e3-8b17-00e1dec3a46e" providerId="ADAL" clId="{5D88FCC0-F7FF-4EB1-A109-E49B31F0EC44}" dt="2022-08-31T15:41:53.261" v="2597" actId="478"/>
-          <ac:picMkLst>
-            <pc:docMk/>
-            <pc:sldMk cId="3213179443" sldId="345"/>
-            <ac:picMk id="26" creationId="{C302071C-A940-1343-AA9A-41029BA00A11}"/>
-          </ac:picMkLst>
-        </pc:picChg>
-        <pc:picChg chg="del">
-          <ac:chgData name="Bustillo, Gian [USA]" userId="d2f80d41-3521-48e3-8b17-00e1dec3a46e" providerId="ADAL" clId="{5D88FCC0-F7FF-4EB1-A109-E49B31F0EC44}" dt="2022-08-31T15:41:53.261" v="2597" actId="478"/>
-          <ac:picMkLst>
-            <pc:docMk/>
-            <pc:sldMk cId="3213179443" sldId="345"/>
-            <ac:picMk id="27" creationId="{A3C823C1-29B6-166A-4E18-EA27881D01D5}"/>
-          </ac:picMkLst>
-        </pc:picChg>
-        <pc:picChg chg="del">
-          <ac:chgData name="Bustillo, Gian [USA]" userId="d2f80d41-3521-48e3-8b17-00e1dec3a46e" providerId="ADAL" clId="{5D88FCC0-F7FF-4EB1-A109-E49B31F0EC44}" dt="2022-08-31T15:41:53.261" v="2597" actId="478"/>
-          <ac:picMkLst>
-            <pc:docMk/>
-            <pc:sldMk cId="3213179443" sldId="345"/>
-            <ac:picMk id="28" creationId="{A7BEEB3E-F285-959E-D146-58DA18087F05}"/>
-          </ac:picMkLst>
-        </pc:picChg>
-        <pc:picChg chg="del">
-          <ac:chgData name="Bustillo, Gian [USA]" userId="d2f80d41-3521-48e3-8b17-00e1dec3a46e" providerId="ADAL" clId="{5D88FCC0-F7FF-4EB1-A109-E49B31F0EC44}" dt="2022-08-31T15:41:53.261" v="2597" actId="478"/>
-          <ac:picMkLst>
-            <pc:docMk/>
-            <pc:sldMk cId="3213179443" sldId="345"/>
-            <ac:picMk id="29" creationId="{3E29974F-2058-9AE4-C31B-BD08CC93E4C3}"/>
-          </ac:picMkLst>
-        </pc:picChg>
-        <pc:picChg chg="del">
-          <ac:chgData name="Bustillo, Gian [USA]" userId="d2f80d41-3521-48e3-8b17-00e1dec3a46e" providerId="ADAL" clId="{5D88FCC0-F7FF-4EB1-A109-E49B31F0EC44}" dt="2022-08-31T15:41:53.261" v="2597" actId="478"/>
-          <ac:picMkLst>
-            <pc:docMk/>
-            <pc:sldMk cId="3213179443" sldId="345"/>
-            <ac:picMk id="30" creationId="{B6125B74-70D0-435E-83B6-1182C8979462}"/>
-          </ac:picMkLst>
-        </pc:picChg>
-        <pc:picChg chg="del">
-          <ac:chgData name="Bustillo, Gian [USA]" userId="d2f80d41-3521-48e3-8b17-00e1dec3a46e" providerId="ADAL" clId="{5D88FCC0-F7FF-4EB1-A109-E49B31F0EC44}" dt="2022-08-31T15:41:53.261" v="2597" actId="478"/>
-          <ac:picMkLst>
-            <pc:docMk/>
-            <pc:sldMk cId="3213179443" sldId="345"/>
-            <ac:picMk id="31" creationId="{EAE55916-283D-76DB-AB46-11C25578A064}"/>
-          </ac:picMkLst>
-        </pc:picChg>
-        <pc:picChg chg="del">
-          <ac:chgData name="Bustillo, Gian [USA]" userId="d2f80d41-3521-48e3-8b17-00e1dec3a46e" providerId="ADAL" clId="{5D88FCC0-F7FF-4EB1-A109-E49B31F0EC44}" dt="2022-08-31T15:41:53.261" v="2597" actId="478"/>
-          <ac:picMkLst>
-            <pc:docMk/>
-            <pc:sldMk cId="3213179443" sldId="345"/>
-            <ac:picMk id="32" creationId="{DC258CBB-D714-B905-CA85-8BD765241D1E}"/>
-          </ac:picMkLst>
-        </pc:picChg>
-        <pc:picChg chg="del">
-          <ac:chgData name="Bustillo, Gian [USA]" userId="d2f80d41-3521-48e3-8b17-00e1dec3a46e" providerId="ADAL" clId="{5D88FCC0-F7FF-4EB1-A109-E49B31F0EC44}" dt="2022-08-31T15:41:53.261" v="2597" actId="478"/>
-          <ac:picMkLst>
-            <pc:docMk/>
-            <pc:sldMk cId="3213179443" sldId="345"/>
-            <ac:picMk id="33" creationId="{891BB737-A6DF-C049-FBB2-ED35A66F4349}"/>
-          </ac:picMkLst>
-        </pc:picChg>
-        <pc:picChg chg="del">
-          <ac:chgData name="Bustillo, Gian [USA]" userId="d2f80d41-3521-48e3-8b17-00e1dec3a46e" providerId="ADAL" clId="{5D88FCC0-F7FF-4EB1-A109-E49B31F0EC44}" dt="2022-08-31T15:41:53.261" v="2597" actId="478"/>
-          <ac:picMkLst>
-            <pc:docMk/>
-            <pc:sldMk cId="3213179443" sldId="345"/>
-            <ac:picMk id="34" creationId="{0003CB12-6B36-E953-10D8-E53FB3CEC6DA}"/>
-          </ac:picMkLst>
-        </pc:picChg>
-        <pc:picChg chg="del">
-          <ac:chgData name="Bustillo, Gian [USA]" userId="d2f80d41-3521-48e3-8b17-00e1dec3a46e" providerId="ADAL" clId="{5D88FCC0-F7FF-4EB1-A109-E49B31F0EC44}" dt="2022-08-31T15:41:53.261" v="2597" actId="478"/>
-          <ac:picMkLst>
-            <pc:docMk/>
-            <pc:sldMk cId="3213179443" sldId="345"/>
-            <ac:picMk id="35" creationId="{DDCAC729-EB56-E0BA-73EA-3320E66D9B99}"/>
-          </ac:picMkLst>
-        </pc:picChg>
-        <pc:picChg chg="del">
-          <ac:chgData name="Bustillo, Gian [USA]" userId="d2f80d41-3521-48e3-8b17-00e1dec3a46e" providerId="ADAL" clId="{5D88FCC0-F7FF-4EB1-A109-E49B31F0EC44}" dt="2022-08-31T15:41:53.261" v="2597" actId="478"/>
-          <ac:picMkLst>
-            <pc:docMk/>
-            <pc:sldMk cId="3213179443" sldId="345"/>
-            <ac:picMk id="36" creationId="{85D55FFD-1198-1535-C76A-FC9636E6F6CD}"/>
-          </ac:picMkLst>
-        </pc:picChg>
-        <pc:picChg chg="del">
-          <ac:chgData name="Bustillo, Gian [USA]" userId="d2f80d41-3521-48e3-8b17-00e1dec3a46e" providerId="ADAL" clId="{5D88FCC0-F7FF-4EB1-A109-E49B31F0EC44}" dt="2022-08-31T15:41:53.261" v="2597" actId="478"/>
-          <ac:picMkLst>
-            <pc:docMk/>
-            <pc:sldMk cId="3213179443" sldId="345"/>
-            <ac:picMk id="37" creationId="{7CBC2415-B753-48A5-9790-0FA7BEA9491A}"/>
-          </ac:picMkLst>
-        </pc:picChg>
-        <pc:picChg chg="del">
-          <ac:chgData name="Bustillo, Gian [USA]" userId="d2f80d41-3521-48e3-8b17-00e1dec3a46e" providerId="ADAL" clId="{5D88FCC0-F7FF-4EB1-A109-E49B31F0EC44}" dt="2022-08-31T15:41:53.261" v="2597" actId="478"/>
-          <ac:picMkLst>
-            <pc:docMk/>
-            <pc:sldMk cId="3213179443" sldId="345"/>
-            <ac:picMk id="38" creationId="{7E7FD735-D8A7-422E-8007-64AF0AF5B00D}"/>
-          </ac:picMkLst>
-        </pc:picChg>
-        <pc:picChg chg="del">
-          <ac:chgData name="Bustillo, Gian [USA]" userId="d2f80d41-3521-48e3-8b17-00e1dec3a46e" providerId="ADAL" clId="{5D88FCC0-F7FF-4EB1-A109-E49B31F0EC44}" dt="2022-08-31T15:41:53.261" v="2597" actId="478"/>
-          <ac:picMkLst>
-            <pc:docMk/>
-            <pc:sldMk cId="3213179443" sldId="345"/>
-            <ac:picMk id="39" creationId="{FAB6B671-CA9C-4CED-9E9D-80C317E7B954}"/>
-          </ac:picMkLst>
-        </pc:picChg>
-        <pc:picChg chg="del">
-          <ac:chgData name="Bustillo, Gian [USA]" userId="d2f80d41-3521-48e3-8b17-00e1dec3a46e" providerId="ADAL" clId="{5D88FCC0-F7FF-4EB1-A109-E49B31F0EC44}" dt="2022-08-31T15:41:53.261" v="2597" actId="478"/>
-          <ac:picMkLst>
-            <pc:docMk/>
-            <pc:sldMk cId="3213179443" sldId="345"/>
-            <ac:picMk id="40" creationId="{48676BA6-2C54-5BE9-8D94-9F0340D49680}"/>
-          </ac:picMkLst>
-        </pc:picChg>
-        <pc:picChg chg="del">
-          <ac:chgData name="Bustillo, Gian [USA]" userId="d2f80d41-3521-48e3-8b17-00e1dec3a46e" providerId="ADAL" clId="{5D88FCC0-F7FF-4EB1-A109-E49B31F0EC44}" dt="2022-08-31T15:41:53.261" v="2597" actId="478"/>
-          <ac:picMkLst>
-            <pc:docMk/>
-            <pc:sldMk cId="3213179443" sldId="345"/>
-            <ac:picMk id="41" creationId="{F8FEE23F-334E-215B-D192-3CB085D558A7}"/>
-          </ac:picMkLst>
-        </pc:picChg>
-        <pc:picChg chg="del">
-          <ac:chgData name="Bustillo, Gian [USA]" userId="d2f80d41-3521-48e3-8b17-00e1dec3a46e" providerId="ADAL" clId="{5D88FCC0-F7FF-4EB1-A109-E49B31F0EC44}" dt="2022-08-31T15:41:53.261" v="2597" actId="478"/>
-          <ac:picMkLst>
-            <pc:docMk/>
-            <pc:sldMk cId="3213179443" sldId="345"/>
-            <ac:picMk id="42" creationId="{35C4163A-DE47-4604-A275-DFABD9625441}"/>
-          </ac:picMkLst>
-        </pc:picChg>
-        <pc:picChg chg="del">
-          <ac:chgData name="Bustillo, Gian [USA]" userId="d2f80d41-3521-48e3-8b17-00e1dec3a46e" providerId="ADAL" clId="{5D88FCC0-F7FF-4EB1-A109-E49B31F0EC44}" dt="2022-08-31T15:41:53.261" v="2597" actId="478"/>
-          <ac:picMkLst>
-            <pc:docMk/>
-            <pc:sldMk cId="3213179443" sldId="345"/>
-            <ac:picMk id="43" creationId="{24A6D04C-9360-4CE5-BC88-7636EF80FC0D}"/>
-          </ac:picMkLst>
-        </pc:picChg>
-        <pc:picChg chg="del">
-          <ac:chgData name="Bustillo, Gian [USA]" userId="d2f80d41-3521-48e3-8b17-00e1dec3a46e" providerId="ADAL" clId="{5D88FCC0-F7FF-4EB1-A109-E49B31F0EC44}" dt="2022-08-31T15:41:53.261" v="2597" actId="478"/>
-          <ac:picMkLst>
-            <pc:docMk/>
-            <pc:sldMk cId="3213179443" sldId="345"/>
-            <ac:picMk id="44" creationId="{DEE4900B-C7CD-42D5-BA01-CDAA1A624733}"/>
-          </ac:picMkLst>
-        </pc:picChg>
-      </pc:sldChg>
-    </pc:docChg>
-  </pc:docChgLst>
-  <pc:docChgLst>
-    <pc:chgData name="Bustillo, Gian [USA]" userId="S::624912@bah.com::d2f80d41-3521-48e3-8b17-00e1dec3a46e" providerId="AD" clId="Web-{C0D2AF03-362B-367C-9B6D-7A7E183C65B0}"/>
-    <pc:docChg chg="modSld">
-      <pc:chgData name="Bustillo, Gian [USA]" userId="S::624912@bah.com::d2f80d41-3521-48e3-8b17-00e1dec3a46e" providerId="AD" clId="Web-{C0D2AF03-362B-367C-9B6D-7A7E183C65B0}" dt="2022-10-05T14:54:36.674" v="764"/>
-      <pc:docMkLst>
-        <pc:docMk/>
-      </pc:docMkLst>
-      <pc:sldChg chg="modSp">
-        <pc:chgData name="Bustillo, Gian [USA]" userId="S::624912@bah.com::d2f80d41-3521-48e3-8b17-00e1dec3a46e" providerId="AD" clId="Web-{C0D2AF03-362B-367C-9B6D-7A7E183C65B0}" dt="2022-10-05T14:49:27.422" v="279"/>
-        <pc:sldMkLst>
-          <pc:docMk/>
-          <pc:sldMk cId="1730437909" sldId="325"/>
-        </pc:sldMkLst>
-        <pc:graphicFrameChg chg="mod modGraphic">
-          <ac:chgData name="Bustillo, Gian [USA]" userId="S::624912@bah.com::d2f80d41-3521-48e3-8b17-00e1dec3a46e" providerId="AD" clId="Web-{C0D2AF03-362B-367C-9B6D-7A7E183C65B0}" dt="2022-10-05T14:49:27.422" v="279"/>
-          <ac:graphicFrameMkLst>
-            <pc:docMk/>
-            <pc:sldMk cId="1730437909" sldId="325"/>
-            <ac:graphicFrameMk id="6" creationId="{721398D6-4401-DAB3-8C67-407658FE3F55}"/>
-          </ac:graphicFrameMkLst>
-        </pc:graphicFrameChg>
-      </pc:sldChg>
-      <pc:sldChg chg="addSp modSp">
-        <pc:chgData name="Bustillo, Gian [USA]" userId="S::624912@bah.com::d2f80d41-3521-48e3-8b17-00e1dec3a46e" providerId="AD" clId="Web-{C0D2AF03-362B-367C-9B6D-7A7E183C65B0}" dt="2022-10-05T14:54:36.674" v="764"/>
-        <pc:sldMkLst>
-          <pc:docMk/>
-          <pc:sldMk cId="406015231" sldId="332"/>
-        </pc:sldMkLst>
-        <pc:graphicFrameChg chg="mod modGraphic">
-          <ac:chgData name="Bustillo, Gian [USA]" userId="S::624912@bah.com::d2f80d41-3521-48e3-8b17-00e1dec3a46e" providerId="AD" clId="Web-{C0D2AF03-362B-367C-9B6D-7A7E183C65B0}" dt="2022-10-05T14:53:46.937" v="634"/>
-          <ac:graphicFrameMkLst>
-            <pc:docMk/>
-            <pc:sldMk cId="406015231" sldId="332"/>
-            <ac:graphicFrameMk id="9" creationId="{01CBABE8-2EFC-AAC9-99BF-51F104312217}"/>
-          </ac:graphicFrameMkLst>
-        </pc:graphicFrameChg>
-        <pc:graphicFrameChg chg="mod modGraphic">
-          <ac:chgData name="Bustillo, Gian [USA]" userId="S::624912@bah.com::d2f80d41-3521-48e3-8b17-00e1dec3a46e" providerId="AD" clId="Web-{C0D2AF03-362B-367C-9B6D-7A7E183C65B0}" dt="2022-10-05T14:54:36.674" v="764"/>
-          <ac:graphicFrameMkLst>
-            <pc:docMk/>
-            <pc:sldMk cId="406015231" sldId="332"/>
-            <ac:graphicFrameMk id="22" creationId="{C84DDD7B-6774-5EFC-723D-2DB69F219CEC}"/>
-          </ac:graphicFrameMkLst>
-        </pc:graphicFrameChg>
-        <pc:picChg chg="add mod">
-          <ac:chgData name="Bustillo, Gian [USA]" userId="S::624912@bah.com::d2f80d41-3521-48e3-8b17-00e1dec3a46e" providerId="AD" clId="Web-{C0D2AF03-362B-367C-9B6D-7A7E183C65B0}" dt="2022-10-05T14:53:15.951" v="612" actId="1076"/>
-          <ac:picMkLst>
-            <pc:docMk/>
-            <pc:sldMk cId="406015231" sldId="332"/>
-            <ac:picMk id="57" creationId="{C0C4E677-C0BB-1618-CDCC-7BF4B8FC09AE}"/>
-          </ac:picMkLst>
-        </pc:picChg>
-        <pc:picChg chg="add mod">
-          <ac:chgData name="Bustillo, Gian [USA]" userId="S::624912@bah.com::d2f80d41-3521-48e3-8b17-00e1dec3a46e" providerId="AD" clId="Web-{C0D2AF03-362B-367C-9B6D-7A7E183C65B0}" dt="2022-10-05T14:53:23.217" v="614" actId="1076"/>
-          <ac:picMkLst>
-            <pc:docMk/>
-            <pc:sldMk cId="406015231" sldId="332"/>
-            <ac:picMk id="58" creationId="{6A4080DC-7AA0-9BDD-8CB8-A291CDB46F2E}"/>
-          </ac:picMkLst>
-        </pc:picChg>
-        <pc:picChg chg="add mod">
-          <ac:chgData name="Bustillo, Gian [USA]" userId="S::624912@bah.com::d2f80d41-3521-48e3-8b17-00e1dec3a46e" providerId="AD" clId="Web-{C0D2AF03-362B-367C-9B6D-7A7E183C65B0}" dt="2022-10-05T14:53:29.467" v="618" actId="1076"/>
-          <ac:picMkLst>
-            <pc:docMk/>
-            <pc:sldMk cId="406015231" sldId="332"/>
-            <ac:picMk id="59" creationId="{87B9E0D9-97FD-A7CA-4F2A-28461150A0F2}"/>
-          </ac:picMkLst>
-        </pc:picChg>
-        <pc:picChg chg="add mod">
-          <ac:chgData name="Bustillo, Gian [USA]" userId="S::624912@bah.com::d2f80d41-3521-48e3-8b17-00e1dec3a46e" providerId="AD" clId="Web-{C0D2AF03-362B-367C-9B6D-7A7E183C65B0}" dt="2022-10-05T14:53:34.327" v="622" actId="1076"/>
-          <ac:picMkLst>
-            <pc:docMk/>
-            <pc:sldMk cId="406015231" sldId="332"/>
-            <ac:picMk id="60" creationId="{B4282BB9-92A7-1711-AD47-A54E9B3903F2}"/>
-          </ac:picMkLst>
-        </pc:picChg>
-        <pc:picChg chg="add mod">
-          <ac:chgData name="Bustillo, Gian [USA]" userId="S::624912@bah.com::d2f80d41-3521-48e3-8b17-00e1dec3a46e" providerId="AD" clId="Web-{C0D2AF03-362B-367C-9B6D-7A7E183C65B0}" dt="2022-10-05T14:53:43.093" v="626" actId="1076"/>
-          <ac:picMkLst>
-            <pc:docMk/>
-            <pc:sldMk cId="406015231" sldId="332"/>
-            <ac:picMk id="61" creationId="{05637EA3-6FA8-3FA6-D4A4-2187151D78D8}"/>
-          </ac:picMkLst>
-        </pc:picChg>
-      </pc:sldChg>
-      <pc:sldChg chg="modSp">
-        <pc:chgData name="Bustillo, Gian [USA]" userId="S::624912@bah.com::d2f80d41-3521-48e3-8b17-00e1dec3a46e" providerId="AD" clId="Web-{C0D2AF03-362B-367C-9B6D-7A7E183C65B0}" dt="2022-10-05T14:52:06.603" v="593"/>
-        <pc:sldMkLst>
-          <pc:docMk/>
-          <pc:sldMk cId="2997908498" sldId="338"/>
-        </pc:sldMkLst>
-        <pc:graphicFrameChg chg="mod modGraphic">
-          <ac:chgData name="Bustillo, Gian [USA]" userId="S::624912@bah.com::d2f80d41-3521-48e3-8b17-00e1dec3a46e" providerId="AD" clId="Web-{C0D2AF03-362B-367C-9B6D-7A7E183C65B0}" dt="2022-10-05T14:52:06.603" v="593"/>
-          <ac:graphicFrameMkLst>
-            <pc:docMk/>
-            <pc:sldMk cId="2997908498" sldId="338"/>
-            <ac:graphicFrameMk id="6" creationId="{721398D6-4401-DAB3-8C67-407658FE3F55}"/>
-          </ac:graphicFrameMkLst>
-        </pc:graphicFrameChg>
-      </pc:sldChg>
-      <pc:sldChg chg="modSp">
-        <pc:chgData name="Bustillo, Gian [USA]" userId="S::624912@bah.com::d2f80d41-3521-48e3-8b17-00e1dec3a46e" providerId="AD" clId="Web-{C0D2AF03-362B-367C-9B6D-7A7E183C65B0}" dt="2022-10-05T14:53:01.450" v="608"/>
-        <pc:sldMkLst>
-          <pc:docMk/>
-          <pc:sldMk cId="3615197908" sldId="342"/>
-        </pc:sldMkLst>
-        <pc:graphicFrameChg chg="mod modGraphic">
-          <ac:chgData name="Bustillo, Gian [USA]" userId="S::624912@bah.com::d2f80d41-3521-48e3-8b17-00e1dec3a46e" providerId="AD" clId="Web-{C0D2AF03-362B-367C-9B6D-7A7E183C65B0}" dt="2022-10-05T14:53:01.450" v="608"/>
-          <ac:graphicFrameMkLst>
-            <pc:docMk/>
-            <pc:sldMk cId="3615197908" sldId="342"/>
-            <ac:graphicFrameMk id="6" creationId="{721398D6-4401-DAB3-8C67-407658FE3F55}"/>
-          </ac:graphicFrameMkLst>
-        </pc:graphicFrameChg>
-      </pc:sldChg>
-    </pc:docChg>
-  </pc:docChgLst>
-  <pc:docChgLst>
-    <pc:chgData name="Bustillo, Gian [USA]" userId="S::624912@bah.com::d2f80d41-3521-48e3-8b17-00e1dec3a46e" providerId="AD" clId="Web-{1A24DD08-B90E-A85D-F199-C2417946B147}"/>
-    <pc:docChg chg="modSld">
-      <pc:chgData name="Bustillo, Gian [USA]" userId="S::624912@bah.com::d2f80d41-3521-48e3-8b17-00e1dec3a46e" providerId="AD" clId="Web-{1A24DD08-B90E-A85D-F199-C2417946B147}" dt="2022-10-12T14:18:33.491" v="530"/>
-      <pc:docMkLst>
-        <pc:docMk/>
-      </pc:docMkLst>
-      <pc:sldChg chg="modSp">
-        <pc:chgData name="Bustillo, Gian [USA]" userId="S::624912@bah.com::d2f80d41-3521-48e3-8b17-00e1dec3a46e" providerId="AD" clId="Web-{1A24DD08-B90E-A85D-F199-C2417946B147}" dt="2022-10-12T14:13:31.002" v="1" actId="20577"/>
-        <pc:sldMkLst>
-          <pc:docMk/>
-          <pc:sldMk cId="815678163" sldId="273"/>
-        </pc:sldMkLst>
-        <pc:spChg chg="mod">
-          <ac:chgData name="Bustillo, Gian [USA]" userId="S::624912@bah.com::d2f80d41-3521-48e3-8b17-00e1dec3a46e" providerId="AD" clId="Web-{1A24DD08-B90E-A85D-F199-C2417946B147}" dt="2022-10-12T14:13:31.002" v="1" actId="20577"/>
-          <ac:spMkLst>
-            <pc:docMk/>
-            <pc:sldMk cId="815678163" sldId="273"/>
-            <ac:spMk id="4" creationId="{1408AF8C-36F5-4E54-888B-435A9B6B6EA8}"/>
-          </ac:spMkLst>
-        </pc:spChg>
-      </pc:sldChg>
-      <pc:sldChg chg="modSp">
-        <pc:chgData name="Bustillo, Gian [USA]" userId="S::624912@bah.com::d2f80d41-3521-48e3-8b17-00e1dec3a46e" providerId="AD" clId="Web-{1A24DD08-B90E-A85D-F199-C2417946B147}" dt="2022-10-12T14:16:36.452" v="333"/>
-        <pc:sldMkLst>
-          <pc:docMk/>
-          <pc:sldMk cId="1730437909" sldId="325"/>
-        </pc:sldMkLst>
-        <pc:graphicFrameChg chg="mod modGraphic">
-          <ac:chgData name="Bustillo, Gian [USA]" userId="S::624912@bah.com::d2f80d41-3521-48e3-8b17-00e1dec3a46e" providerId="AD" clId="Web-{1A24DD08-B90E-A85D-F199-C2417946B147}" dt="2022-10-12T14:16:36.452" v="333"/>
-          <ac:graphicFrameMkLst>
-            <pc:docMk/>
-            <pc:sldMk cId="1730437909" sldId="325"/>
-            <ac:graphicFrameMk id="6" creationId="{721398D6-4401-DAB3-8C67-407658FE3F55}"/>
-          </ac:graphicFrameMkLst>
-        </pc:graphicFrameChg>
-      </pc:sldChg>
-      <pc:sldChg chg="addSp modSp">
-        <pc:chgData name="Bustillo, Gian [USA]" userId="S::624912@bah.com::d2f80d41-3521-48e3-8b17-00e1dec3a46e" providerId="AD" clId="Web-{1A24DD08-B90E-A85D-F199-C2417946B147}" dt="2022-10-12T14:18:33.491" v="530"/>
-        <pc:sldMkLst>
-          <pc:docMk/>
-          <pc:sldMk cId="406015231" sldId="332"/>
-        </pc:sldMkLst>
-        <pc:graphicFrameChg chg="mod modGraphic">
-          <ac:chgData name="Bustillo, Gian [USA]" userId="S::624912@bah.com::d2f80d41-3521-48e3-8b17-00e1dec3a46e" providerId="AD" clId="Web-{1A24DD08-B90E-A85D-F199-C2417946B147}" dt="2022-10-12T14:18:33.491" v="530"/>
-          <ac:graphicFrameMkLst>
-            <pc:docMk/>
-            <pc:sldMk cId="406015231" sldId="332"/>
-            <ac:graphicFrameMk id="9" creationId="{01CBABE8-2EFC-AAC9-99BF-51F104312217}"/>
-          </ac:graphicFrameMkLst>
-        </pc:graphicFrameChg>
-        <pc:picChg chg="add mod">
-          <ac:chgData name="Bustillo, Gian [USA]" userId="S::624912@bah.com::d2f80d41-3521-48e3-8b17-00e1dec3a46e" providerId="AD" clId="Web-{1A24DD08-B90E-A85D-F199-C2417946B147}" dt="2022-10-12T14:18:28.757" v="526" actId="1076"/>
-          <ac:picMkLst>
-            <pc:docMk/>
-            <pc:sldMk cId="406015231" sldId="332"/>
-            <ac:picMk id="62" creationId="{EA482B55-20BF-F7E5-34F7-083723154A6B}"/>
-          </ac:picMkLst>
-        </pc:picChg>
-      </pc:sldChg>
-      <pc:sldChg chg="modSp">
-        <pc:chgData name="Bustillo, Gian [USA]" userId="S::624912@bah.com::d2f80d41-3521-48e3-8b17-00e1dec3a46e" providerId="AD" clId="Web-{1A24DD08-B90E-A85D-F199-C2417946B147}" dt="2022-10-12T14:17:09.157" v="419"/>
-        <pc:sldMkLst>
-          <pc:docMk/>
-          <pc:sldMk cId="2997908498" sldId="338"/>
-        </pc:sldMkLst>
-        <pc:graphicFrameChg chg="mod modGraphic">
-          <ac:chgData name="Bustillo, Gian [USA]" userId="S::624912@bah.com::d2f80d41-3521-48e3-8b17-00e1dec3a46e" providerId="AD" clId="Web-{1A24DD08-B90E-A85D-F199-C2417946B147}" dt="2022-10-12T14:17:09.157" v="419"/>
-          <ac:graphicFrameMkLst>
-            <pc:docMk/>
-            <pc:sldMk cId="2997908498" sldId="338"/>
-            <ac:graphicFrameMk id="6" creationId="{721398D6-4401-DAB3-8C67-407658FE3F55}"/>
-          </ac:graphicFrameMkLst>
-        </pc:graphicFrameChg>
-      </pc:sldChg>
-      <pc:sldChg chg="modSp">
-        <pc:chgData name="Bustillo, Gian [USA]" userId="S::624912@bah.com::d2f80d41-3521-48e3-8b17-00e1dec3a46e" providerId="AD" clId="Web-{1A24DD08-B90E-A85D-F199-C2417946B147}" dt="2022-10-12T14:18:14.646" v="524"/>
-        <pc:sldMkLst>
-          <pc:docMk/>
-          <pc:sldMk cId="3615197908" sldId="342"/>
-        </pc:sldMkLst>
-        <pc:graphicFrameChg chg="mod modGraphic">
-          <ac:chgData name="Bustillo, Gian [USA]" userId="S::624912@bah.com::d2f80d41-3521-48e3-8b17-00e1dec3a46e" providerId="AD" clId="Web-{1A24DD08-B90E-A85D-F199-C2417946B147}" dt="2022-10-12T14:18:14.646" v="524"/>
-          <ac:graphicFrameMkLst>
-            <pc:docMk/>
-            <pc:sldMk cId="3615197908" sldId="342"/>
-            <ac:graphicFrameMk id="6" creationId="{721398D6-4401-DAB3-8C67-407658FE3F55}"/>
-          </ac:graphicFrameMkLst>
-        </pc:graphicFrameChg>
-      </pc:sldChg>
-    </pc:docChg>
-  </pc:docChgLst>
-  <pc:docChgLst>
-    <pc:chgData name="Mamedova, Millie [USA]" userId="b940716b-82ab-47d4-8bfc-28e7a71cb12f" providerId="ADAL" clId="{25EF984B-AC05-7045-8203-D5460DC50BA8}"/>
-    <pc:docChg chg="undo custSel addSld delSld modSld sldOrd">
-      <pc:chgData name="Mamedova, Millie [USA]" userId="b940716b-82ab-47d4-8bfc-28e7a71cb12f" providerId="ADAL" clId="{25EF984B-AC05-7045-8203-D5460DC50BA8}" dt="2022-11-03T12:55:39.465" v="8224" actId="20577"/>
-      <pc:docMkLst>
-        <pc:docMk/>
-      </pc:docMkLst>
-      <pc:sldChg chg="modSp mod">
-        <pc:chgData name="Mamedova, Millie [USA]" userId="b940716b-82ab-47d4-8bfc-28e7a71cb12f" providerId="ADAL" clId="{25EF984B-AC05-7045-8203-D5460DC50BA8}" dt="2022-11-03T12:22:09.139" v="7608"/>
-        <pc:sldMkLst>
-          <pc:docMk/>
-          <pc:sldMk cId="4202350489" sldId="324"/>
-        </pc:sldMkLst>
-        <pc:spChg chg="mod">
-          <ac:chgData name="Mamedova, Millie [USA]" userId="b940716b-82ab-47d4-8bfc-28e7a71cb12f" providerId="ADAL" clId="{25EF984B-AC05-7045-8203-D5460DC50BA8}" dt="2022-11-03T12:22:09.139" v="7608"/>
-          <ac:spMkLst>
-            <pc:docMk/>
-            <pc:sldMk cId="4202350489" sldId="324"/>
-            <ac:spMk id="5" creationId="{0D6393E4-F091-972F-2A4C-EAA06E3CAC94}"/>
-          </ac:spMkLst>
-        </pc:spChg>
-      </pc:sldChg>
-      <pc:sldChg chg="modSp del mod modNotesTx">
-        <pc:chgData name="Mamedova, Millie [USA]" userId="b940716b-82ab-47d4-8bfc-28e7a71cb12f" providerId="ADAL" clId="{25EF984B-AC05-7045-8203-D5460DC50BA8}" dt="2022-11-03T10:22:00.759" v="1606" actId="2696"/>
-        <pc:sldMkLst>
-          <pc:docMk/>
-          <pc:sldMk cId="1730437909" sldId="325"/>
-        </pc:sldMkLst>
-        <pc:graphicFrameChg chg="modGraphic">
-          <ac:chgData name="Mamedova, Millie [USA]" userId="b940716b-82ab-47d4-8bfc-28e7a71cb12f" providerId="ADAL" clId="{25EF984B-AC05-7045-8203-D5460DC50BA8}" dt="2022-11-03T10:10:10.096" v="1561" actId="2165"/>
-          <ac:graphicFrameMkLst>
-            <pc:docMk/>
-            <pc:sldMk cId="1730437909" sldId="325"/>
-            <ac:graphicFrameMk id="6" creationId="{721398D6-4401-DAB3-8C67-407658FE3F55}"/>
-          </ac:graphicFrameMkLst>
-        </pc:graphicFrameChg>
-      </pc:sldChg>
-      <pc:sldChg chg="modSp mod">
-        <pc:chgData name="Mamedova, Millie [USA]" userId="b940716b-82ab-47d4-8bfc-28e7a71cb12f" providerId="ADAL" clId="{25EF984B-AC05-7045-8203-D5460DC50BA8}" dt="2022-11-03T12:55:39.465" v="8224" actId="20577"/>
-        <pc:sldMkLst>
-          <pc:docMk/>
-          <pc:sldMk cId="406015231" sldId="332"/>
-        </pc:sldMkLst>
-        <pc:graphicFrameChg chg="mod modGraphic">
-          <ac:chgData name="Mamedova, Millie [USA]" userId="b940716b-82ab-47d4-8bfc-28e7a71cb12f" providerId="ADAL" clId="{25EF984B-AC05-7045-8203-D5460DC50BA8}" dt="2022-11-03T12:55:39.465" v="8224" actId="20577"/>
-          <ac:graphicFrameMkLst>
-            <pc:docMk/>
-            <pc:sldMk cId="406015231" sldId="332"/>
-            <ac:graphicFrameMk id="22" creationId="{C84DDD7B-6774-5EFC-723D-2DB69F219CEC}"/>
-          </ac:graphicFrameMkLst>
-        </pc:graphicFrameChg>
-      </pc:sldChg>
-      <pc:sldChg chg="modSp add mod ord modNotesTx">
-        <pc:chgData name="Mamedova, Millie [USA]" userId="b940716b-82ab-47d4-8bfc-28e7a71cb12f" providerId="ADAL" clId="{25EF984B-AC05-7045-8203-D5460DC50BA8}" dt="2022-11-03T12:46:44.097" v="8223" actId="20577"/>
-        <pc:sldMkLst>
-          <pc:docMk/>
-          <pc:sldMk cId="874433587" sldId="347"/>
-        </pc:sldMkLst>
-        <pc:spChg chg="mod">
-          <ac:chgData name="Mamedova, Millie [USA]" userId="b940716b-82ab-47d4-8bfc-28e7a71cb12f" providerId="ADAL" clId="{25EF984B-AC05-7045-8203-D5460DC50BA8}" dt="2022-11-03T10:22:13.399" v="1609" actId="20577"/>
-          <ac:spMkLst>
-            <pc:docMk/>
-            <pc:sldMk cId="874433587" sldId="347"/>
-            <ac:spMk id="2" creationId="{98724F25-AEF2-A44A-9426-46B073EF367F}"/>
-          </ac:spMkLst>
-        </pc:spChg>
-        <pc:graphicFrameChg chg="mod modGraphic">
-          <ac:chgData name="Mamedova, Millie [USA]" userId="b940716b-82ab-47d4-8bfc-28e7a71cb12f" providerId="ADAL" clId="{25EF984B-AC05-7045-8203-D5460DC50BA8}" dt="2022-11-03T12:41:32.342" v="8221" actId="20577"/>
-          <ac:graphicFrameMkLst>
-            <pc:docMk/>
-            <pc:sldMk cId="874433587" sldId="347"/>
-            <ac:graphicFrameMk id="6" creationId="{721398D6-4401-DAB3-8C67-407658FE3F55}"/>
-          </ac:graphicFrameMkLst>
-        </pc:graphicFrameChg>
-      </pc:sldChg>
-      <pc:sldChg chg="add del mod modShow">
-        <pc:chgData name="Mamedova, Millie [USA]" userId="b940716b-82ab-47d4-8bfc-28e7a71cb12f" providerId="ADAL" clId="{25EF984B-AC05-7045-8203-D5460DC50BA8}" dt="2022-11-03T12:21:59.704" v="7606" actId="2696"/>
-        <pc:sldMkLst>
-          <pc:docMk/>
-          <pc:sldMk cId="1288927574" sldId="348"/>
-        </pc:sldMkLst>
-      </pc:sldChg>
-      <pc:sldChg chg="modSp add mod ord modShow">
-        <pc:chgData name="Mamedova, Millie [USA]" userId="b940716b-82ab-47d4-8bfc-28e7a71cb12f" providerId="ADAL" clId="{25EF984B-AC05-7045-8203-D5460DC50BA8}" dt="2022-11-03T12:31:08.806" v="7890" actId="21"/>
-        <pc:sldMkLst>
-          <pc:docMk/>
-          <pc:sldMk cId="2152859334" sldId="349"/>
-        </pc:sldMkLst>
-        <pc:graphicFrameChg chg="mod">
-          <ac:chgData name="Mamedova, Millie [USA]" userId="b940716b-82ab-47d4-8bfc-28e7a71cb12f" providerId="ADAL" clId="{25EF984B-AC05-7045-8203-D5460DC50BA8}" dt="2022-11-03T12:31:08.806" v="7890" actId="21"/>
-          <ac:graphicFrameMkLst>
-            <pc:docMk/>
-            <pc:sldMk cId="2152859334" sldId="349"/>
-            <ac:graphicFrameMk id="6" creationId="{721398D6-4401-DAB3-8C67-407658FE3F55}"/>
-          </ac:graphicFrameMkLst>
-        </pc:graphicFrameChg>
-      </pc:sldChg>
-      <pc:sldChg chg="modSp add mod modShow">
-        <pc:chgData name="Mamedova, Millie [USA]" userId="b940716b-82ab-47d4-8bfc-28e7a71cb12f" providerId="ADAL" clId="{25EF984B-AC05-7045-8203-D5460DC50BA8}" dt="2022-11-03T10:27:25.327" v="1739" actId="2161"/>
-        <pc:sldMkLst>
-          <pc:docMk/>
-          <pc:sldMk cId="4086621007" sldId="350"/>
-        </pc:sldMkLst>
-        <pc:graphicFrameChg chg="modGraphic">
-          <ac:chgData name="Mamedova, Millie [USA]" userId="b940716b-82ab-47d4-8bfc-28e7a71cb12f" providerId="ADAL" clId="{25EF984B-AC05-7045-8203-D5460DC50BA8}" dt="2022-11-03T10:27:25.327" v="1739" actId="2161"/>
-          <ac:graphicFrameMkLst>
-            <pc:docMk/>
-            <pc:sldMk cId="4086621007" sldId="350"/>
-            <ac:graphicFrameMk id="22" creationId="{C84DDD7B-6774-5EFC-723D-2DB69F219CEC}"/>
-          </ac:graphicFrameMkLst>
-        </pc:graphicFrameChg>
-      </pc:sldChg>
-      <pc:sldChg chg="modSp add mod ord modShow">
-        <pc:chgData name="Mamedova, Millie [USA]" userId="b940716b-82ab-47d4-8bfc-28e7a71cb12f" providerId="ADAL" clId="{25EF984B-AC05-7045-8203-D5460DC50BA8}" dt="2022-11-03T12:40:24.951" v="8189" actId="20577"/>
-        <pc:sldMkLst>
-          <pc:docMk/>
-          <pc:sldMk cId="422448212" sldId="351"/>
-        </pc:sldMkLst>
-        <pc:graphicFrameChg chg="mod modGraphic">
-          <ac:chgData name="Mamedova, Millie [USA]" userId="b940716b-82ab-47d4-8bfc-28e7a71cb12f" providerId="ADAL" clId="{25EF984B-AC05-7045-8203-D5460DC50BA8}" dt="2022-11-03T12:40:24.951" v="8189" actId="20577"/>
-          <ac:graphicFrameMkLst>
-            <pc:docMk/>
-            <pc:sldMk cId="422448212" sldId="351"/>
-            <ac:graphicFrameMk id="6" creationId="{721398D6-4401-DAB3-8C67-407658FE3F55}"/>
-          </ac:graphicFrameMkLst>
-        </pc:graphicFrameChg>
-      </pc:sldChg>
-    </pc:docChg>
-  </pc:docChgLst>
-  <pc:docChgLst>
-    <pc:chgData name="Bustillo, Gian [USA]" userId="S::624912@bah.com::d2f80d41-3521-48e3-8b17-00e1dec3a46e" providerId="AD" clId="Web-{ACCD843E-82EF-C585-2813-0A10309CE417}"/>
-    <pc:docChg chg="modSld">
-      <pc:chgData name="Bustillo, Gian [USA]" userId="S::624912@bah.com::d2f80d41-3521-48e3-8b17-00e1dec3a46e" providerId="AD" clId="Web-{ACCD843E-82EF-C585-2813-0A10309CE417}" dt="2022-09-29T14:21:19.245" v="51"/>
-      <pc:docMkLst>
-        <pc:docMk/>
-      </pc:docMkLst>
-      <pc:sldChg chg="modSp">
-        <pc:chgData name="Bustillo, Gian [USA]" userId="S::624912@bah.com::d2f80d41-3521-48e3-8b17-00e1dec3a46e" providerId="AD" clId="Web-{ACCD843E-82EF-C585-2813-0A10309CE417}" dt="2022-09-29T14:09:08.406" v="6" actId="20577"/>
-        <pc:sldMkLst>
-          <pc:docMk/>
-          <pc:sldMk cId="815678163" sldId="273"/>
-        </pc:sldMkLst>
-        <pc:spChg chg="mod">
-          <ac:chgData name="Bustillo, Gian [USA]" userId="S::624912@bah.com::d2f80d41-3521-48e3-8b17-00e1dec3a46e" providerId="AD" clId="Web-{ACCD843E-82EF-C585-2813-0A10309CE417}" dt="2022-09-29T14:09:08.406" v="6" actId="20577"/>
-          <ac:spMkLst>
-            <pc:docMk/>
-            <pc:sldMk cId="815678163" sldId="273"/>
-            <ac:spMk id="4" creationId="{1408AF8C-36F5-4E54-888B-435A9B6B6EA8}"/>
-          </ac:spMkLst>
-        </pc:spChg>
-      </pc:sldChg>
-      <pc:sldChg chg="modSp">
-        <pc:chgData name="Bustillo, Gian [USA]" userId="S::624912@bah.com::d2f80d41-3521-48e3-8b17-00e1dec3a46e" providerId="AD" clId="Web-{ACCD843E-82EF-C585-2813-0A10309CE417}" dt="2022-09-29T14:21:19.245" v="51"/>
-        <pc:sldMkLst>
-          <pc:docMk/>
-          <pc:sldMk cId="2997908498" sldId="338"/>
-        </pc:sldMkLst>
-        <pc:graphicFrameChg chg="mod modGraphic">
-          <ac:chgData name="Bustillo, Gian [USA]" userId="S::624912@bah.com::d2f80d41-3521-48e3-8b17-00e1dec3a46e" providerId="AD" clId="Web-{ACCD843E-82EF-C585-2813-0A10309CE417}" dt="2022-09-29T14:21:19.245" v="51"/>
-          <ac:graphicFrameMkLst>
-            <pc:docMk/>
-            <pc:sldMk cId="2997908498" sldId="338"/>
-            <ac:graphicFrameMk id="6" creationId="{721398D6-4401-DAB3-8C67-407658FE3F55}"/>
-          </ac:graphicFrameMkLst>
-        </pc:graphicFrameChg>
-      </pc:sldChg>
-      <pc:sldChg chg="modSp">
-        <pc:chgData name="Bustillo, Gian [USA]" userId="S::624912@bah.com::d2f80d41-3521-48e3-8b17-00e1dec3a46e" providerId="AD" clId="Web-{ACCD843E-82EF-C585-2813-0A10309CE417}" dt="2022-09-29T14:10:59.348" v="49"/>
-        <pc:sldMkLst>
-          <pc:docMk/>
-          <pc:sldMk cId="3615197908" sldId="342"/>
-        </pc:sldMkLst>
-        <pc:graphicFrameChg chg="mod modGraphic">
-          <ac:chgData name="Bustillo, Gian [USA]" userId="S::624912@bah.com::d2f80d41-3521-48e3-8b17-00e1dec3a46e" providerId="AD" clId="Web-{ACCD843E-82EF-C585-2813-0A10309CE417}" dt="2022-09-29T14:10:59.348" v="49"/>
-          <ac:graphicFrameMkLst>
-            <pc:docMk/>
-            <pc:sldMk cId="3615197908" sldId="342"/>
-            <ac:graphicFrameMk id="6" creationId="{721398D6-4401-DAB3-8C67-407658FE3F55}"/>
-          </ac:graphicFrameMkLst>
-        </pc:graphicFrameChg>
-      </pc:sldChg>
-    </pc:docChg>
-  </pc:docChgLst>
-  <pc:docChgLst>
-    <pc:chgData name="Goel, Sunayna [USA]" userId="S::625168@bah.com::abc387ba-55f4-491c-a73c-17dee6a00d97" providerId="AD" clId="Web-{DD6C4608-8ADE-4D84-A000-11234F1B3FF3}"/>
-    <pc:docChg chg="modSld">
-      <pc:chgData name="Goel, Sunayna [USA]" userId="S::625168@bah.com::abc387ba-55f4-491c-a73c-17dee6a00d97" providerId="AD" clId="Web-{DD6C4608-8ADE-4D84-A000-11234F1B3FF3}" dt="2022-09-28T19:33:19.524" v="19"/>
-      <pc:docMkLst>
-        <pc:docMk/>
-      </pc:docMkLst>
-      <pc:sldChg chg="modSp">
-        <pc:chgData name="Goel, Sunayna [USA]" userId="S::625168@bah.com::abc387ba-55f4-491c-a73c-17dee6a00d97" providerId="AD" clId="Web-{DD6C4608-8ADE-4D84-A000-11234F1B3FF3}" dt="2022-09-28T19:33:19.524" v="19"/>
-        <pc:sldMkLst>
-          <pc:docMk/>
-          <pc:sldMk cId="1730437909" sldId="325"/>
-        </pc:sldMkLst>
-        <pc:graphicFrameChg chg="mod modGraphic">
-          <ac:chgData name="Goel, Sunayna [USA]" userId="S::625168@bah.com::abc387ba-55f4-491c-a73c-17dee6a00d97" providerId="AD" clId="Web-{DD6C4608-8ADE-4D84-A000-11234F1B3FF3}" dt="2022-09-28T19:33:19.524" v="19"/>
-          <ac:graphicFrameMkLst>
-            <pc:docMk/>
-            <pc:sldMk cId="1730437909" sldId="325"/>
-            <ac:graphicFrameMk id="6" creationId="{721398D6-4401-DAB3-8C67-407658FE3F55}"/>
-          </ac:graphicFrameMkLst>
-        </pc:graphicFrameChg>
-      </pc:sldChg>
-    </pc:docChg>
-  </pc:docChgLst>
-  <pc:docChgLst>
-    <pc:chgData name="Bustillo, Gian [USA]" userId="S::624912@bah.com::d2f80d41-3521-48e3-8b17-00e1dec3a46e" providerId="AD" clId="Web-{3D757113-A065-5B2A-D2F3-9B666BE628C6}"/>
-    <pc:docChg chg="modSld">
-      <pc:chgData name="Bustillo, Gian [USA]" userId="S::624912@bah.com::d2f80d41-3521-48e3-8b17-00e1dec3a46e" providerId="AD" clId="Web-{3D757113-A065-5B2A-D2F3-9B666BE628C6}" dt="2022-10-12T14:57:19.163" v="259"/>
-      <pc:docMkLst>
-        <pc:docMk/>
-      </pc:docMkLst>
-      <pc:sldChg chg="modSp">
-        <pc:chgData name="Bustillo, Gian [USA]" userId="S::624912@bah.com::d2f80d41-3521-48e3-8b17-00e1dec3a46e" providerId="AD" clId="Web-{3D757113-A065-5B2A-D2F3-9B666BE628C6}" dt="2022-10-12T14:57:19.163" v="259"/>
-        <pc:sldMkLst>
-          <pc:docMk/>
-          <pc:sldMk cId="406015231" sldId="332"/>
-        </pc:sldMkLst>
-        <pc:spChg chg="mod">
-          <ac:chgData name="Bustillo, Gian [USA]" userId="S::624912@bah.com::d2f80d41-3521-48e3-8b17-00e1dec3a46e" providerId="AD" clId="Web-{3D757113-A065-5B2A-D2F3-9B666BE628C6}" dt="2022-10-12T14:56:12.552" v="41" actId="1076"/>
-          <ac:spMkLst>
-            <pc:docMk/>
-            <pc:sldMk cId="406015231" sldId="332"/>
-            <ac:spMk id="4" creationId="{F4B36E68-DB25-8A41-A5B5-91C0F21E52E0}"/>
-          </ac:spMkLst>
-        </pc:spChg>
-        <pc:graphicFrameChg chg="mod">
-          <ac:chgData name="Bustillo, Gian [USA]" userId="S::624912@bah.com::d2f80d41-3521-48e3-8b17-00e1dec3a46e" providerId="AD" clId="Web-{3D757113-A065-5B2A-D2F3-9B666BE628C6}" dt="2022-10-12T14:56:19.833" v="42" actId="1076"/>
-          <ac:graphicFrameMkLst>
-            <pc:docMk/>
-            <pc:sldMk cId="406015231" sldId="332"/>
-            <ac:graphicFrameMk id="9" creationId="{01CBABE8-2EFC-AAC9-99BF-51F104312217}"/>
-          </ac:graphicFrameMkLst>
-        </pc:graphicFrameChg>
-        <pc:graphicFrameChg chg="mod modGraphic">
-          <ac:chgData name="Bustillo, Gian [USA]" userId="S::624912@bah.com::d2f80d41-3521-48e3-8b17-00e1dec3a46e" providerId="AD" clId="Web-{3D757113-A065-5B2A-D2F3-9B666BE628C6}" dt="2022-10-12T14:57:19.163" v="259"/>
-          <ac:graphicFrameMkLst>
-            <pc:docMk/>
-            <pc:sldMk cId="406015231" sldId="332"/>
-            <ac:graphicFrameMk id="22" creationId="{C84DDD7B-6774-5EFC-723D-2DB69F219CEC}"/>
-          </ac:graphicFrameMkLst>
-        </pc:graphicFrameChg>
-        <pc:picChg chg="mod">
-          <ac:chgData name="Bustillo, Gian [USA]" userId="S::624912@bah.com::d2f80d41-3521-48e3-8b17-00e1dec3a46e" providerId="AD" clId="Web-{3D757113-A065-5B2A-D2F3-9B666BE628C6}" dt="2022-10-12T14:56:20.818" v="58" actId="1076"/>
-          <ac:picMkLst>
-            <pc:docMk/>
-            <pc:sldMk cId="406015231" sldId="332"/>
-            <ac:picMk id="3" creationId="{E988F262-1705-14FA-D5F7-404BBF481260}"/>
-          </ac:picMkLst>
-        </pc:picChg>
-        <pc:picChg chg="mod">
-          <ac:chgData name="Bustillo, Gian [USA]" userId="S::624912@bah.com::d2f80d41-3521-48e3-8b17-00e1dec3a46e" providerId="AD" clId="Web-{3D757113-A065-5B2A-D2F3-9B666BE628C6}" dt="2022-10-12T14:56:20.912" v="59" actId="1076"/>
-          <ac:picMkLst>
-            <pc:docMk/>
-            <pc:sldMk cId="406015231" sldId="332"/>
-            <ac:picMk id="5" creationId="{D12C361A-9D6A-E334-B391-865061D4FBAD}"/>
-          </ac:picMkLst>
-        </pc:picChg>
-        <pc:picChg chg="mod">
-          <ac:chgData name="Bustillo, Gian [USA]" userId="S::624912@bah.com::d2f80d41-3521-48e3-8b17-00e1dec3a46e" providerId="AD" clId="Web-{3D757113-A065-5B2A-D2F3-9B666BE628C6}" dt="2022-10-12T14:56:20.974" v="60" actId="1076"/>
-          <ac:picMkLst>
-            <pc:docMk/>
-            <pc:sldMk cId="406015231" sldId="332"/>
-            <ac:picMk id="6" creationId="{726EEF72-65C8-DAFD-08A1-6F9FC7E90673}"/>
-          </ac:picMkLst>
-        </pc:picChg>
-        <pc:picChg chg="mod">
-          <ac:chgData name="Bustillo, Gian [USA]" userId="S::624912@bah.com::d2f80d41-3521-48e3-8b17-00e1dec3a46e" providerId="AD" clId="Web-{3D757113-A065-5B2A-D2F3-9B666BE628C6}" dt="2022-10-12T14:56:21.037" v="61" actId="1076"/>
-          <ac:picMkLst>
-            <pc:docMk/>
-            <pc:sldMk cId="406015231" sldId="332"/>
-            <ac:picMk id="7" creationId="{509B3CAA-B2B0-70B3-F9DC-11F4822C7B82}"/>
-          </ac:picMkLst>
-        </pc:picChg>
-        <pc:picChg chg="mod">
-          <ac:chgData name="Bustillo, Gian [USA]" userId="S::624912@bah.com::d2f80d41-3521-48e3-8b17-00e1dec3a46e" providerId="AD" clId="Web-{3D757113-A065-5B2A-D2F3-9B666BE628C6}" dt="2022-10-12T14:56:21.146" v="63" actId="1076"/>
-          <ac:picMkLst>
-            <pc:docMk/>
-            <pc:sldMk cId="406015231" sldId="332"/>
-            <ac:picMk id="8" creationId="{32E9E5C6-CBC6-AC75-D2DC-EC109C5FE9F9}"/>
-          </ac:picMkLst>
-        </pc:picChg>
-        <pc:picChg chg="mod">
-          <ac:chgData name="Bustillo, Gian [USA]" userId="S::624912@bah.com::d2f80d41-3521-48e3-8b17-00e1dec3a46e" providerId="AD" clId="Web-{3D757113-A065-5B2A-D2F3-9B666BE628C6}" dt="2022-10-12T14:56:21.208" v="64" actId="1076"/>
-          <ac:picMkLst>
-            <pc:docMk/>
-            <pc:sldMk cId="406015231" sldId="332"/>
-            <ac:picMk id="10" creationId="{D5D920A8-DEAD-D557-D8ED-25B8FAC75844}"/>
-          </ac:picMkLst>
-        </pc:picChg>
-        <pc:picChg chg="mod">
-          <ac:chgData name="Bustillo, Gian [USA]" userId="S::624912@bah.com::d2f80d41-3521-48e3-8b17-00e1dec3a46e" providerId="AD" clId="Web-{3D757113-A065-5B2A-D2F3-9B666BE628C6}" dt="2022-10-12T14:56:19.896" v="43" actId="1076"/>
-          <ac:picMkLst>
-            <pc:docMk/>
-            <pc:sldMk cId="406015231" sldId="332"/>
-            <ac:picMk id="11" creationId="{C3374779-DEF1-B27A-FA0B-4CDD15CD429E}"/>
-          </ac:picMkLst>
-        </pc:picChg>
-        <pc:picChg chg="mod">
-          <ac:chgData name="Bustillo, Gian [USA]" userId="S::624912@bah.com::d2f80d41-3521-48e3-8b17-00e1dec3a46e" providerId="AD" clId="Web-{3D757113-A065-5B2A-D2F3-9B666BE628C6}" dt="2022-10-12T14:56:21.271" v="65" actId="1076"/>
-          <ac:picMkLst>
-            <pc:docMk/>
-            <pc:sldMk cId="406015231" sldId="332"/>
-            <ac:picMk id="12" creationId="{E867A663-BE3F-5F4D-6EEE-CB62E3E9EB60}"/>
-          </ac:picMkLst>
-        </pc:picChg>
-        <pc:picChg chg="mod">
-          <ac:chgData name="Bustillo, Gian [USA]" userId="S::624912@bah.com::d2f80d41-3521-48e3-8b17-00e1dec3a46e" providerId="AD" clId="Web-{3D757113-A065-5B2A-D2F3-9B666BE628C6}" dt="2022-10-12T14:56:19.958" v="44" actId="1076"/>
-          <ac:picMkLst>
-            <pc:docMk/>
-            <pc:sldMk cId="406015231" sldId="332"/>
-            <ac:picMk id="13" creationId="{C491AC46-EDBD-DE74-8679-C131ABD9491A}"/>
-          </ac:picMkLst>
-        </pc:picChg>
-        <pc:picChg chg="mod">
-          <ac:chgData name="Bustillo, Gian [USA]" userId="S::624912@bah.com::d2f80d41-3521-48e3-8b17-00e1dec3a46e" providerId="AD" clId="Web-{3D757113-A065-5B2A-D2F3-9B666BE628C6}" dt="2022-10-12T14:56:21.318" v="66" actId="1076"/>
-          <ac:picMkLst>
-            <pc:docMk/>
-            <pc:sldMk cId="406015231" sldId="332"/>
-            <ac:picMk id="14" creationId="{239B7457-5DFC-B224-0B05-412D1CD8B4CE}"/>
-          </ac:picMkLst>
-        </pc:picChg>
-        <pc:picChg chg="mod">
-          <ac:chgData name="Bustillo, Gian [USA]" userId="S::624912@bah.com::d2f80d41-3521-48e3-8b17-00e1dec3a46e" providerId="AD" clId="Web-{3D757113-A065-5B2A-D2F3-9B666BE628C6}" dt="2022-10-12T14:56:20.005" v="45" actId="1076"/>
-          <ac:picMkLst>
-            <pc:docMk/>
-            <pc:sldMk cId="406015231" sldId="332"/>
-            <ac:picMk id="15" creationId="{C89671F3-D128-ED53-F478-FE3E9CCC4335}"/>
-          </ac:picMkLst>
-        </pc:picChg>
-        <pc:picChg chg="mod">
-          <ac:chgData name="Bustillo, Gian [USA]" userId="S::624912@bah.com::d2f80d41-3521-48e3-8b17-00e1dec3a46e" providerId="AD" clId="Web-{3D757113-A065-5B2A-D2F3-9B666BE628C6}" dt="2022-10-12T14:56:21.380" v="67" actId="1076"/>
-          <ac:picMkLst>
-            <pc:docMk/>
-            <pc:sldMk cId="406015231" sldId="332"/>
-            <ac:picMk id="16" creationId="{B890B647-1D26-3C8A-3553-85D03DDD47D5}"/>
-          </ac:picMkLst>
-        </pc:picChg>
-        <pc:picChg chg="mod">
-          <ac:chgData name="Bustillo, Gian [USA]" userId="S::624912@bah.com::d2f80d41-3521-48e3-8b17-00e1dec3a46e" providerId="AD" clId="Web-{3D757113-A065-5B2A-D2F3-9B666BE628C6}" dt="2022-10-12T14:56:20.068" v="46" actId="1076"/>
-          <ac:picMkLst>
-            <pc:docMk/>
-            <pc:sldMk cId="406015231" sldId="332"/>
-            <ac:picMk id="17" creationId="{77AA32C0-CE22-FD2E-F5FB-B7294AD3EA66}"/>
-          </ac:picMkLst>
-        </pc:picChg>
-        <pc:picChg chg="mod">
-          <ac:chgData name="Bustillo, Gian [USA]" userId="S::624912@bah.com::d2f80d41-3521-48e3-8b17-00e1dec3a46e" providerId="AD" clId="Web-{3D757113-A065-5B2A-D2F3-9B666BE628C6}" dt="2022-10-12T14:56:21.443" v="68" actId="1076"/>
-          <ac:picMkLst>
-            <pc:docMk/>
-            <pc:sldMk cId="406015231" sldId="332"/>
-            <ac:picMk id="18" creationId="{C86C0BE9-B32C-8BF2-E9A1-347BF38BDA5C}"/>
-          </ac:picMkLst>
-        </pc:picChg>
-        <pc:picChg chg="mod">
-          <ac:chgData name="Bustillo, Gian [USA]" userId="S::624912@bah.com::d2f80d41-3521-48e3-8b17-00e1dec3a46e" providerId="AD" clId="Web-{3D757113-A065-5B2A-D2F3-9B666BE628C6}" dt="2022-10-12T14:56:20.130" v="47" actId="1076"/>
-          <ac:picMkLst>
-            <pc:docMk/>
-            <pc:sldMk cId="406015231" sldId="332"/>
-            <ac:picMk id="19" creationId="{B15E8432-7283-35C3-7B37-BEBEB6FEF1A9}"/>
-          </ac:picMkLst>
-        </pc:picChg>
-        <pc:picChg chg="mod">
-          <ac:chgData name="Bustillo, Gian [USA]" userId="S::624912@bah.com::d2f80d41-3521-48e3-8b17-00e1dec3a46e" providerId="AD" clId="Web-{3D757113-A065-5B2A-D2F3-9B666BE628C6}" dt="2022-10-12T14:56:21.505" v="69" actId="1076"/>
-          <ac:picMkLst>
-            <pc:docMk/>
-            <pc:sldMk cId="406015231" sldId="332"/>
-            <ac:picMk id="20" creationId="{2251457B-A318-F254-2448-E0903E616027}"/>
-          </ac:picMkLst>
-        </pc:picChg>
-        <pc:picChg chg="mod">
-          <ac:chgData name="Bustillo, Gian [USA]" userId="S::624912@bah.com::d2f80d41-3521-48e3-8b17-00e1dec3a46e" providerId="AD" clId="Web-{3D757113-A065-5B2A-D2F3-9B666BE628C6}" dt="2022-10-12T14:56:20.193" v="48" actId="1076"/>
-          <ac:picMkLst>
-            <pc:docMk/>
-            <pc:sldMk cId="406015231" sldId="332"/>
-            <ac:picMk id="21" creationId="{9CBEDF66-7516-FD87-47C4-AE9C5F1B7C46}"/>
-          </ac:picMkLst>
-        </pc:picChg>
-        <pc:picChg chg="mod">
-          <ac:chgData name="Bustillo, Gian [USA]" userId="S::624912@bah.com::d2f80d41-3521-48e3-8b17-00e1dec3a46e" providerId="AD" clId="Web-{3D757113-A065-5B2A-D2F3-9B666BE628C6}" dt="2022-10-12T14:56:20.255" v="49" actId="1076"/>
-          <ac:picMkLst>
-            <pc:docMk/>
-            <pc:sldMk cId="406015231" sldId="332"/>
-            <ac:picMk id="23" creationId="{469321A0-16B4-4167-BD80-5F784198BC5F}"/>
-          </ac:picMkLst>
-        </pc:picChg>
-        <pc:picChg chg="mod">
-          <ac:chgData name="Bustillo, Gian [USA]" userId="S::624912@bah.com::d2f80d41-3521-48e3-8b17-00e1dec3a46e" providerId="AD" clId="Web-{3D757113-A065-5B2A-D2F3-9B666BE628C6}" dt="2022-10-12T14:56:20.615" v="55" actId="1076"/>
-          <ac:picMkLst>
-            <pc:docMk/>
-            <pc:sldMk cId="406015231" sldId="332"/>
-            <ac:picMk id="24" creationId="{BC4B23C6-C714-AE09-0470-5BA59334851B}"/>
-          </ac:picMkLst>
-        </pc:picChg>
-        <pc:picChg chg="mod">
-          <ac:chgData name="Bustillo, Gian [USA]" userId="S::624912@bah.com::d2f80d41-3521-48e3-8b17-00e1dec3a46e" providerId="AD" clId="Web-{3D757113-A065-5B2A-D2F3-9B666BE628C6}" dt="2022-10-12T14:56:20.318" v="50" actId="1076"/>
-          <ac:picMkLst>
-            <pc:docMk/>
-            <pc:sldMk cId="406015231" sldId="332"/>
-            <ac:picMk id="25" creationId="{C51C3EDE-FF85-215F-C163-EFF28E7423AD}"/>
-          </ac:picMkLst>
-        </pc:picChg>
-        <pc:picChg chg="mod">
-          <ac:chgData name="Bustillo, Gian [USA]" userId="S::624912@bah.com::d2f80d41-3521-48e3-8b17-00e1dec3a46e" providerId="AD" clId="Web-{3D757113-A065-5B2A-D2F3-9B666BE628C6}" dt="2022-10-12T14:56:20.693" v="56" actId="1076"/>
-          <ac:picMkLst>
-            <pc:docMk/>
-            <pc:sldMk cId="406015231" sldId="332"/>
-            <ac:picMk id="26" creationId="{C302071C-A940-1343-AA9A-41029BA00A11}"/>
-          </ac:picMkLst>
-        </pc:picChg>
-        <pc:picChg chg="mod">
-          <ac:chgData name="Bustillo, Gian [USA]" userId="S::624912@bah.com::d2f80d41-3521-48e3-8b17-00e1dec3a46e" providerId="AD" clId="Web-{3D757113-A065-5B2A-D2F3-9B666BE628C6}" dt="2022-10-12T14:56:20.380" v="51" actId="1076"/>
-          <ac:picMkLst>
-            <pc:docMk/>
-            <pc:sldMk cId="406015231" sldId="332"/>
-            <ac:picMk id="27" creationId="{A3C823C1-29B6-166A-4E18-EA27881D01D5}"/>
-          </ac:picMkLst>
-        </pc:picChg>
-        <pc:picChg chg="mod">
-          <ac:chgData name="Bustillo, Gian [USA]" userId="S::624912@bah.com::d2f80d41-3521-48e3-8b17-00e1dec3a46e" providerId="AD" clId="Web-{3D757113-A065-5B2A-D2F3-9B666BE628C6}" dt="2022-10-12T14:56:20.755" v="57" actId="1076"/>
-          <ac:picMkLst>
-            <pc:docMk/>
-            <pc:sldMk cId="406015231" sldId="332"/>
-            <ac:picMk id="28" creationId="{A7BEEB3E-F285-959E-D146-58DA18087F05}"/>
-          </ac:picMkLst>
-        </pc:picChg>
-        <pc:picChg chg="mod">
-          <ac:chgData name="Bustillo, Gian [USA]" userId="S::624912@bah.com::d2f80d41-3521-48e3-8b17-00e1dec3a46e" providerId="AD" clId="Web-{3D757113-A065-5B2A-D2F3-9B666BE628C6}" dt="2022-10-12T14:56:20.458" v="52" actId="1076"/>
-          <ac:picMkLst>
-            <pc:docMk/>
-            <pc:sldMk cId="406015231" sldId="332"/>
-            <ac:picMk id="29" creationId="{3E29974F-2058-9AE4-C31B-BD08CC93E4C3}"/>
-          </ac:picMkLst>
-        </pc:picChg>
-        <pc:picChg chg="mod">
-          <ac:chgData name="Bustillo, Gian [USA]" userId="S::624912@bah.com::d2f80d41-3521-48e3-8b17-00e1dec3a46e" providerId="AD" clId="Web-{3D757113-A065-5B2A-D2F3-9B666BE628C6}" dt="2022-10-12T14:56:21.099" v="62" actId="1076"/>
-          <ac:picMkLst>
-            <pc:docMk/>
-            <pc:sldMk cId="406015231" sldId="332"/>
-            <ac:picMk id="30" creationId="{B6125B74-70D0-435E-83B6-1182C8979462}"/>
-          </ac:picMkLst>
-        </pc:picChg>
-        <pc:picChg chg="mod">
-          <ac:chgData name="Bustillo, Gian [USA]" userId="S::624912@bah.com::d2f80d41-3521-48e3-8b17-00e1dec3a46e" providerId="AD" clId="Web-{3D757113-A065-5B2A-D2F3-9B666BE628C6}" dt="2022-10-12T14:56:20.505" v="53" actId="1076"/>
-          <ac:picMkLst>
-            <pc:docMk/>
-            <pc:sldMk cId="406015231" sldId="332"/>
-            <ac:picMk id="31" creationId="{EAE55916-283D-76DB-AB46-11C25578A064}"/>
-          </ac:picMkLst>
-        </pc:picChg>
-        <pc:picChg chg="mod">
-          <ac:chgData name="Bustillo, Gian [USA]" userId="S::624912@bah.com::d2f80d41-3521-48e3-8b17-00e1dec3a46e" providerId="AD" clId="Web-{3D757113-A065-5B2A-D2F3-9B666BE628C6}" dt="2022-10-12T14:56:21.568" v="70" actId="1076"/>
-          <ac:picMkLst>
-            <pc:docMk/>
-            <pc:sldMk cId="406015231" sldId="332"/>
-            <ac:picMk id="32" creationId="{DC258CBB-D714-B905-CA85-8BD765241D1E}"/>
-          </ac:picMkLst>
-        </pc:picChg>
-        <pc:picChg chg="mod">
-          <ac:chgData name="Bustillo, Gian [USA]" userId="S::624912@bah.com::d2f80d41-3521-48e3-8b17-00e1dec3a46e" providerId="AD" clId="Web-{3D757113-A065-5B2A-D2F3-9B666BE628C6}" dt="2022-10-12T14:56:20.568" v="54" actId="1076"/>
-          <ac:picMkLst>
-            <pc:docMk/>
-            <pc:sldMk cId="406015231" sldId="332"/>
-            <ac:picMk id="33" creationId="{891BB737-A6DF-C049-FBB2-ED35A66F4349}"/>
-          </ac:picMkLst>
-        </pc:picChg>
-        <pc:picChg chg="mod">
-          <ac:chgData name="Bustillo, Gian [USA]" userId="S::624912@bah.com::d2f80d41-3521-48e3-8b17-00e1dec3a46e" providerId="AD" clId="Web-{3D757113-A065-5B2A-D2F3-9B666BE628C6}" dt="2022-10-12T14:56:21.630" v="71" actId="1076"/>
-          <ac:picMkLst>
-            <pc:docMk/>
-            <pc:sldMk cId="406015231" sldId="332"/>
-            <ac:picMk id="34" creationId="{0003CB12-6B36-E953-10D8-E53FB3CEC6DA}"/>
-          </ac:picMkLst>
-        </pc:picChg>
-        <pc:picChg chg="mod">
-          <ac:chgData name="Bustillo, Gian [USA]" userId="S::624912@bah.com::d2f80d41-3521-48e3-8b17-00e1dec3a46e" providerId="AD" clId="Web-{3D757113-A065-5B2A-D2F3-9B666BE628C6}" dt="2022-10-12T14:56:21.693" v="72" actId="1076"/>
-          <ac:picMkLst>
-            <pc:docMk/>
-            <pc:sldMk cId="406015231" sldId="332"/>
-            <ac:picMk id="35" creationId="{DDCAC729-EB56-E0BA-73EA-3320E66D9B99}"/>
-          </ac:picMkLst>
-        </pc:picChg>
-        <pc:picChg chg="mod">
-          <ac:chgData name="Bustillo, Gian [USA]" userId="S::624912@bah.com::d2f80d41-3521-48e3-8b17-00e1dec3a46e" providerId="AD" clId="Web-{3D757113-A065-5B2A-D2F3-9B666BE628C6}" dt="2022-10-12T14:56:21.755" v="73" actId="1076"/>
-          <ac:picMkLst>
-            <pc:docMk/>
-            <pc:sldMk cId="406015231" sldId="332"/>
-            <ac:picMk id="36" creationId="{85D55FFD-1198-1535-C76A-FC9636E6F6CD}"/>
-          </ac:picMkLst>
-        </pc:picChg>
-        <pc:picChg chg="mod">
-          <ac:chgData name="Bustillo, Gian [USA]" userId="S::624912@bah.com::d2f80d41-3521-48e3-8b17-00e1dec3a46e" providerId="AD" clId="Web-{3D757113-A065-5B2A-D2F3-9B666BE628C6}" dt="2022-10-12T14:56:21.802" v="74" actId="1076"/>
-          <ac:picMkLst>
-            <pc:docMk/>
-            <pc:sldMk cId="406015231" sldId="332"/>
-            <ac:picMk id="37" creationId="{7CBC2415-B753-48A5-9790-0FA7BEA9491A}"/>
-          </ac:picMkLst>
-        </pc:picChg>
-        <pc:picChg chg="mod">
-          <ac:chgData name="Bustillo, Gian [USA]" userId="S::624912@bah.com::d2f80d41-3521-48e3-8b17-00e1dec3a46e" providerId="AD" clId="Web-{3D757113-A065-5B2A-D2F3-9B666BE628C6}" dt="2022-10-12T14:56:21.865" v="75" actId="1076"/>
-          <ac:picMkLst>
-            <pc:docMk/>
-            <pc:sldMk cId="406015231" sldId="332"/>
-            <ac:picMk id="38" creationId="{7E7FD735-D8A7-422E-8007-64AF0AF5B00D}"/>
-          </ac:picMkLst>
-        </pc:picChg>
-        <pc:picChg chg="mod">
-          <ac:chgData name="Bustillo, Gian [USA]" userId="S::624912@bah.com::d2f80d41-3521-48e3-8b17-00e1dec3a46e" providerId="AD" clId="Web-{3D757113-A065-5B2A-D2F3-9B666BE628C6}" dt="2022-10-12T14:56:21.927" v="76" actId="1076"/>
-          <ac:picMkLst>
-            <pc:docMk/>
-            <pc:sldMk cId="406015231" sldId="332"/>
-            <ac:picMk id="39" creationId="{FAB6B671-CA9C-4CED-9E9D-80C317E7B954}"/>
-          </ac:picMkLst>
-        </pc:picChg>
-        <pc:picChg chg="mod">
-          <ac:chgData name="Bustillo, Gian [USA]" userId="S::624912@bah.com::d2f80d41-3521-48e3-8b17-00e1dec3a46e" providerId="AD" clId="Web-{3D757113-A065-5B2A-D2F3-9B666BE628C6}" dt="2022-10-12T14:56:21.990" v="77" actId="1076"/>
-          <ac:picMkLst>
-            <pc:docMk/>
-            <pc:sldMk cId="406015231" sldId="332"/>
-            <ac:picMk id="40" creationId="{48676BA6-2C54-5BE9-8D94-9F0340D49680}"/>
-          </ac:picMkLst>
-        </pc:picChg>
-        <pc:picChg chg="mod">
-          <ac:chgData name="Bustillo, Gian [USA]" userId="S::624912@bah.com::d2f80d41-3521-48e3-8b17-00e1dec3a46e" providerId="AD" clId="Web-{3D757113-A065-5B2A-D2F3-9B666BE628C6}" dt="2022-10-12T14:56:22.052" v="78" actId="1076"/>
-          <ac:picMkLst>
-            <pc:docMk/>
-            <pc:sldMk cId="406015231" sldId="332"/>
-            <ac:picMk id="41" creationId="{F8FEE23F-334E-215B-D192-3CB085D558A7}"/>
-          </ac:picMkLst>
-        </pc:picChg>
-        <pc:picChg chg="mod">
-          <ac:chgData name="Bustillo, Gian [USA]" userId="S::624912@bah.com::d2f80d41-3521-48e3-8b17-00e1dec3a46e" providerId="AD" clId="Web-{3D757113-A065-5B2A-D2F3-9B666BE628C6}" dt="2022-10-12T14:56:22.115" v="79" actId="1076"/>
-          <ac:picMkLst>
-            <pc:docMk/>
-            <pc:sldMk cId="406015231" sldId="332"/>
-            <ac:picMk id="42" creationId="{35C4163A-DE47-4604-A275-DFABD9625441}"/>
-          </ac:picMkLst>
-        </pc:picChg>
-        <pc:picChg chg="mod">
-          <ac:chgData name="Bustillo, Gian [USA]" userId="S::624912@bah.com::d2f80d41-3521-48e3-8b17-00e1dec3a46e" providerId="AD" clId="Web-{3D757113-A065-5B2A-D2F3-9B666BE628C6}" dt="2022-10-12T14:56:22.177" v="80" actId="1076"/>
-          <ac:picMkLst>
-            <pc:docMk/>
-            <pc:sldMk cId="406015231" sldId="332"/>
-            <ac:picMk id="43" creationId="{24A6D04C-9360-4CE5-BC88-7636EF80FC0D}"/>
-          </ac:picMkLst>
-        </pc:picChg>
-        <pc:picChg chg="mod">
-          <ac:chgData name="Bustillo, Gian [USA]" userId="S::624912@bah.com::d2f80d41-3521-48e3-8b17-00e1dec3a46e" providerId="AD" clId="Web-{3D757113-A065-5B2A-D2F3-9B666BE628C6}" dt="2022-10-12T14:56:22.224" v="81" actId="1076"/>
-          <ac:picMkLst>
-            <pc:docMk/>
-            <pc:sldMk cId="406015231" sldId="332"/>
-            <ac:picMk id="44" creationId="{DEE4900B-C7CD-42D5-BA01-CDAA1A624733}"/>
-          </ac:picMkLst>
-        </pc:picChg>
-        <pc:picChg chg="mod">
-          <ac:chgData name="Bustillo, Gian [USA]" userId="S::624912@bah.com::d2f80d41-3521-48e3-8b17-00e1dec3a46e" providerId="AD" clId="Web-{3D757113-A065-5B2A-D2F3-9B666BE628C6}" dt="2022-10-12T14:56:22.287" v="82" actId="1076"/>
-          <ac:picMkLst>
-            <pc:docMk/>
-            <pc:sldMk cId="406015231" sldId="332"/>
-            <ac:picMk id="45" creationId="{55CC96E4-ADAD-437A-AFE5-D98506B273D3}"/>
-          </ac:picMkLst>
-        </pc:picChg>
-        <pc:picChg chg="mod">
-          <ac:chgData name="Bustillo, Gian [USA]" userId="S::624912@bah.com::d2f80d41-3521-48e3-8b17-00e1dec3a46e" providerId="AD" clId="Web-{3D757113-A065-5B2A-D2F3-9B666BE628C6}" dt="2022-10-12T14:56:22.349" v="83" actId="1076"/>
-          <ac:picMkLst>
-            <pc:docMk/>
-            <pc:sldMk cId="406015231" sldId="332"/>
-            <ac:picMk id="46" creationId="{B73C0667-4BE5-4CCB-9FC7-5FBA7D9D0288}"/>
-          </ac:picMkLst>
-        </pc:picChg>
-        <pc:picChg chg="mod">
-          <ac:chgData name="Bustillo, Gian [USA]" userId="S::624912@bah.com::d2f80d41-3521-48e3-8b17-00e1dec3a46e" providerId="AD" clId="Web-{3D757113-A065-5B2A-D2F3-9B666BE628C6}" dt="2022-10-12T14:56:22.412" v="84" actId="1076"/>
-          <ac:picMkLst>
-            <pc:docMk/>
-            <pc:sldMk cId="406015231" sldId="332"/>
-            <ac:picMk id="47" creationId="{786D9B48-1527-4E8D-9FA4-B7906037BA09}"/>
-          </ac:picMkLst>
-        </pc:picChg>
-        <pc:picChg chg="mod">
-          <ac:chgData name="Bustillo, Gian [USA]" userId="S::624912@bah.com::d2f80d41-3521-48e3-8b17-00e1dec3a46e" providerId="AD" clId="Web-{3D757113-A065-5B2A-D2F3-9B666BE628C6}" dt="2022-10-12T14:56:22.474" v="85" actId="1076"/>
-          <ac:picMkLst>
-            <pc:docMk/>
-            <pc:sldMk cId="406015231" sldId="332"/>
-            <ac:picMk id="48" creationId="{01F0828D-72CD-C7CA-343E-632ABFFC92B8}"/>
-          </ac:picMkLst>
-        </pc:picChg>
-        <pc:picChg chg="mod">
-          <ac:chgData name="Bustillo, Gian [USA]" userId="S::624912@bah.com::d2f80d41-3521-48e3-8b17-00e1dec3a46e" providerId="AD" clId="Web-{3D757113-A065-5B2A-D2F3-9B666BE628C6}" dt="2022-10-12T14:56:22.521" v="86" actId="1076"/>
-          <ac:picMkLst>
-            <pc:docMk/>
-            <pc:sldMk cId="406015231" sldId="332"/>
-            <ac:picMk id="49" creationId="{6F39D3E1-316B-4B32-3AAF-DE139406FD91}"/>
-          </ac:picMkLst>
-        </pc:picChg>
-        <pc:picChg chg="mod">
-          <ac:chgData name="Bustillo, Gian [USA]" userId="S::624912@bah.com::d2f80d41-3521-48e3-8b17-00e1dec3a46e" providerId="AD" clId="Web-{3D757113-A065-5B2A-D2F3-9B666BE628C6}" dt="2022-10-12T14:56:22.583" v="87" actId="1076"/>
-          <ac:picMkLst>
-            <pc:docMk/>
-            <pc:sldMk cId="406015231" sldId="332"/>
-            <ac:picMk id="50" creationId="{C5381CA2-E5FE-45DC-A4EB-832BD159277E}"/>
-          </ac:picMkLst>
-        </pc:picChg>
-        <pc:picChg chg="mod">
-          <ac:chgData name="Bustillo, Gian [USA]" userId="S::624912@bah.com::d2f80d41-3521-48e3-8b17-00e1dec3a46e" providerId="AD" clId="Web-{3D757113-A065-5B2A-D2F3-9B666BE628C6}" dt="2022-10-12T14:56:22.646" v="88" actId="1076"/>
-          <ac:picMkLst>
-            <pc:docMk/>
-            <pc:sldMk cId="406015231" sldId="332"/>
-            <ac:picMk id="51" creationId="{B6BADEB1-ECFF-C7C9-BB28-2B1007ACBC34}"/>
-          </ac:picMkLst>
-        </pc:picChg>
-        <pc:picChg chg="mod">
-          <ac:chgData name="Bustillo, Gian [USA]" userId="S::624912@bah.com::d2f80d41-3521-48e3-8b17-00e1dec3a46e" providerId="AD" clId="Web-{3D757113-A065-5B2A-D2F3-9B666BE628C6}" dt="2022-10-12T14:56:22.708" v="89" actId="1076"/>
-          <ac:picMkLst>
-            <pc:docMk/>
-            <pc:sldMk cId="406015231" sldId="332"/>
-            <ac:picMk id="52" creationId="{D865995B-4144-3341-5B22-3E5B6075DE47}"/>
-          </ac:picMkLst>
-        </pc:picChg>
-        <pc:picChg chg="mod">
-          <ac:chgData name="Bustillo, Gian [USA]" userId="S::624912@bah.com::d2f80d41-3521-48e3-8b17-00e1dec3a46e" providerId="AD" clId="Web-{3D757113-A065-5B2A-D2F3-9B666BE628C6}" dt="2022-10-12T14:56:22.755" v="90" actId="1076"/>
-          <ac:picMkLst>
-            <pc:docMk/>
-            <pc:sldMk cId="406015231" sldId="332"/>
-            <ac:picMk id="53" creationId="{F4634756-0763-023C-B9CC-003A008E0EFE}"/>
-          </ac:picMkLst>
-        </pc:picChg>
-        <pc:picChg chg="mod">
-          <ac:chgData name="Bustillo, Gian [USA]" userId="S::624912@bah.com::d2f80d41-3521-48e3-8b17-00e1dec3a46e" providerId="AD" clId="Web-{3D757113-A065-5B2A-D2F3-9B666BE628C6}" dt="2022-10-12T14:56:22.818" v="91" actId="1076"/>
-          <ac:picMkLst>
-            <pc:docMk/>
-            <pc:sldMk cId="406015231" sldId="332"/>
-            <ac:picMk id="54" creationId="{3CF5C192-090A-6755-E6FC-8738ED8A5DB8}"/>
-          </ac:picMkLst>
-        </pc:picChg>
-        <pc:picChg chg="mod">
-          <ac:chgData name="Bustillo, Gian [USA]" userId="S::624912@bah.com::d2f80d41-3521-48e3-8b17-00e1dec3a46e" providerId="AD" clId="Web-{3D757113-A065-5B2A-D2F3-9B666BE628C6}" dt="2022-10-12T14:56:22.880" v="92" actId="1076"/>
-          <ac:picMkLst>
-            <pc:docMk/>
-            <pc:sldMk cId="406015231" sldId="332"/>
-            <ac:picMk id="55" creationId="{41B66DD8-82D9-CBC9-B2BC-29F3DE071C59}"/>
-          </ac:picMkLst>
-        </pc:picChg>
-        <pc:picChg chg="mod">
-          <ac:chgData name="Bustillo, Gian [USA]" userId="S::624912@bah.com::d2f80d41-3521-48e3-8b17-00e1dec3a46e" providerId="AD" clId="Web-{3D757113-A065-5B2A-D2F3-9B666BE628C6}" dt="2022-10-12T14:56:22.943" v="93" actId="1076"/>
-          <ac:picMkLst>
-            <pc:docMk/>
-            <pc:sldMk cId="406015231" sldId="332"/>
-            <ac:picMk id="56" creationId="{A6FF4F34-4892-5762-D7D2-553AE566CB91}"/>
-          </ac:picMkLst>
-        </pc:picChg>
-        <pc:picChg chg="mod">
-          <ac:chgData name="Bustillo, Gian [USA]" userId="S::624912@bah.com::d2f80d41-3521-48e3-8b17-00e1dec3a46e" providerId="AD" clId="Web-{3D757113-A065-5B2A-D2F3-9B666BE628C6}" dt="2022-10-12T14:56:22.990" v="94" actId="1076"/>
-          <ac:picMkLst>
-            <pc:docMk/>
-            <pc:sldMk cId="406015231" sldId="332"/>
-            <ac:picMk id="57" creationId="{C0C4E677-C0BB-1618-CDCC-7BF4B8FC09AE}"/>
-          </ac:picMkLst>
-        </pc:picChg>
-        <pc:picChg chg="mod">
-          <ac:chgData name="Bustillo, Gian [USA]" userId="S::624912@bah.com::d2f80d41-3521-48e3-8b17-00e1dec3a46e" providerId="AD" clId="Web-{3D757113-A065-5B2A-D2F3-9B666BE628C6}" dt="2022-10-12T14:56:23.052" v="95" actId="1076"/>
-          <ac:picMkLst>
-            <pc:docMk/>
-            <pc:sldMk cId="406015231" sldId="332"/>
-            <ac:picMk id="58" creationId="{6A4080DC-7AA0-9BDD-8CB8-A291CDB46F2E}"/>
-          </ac:picMkLst>
-        </pc:picChg>
-        <pc:picChg chg="mod">
-          <ac:chgData name="Bustillo, Gian [USA]" userId="S::624912@bah.com::d2f80d41-3521-48e3-8b17-00e1dec3a46e" providerId="AD" clId="Web-{3D757113-A065-5B2A-D2F3-9B666BE628C6}" dt="2022-10-12T14:56:23.115" v="96" actId="1076"/>
-          <ac:picMkLst>
-            <pc:docMk/>
-            <pc:sldMk cId="406015231" sldId="332"/>
-            <ac:picMk id="59" creationId="{87B9E0D9-97FD-A7CA-4F2A-28461150A0F2}"/>
-          </ac:picMkLst>
-        </pc:picChg>
-        <pc:picChg chg="mod">
-          <ac:chgData name="Bustillo, Gian [USA]" userId="S::624912@bah.com::d2f80d41-3521-48e3-8b17-00e1dec3a46e" providerId="AD" clId="Web-{3D757113-A065-5B2A-D2F3-9B666BE628C6}" dt="2022-10-12T14:56:23.162" v="97" actId="1076"/>
-          <ac:picMkLst>
-            <pc:docMk/>
-            <pc:sldMk cId="406015231" sldId="332"/>
-            <ac:picMk id="60" creationId="{B4282BB9-92A7-1711-AD47-A54E9B3903F2}"/>
-          </ac:picMkLst>
-        </pc:picChg>
-        <pc:picChg chg="mod">
-          <ac:chgData name="Bustillo, Gian [USA]" userId="S::624912@bah.com::d2f80d41-3521-48e3-8b17-00e1dec3a46e" providerId="AD" clId="Web-{3D757113-A065-5B2A-D2F3-9B666BE628C6}" dt="2022-10-12T14:56:23.224" v="98" actId="1076"/>
-          <ac:picMkLst>
-            <pc:docMk/>
-            <pc:sldMk cId="406015231" sldId="332"/>
-            <ac:picMk id="61" creationId="{05637EA3-6FA8-3FA6-D4A4-2187151D78D8}"/>
-          </ac:picMkLst>
-        </pc:picChg>
-        <pc:picChg chg="mod">
-          <ac:chgData name="Bustillo, Gian [USA]" userId="S::624912@bah.com::d2f80d41-3521-48e3-8b17-00e1dec3a46e" providerId="AD" clId="Web-{3D757113-A065-5B2A-D2F3-9B666BE628C6}" dt="2022-10-12T14:56:23.287" v="99" actId="1076"/>
-          <ac:picMkLst>
-            <pc:docMk/>
-            <pc:sldMk cId="406015231" sldId="332"/>
-            <ac:picMk id="62" creationId="{EA482B55-20BF-F7E5-34F7-083723154A6B}"/>
-          </ac:picMkLst>
-        </pc:picChg>
-      </pc:sldChg>
-    </pc:docChg>
-  </pc:docChgLst>
-  <pc:docChgLst>
-    <pc:chgData name="Bustillo, Gian [USA]" userId="S::624912@bah.com::d2f80d41-3521-48e3-8b17-00e1dec3a46e" providerId="AD" clId="Web-{7FC0AD3A-CE05-A428-F784-8D01D18C0F11}"/>
-    <pc:docChg chg="addSld delSld modSld">
-      <pc:chgData name="Bustillo, Gian [USA]" userId="S::624912@bah.com::d2f80d41-3521-48e3-8b17-00e1dec3a46e" providerId="AD" clId="Web-{7FC0AD3A-CE05-A428-F784-8D01D18C0F11}" dt="2022-11-09T20:47:11.828" v="2201"/>
-      <pc:docMkLst>
-        <pc:docMk/>
-      </pc:docMkLst>
-      <pc:sldChg chg="modSp">
-        <pc:chgData name="Bustillo, Gian [USA]" userId="S::624912@bah.com::d2f80d41-3521-48e3-8b17-00e1dec3a46e" providerId="AD" clId="Web-{7FC0AD3A-CE05-A428-F784-8D01D18C0F11}" dt="2022-11-09T17:41:41.573" v="1" actId="20577"/>
-        <pc:sldMkLst>
-          <pc:docMk/>
-          <pc:sldMk cId="815678163" sldId="273"/>
-        </pc:sldMkLst>
-        <pc:spChg chg="mod">
-          <ac:chgData name="Bustillo, Gian [USA]" userId="S::624912@bah.com::d2f80d41-3521-48e3-8b17-00e1dec3a46e" providerId="AD" clId="Web-{7FC0AD3A-CE05-A428-F784-8D01D18C0F11}" dt="2022-11-09T17:41:41.573" v="1" actId="20577"/>
-          <ac:spMkLst>
-            <pc:docMk/>
-            <pc:sldMk cId="815678163" sldId="273"/>
-            <ac:spMk id="4" creationId="{1408AF8C-36F5-4E54-888B-435A9B6B6EA8}"/>
-          </ac:spMkLst>
-        </pc:spChg>
-      </pc:sldChg>
-      <pc:sldChg chg="add del">
-        <pc:chgData name="Bustillo, Gian [USA]" userId="S::624912@bah.com::d2f80d41-3521-48e3-8b17-00e1dec3a46e" providerId="AD" clId="Web-{7FC0AD3A-CE05-A428-F784-8D01D18C0F11}" dt="2022-11-09T18:08:39.630" v="1227"/>
-        <pc:sldMkLst>
-          <pc:docMk/>
-          <pc:sldMk cId="2177233046" sldId="305"/>
-        </pc:sldMkLst>
-      </pc:sldChg>
-      <pc:sldChg chg="modSp">
-        <pc:chgData name="Bustillo, Gian [USA]" userId="S::624912@bah.com::d2f80d41-3521-48e3-8b17-00e1dec3a46e" providerId="AD" clId="Web-{7FC0AD3A-CE05-A428-F784-8D01D18C0F11}" dt="2022-11-09T20:47:11.828" v="2201"/>
-        <pc:sldMkLst>
-          <pc:docMk/>
-          <pc:sldMk cId="406015231" sldId="332"/>
-        </pc:sldMkLst>
-        <pc:graphicFrameChg chg="mod modGraphic">
-          <ac:chgData name="Bustillo, Gian [USA]" userId="S::624912@bah.com::d2f80d41-3521-48e3-8b17-00e1dec3a46e" providerId="AD" clId="Web-{7FC0AD3A-CE05-A428-F784-8D01D18C0F11}" dt="2022-11-09T20:47:11.828" v="2201"/>
-          <ac:graphicFrameMkLst>
-            <pc:docMk/>
-            <pc:sldMk cId="406015231" sldId="332"/>
-            <ac:graphicFrameMk id="22" creationId="{C84DDD7B-6774-5EFC-723D-2DB69F219CEC}"/>
-          </ac:graphicFrameMkLst>
-        </pc:graphicFrameChg>
-      </pc:sldChg>
-      <pc:sldChg chg="del">
-        <pc:chgData name="Bustillo, Gian [USA]" userId="S::624912@bah.com::d2f80d41-3521-48e3-8b17-00e1dec3a46e" providerId="AD" clId="Web-{7FC0AD3A-CE05-A428-F784-8D01D18C0F11}" dt="2022-11-09T18:08:50.521" v="1229"/>
-        <pc:sldMkLst>
-          <pc:docMk/>
-          <pc:sldMk cId="2943658952" sldId="337"/>
-        </pc:sldMkLst>
-      </pc:sldChg>
-      <pc:sldChg chg="modSp">
-        <pc:chgData name="Bustillo, Gian [USA]" userId="S::624912@bah.com::d2f80d41-3521-48e3-8b17-00e1dec3a46e" providerId="AD" clId="Web-{7FC0AD3A-CE05-A428-F784-8D01D18C0F11}" dt="2022-11-09T18:35:37.413" v="1878"/>
-        <pc:sldMkLst>
-          <pc:docMk/>
-          <pc:sldMk cId="2997908498" sldId="338"/>
-        </pc:sldMkLst>
-        <pc:graphicFrameChg chg="mod modGraphic">
-          <ac:chgData name="Bustillo, Gian [USA]" userId="S::624912@bah.com::d2f80d41-3521-48e3-8b17-00e1dec3a46e" providerId="AD" clId="Web-{7FC0AD3A-CE05-A428-F784-8D01D18C0F11}" dt="2022-11-09T18:35:37.413" v="1878"/>
-          <ac:graphicFrameMkLst>
-            <pc:docMk/>
-            <pc:sldMk cId="2997908498" sldId="338"/>
-            <ac:graphicFrameMk id="6" creationId="{721398D6-4401-DAB3-8C67-407658FE3F55}"/>
-          </ac:graphicFrameMkLst>
-        </pc:graphicFrameChg>
-      </pc:sldChg>
-      <pc:sldChg chg="modSp">
-        <pc:chgData name="Bustillo, Gian [USA]" userId="S::624912@bah.com::d2f80d41-3521-48e3-8b17-00e1dec3a46e" providerId="AD" clId="Web-{7FC0AD3A-CE05-A428-F784-8D01D18C0F11}" dt="2022-11-09T18:31:52.643" v="1506"/>
-        <pc:sldMkLst>
-          <pc:docMk/>
-          <pc:sldMk cId="3615197908" sldId="342"/>
-        </pc:sldMkLst>
-        <pc:graphicFrameChg chg="modGraphic">
-          <ac:chgData name="Bustillo, Gian [USA]" userId="S::624912@bah.com::d2f80d41-3521-48e3-8b17-00e1dec3a46e" providerId="AD" clId="Web-{7FC0AD3A-CE05-A428-F784-8D01D18C0F11}" dt="2022-11-09T18:31:52.643" v="1506"/>
-          <ac:graphicFrameMkLst>
-            <pc:docMk/>
-            <pc:sldMk cId="3615197908" sldId="342"/>
-            <ac:graphicFrameMk id="6" creationId="{721398D6-4401-DAB3-8C67-407658FE3F55}"/>
-          </ac:graphicFrameMkLst>
-        </pc:graphicFrameChg>
-      </pc:sldChg>
-      <pc:sldChg chg="del">
-        <pc:chgData name="Bustillo, Gian [USA]" userId="S::624912@bah.com::d2f80d41-3521-48e3-8b17-00e1dec3a46e" providerId="AD" clId="Web-{7FC0AD3A-CE05-A428-F784-8D01D18C0F11}" dt="2022-11-09T18:08:48.036" v="1228"/>
-        <pc:sldMkLst>
-          <pc:docMk/>
-          <pc:sldMk cId="2621892643" sldId="346"/>
-        </pc:sldMkLst>
-      </pc:sldChg>
-      <pc:sldChg chg="modSp">
-        <pc:chgData name="Bustillo, Gian [USA]" userId="S::624912@bah.com::d2f80d41-3521-48e3-8b17-00e1dec3a46e" providerId="AD" clId="Web-{7FC0AD3A-CE05-A428-F784-8D01D18C0F11}" dt="2022-11-09T18:36:33.212" v="1888"/>
-        <pc:sldMkLst>
-          <pc:docMk/>
-          <pc:sldMk cId="874433587" sldId="347"/>
-        </pc:sldMkLst>
-        <pc:graphicFrameChg chg="mod modGraphic">
-          <ac:chgData name="Bustillo, Gian [USA]" userId="S::624912@bah.com::d2f80d41-3521-48e3-8b17-00e1dec3a46e" providerId="AD" clId="Web-{7FC0AD3A-CE05-A428-F784-8D01D18C0F11}" dt="2022-11-09T18:36:33.212" v="1888"/>
-          <ac:graphicFrameMkLst>
-            <pc:docMk/>
-            <pc:sldMk cId="874433587" sldId="347"/>
-            <ac:graphicFrameMk id="6" creationId="{721398D6-4401-DAB3-8C67-407658FE3F55}"/>
-          </ac:graphicFrameMkLst>
-        </pc:graphicFrameChg>
-      </pc:sldChg>
-      <pc:sldChg chg="modSp">
-        <pc:chgData name="Bustillo, Gian [USA]" userId="S::624912@bah.com::d2f80d41-3521-48e3-8b17-00e1dec3a46e" providerId="AD" clId="Web-{7FC0AD3A-CE05-A428-F784-8D01D18C0F11}" dt="2022-11-09T18:14:37.373" v="1505"/>
-        <pc:sldMkLst>
-          <pc:docMk/>
-          <pc:sldMk cId="422448212" sldId="351"/>
-        </pc:sldMkLst>
-        <pc:graphicFrameChg chg="mod modGraphic">
-          <ac:chgData name="Bustillo, Gian [USA]" userId="S::624912@bah.com::d2f80d41-3521-48e3-8b17-00e1dec3a46e" providerId="AD" clId="Web-{7FC0AD3A-CE05-A428-F784-8D01D18C0F11}" dt="2022-11-09T18:14:37.373" v="1505"/>
-          <ac:graphicFrameMkLst>
-            <pc:docMk/>
-            <pc:sldMk cId="422448212" sldId="351"/>
-            <ac:graphicFrameMk id="6" creationId="{721398D6-4401-DAB3-8C67-407658FE3F55}"/>
-          </ac:graphicFrameMkLst>
-        </pc:graphicFrameChg>
-      </pc:sldChg>
-    </pc:docChg>
-  </pc:docChgLst>
-  <pc:docChgLst>
-    <pc:chgData name="Bustillo, Gian [USA]" userId="d2f80d41-3521-48e3-8b17-00e1dec3a46e" providerId="ADAL" clId="{A138EBC2-0CB9-49F8-BAE4-7F34C3E6D049}"/>
-    <pc:docChg chg="undo custSel addSld modSld">
-      <pc:chgData name="Bustillo, Gian [USA]" userId="d2f80d41-3521-48e3-8b17-00e1dec3a46e" providerId="ADAL" clId="{A138EBC2-0CB9-49F8-BAE4-7F34C3E6D049}" dt="2022-09-07T20:18:36.557" v="2399" actId="20577"/>
-      <pc:docMkLst>
-        <pc:docMk/>
-      </pc:docMkLst>
-      <pc:sldChg chg="modSp mod">
-        <pc:chgData name="Bustillo, Gian [USA]" userId="d2f80d41-3521-48e3-8b17-00e1dec3a46e" providerId="ADAL" clId="{A138EBC2-0CB9-49F8-BAE4-7F34C3E6D049}" dt="2022-09-07T20:18:36.557" v="2399" actId="20577"/>
-        <pc:sldMkLst>
-          <pc:docMk/>
-          <pc:sldMk cId="1730437909" sldId="325"/>
-        </pc:sldMkLst>
-        <pc:graphicFrameChg chg="mod modGraphic">
-          <ac:chgData name="Bustillo, Gian [USA]" userId="d2f80d41-3521-48e3-8b17-00e1dec3a46e" providerId="ADAL" clId="{A138EBC2-0CB9-49F8-BAE4-7F34C3E6D049}" dt="2022-09-07T20:18:36.557" v="2399" actId="20577"/>
-          <ac:graphicFrameMkLst>
-            <pc:docMk/>
-            <pc:sldMk cId="1730437909" sldId="325"/>
-            <ac:graphicFrameMk id="6" creationId="{721398D6-4401-DAB3-8C67-407658FE3F55}"/>
-          </ac:graphicFrameMkLst>
-        </pc:graphicFrameChg>
-      </pc:sldChg>
-      <pc:sldChg chg="addSp modSp mod">
-        <pc:chgData name="Bustillo, Gian [USA]" userId="d2f80d41-3521-48e3-8b17-00e1dec3a46e" providerId="ADAL" clId="{A138EBC2-0CB9-49F8-BAE4-7F34C3E6D049}" dt="2022-09-07T15:53:14.438" v="2254" actId="1076"/>
-        <pc:sldMkLst>
-          <pc:docMk/>
-          <pc:sldMk cId="406015231" sldId="332"/>
-        </pc:sldMkLst>
-        <pc:graphicFrameChg chg="mod modGraphic">
-          <ac:chgData name="Bustillo, Gian [USA]" userId="d2f80d41-3521-48e3-8b17-00e1dec3a46e" providerId="ADAL" clId="{A138EBC2-0CB9-49F8-BAE4-7F34C3E6D049}" dt="2022-09-07T15:53:14.438" v="2254" actId="1076"/>
-          <ac:graphicFrameMkLst>
-            <pc:docMk/>
-            <pc:sldMk cId="406015231" sldId="332"/>
-            <ac:graphicFrameMk id="9" creationId="{01CBABE8-2EFC-AAC9-99BF-51F104312217}"/>
-          </ac:graphicFrameMkLst>
-        </pc:graphicFrameChg>
-        <pc:graphicFrameChg chg="mod modGraphic">
-          <ac:chgData name="Bustillo, Gian [USA]" userId="d2f80d41-3521-48e3-8b17-00e1dec3a46e" providerId="ADAL" clId="{A138EBC2-0CB9-49F8-BAE4-7F34C3E6D049}" dt="2022-09-07T15:51:57.112" v="2247" actId="21"/>
-          <ac:graphicFrameMkLst>
-            <pc:docMk/>
-            <pc:sldMk cId="406015231" sldId="332"/>
-            <ac:graphicFrameMk id="22" creationId="{C84DDD7B-6774-5EFC-723D-2DB69F219CEC}"/>
-          </ac:graphicFrameMkLst>
-        </pc:graphicFrameChg>
-        <pc:picChg chg="mod">
-          <ac:chgData name="Bustillo, Gian [USA]" userId="d2f80d41-3521-48e3-8b17-00e1dec3a46e" providerId="ADAL" clId="{A138EBC2-0CB9-49F8-BAE4-7F34C3E6D049}" dt="2022-09-07T15:53:14.438" v="2254" actId="1076"/>
-          <ac:picMkLst>
-            <pc:docMk/>
-            <pc:sldMk cId="406015231" sldId="332"/>
-            <ac:picMk id="3" creationId="{E988F262-1705-14FA-D5F7-404BBF481260}"/>
-          </ac:picMkLst>
-        </pc:picChg>
-        <pc:picChg chg="mod">
-          <ac:chgData name="Bustillo, Gian [USA]" userId="d2f80d41-3521-48e3-8b17-00e1dec3a46e" providerId="ADAL" clId="{A138EBC2-0CB9-49F8-BAE4-7F34C3E6D049}" dt="2022-09-07T15:53:14.438" v="2254" actId="1076"/>
-          <ac:picMkLst>
-            <pc:docMk/>
-            <pc:sldMk cId="406015231" sldId="332"/>
-            <ac:picMk id="5" creationId="{D12C361A-9D6A-E334-B391-865061D4FBAD}"/>
-          </ac:picMkLst>
-        </pc:picChg>
-        <pc:picChg chg="mod">
-          <ac:chgData name="Bustillo, Gian [USA]" userId="d2f80d41-3521-48e3-8b17-00e1dec3a46e" providerId="ADAL" clId="{A138EBC2-0CB9-49F8-BAE4-7F34C3E6D049}" dt="2022-09-07T15:53:14.438" v="2254" actId="1076"/>
-          <ac:picMkLst>
-            <pc:docMk/>
-            <pc:sldMk cId="406015231" sldId="332"/>
-            <ac:picMk id="6" creationId="{726EEF72-65C8-DAFD-08A1-6F9FC7E90673}"/>
-          </ac:picMkLst>
-        </pc:picChg>
-        <pc:picChg chg="mod">
-          <ac:chgData name="Bustillo, Gian [USA]" userId="d2f80d41-3521-48e3-8b17-00e1dec3a46e" providerId="ADAL" clId="{A138EBC2-0CB9-49F8-BAE4-7F34C3E6D049}" dt="2022-09-07T15:53:14.438" v="2254" actId="1076"/>
-          <ac:picMkLst>
-            <pc:docMk/>
-            <pc:sldMk cId="406015231" sldId="332"/>
-            <ac:picMk id="7" creationId="{509B3CAA-B2B0-70B3-F9DC-11F4822C7B82}"/>
-          </ac:picMkLst>
-        </pc:picChg>
-        <pc:picChg chg="mod">
-          <ac:chgData name="Bustillo, Gian [USA]" userId="d2f80d41-3521-48e3-8b17-00e1dec3a46e" providerId="ADAL" clId="{A138EBC2-0CB9-49F8-BAE4-7F34C3E6D049}" dt="2022-09-07T15:53:14.438" v="2254" actId="1076"/>
-          <ac:picMkLst>
-            <pc:docMk/>
-            <pc:sldMk cId="406015231" sldId="332"/>
-            <ac:picMk id="8" creationId="{32E9E5C6-CBC6-AC75-D2DC-EC109C5FE9F9}"/>
-          </ac:picMkLst>
-        </pc:picChg>
-        <pc:picChg chg="mod">
-          <ac:chgData name="Bustillo, Gian [USA]" userId="d2f80d41-3521-48e3-8b17-00e1dec3a46e" providerId="ADAL" clId="{A138EBC2-0CB9-49F8-BAE4-7F34C3E6D049}" dt="2022-09-07T15:53:14.438" v="2254" actId="1076"/>
-          <ac:picMkLst>
-            <pc:docMk/>
-            <pc:sldMk cId="406015231" sldId="332"/>
-            <ac:picMk id="10" creationId="{D5D920A8-DEAD-D557-D8ED-25B8FAC75844}"/>
-          </ac:picMkLst>
-        </pc:picChg>
-        <pc:picChg chg="mod">
-          <ac:chgData name="Bustillo, Gian [USA]" userId="d2f80d41-3521-48e3-8b17-00e1dec3a46e" providerId="ADAL" clId="{A138EBC2-0CB9-49F8-BAE4-7F34C3E6D049}" dt="2022-09-07T15:53:14.438" v="2254" actId="1076"/>
-          <ac:picMkLst>
-            <pc:docMk/>
-            <pc:sldMk cId="406015231" sldId="332"/>
-            <ac:picMk id="11" creationId="{C3374779-DEF1-B27A-FA0B-4CDD15CD429E}"/>
-          </ac:picMkLst>
-        </pc:picChg>
-        <pc:picChg chg="mod">
-          <ac:chgData name="Bustillo, Gian [USA]" userId="d2f80d41-3521-48e3-8b17-00e1dec3a46e" providerId="ADAL" clId="{A138EBC2-0CB9-49F8-BAE4-7F34C3E6D049}" dt="2022-09-07T15:53:14.438" v="2254" actId="1076"/>
-          <ac:picMkLst>
-            <pc:docMk/>
-            <pc:sldMk cId="406015231" sldId="332"/>
-            <ac:picMk id="12" creationId="{E867A663-BE3F-5F4D-6EEE-CB62E3E9EB60}"/>
-          </ac:picMkLst>
-        </pc:picChg>
-        <pc:picChg chg="mod">
-          <ac:chgData name="Bustillo, Gian [USA]" userId="d2f80d41-3521-48e3-8b17-00e1dec3a46e" providerId="ADAL" clId="{A138EBC2-0CB9-49F8-BAE4-7F34C3E6D049}" dt="2022-09-07T15:53:14.438" v="2254" actId="1076"/>
-          <ac:picMkLst>
-            <pc:docMk/>
-            <pc:sldMk cId="406015231" sldId="332"/>
-            <ac:picMk id="13" creationId="{C491AC46-EDBD-DE74-8679-C131ABD9491A}"/>
-          </ac:picMkLst>
-        </pc:picChg>
-        <pc:picChg chg="mod">
-          <ac:chgData name="Bustillo, Gian [USA]" userId="d2f80d41-3521-48e3-8b17-00e1dec3a46e" providerId="ADAL" clId="{A138EBC2-0CB9-49F8-BAE4-7F34C3E6D049}" dt="2022-09-07T15:53:14.438" v="2254" actId="1076"/>
-          <ac:picMkLst>
-            <pc:docMk/>
-            <pc:sldMk cId="406015231" sldId="332"/>
-            <ac:picMk id="14" creationId="{239B7457-5DFC-B224-0B05-412D1CD8B4CE}"/>
-          </ac:picMkLst>
-        </pc:picChg>
-        <pc:picChg chg="mod">
-          <ac:chgData name="Bustillo, Gian [USA]" userId="d2f80d41-3521-48e3-8b17-00e1dec3a46e" providerId="ADAL" clId="{A138EBC2-0CB9-49F8-BAE4-7F34C3E6D049}" dt="2022-09-07T15:53:14.438" v="2254" actId="1076"/>
-          <ac:picMkLst>
-            <pc:docMk/>
-            <pc:sldMk cId="406015231" sldId="332"/>
-            <ac:picMk id="15" creationId="{C89671F3-D128-ED53-F478-FE3E9CCC4335}"/>
-          </ac:picMkLst>
-        </pc:picChg>
-        <pc:picChg chg="mod">
-          <ac:chgData name="Bustillo, Gian [USA]" userId="d2f80d41-3521-48e3-8b17-00e1dec3a46e" providerId="ADAL" clId="{A138EBC2-0CB9-49F8-BAE4-7F34C3E6D049}" dt="2022-09-07T15:53:14.438" v="2254" actId="1076"/>
-          <ac:picMkLst>
-            <pc:docMk/>
-            <pc:sldMk cId="406015231" sldId="332"/>
-            <ac:picMk id="16" creationId="{B890B647-1D26-3C8A-3553-85D03DDD47D5}"/>
-          </ac:picMkLst>
-        </pc:picChg>
-        <pc:picChg chg="mod">
-          <ac:chgData name="Bustillo, Gian [USA]" userId="d2f80d41-3521-48e3-8b17-00e1dec3a46e" providerId="ADAL" clId="{A138EBC2-0CB9-49F8-BAE4-7F34C3E6D049}" dt="2022-09-07T15:53:14.438" v="2254" actId="1076"/>
-          <ac:picMkLst>
-            <pc:docMk/>
-            <pc:sldMk cId="406015231" sldId="332"/>
-            <ac:picMk id="17" creationId="{77AA32C0-CE22-FD2E-F5FB-B7294AD3EA66}"/>
-          </ac:picMkLst>
-        </pc:picChg>
-        <pc:picChg chg="mod">
-          <ac:chgData name="Bustillo, Gian [USA]" userId="d2f80d41-3521-48e3-8b17-00e1dec3a46e" providerId="ADAL" clId="{A138EBC2-0CB9-49F8-BAE4-7F34C3E6D049}" dt="2022-09-07T15:53:14.438" v="2254" actId="1076"/>
-          <ac:picMkLst>
-            <pc:docMk/>
-            <pc:sldMk cId="406015231" sldId="332"/>
-            <ac:picMk id="18" creationId="{C86C0BE9-B32C-8BF2-E9A1-347BF38BDA5C}"/>
-          </ac:picMkLst>
-        </pc:picChg>
-        <pc:picChg chg="mod">
-          <ac:chgData name="Bustillo, Gian [USA]" userId="d2f80d41-3521-48e3-8b17-00e1dec3a46e" providerId="ADAL" clId="{A138EBC2-0CB9-49F8-BAE4-7F34C3E6D049}" dt="2022-09-07T15:53:14.438" v="2254" actId="1076"/>
-          <ac:picMkLst>
-            <pc:docMk/>
-            <pc:sldMk cId="406015231" sldId="332"/>
-            <ac:picMk id="19" creationId="{B15E8432-7283-35C3-7B37-BEBEB6FEF1A9}"/>
-          </ac:picMkLst>
-        </pc:picChg>
-        <pc:picChg chg="mod">
-          <ac:chgData name="Bustillo, Gian [USA]" userId="d2f80d41-3521-48e3-8b17-00e1dec3a46e" providerId="ADAL" clId="{A138EBC2-0CB9-49F8-BAE4-7F34C3E6D049}" dt="2022-09-07T15:53:14.438" v="2254" actId="1076"/>
-          <ac:picMkLst>
-            <pc:docMk/>
-            <pc:sldMk cId="406015231" sldId="332"/>
-            <ac:picMk id="20" creationId="{2251457B-A318-F254-2448-E0903E616027}"/>
-          </ac:picMkLst>
-        </pc:picChg>
-        <pc:picChg chg="mod">
-          <ac:chgData name="Bustillo, Gian [USA]" userId="d2f80d41-3521-48e3-8b17-00e1dec3a46e" providerId="ADAL" clId="{A138EBC2-0CB9-49F8-BAE4-7F34C3E6D049}" dt="2022-09-07T15:53:14.438" v="2254" actId="1076"/>
-          <ac:picMkLst>
-            <pc:docMk/>
-            <pc:sldMk cId="406015231" sldId="332"/>
-            <ac:picMk id="21" creationId="{9CBEDF66-7516-FD87-47C4-AE9C5F1B7C46}"/>
-          </ac:picMkLst>
-        </pc:picChg>
-        <pc:picChg chg="mod">
-          <ac:chgData name="Bustillo, Gian [USA]" userId="d2f80d41-3521-48e3-8b17-00e1dec3a46e" providerId="ADAL" clId="{A138EBC2-0CB9-49F8-BAE4-7F34C3E6D049}" dt="2022-09-07T15:53:14.438" v="2254" actId="1076"/>
-          <ac:picMkLst>
-            <pc:docMk/>
-            <pc:sldMk cId="406015231" sldId="332"/>
-            <ac:picMk id="23" creationId="{469321A0-16B4-4167-BD80-5F784198BC5F}"/>
-          </ac:picMkLst>
-        </pc:picChg>
-        <pc:picChg chg="mod">
-          <ac:chgData name="Bustillo, Gian [USA]" userId="d2f80d41-3521-48e3-8b17-00e1dec3a46e" providerId="ADAL" clId="{A138EBC2-0CB9-49F8-BAE4-7F34C3E6D049}" dt="2022-09-07T15:53:14.438" v="2254" actId="1076"/>
-          <ac:picMkLst>
-            <pc:docMk/>
-            <pc:sldMk cId="406015231" sldId="332"/>
-            <ac:picMk id="24" creationId="{BC4B23C6-C714-AE09-0470-5BA59334851B}"/>
-          </ac:picMkLst>
-        </pc:picChg>
-        <pc:picChg chg="mod">
-          <ac:chgData name="Bustillo, Gian [USA]" userId="d2f80d41-3521-48e3-8b17-00e1dec3a46e" providerId="ADAL" clId="{A138EBC2-0CB9-49F8-BAE4-7F34C3E6D049}" dt="2022-09-07T15:53:14.438" v="2254" actId="1076"/>
-          <ac:picMkLst>
-            <pc:docMk/>
-            <pc:sldMk cId="406015231" sldId="332"/>
-            <ac:picMk id="25" creationId="{C51C3EDE-FF85-215F-C163-EFF28E7423AD}"/>
-          </ac:picMkLst>
-        </pc:picChg>
-        <pc:picChg chg="mod">
-          <ac:chgData name="Bustillo, Gian [USA]" userId="d2f80d41-3521-48e3-8b17-00e1dec3a46e" providerId="ADAL" clId="{A138EBC2-0CB9-49F8-BAE4-7F34C3E6D049}" dt="2022-09-07T15:53:14.438" v="2254" actId="1076"/>
-          <ac:picMkLst>
-            <pc:docMk/>
-            <pc:sldMk cId="406015231" sldId="332"/>
-            <ac:picMk id="26" creationId="{C302071C-A940-1343-AA9A-41029BA00A11}"/>
-          </ac:picMkLst>
-        </pc:picChg>
-        <pc:picChg chg="mod">
-          <ac:chgData name="Bustillo, Gian [USA]" userId="d2f80d41-3521-48e3-8b17-00e1dec3a46e" providerId="ADAL" clId="{A138EBC2-0CB9-49F8-BAE4-7F34C3E6D049}" dt="2022-09-07T15:53:14.438" v="2254" actId="1076"/>
-          <ac:picMkLst>
-            <pc:docMk/>
-            <pc:sldMk cId="406015231" sldId="332"/>
-            <ac:picMk id="27" creationId="{A3C823C1-29B6-166A-4E18-EA27881D01D5}"/>
-          </ac:picMkLst>
-        </pc:picChg>
-        <pc:picChg chg="mod">
-          <ac:chgData name="Bustillo, Gian [USA]" userId="d2f80d41-3521-48e3-8b17-00e1dec3a46e" providerId="ADAL" clId="{A138EBC2-0CB9-49F8-BAE4-7F34C3E6D049}" dt="2022-09-07T15:53:14.438" v="2254" actId="1076"/>
-          <ac:picMkLst>
-            <pc:docMk/>
-            <pc:sldMk cId="406015231" sldId="332"/>
-            <ac:picMk id="28" creationId="{A7BEEB3E-F285-959E-D146-58DA18087F05}"/>
-          </ac:picMkLst>
-        </pc:picChg>
-        <pc:picChg chg="mod">
-          <ac:chgData name="Bustillo, Gian [USA]" userId="d2f80d41-3521-48e3-8b17-00e1dec3a46e" providerId="ADAL" clId="{A138EBC2-0CB9-49F8-BAE4-7F34C3E6D049}" dt="2022-09-07T15:53:14.438" v="2254" actId="1076"/>
-          <ac:picMkLst>
-            <pc:docMk/>
-            <pc:sldMk cId="406015231" sldId="332"/>
-            <ac:picMk id="29" creationId="{3E29974F-2058-9AE4-C31B-BD08CC93E4C3}"/>
-          </ac:picMkLst>
-        </pc:picChg>
-        <pc:picChg chg="mod">
-          <ac:chgData name="Bustillo, Gian [USA]" userId="d2f80d41-3521-48e3-8b17-00e1dec3a46e" providerId="ADAL" clId="{A138EBC2-0CB9-49F8-BAE4-7F34C3E6D049}" dt="2022-09-07T15:53:14.438" v="2254" actId="1076"/>
-          <ac:picMkLst>
-            <pc:docMk/>
-            <pc:sldMk cId="406015231" sldId="332"/>
-            <ac:picMk id="30" creationId="{B6125B74-70D0-435E-83B6-1182C8979462}"/>
-          </ac:picMkLst>
-        </pc:picChg>
-        <pc:picChg chg="mod">
-          <ac:chgData name="Bustillo, Gian [USA]" userId="d2f80d41-3521-48e3-8b17-00e1dec3a46e" providerId="ADAL" clId="{A138EBC2-0CB9-49F8-BAE4-7F34C3E6D049}" dt="2022-09-07T15:53:14.438" v="2254" actId="1076"/>
-          <ac:picMkLst>
-            <pc:docMk/>
-            <pc:sldMk cId="406015231" sldId="332"/>
-            <ac:picMk id="31" creationId="{EAE55916-283D-76DB-AB46-11C25578A064}"/>
-          </ac:picMkLst>
-        </pc:picChg>
-        <pc:picChg chg="mod">
-          <ac:chgData name="Bustillo, Gian [USA]" userId="d2f80d41-3521-48e3-8b17-00e1dec3a46e" providerId="ADAL" clId="{A138EBC2-0CB9-49F8-BAE4-7F34C3E6D049}" dt="2022-09-07T15:53:14.438" v="2254" actId="1076"/>
-          <ac:picMkLst>
-            <pc:docMk/>
-            <pc:sldMk cId="406015231" sldId="332"/>
-            <ac:picMk id="32" creationId="{DC258CBB-D714-B905-CA85-8BD765241D1E}"/>
-          </ac:picMkLst>
-        </pc:picChg>
-        <pc:picChg chg="mod">
-          <ac:chgData name="Bustillo, Gian [USA]" userId="d2f80d41-3521-48e3-8b17-00e1dec3a46e" providerId="ADAL" clId="{A138EBC2-0CB9-49F8-BAE4-7F34C3E6D049}" dt="2022-09-07T15:53:14.438" v="2254" actId="1076"/>
-          <ac:picMkLst>
-            <pc:docMk/>
-            <pc:sldMk cId="406015231" sldId="332"/>
-            <ac:picMk id="33" creationId="{891BB737-A6DF-C049-FBB2-ED35A66F4349}"/>
-          </ac:picMkLst>
-        </pc:picChg>
-        <pc:picChg chg="mod">
-          <ac:chgData name="Bustillo, Gian [USA]" userId="d2f80d41-3521-48e3-8b17-00e1dec3a46e" providerId="ADAL" clId="{A138EBC2-0CB9-49F8-BAE4-7F34C3E6D049}" dt="2022-09-07T15:53:14.438" v="2254" actId="1076"/>
-          <ac:picMkLst>
-            <pc:docMk/>
-            <pc:sldMk cId="406015231" sldId="332"/>
-            <ac:picMk id="34" creationId="{0003CB12-6B36-E953-10D8-E53FB3CEC6DA}"/>
-          </ac:picMkLst>
-        </pc:picChg>
-        <pc:picChg chg="mod">
-          <ac:chgData name="Bustillo, Gian [USA]" userId="d2f80d41-3521-48e3-8b17-00e1dec3a46e" providerId="ADAL" clId="{A138EBC2-0CB9-49F8-BAE4-7F34C3E6D049}" dt="2022-09-07T15:53:14.438" v="2254" actId="1076"/>
-          <ac:picMkLst>
-            <pc:docMk/>
-            <pc:sldMk cId="406015231" sldId="332"/>
-            <ac:picMk id="35" creationId="{DDCAC729-EB56-E0BA-73EA-3320E66D9B99}"/>
-          </ac:picMkLst>
-        </pc:picChg>
-        <pc:picChg chg="mod">
-          <ac:chgData name="Bustillo, Gian [USA]" userId="d2f80d41-3521-48e3-8b17-00e1dec3a46e" providerId="ADAL" clId="{A138EBC2-0CB9-49F8-BAE4-7F34C3E6D049}" dt="2022-09-07T15:53:14.438" v="2254" actId="1076"/>
-          <ac:picMkLst>
-            <pc:docMk/>
-            <pc:sldMk cId="406015231" sldId="332"/>
-            <ac:picMk id="36" creationId="{85D55FFD-1198-1535-C76A-FC9636E6F6CD}"/>
-          </ac:picMkLst>
-        </pc:picChg>
-        <pc:picChg chg="mod">
-          <ac:chgData name="Bustillo, Gian [USA]" userId="d2f80d41-3521-48e3-8b17-00e1dec3a46e" providerId="ADAL" clId="{A138EBC2-0CB9-49F8-BAE4-7F34C3E6D049}" dt="2022-09-07T15:53:14.438" v="2254" actId="1076"/>
-          <ac:picMkLst>
-            <pc:docMk/>
-            <pc:sldMk cId="406015231" sldId="332"/>
-            <ac:picMk id="37" creationId="{7CBC2415-B753-48A5-9790-0FA7BEA9491A}"/>
-          </ac:picMkLst>
-        </pc:picChg>
-        <pc:picChg chg="mod">
-          <ac:chgData name="Bustillo, Gian [USA]" userId="d2f80d41-3521-48e3-8b17-00e1dec3a46e" providerId="ADAL" clId="{A138EBC2-0CB9-49F8-BAE4-7F34C3E6D049}" dt="2022-09-07T15:53:14.438" v="2254" actId="1076"/>
-          <ac:picMkLst>
-            <pc:docMk/>
-            <pc:sldMk cId="406015231" sldId="332"/>
-            <ac:picMk id="38" creationId="{7E7FD735-D8A7-422E-8007-64AF0AF5B00D}"/>
-          </ac:picMkLst>
-        </pc:picChg>
-        <pc:picChg chg="mod">
-          <ac:chgData name="Bustillo, Gian [USA]" userId="d2f80d41-3521-48e3-8b17-00e1dec3a46e" providerId="ADAL" clId="{A138EBC2-0CB9-49F8-BAE4-7F34C3E6D049}" dt="2022-09-07T15:53:14.438" v="2254" actId="1076"/>
-          <ac:picMkLst>
-            <pc:docMk/>
-            <pc:sldMk cId="406015231" sldId="332"/>
-            <ac:picMk id="39" creationId="{FAB6B671-CA9C-4CED-9E9D-80C317E7B954}"/>
-          </ac:picMkLst>
-        </pc:picChg>
-        <pc:picChg chg="mod">
-          <ac:chgData name="Bustillo, Gian [USA]" userId="d2f80d41-3521-48e3-8b17-00e1dec3a46e" providerId="ADAL" clId="{A138EBC2-0CB9-49F8-BAE4-7F34C3E6D049}" dt="2022-09-07T15:53:14.438" v="2254" actId="1076"/>
-          <ac:picMkLst>
-            <pc:docMk/>
-            <pc:sldMk cId="406015231" sldId="332"/>
-            <ac:picMk id="40" creationId="{48676BA6-2C54-5BE9-8D94-9F0340D49680}"/>
-          </ac:picMkLst>
-        </pc:picChg>
-        <pc:picChg chg="mod">
-          <ac:chgData name="Bustillo, Gian [USA]" userId="d2f80d41-3521-48e3-8b17-00e1dec3a46e" providerId="ADAL" clId="{A138EBC2-0CB9-49F8-BAE4-7F34C3E6D049}" dt="2022-09-07T15:53:14.438" v="2254" actId="1076"/>
-          <ac:picMkLst>
-            <pc:docMk/>
-            <pc:sldMk cId="406015231" sldId="332"/>
-            <ac:picMk id="41" creationId="{F8FEE23F-334E-215B-D192-3CB085D558A7}"/>
-          </ac:picMkLst>
-        </pc:picChg>
-        <pc:picChg chg="mod">
-          <ac:chgData name="Bustillo, Gian [USA]" userId="d2f80d41-3521-48e3-8b17-00e1dec3a46e" providerId="ADAL" clId="{A138EBC2-0CB9-49F8-BAE4-7F34C3E6D049}" dt="2022-09-07T15:53:14.438" v="2254" actId="1076"/>
-          <ac:picMkLst>
-            <pc:docMk/>
-            <pc:sldMk cId="406015231" sldId="332"/>
-            <ac:picMk id="42" creationId="{35C4163A-DE47-4604-A275-DFABD9625441}"/>
-          </ac:picMkLst>
-        </pc:picChg>
-        <pc:picChg chg="mod">
-          <ac:chgData name="Bustillo, Gian [USA]" userId="d2f80d41-3521-48e3-8b17-00e1dec3a46e" providerId="ADAL" clId="{A138EBC2-0CB9-49F8-BAE4-7F34C3E6D049}" dt="2022-09-07T15:53:14.438" v="2254" actId="1076"/>
-          <ac:picMkLst>
-            <pc:docMk/>
-            <pc:sldMk cId="406015231" sldId="332"/>
-            <ac:picMk id="43" creationId="{24A6D04C-9360-4CE5-BC88-7636EF80FC0D}"/>
-          </ac:picMkLst>
-        </pc:picChg>
-        <pc:picChg chg="mod">
-          <ac:chgData name="Bustillo, Gian [USA]" userId="d2f80d41-3521-48e3-8b17-00e1dec3a46e" providerId="ADAL" clId="{A138EBC2-0CB9-49F8-BAE4-7F34C3E6D049}" dt="2022-09-07T15:53:14.438" v="2254" actId="1076"/>
-          <ac:picMkLst>
-            <pc:docMk/>
-            <pc:sldMk cId="406015231" sldId="332"/>
-            <ac:picMk id="44" creationId="{DEE4900B-C7CD-42D5-BA01-CDAA1A624733}"/>
-          </ac:picMkLst>
-        </pc:picChg>
-        <pc:picChg chg="add mod">
-          <ac:chgData name="Bustillo, Gian [USA]" userId="d2f80d41-3521-48e3-8b17-00e1dec3a46e" providerId="ADAL" clId="{A138EBC2-0CB9-49F8-BAE4-7F34C3E6D049}" dt="2022-09-07T15:53:14.438" v="2254" actId="1076"/>
-          <ac:picMkLst>
-            <pc:docMk/>
-            <pc:sldMk cId="406015231" sldId="332"/>
-            <ac:picMk id="45" creationId="{55CC96E4-ADAD-437A-AFE5-D98506B273D3}"/>
-          </ac:picMkLst>
-        </pc:picChg>
-        <pc:picChg chg="add mod">
-          <ac:chgData name="Bustillo, Gian [USA]" userId="d2f80d41-3521-48e3-8b17-00e1dec3a46e" providerId="ADAL" clId="{A138EBC2-0CB9-49F8-BAE4-7F34C3E6D049}" dt="2022-09-07T15:53:14.438" v="2254" actId="1076"/>
-          <ac:picMkLst>
-            <pc:docMk/>
-            <pc:sldMk cId="406015231" sldId="332"/>
-            <ac:picMk id="46" creationId="{B73C0667-4BE5-4CCB-9FC7-5FBA7D9D0288}"/>
-          </ac:picMkLst>
-        </pc:picChg>
-        <pc:picChg chg="add mod">
-          <ac:chgData name="Bustillo, Gian [USA]" userId="d2f80d41-3521-48e3-8b17-00e1dec3a46e" providerId="ADAL" clId="{A138EBC2-0CB9-49F8-BAE4-7F34C3E6D049}" dt="2022-09-07T15:53:14.438" v="2254" actId="1076"/>
-          <ac:picMkLst>
-            <pc:docMk/>
-            <pc:sldMk cId="406015231" sldId="332"/>
-            <ac:picMk id="47" creationId="{786D9B48-1527-4E8D-9FA4-B7906037BA09}"/>
-          </ac:picMkLst>
-        </pc:picChg>
-      </pc:sldChg>
-      <pc:sldChg chg="modSp mod">
-        <pc:chgData name="Bustillo, Gian [USA]" userId="d2f80d41-3521-48e3-8b17-00e1dec3a46e" providerId="ADAL" clId="{A138EBC2-0CB9-49F8-BAE4-7F34C3E6D049}" dt="2022-09-07T15:53:33.126" v="2280" actId="20577"/>
-        <pc:sldMkLst>
-          <pc:docMk/>
-          <pc:sldMk cId="2943658952" sldId="337"/>
-        </pc:sldMkLst>
-        <pc:spChg chg="mod">
-          <ac:chgData name="Bustillo, Gian [USA]" userId="d2f80d41-3521-48e3-8b17-00e1dec3a46e" providerId="ADAL" clId="{A138EBC2-0CB9-49F8-BAE4-7F34C3E6D049}" dt="2022-09-07T15:53:33.126" v="2280" actId="20577"/>
-          <ac:spMkLst>
-            <pc:docMk/>
-            <pc:sldMk cId="2943658952" sldId="337"/>
-            <ac:spMk id="11" creationId="{A3B0B685-0507-F6F5-F3CA-E4279D119068}"/>
-          </ac:spMkLst>
-        </pc:spChg>
-      </pc:sldChg>
-      <pc:sldChg chg="modSp mod">
-        <pc:chgData name="Bustillo, Gian [USA]" userId="d2f80d41-3521-48e3-8b17-00e1dec3a46e" providerId="ADAL" clId="{A138EBC2-0CB9-49F8-BAE4-7F34C3E6D049}" dt="2022-09-07T15:52:23.587" v="2251" actId="12"/>
-        <pc:sldMkLst>
-          <pc:docMk/>
-          <pc:sldMk cId="2997908498" sldId="338"/>
-        </pc:sldMkLst>
-        <pc:graphicFrameChg chg="mod modGraphic">
-          <ac:chgData name="Bustillo, Gian [USA]" userId="d2f80d41-3521-48e3-8b17-00e1dec3a46e" providerId="ADAL" clId="{A138EBC2-0CB9-49F8-BAE4-7F34C3E6D049}" dt="2022-09-07T15:52:23.587" v="2251" actId="12"/>
-          <ac:graphicFrameMkLst>
-            <pc:docMk/>
-            <pc:sldMk cId="2997908498" sldId="338"/>
-            <ac:graphicFrameMk id="6" creationId="{721398D6-4401-DAB3-8C67-407658FE3F55}"/>
-          </ac:graphicFrameMkLst>
-        </pc:graphicFrameChg>
-      </pc:sldChg>
-      <pc:sldChg chg="modSp mod">
-        <pc:chgData name="Bustillo, Gian [USA]" userId="d2f80d41-3521-48e3-8b17-00e1dec3a46e" providerId="ADAL" clId="{A138EBC2-0CB9-49F8-BAE4-7F34C3E6D049}" dt="2022-09-07T15:52:32.781" v="2253" actId="20577"/>
-        <pc:sldMkLst>
-          <pc:docMk/>
-          <pc:sldMk cId="3615197908" sldId="342"/>
-        </pc:sldMkLst>
-        <pc:graphicFrameChg chg="mod modGraphic">
-          <ac:chgData name="Bustillo, Gian [USA]" userId="d2f80d41-3521-48e3-8b17-00e1dec3a46e" providerId="ADAL" clId="{A138EBC2-0CB9-49F8-BAE4-7F34C3E6D049}" dt="2022-09-07T15:52:32.781" v="2253" actId="20577"/>
-          <ac:graphicFrameMkLst>
-            <pc:docMk/>
-            <pc:sldMk cId="3615197908" sldId="342"/>
-            <ac:graphicFrameMk id="6" creationId="{721398D6-4401-DAB3-8C67-407658FE3F55}"/>
-          </ac:graphicFrameMkLst>
-        </pc:graphicFrameChg>
-      </pc:sldChg>
-      <pc:sldChg chg="addSp delSp modSp add mod">
-        <pc:chgData name="Bustillo, Gian [USA]" userId="d2f80d41-3521-48e3-8b17-00e1dec3a46e" providerId="ADAL" clId="{A138EBC2-0CB9-49F8-BAE4-7F34C3E6D049}" dt="2022-09-07T15:55:25.555" v="2338" actId="1076"/>
-        <pc:sldMkLst>
-          <pc:docMk/>
-          <pc:sldMk cId="2621892643" sldId="346"/>
-        </pc:sldMkLst>
-        <pc:spChg chg="add mod">
-          <ac:chgData name="Bustillo, Gian [USA]" userId="d2f80d41-3521-48e3-8b17-00e1dec3a46e" providerId="ADAL" clId="{A138EBC2-0CB9-49F8-BAE4-7F34C3E6D049}" dt="2022-09-07T15:55:25.555" v="2338" actId="1076"/>
-          <ac:spMkLst>
-            <pc:docMk/>
-            <pc:sldMk cId="2621892643" sldId="346"/>
-            <ac:spMk id="3" creationId="{E1850A6F-FF2D-4144-B31B-C73169B415F2}"/>
-          </ac:spMkLst>
-        </pc:spChg>
-        <pc:spChg chg="del">
-          <ac:chgData name="Bustillo, Gian [USA]" userId="d2f80d41-3521-48e3-8b17-00e1dec3a46e" providerId="ADAL" clId="{A138EBC2-0CB9-49F8-BAE4-7F34C3E6D049}" dt="2022-09-07T15:53:58.969" v="2315" actId="478"/>
-          <ac:spMkLst>
-            <pc:docMk/>
-            <pc:sldMk cId="2621892643" sldId="346"/>
-            <ac:spMk id="5" creationId="{B6EBB977-EBB5-4DCE-97C9-F96D9DB17EEF}"/>
-          </ac:spMkLst>
-        </pc:spChg>
-        <pc:spChg chg="mod">
-          <ac:chgData name="Bustillo, Gian [USA]" userId="d2f80d41-3521-48e3-8b17-00e1dec3a46e" providerId="ADAL" clId="{A138EBC2-0CB9-49F8-BAE4-7F34C3E6D049}" dt="2022-09-07T15:53:42.194" v="2312" actId="20577"/>
-          <ac:spMkLst>
-            <pc:docMk/>
-            <pc:sldMk cId="2621892643" sldId="346"/>
-            <ac:spMk id="11" creationId="{A3B0B685-0507-F6F5-F3CA-E4279D119068}"/>
-          </ac:spMkLst>
-        </pc:spChg>
-        <pc:graphicFrameChg chg="add mod modGraphic">
-          <ac:chgData name="Bustillo, Gian [USA]" userId="d2f80d41-3521-48e3-8b17-00e1dec3a46e" providerId="ADAL" clId="{A138EBC2-0CB9-49F8-BAE4-7F34C3E6D049}" dt="2022-09-07T15:55:03.659" v="2331" actId="1076"/>
-          <ac:graphicFrameMkLst>
-            <pc:docMk/>
-            <pc:sldMk cId="2621892643" sldId="346"/>
-            <ac:graphicFrameMk id="2" creationId="{F7036169-24E3-4504-8050-88608EDBE2D0}"/>
-          </ac:graphicFrameMkLst>
-        </pc:graphicFrameChg>
-        <pc:graphicFrameChg chg="del modGraphic">
-          <ac:chgData name="Bustillo, Gian [USA]" userId="d2f80d41-3521-48e3-8b17-00e1dec3a46e" providerId="ADAL" clId="{A138EBC2-0CB9-49F8-BAE4-7F34C3E6D049}" dt="2022-09-07T15:53:57.824" v="2314" actId="478"/>
-          <ac:graphicFrameMkLst>
-            <pc:docMk/>
-            <pc:sldMk cId="2621892643" sldId="346"/>
-            <ac:graphicFrameMk id="9" creationId="{9BE7A611-2DB8-BAD1-39B7-52FCBC35C04B}"/>
-          </ac:graphicFrameMkLst>
-        </pc:graphicFrameChg>
-      </pc:sldChg>
-    </pc:docChg>
-  </pc:docChgLst>
-  <pc:docChgLst>
-    <pc:chgData name="Naga, Julie [USA]" userId="S::524919@bah.com::d1165e67-58da-4881-b44d-d330f5e94ed8" providerId="AD" clId="Web-{3D0ED57C-4028-468D-8693-4AB09B00A7F1}"/>
-    <pc:docChg chg="modSld">
-      <pc:chgData name="Naga, Julie [USA]" userId="S::524919@bah.com::d1165e67-58da-4881-b44d-d330f5e94ed8" providerId="AD" clId="Web-{3D0ED57C-4028-468D-8693-4AB09B00A7F1}" dt="2022-10-12T19:55:03.785" v="63"/>
-      <pc:docMkLst>
-        <pc:docMk/>
-      </pc:docMkLst>
-      <pc:sldChg chg="modSp">
-        <pc:chgData name="Naga, Julie [USA]" userId="S::524919@bah.com::d1165e67-58da-4881-b44d-d330f5e94ed8" providerId="AD" clId="Web-{3D0ED57C-4028-468D-8693-4AB09B00A7F1}" dt="2022-10-12T19:55:03.785" v="63"/>
-        <pc:sldMkLst>
-          <pc:docMk/>
-          <pc:sldMk cId="1730437909" sldId="325"/>
-        </pc:sldMkLst>
-        <pc:graphicFrameChg chg="mod modGraphic">
-          <ac:chgData name="Naga, Julie [USA]" userId="S::524919@bah.com::d1165e67-58da-4881-b44d-d330f5e94ed8" providerId="AD" clId="Web-{3D0ED57C-4028-468D-8693-4AB09B00A7F1}" dt="2022-10-12T19:55:03.785" v="63"/>
-          <ac:graphicFrameMkLst>
-            <pc:docMk/>
-            <pc:sldMk cId="1730437909" sldId="325"/>
-            <ac:graphicFrameMk id="6" creationId="{721398D6-4401-DAB3-8C67-407658FE3F55}"/>
-          </ac:graphicFrameMkLst>
-        </pc:graphicFrameChg>
-      </pc:sldChg>
-    </pc:docChg>
-  </pc:docChgLst>
-  <pc:docChgLst>
-    <pc:chgData name="Bustillo, Gian [USA]" userId="S::624912@bah.com::d2f80d41-3521-48e3-8b17-00e1dec3a46e" providerId="AD" clId="Web-{A7D169EE-0B18-5A1D-13D4-7DEF870D6E8F}"/>
-    <pc:docChg chg="modSld">
-      <pc:chgData name="Bustillo, Gian [USA]" userId="S::624912@bah.com::d2f80d41-3521-48e3-8b17-00e1dec3a46e" providerId="AD" clId="Web-{A7D169EE-0B18-5A1D-13D4-7DEF870D6E8F}" dt="2022-11-02T21:04:29.432" v="217"/>
-      <pc:docMkLst>
-        <pc:docMk/>
-      </pc:docMkLst>
-      <pc:sldChg chg="modSp">
-        <pc:chgData name="Bustillo, Gian [USA]" userId="S::624912@bah.com::d2f80d41-3521-48e3-8b17-00e1dec3a46e" providerId="AD" clId="Web-{A7D169EE-0B18-5A1D-13D4-7DEF870D6E8F}" dt="2022-11-02T21:04:29.432" v="217"/>
-        <pc:sldMkLst>
-          <pc:docMk/>
-          <pc:sldMk cId="2997908498" sldId="338"/>
-        </pc:sldMkLst>
-        <pc:graphicFrameChg chg="mod modGraphic">
-          <ac:chgData name="Bustillo, Gian [USA]" userId="S::624912@bah.com::d2f80d41-3521-48e3-8b17-00e1dec3a46e" providerId="AD" clId="Web-{A7D169EE-0B18-5A1D-13D4-7DEF870D6E8F}" dt="2022-11-02T21:04:29.432" v="217"/>
-          <ac:graphicFrameMkLst>
-            <pc:docMk/>
-            <pc:sldMk cId="2997908498" sldId="338"/>
-            <ac:graphicFrameMk id="6" creationId="{721398D6-4401-DAB3-8C67-407658FE3F55}"/>
-          </ac:graphicFrameMkLst>
-        </pc:graphicFrameChg>
-      </pc:sldChg>
-    </pc:docChg>
-  </pc:docChgLst>
-  <pc:docChgLst>
-    <pc:chgData name="Goel, Sunayna [USA]" userId="abc387ba-55f4-491c-a73c-17dee6a00d97" providerId="ADAL" clId="{A522DE3B-7C08-0B49-ADA9-AA1554B261ED}"/>
-    <pc:docChg chg="custSel modSld">
-      <pc:chgData name="Goel, Sunayna [USA]" userId="abc387ba-55f4-491c-a73c-17dee6a00d97" providerId="ADAL" clId="{A522DE3B-7C08-0B49-ADA9-AA1554B261ED}" dt="2022-11-02T19:56:17.797" v="88" actId="20577"/>
-      <pc:docMkLst>
-        <pc:docMk/>
-      </pc:docMkLst>
-      <pc:sldChg chg="modSp mod">
-        <pc:chgData name="Goel, Sunayna [USA]" userId="abc387ba-55f4-491c-a73c-17dee6a00d97" providerId="ADAL" clId="{A522DE3B-7C08-0B49-ADA9-AA1554B261ED}" dt="2022-11-02T19:56:17.797" v="88" actId="20577"/>
-        <pc:sldMkLst>
-          <pc:docMk/>
-          <pc:sldMk cId="1730437909" sldId="325"/>
-        </pc:sldMkLst>
-        <pc:graphicFrameChg chg="modGraphic">
-          <ac:chgData name="Goel, Sunayna [USA]" userId="abc387ba-55f4-491c-a73c-17dee6a00d97" providerId="ADAL" clId="{A522DE3B-7C08-0B49-ADA9-AA1554B261ED}" dt="2022-11-02T19:56:17.797" v="88" actId="20577"/>
-          <ac:graphicFrameMkLst>
-            <pc:docMk/>
-            <pc:sldMk cId="1730437909" sldId="325"/>
-            <ac:graphicFrameMk id="6" creationId="{721398D6-4401-DAB3-8C67-407658FE3F55}"/>
-          </ac:graphicFrameMkLst>
-        </pc:graphicFrameChg>
-      </pc:sldChg>
-    </pc:docChg>
-  </pc:docChgLst>
-  <pc:docChgLst>
-    <pc:chgData name="Bush, Nicole [USA]" userId="S::625966@bah.com::5c03dfba-b736-46b3-907c-245bd83404ad" providerId="AD" clId="Web-{DA4D32EF-EA46-4FF1-99DB-14384AD214FD}"/>
-    <pc:docChg chg="modSld">
-      <pc:chgData name="Bush, Nicole [USA]" userId="S::625966@bah.com::5c03dfba-b736-46b3-907c-245bd83404ad" providerId="AD" clId="Web-{DA4D32EF-EA46-4FF1-99DB-14384AD214FD}" dt="2022-09-21T15:05:51.517" v="17" actId="1076"/>
-      <pc:docMkLst>
-        <pc:docMk/>
-      </pc:docMkLst>
-      <pc:sldChg chg="addSp modSp">
-        <pc:chgData name="Bush, Nicole [USA]" userId="S::625966@bah.com::5c03dfba-b736-46b3-907c-245bd83404ad" providerId="AD" clId="Web-{DA4D32EF-EA46-4FF1-99DB-14384AD214FD}" dt="2022-09-21T15:05:51.517" v="17" actId="1076"/>
-        <pc:sldMkLst>
-          <pc:docMk/>
-          <pc:sldMk cId="406015231" sldId="332"/>
-        </pc:sldMkLst>
-        <pc:graphicFrameChg chg="mod modGraphic">
-          <ac:chgData name="Bush, Nicole [USA]" userId="S::625966@bah.com::5c03dfba-b736-46b3-907c-245bd83404ad" providerId="AD" clId="Web-{DA4D32EF-EA46-4FF1-99DB-14384AD214FD}" dt="2022-09-21T15:05:46.111" v="15"/>
-          <ac:graphicFrameMkLst>
-            <pc:docMk/>
-            <pc:sldMk cId="406015231" sldId="332"/>
-            <ac:graphicFrameMk id="9" creationId="{01CBABE8-2EFC-AAC9-99BF-51F104312217}"/>
-          </ac:graphicFrameMkLst>
-        </pc:graphicFrameChg>
-        <pc:picChg chg="add mod">
-          <ac:chgData name="Bush, Nicole [USA]" userId="S::625966@bah.com::5c03dfba-b736-46b3-907c-245bd83404ad" providerId="AD" clId="Web-{DA4D32EF-EA46-4FF1-99DB-14384AD214FD}" dt="2022-09-21T15:05:43.220" v="4" actId="1076"/>
-          <ac:picMkLst>
-            <pc:docMk/>
-            <pc:sldMk cId="406015231" sldId="332"/>
-            <ac:picMk id="49" creationId="{6F39D3E1-316B-4B32-3AAF-DE139406FD91}"/>
-          </ac:picMkLst>
-        </pc:picChg>
-        <pc:picChg chg="add mod">
-          <ac:chgData name="Bush, Nicole [USA]" userId="S::625966@bah.com::5c03dfba-b736-46b3-907c-245bd83404ad" providerId="AD" clId="Web-{DA4D32EF-EA46-4FF1-99DB-14384AD214FD}" dt="2022-09-21T15:05:44.611" v="9" actId="1076"/>
-          <ac:picMkLst>
-            <pc:docMk/>
-            <pc:sldMk cId="406015231" sldId="332"/>
-            <ac:picMk id="50" creationId="{C5381CA2-E5FE-45DC-A4EB-832BD159277E}"/>
-          </ac:picMkLst>
-        </pc:picChg>
-        <pc:picChg chg="add mod">
-          <ac:chgData name="Bush, Nicole [USA]" userId="S::625966@bah.com::5c03dfba-b736-46b3-907c-245bd83404ad" providerId="AD" clId="Web-{DA4D32EF-EA46-4FF1-99DB-14384AD214FD}" dt="2022-09-21T15:05:45.970" v="13" actId="1076"/>
-          <ac:picMkLst>
-            <pc:docMk/>
-            <pc:sldMk cId="406015231" sldId="332"/>
-            <ac:picMk id="51" creationId="{B6BADEB1-ECFF-C7C9-BB28-2B1007ACBC34}"/>
-          </ac:picMkLst>
-        </pc:picChg>
-        <pc:picChg chg="add mod">
-          <ac:chgData name="Bush, Nicole [USA]" userId="S::625966@bah.com::5c03dfba-b736-46b3-907c-245bd83404ad" providerId="AD" clId="Web-{DA4D32EF-EA46-4FF1-99DB-14384AD214FD}" dt="2022-09-21T15:05:51.517" v="17" actId="1076"/>
-          <ac:picMkLst>
-            <pc:docMk/>
-            <pc:sldMk cId="406015231" sldId="332"/>
-            <ac:picMk id="52" creationId="{D865995B-4144-3341-5B22-3E5B6075DE47}"/>
-          </ac:picMkLst>
-        </pc:picChg>
-      </pc:sldChg>
-    </pc:docChg>
-  </pc:docChgLst>
-</pc:chgInfo>
 </file>
 
 <file path=ppt/handoutMasters/handoutMaster1.xml><?xml version="1.0" encoding="utf-8"?>
@@ -6239,7 +348,7 @@
           <a:p>
             <a:fld id="{484A682B-60B7-244F-AF8C-16AA5F067F6C}" type="datetimeFigureOut">
               <a:rPr lang="en-US" smtClean="0"/>
-              <a:t>11/10/2022</a:t>
+              <a:t>11/17/2022</a:t>
             </a:fld>
             <a:endParaRPr lang="en-US"/>
           </a:p>
@@ -6405,7 +514,7 @@
           <a:p>
             <a:fld id="{42C0177D-0B34-354A-A985-A7708375935C}" type="datetimeFigureOut">
               <a:rPr lang="en-US" smtClean="0"/>
-              <a:t>11/10/2022</a:t>
+              <a:t>11/17/2022</a:t>
             </a:fld>
             <a:endParaRPr lang="en-US"/>
           </a:p>
@@ -7627,7 +1736,7 @@
                 </a:solidFill>
               </a:rPr>
               <a:pPr algn="r"/>
-              <a:t>November 10, 2022</a:t>
+              <a:t>November 17, 2022</a:t>
             </a:fld>
             <a:endParaRPr lang="en-US" sz="1000" b="0">
               <a:solidFill>
@@ -10879,7 +4988,7 @@
                 </a:solidFill>
               </a:rPr>
               <a:pPr algn="r"/>
-              <a:t>November 10, 2022</a:t>
+              <a:t>November 17, 2022</a:t>
             </a:fld>
             <a:endParaRPr lang="en-US" sz="1000" b="0">
               <a:solidFill>
@@ -13586,7 +7695,7 @@
                   <a:schemeClr val="accent5"/>
                 </a:solidFill>
               </a:rPr>
-              <a:t>November 10, 2022</a:t>
+              <a:t>November 17, 2022</a:t>
             </a:fld>
             <a:endParaRPr lang="en-US" sz="1400" b="1">
               <a:solidFill>
@@ -17379,7 +11488,7 @@
           </a:lstStyle>
           <a:p>
             <a:r>
-              <a:rPr lang="en-US" sz="1400" b="1" i="0" dirty="0"/>
+              <a:rPr lang="en-US" sz="1400" b="1" i="0"/>
               <a:t>November 17, 2022</a:t>
             </a:r>
           </a:p>
@@ -17937,10 +12046,10 @@
       </p:sp>
       <p:graphicFrame>
         <p:nvGraphicFramePr>
-          <p:cNvPr id="6" name="Table 6">
+          <p:cNvPr id="3" name="Table 6">
             <a:extLst>
               <a:ext uri="{FF2B5EF4-FFF2-40B4-BE49-F238E27FC236}">
-                <a16:creationId xmlns:a16="http://schemas.microsoft.com/office/drawing/2014/main" id="{721398D6-4401-DAB3-8C67-407658FE3F55}"/>
+                <a16:creationId xmlns:a16="http://schemas.microsoft.com/office/drawing/2014/main" id="{3ACEEE90-24B1-63A7-5057-EE7C5BC9B5EE}"/>
               </a:ext>
             </a:extLst>
           </p:cNvPr>
@@ -17950,14 +12059,14 @@
           <p:nvPr>
             <p:extLst>
               <p:ext uri="{D42A27DB-BD31-4B8C-83A1-F6EECF244321}">
-                <p14:modId xmlns:p14="http://schemas.microsoft.com/office/powerpoint/2010/main" val="4137995655"/>
+                <p14:modId xmlns:p14="http://schemas.microsoft.com/office/powerpoint/2010/main" val="3345386501"/>
               </p:ext>
             </p:extLst>
           </p:nvPr>
         </p:nvGraphicFramePr>
         <p:xfrm>
-          <a:off x="81023" y="1144939"/>
-          <a:ext cx="8970380" cy="3078480"/>
+          <a:off x="81023" y="1144941"/>
+          <a:ext cx="8970380" cy="5569543"/>
         </p:xfrm>
         <a:graphic>
           <a:graphicData uri="http://schemas.openxmlformats.org/drawingml/2006/table">
@@ -17973,28 +12082,28 @@
                     </a:ext>
                   </a:extLst>
                 </a:gridCol>
-                <a:gridCol w="2650602">
+                <a:gridCol w="2631774">
                   <a:extLst>
                     <a:ext uri="{9D8B030D-6E8A-4147-A177-3AD203B41FA5}">
                       <a16:colId xmlns:a16="http://schemas.microsoft.com/office/drawing/2014/main" val="2996468523"/>
                     </a:ext>
                   </a:extLst>
                 </a:gridCol>
-                <a:gridCol w="2060294">
+                <a:gridCol w="2255520">
                   <a:extLst>
                     <a:ext uri="{9D8B030D-6E8A-4147-A177-3AD203B41FA5}">
                       <a16:colId xmlns:a16="http://schemas.microsoft.com/office/drawing/2014/main" val="558952619"/>
                     </a:ext>
                   </a:extLst>
                 </a:gridCol>
-                <a:gridCol w="2162381">
+                <a:gridCol w="2279904">
                   <a:extLst>
                     <a:ext uri="{9D8B030D-6E8A-4147-A177-3AD203B41FA5}">
                       <a16:colId xmlns:a16="http://schemas.microsoft.com/office/drawing/2014/main" val="2288479559"/>
                     </a:ext>
                   </a:extLst>
                 </a:gridCol>
-                <a:gridCol w="1066956">
+                <a:gridCol w="773035">
                   <a:extLst>
                     <a:ext uri="{9D8B030D-6E8A-4147-A177-3AD203B41FA5}">
                       <a16:colId xmlns:a16="http://schemas.microsoft.com/office/drawing/2014/main" val="19184331"/>
@@ -18002,7 +12111,7 @@
                   </a:extLst>
                 </a:gridCol>
               </a:tblGrid>
-              <a:tr h="332216">
+              <a:tr h="320342">
                 <a:tc>
                   <a:txBody>
                     <a:bodyPr/>
@@ -18074,7 +12183,7 @@
                   </a:ext>
                 </a:extLst>
               </a:tr>
-              <a:tr h="1177857">
+              <a:tr h="1485223">
                 <a:tc>
                   <a:txBody>
                     <a:bodyPr/>
@@ -18155,7 +12264,7 @@
                         <a:rPr lang="en-US" sz="1200" b="0" i="0" u="none" strike="noStrike" noProof="0" dirty="0">
                           <a:latin typeface="+mn-lt"/>
                         </a:rPr>
-                        <a:t> will learn from. The data will elucidate the complexity and granularity of user inquiries, and ensure we capture the variety of ways users express the same intent. </a:t>
+                        <a:t> will learn from.  The data will elucidate the complexity and granularity of user inquiries, and ensure we capture the variety of ways users express the same intent. </a:t>
                       </a:r>
                       <a:endParaRPr lang="en-US" dirty="0"/>
                     </a:p>
@@ -18186,19 +12295,7 @@
                         <a:rPr lang="en-US" sz="1200" b="0" i="0" u="none" strike="noStrike" noProof="0" dirty="0">
                           <a:latin typeface="+mn-lt"/>
                         </a:rPr>
-                        <a:t>Training phrases obtained from VA411 agent notes are being labeled but not yet shared with </a:t>
-                      </a:r>
-                      <a:r>
-                        <a:rPr lang="en-US" sz="1200" b="0" i="0" u="none" strike="noStrike" noProof="0" dirty="0" err="1">
-                          <a:latin typeface="+mn-lt"/>
-                        </a:rPr>
-                        <a:t>Voicebot</a:t>
-                      </a:r>
-                      <a:r>
-                        <a:rPr lang="en-US" sz="1200" b="0" i="0" u="none" strike="noStrike" noProof="0" dirty="0">
-                          <a:latin typeface="+mn-lt"/>
-                        </a:rPr>
-                        <a:t>.</a:t>
+                        <a:t>Will not use training phrases obtained from VA411 agent notes; use AVA instead; any other data sources on hold</a:t>
                       </a:r>
                     </a:p>
                     <a:p>
@@ -18221,7 +12318,7 @@
                         <a:rPr lang="en-US" sz="1200" b="0" i="0" u="none" strike="noStrike" noProof="0" dirty="0">
                           <a:latin typeface="+mn-lt"/>
                         </a:rPr>
-                        <a:t>More training phrases are being extracted from chat transcripts and AVA </a:t>
+                        <a:t>Leverage keywords identified by business SMEs + via NLP techniques to assist and/or automate intent labeling </a:t>
                       </a:r>
                     </a:p>
                   </a:txBody>
@@ -18251,19 +12348,65 @@
                         <a:rPr lang="en-US" sz="1200" b="0" i="0" u="none" strike="noStrike" noProof="0" dirty="0">
                           <a:latin typeface="+mn-lt"/>
                         </a:rPr>
-                        <a:t>Decide if there are any sub-intents we can/want </a:t>
+                        <a:t>Use labeled claim-related training phrases to develop and train </a:t>
                       </a:r>
                       <a:r>
                         <a:rPr lang="en-US" sz="1200" b="0" i="0" u="none" strike="noStrike" noProof="0" dirty="0" err="1">
                           <a:latin typeface="+mn-lt"/>
                         </a:rPr>
-                        <a:t>Voicebot</a:t>
+                        <a:t>DialogFlow</a:t>
                       </a:r>
                       <a:r>
                         <a:rPr lang="en-US" sz="1200" b="0" i="0" u="none" strike="noStrike" noProof="0" dirty="0">
                           <a:latin typeface="+mn-lt"/>
                         </a:rPr>
-                        <a:t> to resolve, if any. If none, and we will just route everyone to NCC gen skill group, we would  train the bot accordingly.</a:t>
+                        <a:t> intents</a:t>
+                      </a:r>
+                    </a:p>
+                    <a:p>
+                      <a:pPr marL="171450" marR="0" lvl="0" indent="-171450" algn="l" rtl="0" eaLnBrk="1" fontAlgn="auto" latinLnBrk="0" hangingPunct="1">
+                        <a:lnSpc>
+                          <a:spcPct val="100000"/>
+                        </a:lnSpc>
+                        <a:spcBef>
+                          <a:spcPts val="0"/>
+                        </a:spcBef>
+                        <a:spcAft>
+                          <a:spcPts val="0"/>
+                        </a:spcAft>
+                        <a:buClrTx/>
+                        <a:buSzTx/>
+                        <a:buFont typeface="Arial,Sans-Serif"/>
+                        <a:buChar char="•"/>
+                      </a:pPr>
+                      <a:r>
+                        <a:rPr lang="en-US" sz="1200" b="0" i="0" u="none" strike="noStrike" noProof="0" dirty="0">
+                          <a:latin typeface="+mn-lt"/>
+                        </a:rPr>
+                        <a:t>Design conversation flows for these intents (authenticated, FAQs, routing)</a:t>
+                      </a:r>
+                    </a:p>
+                    <a:p>
+                      <a:pPr marL="171450" marR="0" lvl="0" indent="-171450" algn="l" rtl="0" eaLnBrk="1" fontAlgn="auto" latinLnBrk="0" hangingPunct="1">
+                        <a:lnSpc>
+                          <a:spcPct val="100000"/>
+                        </a:lnSpc>
+                        <a:spcBef>
+                          <a:spcPts val="0"/>
+                        </a:spcBef>
+                        <a:spcAft>
+                          <a:spcPts val="0"/>
+                        </a:spcAft>
+                        <a:buClrTx/>
+                        <a:buSzTx/>
+                        <a:buFont typeface="Arial,Sans-Serif"/>
+                        <a:buChar char="•"/>
+                      </a:pPr>
+                      <a:r>
+                        <a:rPr lang="en-US" sz="1200" b="0" i="0" u="none" strike="noStrike" noProof="0" dirty="0">
+                          <a:latin typeface="+mn-lt"/>
+                        </a:rPr>
+                        <a:t>Distinguish between short-term and long-term feasibility of desired state</a:t>
                       </a:r>
                     </a:p>
                   </a:txBody>
@@ -18306,7 +12449,7 @@
                           <a:ea typeface="+mn-ea"/>
                           <a:cs typeface="+mn-cs"/>
                         </a:rPr>
-                        <a:t>Millie/Nicole</a:t>
+                        <a:t>Millie</a:t>
                       </a:r>
                       <a:endParaRPr kumimoji="0" lang="en-US" sz="1800" b="0" i="0" u="none" strike="noStrike" kern="1200" cap="none" spc="0" normalizeH="0" baseline="0" noProof="0" dirty="0">
                         <a:ln>
@@ -18332,7 +12475,7 @@
                   </a:ext>
                 </a:extLst>
               </a:tr>
-              <a:tr h="1359065">
+              <a:tr h="1310491">
                 <a:tc>
                   <a:txBody>
                     <a:bodyPr/>
@@ -18362,16 +12505,16 @@
                           <a:solidFill>
                             <a:schemeClr val="tx1"/>
                           </a:solidFill>
-                          <a:latin typeface="Calibri"/>
+                          <a:latin typeface="+mn-lt"/>
                         </a:rPr>
-                        <a:t>We are waiting on labeled training phrases that </a:t>
+                        <a:t>To classify and assist with PACT Act-related user inquiries, </a:t>
                       </a:r>
                       <a:r>
                         <a:rPr lang="en-US" sz="1200" b="0" i="0" u="none" strike="noStrike" noProof="0" dirty="0" err="1">
                           <a:solidFill>
                             <a:schemeClr val="tx1"/>
                           </a:solidFill>
-                          <a:latin typeface="Calibri"/>
+                          <a:latin typeface="+mn-lt"/>
                         </a:rPr>
                         <a:t>Voicebot</a:t>
                       </a:r>
@@ -18380,9 +12523,18 @@
                           <a:solidFill>
                             <a:schemeClr val="tx1"/>
                           </a:solidFill>
+                          <a:latin typeface="+mn-lt"/>
+                        </a:rPr>
+                        <a:t> will use labeled </a:t>
+                      </a:r>
+                      <a:r>
+                        <a:rPr lang="en-US" sz="1200" b="0" i="0" u="none" strike="noStrike" noProof="0" dirty="0">
+                          <a:solidFill>
+                            <a:schemeClr val="tx1"/>
+                          </a:solidFill>
                           <a:latin typeface="Calibri"/>
                         </a:rPr>
-                        <a:t> will learn from to classify and assist with PACT Act related inquiries. </a:t>
+                        <a:t>training phrases from modified chatbot transcript analysis.</a:t>
                       </a:r>
                     </a:p>
                   </a:txBody>
@@ -18412,11 +12564,11 @@
                         <a:rPr lang="en-US" sz="1200" b="0" i="0" u="none" strike="noStrike" noProof="0" dirty="0">
                           <a:latin typeface="+mn-lt"/>
                         </a:rPr>
-                        <a:t>We will need to identify the gaps that will inevitably exist.</a:t>
+                        <a:t>Align with chatbot, business SMEs on PACT Act topic coverage</a:t>
                       </a:r>
                     </a:p>
                     <a:p>
-                      <a:pPr marL="171450" marR="0" lvl="0" indent="-171450" algn="l" rtl="0" eaLnBrk="1" fontAlgn="auto" latinLnBrk="0" hangingPunct="1">
+                      <a:pPr marL="171450" marR="0" lvl="0" indent="-171450" algn="l" defTabSz="457200" rtl="0" eaLnBrk="1" fontAlgn="auto" latinLnBrk="0" hangingPunct="1">
                         <a:lnSpc>
                           <a:spcPct val="100000"/>
                         </a:lnSpc>
@@ -18430,8 +12582,27 @@
                         <a:buSzTx/>
                         <a:buFont typeface="Arial"/>
                         <a:buChar char="•"/>
+                        <a:tabLst/>
+                        <a:defRPr/>
                       </a:pPr>
-                      <a:endParaRPr lang="en-US" sz="1200" b="0" i="0" u="none" strike="noStrike" noProof="0">
+                      <a:r>
+                        <a:rPr kumimoji="0" lang="en-US" sz="1200" b="0" i="0" u="none" strike="noStrike" kern="1200" cap="none" spc="0" normalizeH="0" baseline="0" noProof="0" dirty="0">
+                          <a:ln>
+                            <a:noFill/>
+                          </a:ln>
+                          <a:solidFill>
+                            <a:srgbClr val="000000"/>
+                          </a:solidFill>
+                          <a:effectLst/>
+                          <a:uLnTx/>
+                          <a:uFillTx/>
+                          <a:latin typeface="+mn-lt"/>
+                          <a:ea typeface="+mn-ea"/>
+                          <a:cs typeface="+mn-cs"/>
+                        </a:rPr>
+                        <a:t>Leverage above insights to optimize code for extraction of training phrases from chatbot transcripts</a:t>
+                      </a:r>
+                      <a:endParaRPr lang="en-US" sz="1200" b="0" i="0" u="none" strike="noStrike" noProof="0" dirty="0">
                         <a:latin typeface="+mn-lt"/>
                       </a:endParaRPr>
                     </a:p>
@@ -18459,8 +12630,376 @@
                         <a:buChar char="•"/>
                       </a:pPr>
                       <a:r>
-                        <a:rPr lang="en-US" sz="1200" b="0" i="0" u="none" strike="noStrike" noProof="0" dirty="0"/>
-                        <a:t>Booz Allen to continue collaboration meetings with Danielle for claim status information, general claim information, PACT Act and error messages.</a:t>
+                        <a:rPr kumimoji="0" lang="en-US" sz="1200" b="0" i="0" u="none" strike="noStrike" kern="1200" cap="none" spc="0" normalizeH="0" baseline="0" noProof="0" dirty="0">
+                          <a:ln>
+                            <a:noFill/>
+                          </a:ln>
+                          <a:solidFill>
+                            <a:srgbClr val="000000"/>
+                          </a:solidFill>
+                          <a:effectLst/>
+                          <a:uLnTx/>
+                          <a:uFillTx/>
+                          <a:latin typeface="+mn-lt"/>
+                          <a:ea typeface="+mn-ea"/>
+                          <a:cs typeface="+mn-cs"/>
+                        </a:rPr>
+                        <a:t>Run training phrase extraction</a:t>
+                      </a:r>
+                    </a:p>
+                    <a:p>
+                      <a:pPr marL="171450" marR="0" lvl="0" indent="-171450" algn="l">
+                        <a:lnSpc>
+                          <a:spcPct val="100000"/>
+                        </a:lnSpc>
+                        <a:spcBef>
+                          <a:spcPts val="0"/>
+                        </a:spcBef>
+                        <a:spcAft>
+                          <a:spcPts val="0"/>
+                        </a:spcAft>
+                        <a:buClrTx/>
+                        <a:buSzTx/>
+                        <a:buFont typeface="Arial"/>
+                        <a:buChar char="•"/>
+                      </a:pPr>
+                      <a:r>
+                        <a:rPr kumimoji="0" lang="en-US" sz="1200" b="0" i="0" u="none" strike="noStrike" kern="1200" cap="none" spc="0" normalizeH="0" baseline="0" noProof="0" dirty="0">
+                          <a:ln>
+                            <a:noFill/>
+                          </a:ln>
+                          <a:solidFill>
+                            <a:srgbClr val="000000"/>
+                          </a:solidFill>
+                          <a:effectLst/>
+                          <a:uLnTx/>
+                          <a:uFillTx/>
+                          <a:latin typeface="+mn-lt"/>
+                          <a:ea typeface="+mn-ea"/>
+                          <a:cs typeface="+mn-cs"/>
+                        </a:rPr>
+                        <a:t>Run clustering</a:t>
+                      </a:r>
+                      <a:r>
+                        <a:rPr lang="en-US" sz="1200" b="0" i="0" u="none" strike="noStrike" kern="1200" cap="none" spc="0" normalizeH="0" baseline="0" noProof="0" dirty="0">
+                          <a:ln>
+                            <a:noFill/>
+                          </a:ln>
+                          <a:solidFill>
+                            <a:srgbClr val="000000"/>
+                          </a:solidFill>
+                          <a:effectLst/>
+                          <a:uLnTx/>
+                          <a:uFillTx/>
+                          <a:latin typeface="+mn-lt"/>
+                          <a:ea typeface="+mn-ea"/>
+                          <a:cs typeface="+mn-cs"/>
+                        </a:rPr>
+                        <a:t> </a:t>
+                      </a:r>
+                      <a:endParaRPr kumimoji="0" lang="en-US" sz="1200" b="0" i="0" u="none" strike="noStrike" kern="1200" cap="none" spc="0" normalizeH="0" baseline="0" noProof="0" dirty="0">
+                        <a:ln>
+                          <a:noFill/>
+                        </a:ln>
+                        <a:solidFill>
+                          <a:srgbClr val="000000"/>
+                        </a:solidFill>
+                        <a:effectLst/>
+                        <a:uLnTx/>
+                        <a:uFillTx/>
+                        <a:latin typeface="+mn-lt"/>
+                        <a:ea typeface="+mn-ea"/>
+                        <a:cs typeface="+mn-cs"/>
+                      </a:endParaRPr>
+                    </a:p>
+                    <a:p>
+                      <a:pPr marL="171450" marR="0" lvl="0" indent="-171450" algn="l">
+                        <a:lnSpc>
+                          <a:spcPct val="100000"/>
+                        </a:lnSpc>
+                        <a:spcBef>
+                          <a:spcPts val="0"/>
+                        </a:spcBef>
+                        <a:spcAft>
+                          <a:spcPts val="0"/>
+                        </a:spcAft>
+                        <a:buClrTx/>
+                        <a:buSzTx/>
+                        <a:buFont typeface="Arial"/>
+                        <a:buChar char="•"/>
+                      </a:pPr>
+                      <a:r>
+                        <a:rPr kumimoji="0" lang="en-US" sz="1200" b="0" i="0" u="none" strike="noStrike" kern="1200" cap="none" spc="0" normalizeH="0" baseline="0" noProof="0" dirty="0">
+                          <a:ln>
+                            <a:noFill/>
+                          </a:ln>
+                          <a:solidFill>
+                            <a:srgbClr val="000000"/>
+                          </a:solidFill>
+                          <a:effectLst/>
+                          <a:uLnTx/>
+                          <a:uFillTx/>
+                          <a:latin typeface="+mn-lt"/>
+                          <a:ea typeface="+mn-ea"/>
+                          <a:cs typeface="+mn-cs"/>
+                        </a:rPr>
+                        <a:t>Identify gaps in discovered intents as user inquiries evolve and</a:t>
+                      </a:r>
+                      <a:r>
+                        <a:rPr lang="en-US" sz="1200" b="0" i="0" u="none" strike="noStrike" kern="1200" cap="none" spc="0" normalizeH="0" baseline="0" noProof="0" dirty="0">
+                          <a:ln>
+                            <a:noFill/>
+                          </a:ln>
+                          <a:solidFill>
+                            <a:srgbClr val="000000"/>
+                          </a:solidFill>
+                          <a:effectLst/>
+                          <a:uLnTx/>
+                          <a:uFillTx/>
+                          <a:latin typeface="+mn-lt"/>
+                          <a:ea typeface="+mn-ea"/>
+                          <a:cs typeface="+mn-cs"/>
+                        </a:rPr>
+                        <a:t> </a:t>
+                      </a:r>
+                      <a:endParaRPr lang="en-US"/>
+                    </a:p>
+                  </a:txBody>
+                  <a:tcPr/>
+                </a:tc>
+                <a:tc>
+                  <a:txBody>
+                    <a:bodyPr/>
+                    <a:lstStyle/>
+                    <a:p>
+                      <a:pPr marL="0" marR="0" lvl="0" indent="0" algn="l" defTabSz="457200" rtl="0" eaLnBrk="1" fontAlgn="auto" latinLnBrk="0" hangingPunct="1">
+                        <a:lnSpc>
+                          <a:spcPct val="100000"/>
+                        </a:lnSpc>
+                        <a:spcBef>
+                          <a:spcPts val="0"/>
+                        </a:spcBef>
+                        <a:spcAft>
+                          <a:spcPts val="0"/>
+                        </a:spcAft>
+                        <a:buClrTx/>
+                        <a:buSzTx/>
+                        <a:buFontTx/>
+                        <a:buNone/>
+                        <a:tabLst/>
+                        <a:defRPr/>
+                      </a:pPr>
+                      <a:r>
+                        <a:rPr lang="en-US" sz="1200" b="0" dirty="0"/>
+                        <a:t>Millie</a:t>
+                      </a:r>
+                    </a:p>
+                  </a:txBody>
+                  <a:tcPr/>
+                </a:tc>
+                <a:extLst>
+                  <a:ext uri="{0D108BD9-81ED-4DB2-BD59-A6C34878D82A}">
+                    <a16:rowId xmlns:a16="http://schemas.microsoft.com/office/drawing/2014/main" val="751428382"/>
+                  </a:ext>
+                </a:extLst>
+              </a:tr>
+              <a:tr h="1485223">
+                <a:tc>
+                  <a:txBody>
+                    <a:bodyPr/>
+                    <a:lstStyle/>
+                    <a:p>
+                      <a:pPr lvl="0">
+                        <a:buNone/>
+                      </a:pPr>
+                      <a:r>
+                        <a:rPr lang="en-US" sz="1200" b="0" dirty="0"/>
+                        <a:t>No-match event</a:t>
+                      </a:r>
+                    </a:p>
+                  </a:txBody>
+                  <a:tcPr/>
+                </a:tc>
+                <a:tc>
+                  <a:txBody>
+                    <a:bodyPr/>
+                    <a:lstStyle/>
+                    <a:p>
+                      <a:pPr lvl="0">
+                        <a:buNone/>
+                      </a:pPr>
+                      <a:r>
+                        <a:rPr lang="en-US" sz="1200" b="0" i="0" u="none" strike="noStrike" noProof="0" dirty="0">
+                          <a:solidFill>
+                            <a:schemeClr val="tx1"/>
+                          </a:solidFill>
+                          <a:latin typeface="Calibri"/>
+                        </a:rPr>
+                        <a:t>Any user-input not matched to an intent </a:t>
+                      </a:r>
+                      <a:r>
+                        <a:rPr lang="en-US" sz="1200" b="0" i="0" u="none" strike="noStrike" noProof="0" dirty="0" err="1">
+                          <a:solidFill>
+                            <a:schemeClr val="tx1"/>
+                          </a:solidFill>
+                          <a:latin typeface="Calibri"/>
+                        </a:rPr>
+                        <a:t>Voicebot</a:t>
+                      </a:r>
+                      <a:r>
+                        <a:rPr lang="en-US" sz="1200" b="0" i="0" u="none" strike="noStrike" noProof="0" dirty="0">
+                          <a:solidFill>
+                            <a:schemeClr val="tx1"/>
+                          </a:solidFill>
+                          <a:latin typeface="Calibri"/>
+                        </a:rPr>
+                        <a:t> was trained to recognize is considered a no-match event. </a:t>
+                      </a:r>
+                      <a:r>
+                        <a:rPr lang="en-US" sz="1200" b="0" i="0" u="none" strike="noStrike" noProof="0" dirty="0" err="1">
+                          <a:solidFill>
+                            <a:schemeClr val="tx1"/>
+                          </a:solidFill>
+                          <a:latin typeface="Calibri"/>
+                        </a:rPr>
+                        <a:t>Dialogflow</a:t>
+                      </a:r>
+                      <a:r>
+                        <a:rPr lang="en-US" sz="1200" b="0" i="0" u="none" strike="noStrike" noProof="0" dirty="0">
+                          <a:solidFill>
+                            <a:schemeClr val="tx1"/>
+                          </a:solidFill>
+                          <a:latin typeface="Calibri"/>
+                        </a:rPr>
+                        <a:t> has built-in events that will be invoked, including no-match, no-input, long-utterance, invalid-parameter.</a:t>
+                      </a:r>
+                      <a:endParaRPr lang="en-US"/>
+                    </a:p>
+                  </a:txBody>
+                  <a:tcPr/>
+                </a:tc>
+                <a:tc>
+                  <a:txBody>
+                    <a:bodyPr/>
+                    <a:lstStyle/>
+                    <a:p>
+                      <a:pPr marL="171450" marR="0" lvl="0" indent="-171450" algn="l" rtl="0" eaLnBrk="1" fontAlgn="auto" latinLnBrk="0" hangingPunct="1">
+                        <a:lnSpc>
+                          <a:spcPct val="100000"/>
+                        </a:lnSpc>
+                        <a:spcBef>
+                          <a:spcPts val="0"/>
+                        </a:spcBef>
+                        <a:spcAft>
+                          <a:spcPts val="0"/>
+                        </a:spcAft>
+                        <a:buClrTx/>
+                        <a:buSzTx/>
+                        <a:buFont typeface="Arial"/>
+                        <a:buChar char="•"/>
+                      </a:pPr>
+                      <a:r>
+                        <a:rPr lang="en-US" sz="1200" b="0" i="0" u="none" strike="noStrike" noProof="0" dirty="0">
+                          <a:latin typeface="+mn-lt"/>
+                        </a:rPr>
+                        <a:t>Identified categories of no-match events</a:t>
+                      </a:r>
+                    </a:p>
+                    <a:p>
+                      <a:pPr marL="171450" marR="0" lvl="0" indent="-171450" algn="l" defTabSz="457200" rtl="0" eaLnBrk="1" fontAlgn="auto" latinLnBrk="0" hangingPunct="1">
+                        <a:lnSpc>
+                          <a:spcPct val="100000"/>
+                        </a:lnSpc>
+                        <a:spcBef>
+                          <a:spcPts val="0"/>
+                        </a:spcBef>
+                        <a:spcAft>
+                          <a:spcPts val="0"/>
+                        </a:spcAft>
+                        <a:buClrTx/>
+                        <a:buSzTx/>
+                        <a:buFont typeface="Arial"/>
+                        <a:buChar char="•"/>
+                        <a:tabLst/>
+                        <a:defRPr/>
+                      </a:pPr>
+                      <a:r>
+                        <a:rPr kumimoji="0" lang="en-US" sz="1200" b="0" i="0" u="none" strike="noStrike" kern="1200" cap="none" spc="0" normalizeH="0" baseline="0" noProof="0" dirty="0">
+                          <a:ln>
+                            <a:noFill/>
+                          </a:ln>
+                          <a:solidFill>
+                            <a:srgbClr val="000000"/>
+                          </a:solidFill>
+                          <a:effectLst/>
+                          <a:uLnTx/>
+                          <a:uFillTx/>
+                          <a:latin typeface="+mn-lt"/>
+                          <a:ea typeface="+mn-ea"/>
+                          <a:cs typeface="+mn-cs"/>
+                        </a:rPr>
+                        <a:t>Collaborating with UX workstream and VA stakeholders to design flows and content for these categories of events</a:t>
+                      </a:r>
+                      <a:endParaRPr lang="en-US" sz="1200" dirty="0"/>
+                    </a:p>
+                  </a:txBody>
+                  <a:tcPr/>
+                </a:tc>
+                <a:tc>
+                  <a:txBody>
+                    <a:bodyPr/>
+                    <a:lstStyle/>
+                    <a:p>
+                      <a:pPr marL="171450" marR="0" lvl="0" indent="-171450" algn="l" defTabSz="457200" rtl="0" eaLnBrk="1" fontAlgn="auto" latinLnBrk="0" hangingPunct="1">
+                        <a:lnSpc>
+                          <a:spcPct val="100000"/>
+                        </a:lnSpc>
+                        <a:spcBef>
+                          <a:spcPts val="0"/>
+                        </a:spcBef>
+                        <a:spcAft>
+                          <a:spcPts val="0"/>
+                        </a:spcAft>
+                        <a:buClrTx/>
+                        <a:buSzTx/>
+                        <a:buFont typeface="Arial"/>
+                        <a:buChar char="•"/>
+                        <a:tabLst/>
+                        <a:defRPr/>
+                      </a:pPr>
+                      <a:r>
+                        <a:rPr kumimoji="0" lang="en-US" sz="1200" b="0" i="0" u="none" strike="noStrike" kern="1200" cap="none" spc="0" normalizeH="0" baseline="0" noProof="0" dirty="0">
+                          <a:ln>
+                            <a:noFill/>
+                          </a:ln>
+                          <a:solidFill>
+                            <a:srgbClr val="000000"/>
+                          </a:solidFill>
+                          <a:effectLst/>
+                          <a:uLnTx/>
+                          <a:uFillTx/>
+                          <a:latin typeface="+mn-lt"/>
+                          <a:ea typeface="+mn-ea"/>
+                          <a:cs typeface="+mn-cs"/>
+                        </a:rPr>
+                        <a:t>Implement conversational flow design and content in </a:t>
+                      </a:r>
+                      <a:r>
+                        <a:rPr kumimoji="0" lang="en-US" sz="1200" b="0" i="0" u="none" strike="noStrike" kern="1200" cap="none" spc="0" normalizeH="0" baseline="0" noProof="0" dirty="0" err="1">
+                          <a:ln>
+                            <a:noFill/>
+                          </a:ln>
+                          <a:solidFill>
+                            <a:srgbClr val="000000"/>
+                          </a:solidFill>
+                          <a:effectLst/>
+                          <a:uLnTx/>
+                          <a:uFillTx/>
+                          <a:latin typeface="+mn-lt"/>
+                          <a:ea typeface="+mn-ea"/>
+                          <a:cs typeface="+mn-cs"/>
+                        </a:rPr>
+                        <a:t>DialogFlow</a:t>
                       </a:r>
                       <a:endParaRPr lang="en-US" dirty="0"/>
                     </a:p>
@@ -18491,7 +13030,7 @@
                       </a:pPr>
                       <a:r>
                         <a:rPr lang="en-US" sz="1200" b="0" dirty="0"/>
-                        <a:t>Millie/Nicole</a:t>
+                        <a:t>Millie/ Nicole/ Grace/ Sunayna</a:t>
                       </a:r>
                     </a:p>
                   </a:txBody>
@@ -18499,7 +13038,155 @@
                 </a:tc>
                 <a:extLst>
                   <a:ext uri="{0D108BD9-81ED-4DB2-BD59-A6C34878D82A}">
-                    <a16:rowId xmlns:a16="http://schemas.microsoft.com/office/drawing/2014/main" val="751428382"/>
+                    <a16:rowId xmlns:a16="http://schemas.microsoft.com/office/drawing/2014/main" val="1948252556"/>
+                  </a:ext>
+                </a:extLst>
+              </a:tr>
+              <a:tr h="614947">
+                <a:tc>
+                  <a:txBody>
+                    <a:bodyPr/>
+                    <a:lstStyle/>
+                    <a:p>
+                      <a:pPr lvl="0">
+                        <a:buNone/>
+                      </a:pPr>
+                      <a:r>
+                        <a:rPr lang="en-US" sz="1200" b="0" dirty="0"/>
+                        <a:t>Other intents not currently in scope</a:t>
+                      </a:r>
+                    </a:p>
+                  </a:txBody>
+                  <a:tcPr/>
+                </a:tc>
+                <a:tc>
+                  <a:txBody>
+                    <a:bodyPr/>
+                    <a:lstStyle/>
+                    <a:p>
+                      <a:pPr lvl="0">
+                        <a:buNone/>
+                      </a:pPr>
+                      <a:r>
+                        <a:rPr lang="en-US" sz="1200" b="0" i="0" u="none" strike="noStrike" noProof="0" dirty="0">
+                          <a:solidFill>
+                            <a:schemeClr val="tx1"/>
+                          </a:solidFill>
+                          <a:latin typeface="Calibri"/>
+                        </a:rPr>
+                        <a:t>Any intents not currently in scope may be potential long hanging fruit inquiries that could benefit from a self-help flow.</a:t>
+                      </a:r>
+                    </a:p>
+                  </a:txBody>
+                  <a:tcPr/>
+                </a:tc>
+                <a:tc>
+                  <a:txBody>
+                    <a:bodyPr/>
+                    <a:lstStyle/>
+                    <a:p>
+                      <a:pPr marL="171450" marR="0" lvl="0" indent="-171450" algn="l" rtl="0" eaLnBrk="1" fontAlgn="auto" latinLnBrk="0" hangingPunct="1">
+                        <a:lnSpc>
+                          <a:spcPct val="100000"/>
+                        </a:lnSpc>
+                        <a:spcBef>
+                          <a:spcPts val="0"/>
+                        </a:spcBef>
+                        <a:spcAft>
+                          <a:spcPts val="0"/>
+                        </a:spcAft>
+                        <a:buClrTx/>
+                        <a:buSzTx/>
+                        <a:buFont typeface="Arial"/>
+                        <a:buChar char="•"/>
+                      </a:pPr>
+                      <a:r>
+                        <a:rPr lang="en-US" sz="1200" b="0" i="0" u="none" strike="noStrike" noProof="0" dirty="0">
+                          <a:latin typeface="+mn-lt"/>
+                        </a:rPr>
+                        <a:t>Identifying and tracking such intents</a:t>
+                      </a:r>
+                    </a:p>
+                  </a:txBody>
+                  <a:tcPr/>
+                </a:tc>
+                <a:tc>
+                  <a:txBody>
+                    <a:bodyPr/>
+                    <a:lstStyle/>
+                    <a:p>
+                      <a:pPr marL="171450" marR="0" lvl="0" indent="-171450" algn="l" defTabSz="457200" rtl="0" eaLnBrk="1" fontAlgn="auto" latinLnBrk="0" hangingPunct="1">
+                        <a:lnSpc>
+                          <a:spcPct val="100000"/>
+                        </a:lnSpc>
+                        <a:spcBef>
+                          <a:spcPts val="0"/>
+                        </a:spcBef>
+                        <a:spcAft>
+                          <a:spcPts val="0"/>
+                        </a:spcAft>
+                        <a:buClrTx/>
+                        <a:buSzTx/>
+                        <a:buFont typeface="Arial"/>
+                        <a:buChar char="•"/>
+                        <a:tabLst/>
+                        <a:defRPr/>
+                      </a:pPr>
+                      <a:r>
+                        <a:rPr kumimoji="0" lang="en-US" sz="1200" b="0" i="0" u="none" strike="noStrike" kern="1200" cap="none" spc="0" normalizeH="0" baseline="0" noProof="0" dirty="0">
+                          <a:ln>
+                            <a:noFill/>
+                          </a:ln>
+                          <a:solidFill>
+                            <a:srgbClr val="000000"/>
+                          </a:solidFill>
+                          <a:effectLst/>
+                          <a:uLnTx/>
+                          <a:uFillTx/>
+                          <a:latin typeface="+mn-lt"/>
+                          <a:ea typeface="+mn-ea"/>
+                          <a:cs typeface="+mn-cs"/>
+                        </a:rPr>
+                        <a:t>Share with VA stakeholders for consideration and prioritization</a:t>
+                      </a:r>
+                      <a:endParaRPr lang="en-US" dirty="0"/>
+                    </a:p>
+                  </a:txBody>
+                  <a:tcPr/>
+                </a:tc>
+                <a:tc>
+                  <a:txBody>
+                    <a:bodyPr/>
+                    <a:lstStyle/>
+                    <a:p>
+                      <a:pPr marL="0" marR="0" lvl="0" indent="0" algn="l" defTabSz="457200" rtl="0" eaLnBrk="1" fontAlgn="auto" latinLnBrk="0" hangingPunct="1">
+                        <a:lnSpc>
+                          <a:spcPct val="100000"/>
+                        </a:lnSpc>
+                        <a:spcBef>
+                          <a:spcPts val="0"/>
+                        </a:spcBef>
+                        <a:spcAft>
+                          <a:spcPts val="0"/>
+                        </a:spcAft>
+                        <a:buClrTx/>
+                        <a:buSzTx/>
+                        <a:buFontTx/>
+                        <a:buNone/>
+                        <a:tabLst/>
+                        <a:defRPr/>
+                      </a:pPr>
+                      <a:r>
+                        <a:rPr lang="en-US" sz="1200" b="0" dirty="0"/>
+                        <a:t>Millie/ VA</a:t>
+                      </a:r>
+                    </a:p>
+                  </a:txBody>
+                  <a:tcPr/>
+                </a:tc>
+                <a:extLst>
+                  <a:ext uri="{0D108BD9-81ED-4DB2-BD59-A6C34878D82A}">
+                    <a16:rowId xmlns:a16="http://schemas.microsoft.com/office/drawing/2014/main" val="3601449085"/>
                   </a:ext>
                 </a:extLst>
               </a:tr>
@@ -18610,7 +13297,7 @@
           <p:nvPr>
             <p:extLst>
               <p:ext uri="{D42A27DB-BD31-4B8C-83A1-F6EECF244321}">
-                <p14:modId xmlns:p14="http://schemas.microsoft.com/office/powerpoint/2010/main" val="3248666282"/>
+                <p14:modId xmlns:p14="http://schemas.microsoft.com/office/powerpoint/2010/main" val="2232460722"/>
               </p:ext>
             </p:extLst>
           </p:nvPr>
@@ -18669,7 +13356,7 @@
                     <a:lstStyle/>
                     <a:p>
                       <a:r>
-                        <a:rPr lang="en-US" sz="1600"/>
+                        <a:rPr lang="en-US" sz="1600" dirty="0"/>
                         <a:t>Item</a:t>
                       </a:r>
                     </a:p>
@@ -18682,7 +13369,7 @@
                     <a:lstStyle/>
                     <a:p>
                       <a:r>
-                        <a:rPr lang="en-US" sz="1600"/>
+                        <a:rPr lang="en-US" sz="1600" dirty="0"/>
                         <a:t>Description</a:t>
                       </a:r>
                     </a:p>
@@ -18695,7 +13382,7 @@
                     <a:lstStyle/>
                     <a:p>
                       <a:r>
-                        <a:rPr lang="en-US" sz="1600"/>
+                        <a:rPr lang="en-US" sz="1600" dirty="0"/>
                         <a:t>Status</a:t>
                       </a:r>
                     </a:p>
@@ -18708,7 +13395,7 @@
                     <a:lstStyle/>
                     <a:p>
                       <a:r>
-                        <a:rPr lang="en-US" sz="1600"/>
+                        <a:rPr lang="en-US" sz="1600" dirty="0"/>
                         <a:t>Next Steps</a:t>
                       </a:r>
                     </a:p>
@@ -18721,7 +13408,7 @@
                     <a:lstStyle/>
                     <a:p>
                       <a:r>
-                        <a:rPr lang="en-US" sz="1600"/>
+                        <a:rPr lang="en-US" sz="1600" dirty="0"/>
                         <a:t>Owner</a:t>
                       </a:r>
                     </a:p>
@@ -18758,22 +13445,22 @@
                         <a:defRPr/>
                       </a:pPr>
                       <a:r>
-                        <a:rPr lang="en-US" sz="1200"/>
+                        <a:rPr lang="en-US" sz="1200" dirty="0"/>
                         <a:t>Content research and creation for </a:t>
                       </a:r>
                       <a:r>
-                        <a:rPr lang="en-US" sz="1200" err="1"/>
+                        <a:rPr lang="en-US" sz="1200" dirty="0" err="1"/>
                         <a:t>Voicebot</a:t>
                       </a:r>
                       <a:r>
-                        <a:rPr lang="en-US" sz="1200" baseline="0"/>
+                        <a:rPr lang="en-US" sz="1200" baseline="0" dirty="0"/>
                         <a:t> responses</a:t>
                       </a:r>
                       <a:r>
-                        <a:rPr lang="en-US" sz="1200"/>
+                        <a:rPr lang="en-US" sz="1200" dirty="0"/>
                         <a:t>: re: claims</a:t>
                       </a:r>
-                      <a:endParaRPr lang="en-US" sz="1800" b="0"/>
+                      <a:endParaRPr lang="en-US" sz="1800" b="0" dirty="0"/>
                     </a:p>
                   </a:txBody>
                   <a:tcPr/>
@@ -18783,7 +13470,7 @@
                     <a:bodyPr/>
                     <a:lstStyle/>
                     <a:p>
-                      <a:pPr marL="0" marR="0" lvl="0" indent="0" algn="l" defTabSz="457200" rtl="0" eaLnBrk="1" fontAlgn="auto" latinLnBrk="0" hangingPunct="1">
+                      <a:pPr marL="0" marR="0" lvl="0" indent="0" algn="l" rtl="0" eaLnBrk="1" fontAlgn="auto" latinLnBrk="0" hangingPunct="1">
                         <a:lnSpc>
                           <a:spcPct val="100000"/>
                         </a:lnSpc>
@@ -18797,11 +13484,9 @@
                         <a:buSzTx/>
                         <a:buFontTx/>
                         <a:buNone/>
-                        <a:tabLst/>
-                        <a:defRPr/>
                       </a:pPr>
                       <a:r>
-                        <a:rPr kumimoji="0" lang="en-US" sz="1200" b="0" i="0" u="none" strike="noStrike" kern="1200" cap="none" spc="0" normalizeH="0" baseline="0" noProof="0">
+                        <a:rPr kumimoji="0" lang="en-US" sz="1200" b="0" i="0" u="none" strike="noStrike" kern="1200" cap="none" spc="0" normalizeH="0" baseline="0" noProof="0" dirty="0">
                           <a:ln>
                             <a:noFill/>
                           </a:ln>
@@ -18812,10 +13497,24 @@
                           <a:ea typeface="+mn-ea"/>
                           <a:cs typeface="+mn-cs"/>
                         </a:rPr>
-                        <a:t>Develop content, procedures, and get approvals. </a:t>
+                        <a:t>Develop content, procedures, and get approvals</a:t>
                       </a:r>
                       <a:r>
-                        <a:rPr kumimoji="0" lang="en-US" sz="1200" b="0" i="0" u="none" strike="noStrike" kern="1200" cap="none" spc="0" normalizeH="0" baseline="0" noProof="0">
+                        <a:rPr lang="en-US" sz="1200" b="0" i="0" u="none" strike="noStrike" kern="1200" cap="none" spc="0" normalizeH="0" baseline="0" noProof="0" dirty="0">
+                          <a:ln>
+                            <a:noFill/>
+                          </a:ln>
+                          <a:effectLst/>
+                          <a:uLnTx/>
+                          <a:uFillTx/>
+                          <a:latin typeface="+mn-lt"/>
+                          <a:ea typeface="+mn-ea"/>
+                          <a:cs typeface="+mn-cs"/>
+                        </a:rPr>
+                        <a:t>; d</a:t>
+                      </a:r>
+                      <a:r>
+                        <a:rPr lang="en-US" sz="1200" b="0" i="0" u="none" strike="noStrike" kern="1200" cap="none" spc="0" normalizeH="0" baseline="0" noProof="0" dirty="0">
                           <a:ln>
                             <a:noFill/>
                           </a:ln>
@@ -18829,10 +13528,27 @@
                           <a:ea typeface="+mn-ea"/>
                           <a:cs typeface="+mn-cs"/>
                         </a:rPr>
-                        <a:t>Documenting how </a:t>
+                        <a:t>ocumenting</a:t>
                       </a:r>
                       <a:r>
-                        <a:rPr kumimoji="0" lang="en-US" sz="1200" b="0" i="0" u="none" strike="noStrike" kern="1200" cap="none" spc="0" normalizeH="0" baseline="0" noProof="0" err="1">
+                        <a:rPr kumimoji="0" lang="en-US" sz="1200" b="0" i="0" u="none" strike="noStrike" kern="1200" cap="none" spc="0" normalizeH="0" baseline="0" noProof="0" dirty="0">
+                          <a:ln>
+                            <a:noFill/>
+                          </a:ln>
+                          <a:solidFill>
+                            <a:srgbClr val="000000"/>
+                          </a:solidFill>
+                          <a:effectLst/>
+                          <a:uLnTx/>
+                          <a:uFillTx/>
+                          <a:latin typeface="+mn-lt"/>
+                          <a:ea typeface="+mn-ea"/>
+                          <a:cs typeface="+mn-cs"/>
+                        </a:rPr>
+                        <a:t> how </a:t>
+                      </a:r>
+                      <a:r>
+                        <a:rPr kumimoji="0" lang="en-US" sz="1200" b="0" i="0" u="none" strike="noStrike" kern="1200" cap="none" spc="0" normalizeH="0" baseline="0" noProof="0" dirty="0" err="1">
                           <a:ln>
                             <a:noFill/>
                           </a:ln>
@@ -18849,7 +13565,7 @@
                         <a:t>Voicebot</a:t>
                       </a:r>
                       <a:r>
-                        <a:rPr kumimoji="0" lang="en-US" sz="1200" b="0" i="0" u="none" strike="noStrike" kern="1200" cap="none" spc="0" normalizeH="0" baseline="0" noProof="0">
+                        <a:rPr kumimoji="0" lang="en-US" sz="1200" b="0" i="0" u="none" strike="noStrike" kern="1200" cap="none" spc="0" normalizeH="0" baseline="0" noProof="0" dirty="0">
                           <a:ln>
                             <a:noFill/>
                           </a:ln>
@@ -18890,7 +13606,7 @@
                         <a:buChar char="•"/>
                       </a:pPr>
                       <a:r>
-                        <a:rPr lang="en-US" sz="1200" b="0" i="0" u="none" strike="noStrike" noProof="0">
+                        <a:rPr lang="en-US" sz="1200" b="0" i="0" u="none" strike="noStrike" noProof="0" dirty="0">
                           <a:latin typeface="+mn-lt"/>
                         </a:rPr>
                         <a:t>Use NCC agent scripts on VA intranet as starting point and map those responses to our intents.</a:t>
@@ -18913,12 +13629,12 @@
                         <a:buChar char="•"/>
                       </a:pPr>
                       <a:r>
-                        <a:rPr lang="en-US" sz="1200" b="0" i="0" u="none" strike="noStrike" noProof="0">
+                        <a:rPr lang="en-US" sz="1200" b="0" i="0" u="none" strike="noStrike" noProof="0" dirty="0">
                           <a:latin typeface="+mn-lt"/>
                         </a:rPr>
                         <a:t>Booz Allen is in collaboration with Danielle to review custom content responses for general claims information and claims status.</a:t>
                       </a:r>
-                      <a:endParaRPr lang="en-US" sz="1200"/>
+                      <a:endParaRPr lang="en-US" sz="1200" dirty="0"/>
                     </a:p>
                   </a:txBody>
                   <a:tcPr/>
@@ -18944,24 +13660,24 @@
                         <a:buChar char="•"/>
                       </a:pPr>
                       <a:r>
-                        <a:rPr lang="en-US" sz="1200" b="0" i="0" u="none" strike="noStrike" noProof="0">
+                        <a:rPr lang="en-US" sz="1200" b="0" i="0" u="none" strike="noStrike" noProof="0" dirty="0">
                           <a:latin typeface="+mn-lt"/>
                         </a:rPr>
                         <a:t>Team to evaluate intents identified by IDPR project as candidates for </a:t>
                       </a:r>
                       <a:r>
-                        <a:rPr lang="en-US" sz="1200" b="0" i="0" u="none" strike="noStrike" noProof="0" err="1">
+                        <a:rPr lang="en-US" sz="1200" b="0" i="0" u="none" strike="noStrike" noProof="0" dirty="0" err="1">
                           <a:latin typeface="+mn-lt"/>
                         </a:rPr>
                         <a:t>Voicebot</a:t>
                       </a:r>
                       <a:r>
-                        <a:rPr lang="en-US" sz="1200" b="0" i="0" u="none" strike="noStrike" noProof="0">
+                        <a:rPr lang="en-US" sz="1200" b="0" i="0" u="none" strike="noStrike" noProof="0" dirty="0">
                           <a:latin typeface="+mn-lt"/>
                         </a:rPr>
                         <a:t> support.</a:t>
                       </a:r>
-                      <a:endParaRPr lang="en-US"/>
+                      <a:endParaRPr lang="en-US" dirty="0"/>
                     </a:p>
                     <a:p>
                       <a:pPr marL="171450" marR="0" lvl="0" indent="-171450" algn="l">
@@ -18980,7 +13696,7 @@
                         <a:buChar char="•"/>
                       </a:pPr>
                       <a:r>
-                        <a:rPr lang="en-US" sz="1200" b="0" i="0" u="none" strike="noStrike" noProof="0">
+                        <a:rPr lang="en-US" sz="1200" b="0" i="0" u="none" strike="noStrike" noProof="0" dirty="0">
                           <a:latin typeface="+mn-lt"/>
                         </a:rPr>
                         <a:t>Align on intent determination scope beyond MyVA411 and AVA data analysis completed thus far.</a:t>
@@ -19003,22 +13719,10 @@
                         <a:buChar char="•"/>
                       </a:pPr>
                       <a:r>
-                        <a:rPr lang="en-US" sz="1200" b="0" i="0" u="none" strike="noStrike" noProof="0">
+                        <a:rPr lang="en-US" sz="1200" b="0" i="0" u="none" strike="noStrike" noProof="0" dirty="0">
                           <a:latin typeface="+mn-lt"/>
                         </a:rPr>
-                        <a:t>Booz Allen is working to incorporate comments/ feedback from collaboration with </a:t>
-                      </a:r>
-                      <a:r>
-                        <a:rPr lang="en-US" sz="1200" b="0" i="0" u="none" strike="noStrike" noProof="0" err="1">
-                          <a:latin typeface="+mn-lt"/>
-                        </a:rPr>
-                        <a:t>VA.gov</a:t>
-                      </a:r>
-                      <a:r>
-                        <a:rPr lang="en-US" sz="1200" b="0" i="0" u="none" strike="noStrike" noProof="0">
-                          <a:latin typeface="+mn-lt"/>
-                        </a:rPr>
-                        <a:t>.</a:t>
+                        <a:t>Booz Allen will work  to  incorporate comments / feedback from UX testing for content.</a:t>
                       </a:r>
                     </a:p>
                   </a:txBody>
@@ -19042,10 +13746,10 @@
                         <a:buNone/>
                       </a:pPr>
                       <a:r>
-                        <a:rPr lang="en-US" sz="1200" b="0"/>
+                        <a:rPr lang="en-US" sz="1200" b="0" dirty="0"/>
                         <a:t>Grace/ Sunayna</a:t>
                       </a:r>
-                      <a:endParaRPr lang="en-US"/>
+                      <a:endParaRPr lang="en-US" dirty="0"/>
                     </a:p>
                   </a:txBody>
                   <a:tcPr/>
@@ -19066,22 +13770,22 @@
                         <a:buNone/>
                       </a:pPr>
                       <a:r>
-                        <a:rPr lang="en-US" sz="1200"/>
+                        <a:rPr lang="en-US" sz="1200" dirty="0"/>
                         <a:t>Content creation for </a:t>
                       </a:r>
                       <a:r>
-                        <a:rPr lang="en-US" sz="1200" err="1"/>
+                        <a:rPr lang="en-US" sz="1200" dirty="0" err="1"/>
                         <a:t>Voicebot</a:t>
                       </a:r>
                       <a:r>
-                        <a:rPr lang="en-US" sz="1200" baseline="0"/>
+                        <a:rPr lang="en-US" sz="1200" baseline="0" dirty="0"/>
                         <a:t> responses</a:t>
                       </a:r>
                       <a:r>
-                        <a:rPr lang="en-US" sz="1200"/>
+                        <a:rPr lang="en-US" sz="1200" dirty="0"/>
                         <a:t>: PACT Act</a:t>
                       </a:r>
-                      <a:endParaRPr lang="en-US" sz="1200" b="0"/>
+                      <a:endParaRPr lang="en-US" sz="1200" b="0" dirty="0"/>
                     </a:p>
                   </a:txBody>
                   <a:tcPr/>
@@ -19095,7 +13799,7 @@
                         <a:buNone/>
                       </a:pPr>
                       <a:r>
-                        <a:rPr lang="en-US" sz="1200" b="0" i="0" u="none" strike="noStrike" noProof="0">
+                        <a:rPr lang="en-US" sz="1200" b="0" i="0" u="none" strike="noStrike" noProof="0" dirty="0">
                           <a:solidFill>
                             <a:schemeClr val="tx1"/>
                           </a:solidFill>
@@ -19128,7 +13832,7 @@
                         <a:buChar char="•"/>
                       </a:pPr>
                       <a:r>
-                        <a:rPr kumimoji="0" lang="en-US" sz="1200" b="0" i="0" u="none" strike="noStrike" kern="1200" cap="none" spc="0" normalizeH="0" baseline="0" noProof="0">
+                        <a:rPr kumimoji="0" lang="en-US" sz="1200" b="0" i="0" u="none" strike="noStrike" kern="1200" cap="none" spc="0" normalizeH="0" baseline="0" noProof="0" dirty="0">
                           <a:ln>
                             <a:noFill/>
                           </a:ln>
@@ -19145,7 +13849,7 @@
                         <a:t>Booz Allen held call on </a:t>
                       </a:r>
                       <a:r>
-                        <a:rPr lang="en-US" sz="1200" b="0" i="0" u="none" strike="noStrike" kern="1200" cap="none" spc="0" normalizeH="0" baseline="0" noProof="0">
+                        <a:rPr lang="en-US" sz="1200" b="0" i="0" u="none" strike="noStrike" kern="1200" cap="none" spc="0" normalizeH="0" baseline="0" noProof="0" dirty="0">
                           <a:ln>
                             <a:noFill/>
                           </a:ln>
@@ -19162,7 +13866,7 @@
                         <a:t>11/9</a:t>
                       </a:r>
                       <a:r>
-                        <a:rPr kumimoji="0" lang="en-US" sz="1200" b="0" i="0" u="none" strike="noStrike" kern="1200" cap="none" spc="0" normalizeH="0" baseline="0" noProof="0">
+                        <a:rPr kumimoji="0" lang="en-US" sz="1200" b="0" i="0" u="none" strike="noStrike" kern="1200" cap="none" spc="0" normalizeH="0" baseline="0" noProof="0" dirty="0">
                           <a:ln>
                             <a:noFill/>
                           </a:ln>
@@ -19179,7 +13883,7 @@
                         <a:t> with Danielle </a:t>
                       </a:r>
                       <a:r>
-                        <a:rPr lang="en-US" sz="1200" b="0" i="0" u="none" strike="noStrike" kern="1200" cap="none" spc="0" normalizeH="0" baseline="0" noProof="0">
+                        <a:rPr lang="en-US" sz="1200" b="0" i="0" u="none" strike="noStrike" kern="1200" cap="none" spc="0" normalizeH="0" baseline="0" noProof="0" dirty="0">
                           <a:ln>
                             <a:noFill/>
                           </a:ln>
@@ -19196,7 +13900,7 @@
                         <a:t>to collaborate on PACT</a:t>
                       </a:r>
                       <a:r>
-                        <a:rPr kumimoji="0" lang="en-US" sz="1200" b="0" i="0" u="none" strike="noStrike" kern="1200" cap="none" spc="0" normalizeH="0" baseline="0" noProof="0">
+                        <a:rPr kumimoji="0" lang="en-US" sz="1200" b="0" i="0" u="none" strike="noStrike" kern="1200" cap="none" spc="0" normalizeH="0" baseline="0" noProof="0" dirty="0">
                           <a:ln>
                             <a:noFill/>
                           </a:ln>
@@ -19213,7 +13917,7 @@
                         <a:t> Act</a:t>
                       </a:r>
                       <a:r>
-                        <a:rPr lang="en-US" sz="1200" b="0" i="0" u="none" strike="noStrike" kern="1200" cap="none" spc="0" normalizeH="0" baseline="0" noProof="0">
+                        <a:rPr lang="en-US" sz="1200" b="0" i="0" u="none" strike="noStrike" kern="1200" cap="none" spc="0" normalizeH="0" baseline="0" noProof="0" dirty="0">
                           <a:ln>
                             <a:noFill/>
                           </a:ln>
@@ -19227,41 +13931,10 @@
                           <a:ea typeface="+mn-ea"/>
                           <a:cs typeface="+mn-cs"/>
                         </a:rPr>
-                        <a:t> custom responses.</a:t>
+                        <a:t> custom responses. </a:t>
                       </a:r>
-                      <a:endParaRPr kumimoji="0" lang="en-US" sz="1200" b="0" i="0" u="none" strike="noStrike" kern="1200" cap="none" spc="0" normalizeH="0" baseline="0" noProof="0">
-                        <a:ln>
-                          <a:noFill/>
-                        </a:ln>
-                        <a:solidFill>
-                          <a:srgbClr val="000000"/>
-                        </a:solidFill>
-                        <a:effectLst/>
-                        <a:uLnTx/>
-                        <a:uFillTx/>
-                        <a:latin typeface="+mn-lt"/>
-                        <a:ea typeface="+mn-ea"/>
-                        <a:cs typeface="+mn-cs"/>
-                      </a:endParaRPr>
-                    </a:p>
-                    <a:p>
-                      <a:pPr marL="171450" marR="0" lvl="0" indent="-171450" algn="l" rtl="0" eaLnBrk="1" fontAlgn="auto" latinLnBrk="0" hangingPunct="1">
-                        <a:lnSpc>
-                          <a:spcPct val="100000"/>
-                        </a:lnSpc>
-                        <a:spcBef>
-                          <a:spcPts val="0"/>
-                        </a:spcBef>
-                        <a:spcAft>
-                          <a:spcPts val="0"/>
-                        </a:spcAft>
-                        <a:buClrTx/>
-                        <a:buSzTx/>
-                        <a:buFont typeface="Arial"/>
-                        <a:buChar char="•"/>
-                      </a:pPr>
                       <a:r>
-                        <a:rPr kumimoji="0" lang="en-US" sz="1200" b="0" i="0" u="none" strike="noStrike" kern="1200" cap="none" spc="0" normalizeH="0" baseline="0" noProof="0">
+                        <a:rPr kumimoji="0" lang="en-US" sz="1200" b="0" i="0" u="none" strike="noStrike" kern="1200" cap="none" spc="0" normalizeH="0" baseline="0" noProof="0" dirty="0">
                           <a:ln>
                             <a:noFill/>
                           </a:ln>
@@ -19278,7 +13951,7 @@
                         <a:t>Danielle shared MURAL with PACT Act wording</a:t>
                       </a:r>
                       <a:r>
-                        <a:rPr lang="en-US" sz="1200" b="0" i="0" u="none" strike="noStrike" kern="1200" cap="none" spc="0" normalizeH="0" baseline="0" noProof="0">
+                        <a:rPr lang="en-US" sz="1200" b="0" i="0" u="none" strike="noStrike" kern="1200" cap="none" spc="0" normalizeH="0" baseline="0" noProof="0" dirty="0">
                           <a:ln>
                             <a:noFill/>
                           </a:ln>
@@ -19294,7 +13967,7 @@
                         </a:rPr>
                         <a:t> as VA.gov finalizes content.</a:t>
                       </a:r>
-                      <a:endParaRPr kumimoji="0" lang="en-US" sz="1200" b="0" i="0" u="none" strike="noStrike" kern="1200" cap="none" spc="0" normalizeH="0" baseline="0" noProof="0">
+                      <a:endParaRPr kumimoji="0" lang="en-US" sz="1200" b="0" i="0" u="none" strike="noStrike" kern="1200" cap="none" spc="0" normalizeH="0" baseline="0" noProof="0" dirty="0">
                         <a:ln>
                           <a:noFill/>
                         </a:ln>
@@ -19333,10 +14006,33 @@
                         <a:buChar char="•"/>
                       </a:pPr>
                       <a:r>
-                        <a:rPr lang="en-US" sz="1200" b="0" i="0" u="none" strike="noStrike" noProof="0"/>
-                        <a:t>Booz Allen will continue collaboration meetings with Danielle for PACT Act content.</a:t>
+                        <a:rPr lang="en-US" sz="1200" b="0" i="0" u="none" strike="noStrike" noProof="0" dirty="0"/>
+                        <a:t>Booz Allen will continue collaboration meetings with Danielle for PACT Act content.</a:t>
                       </a:r>
-                      <a:endParaRPr lang="en-US"/>
+                    </a:p>
+                    <a:p>
+                      <a:pPr marL="171450" marR="0" lvl="0" indent="-171450" algn="l">
+                        <a:lnSpc>
+                          <a:spcPct val="100000"/>
+                        </a:lnSpc>
+                        <a:spcBef>
+                          <a:spcPts val="0"/>
+                        </a:spcBef>
+                        <a:spcAft>
+                          <a:spcPts val="0"/>
+                        </a:spcAft>
+                        <a:buClrTx/>
+                        <a:buSzTx/>
+                        <a:buFont typeface="Arial"/>
+                        <a:buChar char="•"/>
+                      </a:pPr>
+                      <a:r>
+                        <a:rPr lang="en-US" sz="1200" b="0" i="0" u="none" strike="noStrike" noProof="0" dirty="0">
+                          <a:latin typeface="Calibri"/>
+                        </a:rPr>
+                        <a:t>Booz Allen will work  to incorporate feedback from UX testing for content.</a:t>
+                      </a:r>
+                      <a:endParaRPr lang="en-US" sz="1200" b="0" i="0" u="none" strike="noStrike" noProof="0" dirty="0"/>
                     </a:p>
                   </a:txBody>
                   <a:tcPr/>
@@ -19364,7 +14060,7 @@
                         <a:defRPr/>
                       </a:pPr>
                       <a:r>
-                        <a:rPr lang="en-US" sz="1200" b="0"/>
+                        <a:rPr lang="en-US" sz="1200" b="0" dirty="0"/>
                         <a:t>Grace</a:t>
                       </a:r>
                     </a:p>
@@ -19387,7 +14083,7 @@
                         <a:buNone/>
                       </a:pPr>
                       <a:r>
-                        <a:rPr lang="en-US" sz="1200" b="0"/>
+                        <a:rPr lang="en-US" sz="1200" b="0" dirty="0"/>
                         <a:t>Error management</a:t>
                       </a:r>
                     </a:p>
@@ -19403,7 +14099,7 @@
                         <a:buNone/>
                       </a:pPr>
                       <a:r>
-                        <a:rPr lang="en-US" sz="1200" b="0" i="0" u="none" strike="noStrike" noProof="0">
+                        <a:rPr lang="en-US" sz="1200" b="0" i="0" u="none" strike="noStrike" noProof="0" dirty="0">
                           <a:solidFill>
                             <a:schemeClr val="tx1"/>
                           </a:solidFill>
@@ -19436,7 +14132,7 @@
                         <a:buChar char="•"/>
                       </a:pPr>
                       <a:r>
-                        <a:rPr kumimoji="0" lang="en-US" sz="1200" b="0" i="0" u="none" strike="noStrike" kern="1200" cap="none" spc="0" normalizeH="0" baseline="0" noProof="0">
+                        <a:rPr kumimoji="0" lang="en-US" sz="1200" b="0" i="0" u="none" strike="noStrike" kern="1200" cap="none" spc="0" normalizeH="0" baseline="0" noProof="0" dirty="0">
                           <a:ln>
                             <a:noFill/>
                           </a:ln>
@@ -19453,7 +14149,7 @@
                         <a:t>Researching best practices for error handling and messaging using </a:t>
                       </a:r>
                       <a:r>
-                        <a:rPr kumimoji="0" lang="en-US" sz="1200" b="0" i="0" u="none" strike="noStrike" kern="1200" cap="none" spc="0" normalizeH="0" baseline="0" noProof="0" err="1">
+                        <a:rPr kumimoji="0" lang="en-US" sz="1200" b="0" i="0" u="none" strike="noStrike" kern="1200" cap="none" spc="0" normalizeH="0" baseline="0" noProof="0" dirty="0" err="1">
                           <a:ln>
                             <a:noFill/>
                           </a:ln>
@@ -19470,7 +14166,7 @@
                         <a:t>DialogFlow</a:t>
                       </a:r>
                       <a:r>
-                        <a:rPr kumimoji="0" lang="en-US" sz="1200" b="0" i="0" u="none" strike="noStrike" kern="1200" cap="none" spc="0" normalizeH="0" baseline="0" noProof="0">
+                        <a:rPr kumimoji="0" lang="en-US" sz="1200" b="0" i="0" u="none" strike="noStrike" kern="1200" cap="none" spc="0" normalizeH="0" baseline="0" noProof="0" dirty="0">
                           <a:ln>
                             <a:noFill/>
                           </a:ln>
@@ -19484,41 +14180,7 @@
                           <a:ea typeface="+mn-ea"/>
                           <a:cs typeface="+mn-cs"/>
                         </a:rPr>
-                        <a:t> CX error concepts and </a:t>
-                      </a:r>
-                      <a:r>
-                        <a:rPr kumimoji="0" lang="en-US" sz="1200" b="0" i="0" u="none" strike="noStrike" kern="1200" cap="none" spc="0" normalizeH="0" baseline="0" noProof="0" err="1">
-                          <a:ln>
-                            <a:noFill/>
-                          </a:ln>
-                          <a:solidFill>
-                            <a:srgbClr val="000000"/>
-                          </a:solidFill>
-                          <a:effectLst/>
-                          <a:uLnTx/>
-                          <a:uFillTx/>
-                          <a:latin typeface="+mn-lt"/>
-                          <a:ea typeface="+mn-ea"/>
-                          <a:cs typeface="+mn-cs"/>
-                        </a:rPr>
-                        <a:t>VA.gov</a:t>
-                      </a:r>
-                      <a:r>
-                        <a:rPr kumimoji="0" lang="en-US" sz="1200" b="0" i="0" u="none" strike="noStrike" kern="1200" cap="none" spc="0" normalizeH="0" baseline="0" noProof="0">
-                          <a:ln>
-                            <a:noFill/>
-                          </a:ln>
-                          <a:solidFill>
-                            <a:srgbClr val="000000"/>
-                          </a:solidFill>
-                          <a:effectLst/>
-                          <a:uLnTx/>
-                          <a:uFillTx/>
-                          <a:latin typeface="+mn-lt"/>
-                          <a:ea typeface="+mn-ea"/>
-                          <a:cs typeface="+mn-cs"/>
-                        </a:rPr>
-                        <a:t> Design System.</a:t>
+                        <a:t> CX error concepts and VA.gov Design System.</a:t>
                       </a:r>
                     </a:p>
                     <a:p>
@@ -19538,7 +14200,7 @@
                         <a:buChar char="•"/>
                       </a:pPr>
                       <a:r>
-                        <a:rPr kumimoji="0" lang="en-US" sz="1200" b="0" i="0" u="none" strike="noStrike" kern="1200" cap="none" spc="0" normalizeH="0" baseline="0" noProof="0">
+                        <a:rPr lang="en-US" sz="1200" b="0" i="0" u="none" strike="noStrike" kern="1200" cap="none" spc="0" normalizeH="0" baseline="0" noProof="0" dirty="0">
                           <a:ln>
                             <a:noFill/>
                           </a:ln>
@@ -19552,8 +14214,56 @@
                           <a:ea typeface="+mn-ea"/>
                           <a:cs typeface="+mn-cs"/>
                         </a:rPr>
-                        <a:t>Matching different types of errors with corresponding error messaging content. </a:t>
+                        <a:t>Creating error</a:t>
                       </a:r>
+                      <a:r>
+                        <a:rPr kumimoji="0" lang="en-US" sz="1200" b="0" i="0" u="none" strike="noStrike" kern="1200" cap="none" spc="0" normalizeH="0" baseline="0" noProof="0" dirty="0">
+                          <a:ln>
+                            <a:noFill/>
+                          </a:ln>
+                          <a:solidFill>
+                            <a:srgbClr val="000000"/>
+                          </a:solidFill>
+                          <a:effectLst/>
+                          <a:uLnTx/>
+                          <a:uFillTx/>
+                          <a:latin typeface="+mn-lt"/>
+                          <a:ea typeface="+mn-ea"/>
+                          <a:cs typeface="+mn-cs"/>
+                        </a:rPr>
+                        <a:t> messaging content.</a:t>
+                      </a:r>
+                      <a:r>
+                        <a:rPr lang="en-US" sz="1200" b="0" i="0" u="none" strike="noStrike" kern="1200" cap="none" spc="0" normalizeH="0" baseline="0" noProof="0" dirty="0">
+                          <a:ln>
+                            <a:noFill/>
+                          </a:ln>
+                          <a:solidFill>
+                            <a:srgbClr val="000000"/>
+                          </a:solidFill>
+                          <a:effectLst/>
+                          <a:uLnTx/>
+                          <a:uFillTx/>
+                          <a:latin typeface="+mn-lt"/>
+                          <a:ea typeface="+mn-ea"/>
+                          <a:cs typeface="+mn-cs"/>
+                        </a:rPr>
+                        <a:t> </a:t>
+                      </a:r>
+                      <a:endParaRPr kumimoji="0" lang="en-US" sz="1200" b="0" i="0" u="none" strike="noStrike" kern="1200" cap="none" spc="0" normalizeH="0" baseline="0" noProof="0" dirty="0">
+                        <a:ln>
+                          <a:noFill/>
+                        </a:ln>
+                        <a:solidFill>
+                          <a:srgbClr val="000000"/>
+                        </a:solidFill>
+                        <a:effectLst/>
+                        <a:uLnTx/>
+                        <a:uFillTx/>
+                        <a:latin typeface="+mn-lt"/>
+                        <a:ea typeface="+mn-ea"/>
+                        <a:cs typeface="+mn-cs"/>
+                      </a:endParaRPr>
                     </a:p>
                   </a:txBody>
                   <a:tcPr/>
@@ -19579,16 +14289,16 @@
                         <a:buChar char="•"/>
                       </a:pPr>
                       <a:r>
-                        <a:rPr lang="en-US" sz="1200"/>
+                        <a:rPr lang="en-US" sz="1200" dirty="0"/>
                         <a:t>Booz Allen will develop error flows in </a:t>
                       </a:r>
                       <a:r>
-                        <a:rPr lang="en-US" sz="1200" err="1"/>
+                        <a:rPr lang="en-US" sz="1200" dirty="0" err="1"/>
                         <a:t>DialogFlow</a:t>
                       </a:r>
                       <a:r>
-                        <a:rPr lang="en-US" sz="1200"/>
-                        <a:t> and Lex. </a:t>
+                        <a:rPr lang="en-US" sz="1200" dirty="0"/>
+                        <a:t> and Lex. </a:t>
                       </a:r>
                     </a:p>
                     <a:p>
@@ -19608,27 +14318,9 @@
                         <a:buChar char="•"/>
                       </a:pPr>
                       <a:r>
-                        <a:rPr lang="en-US" sz="1200"/>
-                        <a:t>Booz Allen will work with Danielle to create and finalize error messages/content.</a:t>
+                        <a:rPr lang="en-US" sz="1200" dirty="0"/>
+                        <a:t>Booz Allen will work with Danielle to finalize error messages /content.</a:t>
                       </a:r>
-                    </a:p>
-                    <a:p>
-                      <a:pPr marL="171450" marR="0" lvl="0" indent="-171450" algn="l">
-                        <a:lnSpc>
-                          <a:spcPct val="100000"/>
-                        </a:lnSpc>
-                        <a:spcBef>
-                          <a:spcPts val="0"/>
-                        </a:spcBef>
-                        <a:spcAft>
-                          <a:spcPts val="0"/>
-                        </a:spcAft>
-                        <a:buClrTx/>
-                        <a:buSzTx/>
-                        <a:buFont typeface="Arial"/>
-                        <a:buChar char="•"/>
-                      </a:pPr>
-                      <a:endParaRPr lang="en-US" sz="1200"/>
                     </a:p>
                   </a:txBody>
                   <a:tcPr/>
@@ -19656,7 +14348,7 @@
                         <a:defRPr/>
                       </a:pPr>
                       <a:r>
-                        <a:rPr lang="en-US" sz="1200" b="0"/>
+                        <a:rPr lang="en-US" sz="1200" b="0" dirty="0"/>
                         <a:t>Grace/</a:t>
                       </a:r>
                     </a:p>
@@ -19679,12 +14371,8 @@
                         <a:defRPr/>
                       </a:pPr>
                       <a:r>
-                        <a:rPr lang="en-US" sz="1200" b="0" err="1"/>
-                        <a:t>Sunayna</a:t>
-                      </a:r>
-                      <a:r>
-                        <a:rPr lang="en-US" sz="1200" b="0"/>
-                        <a:t>/</a:t>
+                        <a:rPr lang="en-US" sz="1200" b="0" dirty="0"/>
+                        <a:t>Sunayna/</a:t>
                       </a:r>
                     </a:p>
                     <a:p>
@@ -19706,7 +14394,7 @@
                         <a:defRPr/>
                       </a:pPr>
                       <a:r>
-                        <a:rPr lang="en-US" sz="1200" b="0"/>
+                        <a:rPr lang="en-US" sz="1200" b="0" dirty="0"/>
                         <a:t>Millie/</a:t>
                       </a:r>
                     </a:p>
@@ -19729,7 +14417,7 @@
                         <a:defRPr/>
                       </a:pPr>
                       <a:r>
-                        <a:rPr lang="en-US" sz="1200" b="0"/>
+                        <a:rPr lang="en-US" sz="1200" b="0" dirty="0"/>
                         <a:t>Nicole</a:t>
                       </a:r>
                     </a:p>
@@ -19752,7 +14440,7 @@
                         <a:buNone/>
                       </a:pPr>
                       <a:r>
-                        <a:rPr lang="en-US" sz="1200" b="0"/>
+                        <a:rPr lang="en-US" sz="1200" b="0" dirty="0"/>
                         <a:t>Usability testing</a:t>
                       </a:r>
                     </a:p>
@@ -19768,7 +14456,7 @@
                         <a:buNone/>
                       </a:pPr>
                       <a:r>
-                        <a:rPr lang="en-US" sz="1200" b="0" i="0" u="none" strike="noStrike" noProof="0">
+                        <a:rPr lang="en-US" sz="1200" b="0" i="0" u="none" strike="noStrike" noProof="0" dirty="0">
                           <a:solidFill>
                             <a:schemeClr val="tx1"/>
                           </a:solidFill>
@@ -19793,13 +14481,31 @@
                         <a:buChar char="•"/>
                       </a:pPr>
                       <a:r>
-                        <a:rPr lang="en-US" sz="1200" b="0" i="0" u="none" strike="noStrike" noProof="0">
+                        <a:rPr lang="en-US" sz="1200" b="0" i="0" u="none" strike="noStrike" noProof="0" dirty="0">
                           <a:solidFill>
                             <a:schemeClr val="tx1"/>
                           </a:solidFill>
                           <a:latin typeface="Calibri"/>
                         </a:rPr>
-                        <a:t>Booz Allen is running usability testing with agents</a:t>
+                        <a:t>Booz Allen completed usability testing on 11/16.</a:t>
+                      </a:r>
+                    </a:p>
+                    <a:p>
+                      <a:pPr marL="171450" lvl="0" indent="-171450">
+                        <a:buClr>
+                          <a:srgbClr val="000000"/>
+                        </a:buClr>
+                        <a:buFont typeface="Arial,Sans-Serif"/>
+                        <a:buChar char="•"/>
+                      </a:pPr>
+                      <a:r>
+                        <a:rPr lang="en-US" sz="1200" b="0" i="0" u="none" strike="noStrike" noProof="0" dirty="0">
+                          <a:solidFill>
+                            <a:schemeClr val="tx1"/>
+                          </a:solidFill>
+                          <a:latin typeface="Calibri"/>
+                        </a:rPr>
+                        <a:t>Teams transcripts scraped for relevant feedback.</a:t>
                       </a:r>
                     </a:p>
                     <a:p>
@@ -19838,40 +14544,16 @@
                         <a:buChar char="•"/>
                       </a:pPr>
                       <a:r>
-                        <a:rPr lang="en-US" sz="1200" b="0" i="0" u="none" strike="noStrike" noProof="0">
+                        <a:rPr lang="en-US" sz="1200" b="0" i="0" u="none" strike="noStrike" noProof="0" dirty="0">
                           <a:solidFill>
                             <a:schemeClr val="tx1"/>
                           </a:solidFill>
                           <a:latin typeface="+mn-lt"/>
                         </a:rPr>
-                        <a:t>Booz Allen to scrape Teams transcripts for relevant feedback</a:t>
-                      </a:r>
-                    </a:p>
-                    <a:p>
-                      <a:pPr marL="171450" lvl="0" indent="-171450" algn="l">
-                        <a:lnSpc>
-                          <a:spcPct val="100000"/>
-                        </a:lnSpc>
-                        <a:spcBef>
-                          <a:spcPts val="0"/>
-                        </a:spcBef>
-                        <a:spcAft>
-                          <a:spcPts val="0"/>
-                        </a:spcAft>
-                        <a:buFont typeface="Arial"/>
-                        <a:buChar char="•"/>
-                      </a:pPr>
-                      <a:r>
-                        <a:rPr lang="en-US" sz="1200" b="0" i="0" u="none" strike="noStrike" noProof="0">
-                          <a:solidFill>
-                            <a:schemeClr val="tx1"/>
-                          </a:solidFill>
-                          <a:latin typeface="+mn-lt"/>
-                        </a:rPr>
-                        <a:t>At conclusion of testing, team will use feedback to document proposed changes to </a:t>
+                        <a:t>Team to meet to review feedback for affinity mapping, create suggestions for </a:t>
                       </a:r>
                       <a:r>
-                        <a:rPr lang="en-US" sz="1200" b="0" i="0" u="none" strike="noStrike" noProof="0" err="1">
+                        <a:rPr lang="en-US" sz="1200" b="0" i="0" u="none" strike="noStrike" noProof="0" dirty="0" err="1">
                           <a:solidFill>
                             <a:schemeClr val="tx1"/>
                           </a:solidFill>
@@ -19879,12 +14561,6 @@
                         </a:rPr>
                         <a:t>Voicebot</a:t>
                       </a:r>
-                      <a:endParaRPr lang="en-US" sz="1200" b="0" i="0" u="none" strike="noStrike" noProof="0">
-                        <a:solidFill>
-                          <a:schemeClr val="tx1"/>
-                        </a:solidFill>
-                        <a:latin typeface="+mn-lt"/>
-                      </a:endParaRPr>
                     </a:p>
                   </a:txBody>
                   <a:tcPr/>
@@ -19898,7 +14574,7 @@
                         <a:buNone/>
                       </a:pPr>
                       <a:r>
-                        <a:rPr lang="en-US" sz="1200" b="0"/>
+                        <a:rPr lang="en-US" sz="1200" b="0" dirty="0"/>
                         <a:t>Julie / Ty</a:t>
                       </a:r>
                     </a:p>
@@ -20018,14 +14694,14 @@
           <p:nvPr>
             <p:extLst>
               <p:ext uri="{D42A27DB-BD31-4B8C-83A1-F6EECF244321}">
-                <p14:modId xmlns:p14="http://schemas.microsoft.com/office/powerpoint/2010/main" val="2772275218"/>
+                <p14:modId xmlns:p14="http://schemas.microsoft.com/office/powerpoint/2010/main" val="40266899"/>
               </p:ext>
             </p:extLst>
           </p:nvPr>
         </p:nvGraphicFramePr>
         <p:xfrm>
           <a:off x="249854" y="1053371"/>
-          <a:ext cx="8653720" cy="2804160"/>
+          <a:ext cx="8653720" cy="1981200"/>
         </p:xfrm>
         <a:graphic>
           <a:graphicData uri="http://schemas.openxmlformats.org/drawingml/2006/table">
@@ -20153,218 +14829,6 @@
                       </a:pPr>
                       <a:r>
                         <a:rPr lang="en-US" sz="1200" b="0"/>
-                        <a:t>Google </a:t>
-                      </a:r>
-                      <a:r>
-                        <a:rPr lang="en-US" sz="1200" b="0" err="1"/>
-                        <a:t>DialogFlow</a:t>
-                      </a:r>
-                    </a:p>
-                  </a:txBody>
-                  <a:tcPr/>
-                </a:tc>
-                <a:tc>
-                  <a:txBody>
-                    <a:bodyPr/>
-                    <a:lstStyle/>
-                    <a:p>
-                      <a:pPr lvl="0">
-                        <a:buNone/>
-                      </a:pPr>
-                      <a:r>
-                        <a:rPr lang="en-US" sz="1200" b="0" i="0" u="none" strike="noStrike" noProof="0">
-                          <a:solidFill>
-                            <a:schemeClr val="tx1"/>
-                          </a:solidFill>
-                          <a:latin typeface="Calibri"/>
-                        </a:rPr>
-                        <a:t>Exploring </a:t>
-                      </a:r>
-                      <a:r>
-                        <a:rPr lang="en-US" sz="1200" b="0" i="0" u="none" strike="noStrike" noProof="0" err="1">
-                          <a:solidFill>
-                            <a:schemeClr val="tx1"/>
-                          </a:solidFill>
-                          <a:latin typeface="Calibri"/>
-                        </a:rPr>
-                        <a:t>DialogFlow</a:t>
-                      </a:r>
-                      <a:r>
-                        <a:rPr lang="en-US" sz="1200" b="0" i="0" u="none" strike="noStrike" noProof="0">
-                          <a:solidFill>
-                            <a:schemeClr val="tx1"/>
-                          </a:solidFill>
-                          <a:latin typeface="Calibri"/>
-                        </a:rPr>
-                        <a:t> as a </a:t>
-                      </a:r>
-                      <a:r>
-                        <a:rPr lang="en-US" sz="1200" b="0" i="0" u="none" strike="noStrike" noProof="0" err="1">
-                          <a:solidFill>
-                            <a:schemeClr val="tx1"/>
-                          </a:solidFill>
-                          <a:latin typeface="Calibri"/>
-                        </a:rPr>
-                        <a:t>Voicebot</a:t>
-                      </a:r>
-                      <a:r>
-                        <a:rPr lang="en-US" sz="1200" b="0" i="0" u="none" strike="noStrike" noProof="0">
-                          <a:solidFill>
-                            <a:schemeClr val="tx1"/>
-                          </a:solidFill>
-                          <a:latin typeface="Calibri"/>
-                        </a:rPr>
-                        <a:t> Platform</a:t>
-                      </a:r>
-                    </a:p>
-                  </a:txBody>
-                  <a:tcPr/>
-                </a:tc>
-                <a:tc>
-                  <a:txBody>
-                    <a:bodyPr/>
-                    <a:lstStyle/>
-                    <a:p>
-                      <a:pPr marL="171450" lvl="0" indent="-171450">
-                        <a:buFont typeface="Arial"/>
-                        <a:buChar char="•"/>
-                      </a:pPr>
-                      <a:r>
-                        <a:rPr lang="en-US" sz="1200" b="0"/>
-                        <a:t>Booz Allen created Google Cloud sandboxes on Booz Allen side to begin </a:t>
-                      </a:r>
-                      <a:r>
-                        <a:rPr lang="en-US" sz="1200" b="0" err="1"/>
-                        <a:t>DialogFlow</a:t>
-                      </a:r>
-                      <a:r>
-                        <a:rPr lang="en-US" sz="1200" b="0"/>
-                        <a:t> learning</a:t>
-                      </a:r>
-                    </a:p>
-                    <a:p>
-                      <a:pPr marL="171450" lvl="0" indent="-171450">
-                        <a:buFont typeface="Arial"/>
-                        <a:buChar char="•"/>
-                      </a:pPr>
-                      <a:r>
-                        <a:rPr lang="en-US" sz="1200" b="0"/>
-                        <a:t>Booz Allen demoed Claims and PACT Act flows in </a:t>
-                      </a:r>
-                      <a:r>
-                        <a:rPr lang="en-US" sz="1200" b="0" err="1"/>
-                        <a:t>DialogFlow</a:t>
-                      </a:r>
-                      <a:r>
-                        <a:rPr lang="en-US" sz="1200" b="0"/>
-                        <a:t> on 11/4</a:t>
-                      </a:r>
-                    </a:p>
-                  </a:txBody>
-                  <a:tcPr/>
-                </a:tc>
-                <a:tc>
-                  <a:txBody>
-                    <a:bodyPr/>
-                    <a:lstStyle/>
-                    <a:p>
-                      <a:pPr marL="171450" marR="0" lvl="0" indent="-171450" algn="l" rtl="0" eaLnBrk="1" fontAlgn="auto" latinLnBrk="0" hangingPunct="1">
-                        <a:lnSpc>
-                          <a:spcPct val="100000"/>
-                        </a:lnSpc>
-                        <a:spcBef>
-                          <a:spcPts val="0"/>
-                        </a:spcBef>
-                        <a:spcAft>
-                          <a:spcPts val="0"/>
-                        </a:spcAft>
-                        <a:buClrTx/>
-                        <a:buSzTx/>
-                        <a:buFont typeface="Arial" panose="020B0604020202020204" pitchFamily="34" charset="0"/>
-                        <a:buChar char="•"/>
-                      </a:pPr>
-                      <a:r>
-                        <a:rPr lang="en-US" sz="1200" b="0" i="0" u="none" strike="noStrike" noProof="0">
-                          <a:solidFill>
-                            <a:schemeClr val="tx1"/>
-                          </a:solidFill>
-                          <a:latin typeface="+mn-lt"/>
-                        </a:rPr>
-                        <a:t>VA working on creating a Google Cloud sandbox</a:t>
-                      </a:r>
-                    </a:p>
-                    <a:p>
-                      <a:pPr marL="171450" marR="0" lvl="0" indent="-171450" algn="l">
-                        <a:lnSpc>
-                          <a:spcPct val="100000"/>
-                        </a:lnSpc>
-                        <a:spcBef>
-                          <a:spcPts val="0"/>
-                        </a:spcBef>
-                        <a:spcAft>
-                          <a:spcPts val="0"/>
-                        </a:spcAft>
-                        <a:buClrTx/>
-                        <a:buSzTx/>
-                        <a:buFont typeface="Arial" panose="020B0604020202020204" pitchFamily="34" charset="0"/>
-                        <a:buChar char="•"/>
-                      </a:pPr>
-                      <a:r>
-                        <a:rPr lang="en-US" sz="1200" b="0" i="0" u="none" strike="noStrike" noProof="0">
-                          <a:solidFill>
-                            <a:schemeClr val="tx1"/>
-                          </a:solidFill>
-                          <a:latin typeface="+mn-lt"/>
-                        </a:rPr>
-                        <a:t>Booz Allen exploring call metrics and log </a:t>
-                      </a:r>
-                      <a:r>
-                        <a:rPr lang="en-US" sz="1200" b="0" i="0" u="none" strike="noStrike" noProof="0" err="1">
-                          <a:solidFill>
-                            <a:schemeClr val="tx1"/>
-                          </a:solidFill>
-                          <a:latin typeface="+mn-lt"/>
-                        </a:rPr>
-                        <a:t>capabilitie</a:t>
-                      </a:r>
-                    </a:p>
-                  </a:txBody>
-                  <a:tcPr/>
-                </a:tc>
-                <a:tc>
-                  <a:txBody>
-                    <a:bodyPr/>
-                    <a:lstStyle/>
-                    <a:p>
-                      <a:pPr lvl="0">
-                        <a:buNone/>
-                      </a:pPr>
-                      <a:r>
-                        <a:rPr lang="en-US" sz="1200" b="0"/>
-                        <a:t>VA / Josh</a:t>
-                      </a:r>
-                      <a:endParaRPr lang="en-US"/>
-                    </a:p>
-                  </a:txBody>
-                  <a:tcPr/>
-                </a:tc>
-                <a:extLst>
-                  <a:ext uri="{0D108BD9-81ED-4DB2-BD59-A6C34878D82A}">
-                    <a16:rowId xmlns:a16="http://schemas.microsoft.com/office/drawing/2014/main" val="453804449"/>
-                  </a:ext>
-                </a:extLst>
-              </a:tr>
-              <a:tr h="303084">
-                <a:tc>
-                  <a:txBody>
-                    <a:bodyPr/>
-                    <a:lstStyle/>
-                    <a:p>
-                      <a:pPr lvl="0">
-                        <a:buNone/>
-                      </a:pPr>
-                      <a:r>
-                        <a:rPr lang="en-US" sz="1200" b="0"/>
                         <a:t>Amazon Lex</a:t>
                       </a:r>
                     </a:p>
@@ -20427,8 +14891,13 @@
                         <a:buChar char="•"/>
                       </a:pPr>
                       <a:r>
-                        <a:rPr lang="en-US" sz="1200" b="0"/>
-                        <a:t>A Booz Allen AWS sandbox set-up</a:t>
+                        <a:rPr lang="en-US" sz="1200" b="0" i="0" u="none" strike="noStrike" noProof="0">
+                          <a:solidFill>
+                            <a:schemeClr val="tx1"/>
+                          </a:solidFill>
+                          <a:latin typeface="Calibri"/>
+                        </a:rPr>
+                        <a:t>Booz Allen explored Amazon Lex</a:t>
                       </a:r>
                     </a:p>
                     <a:p>
@@ -20437,9 +14906,20 @@
                         <a:buChar char="•"/>
                       </a:pPr>
                       <a:r>
-                        <a:rPr lang="en-US" sz="1200" b="0"/>
-                        <a:t>Booz Allen focused on getting access to AWS</a:t>
+                        <a:rPr lang="en-US" sz="1200" b="0" i="0" u="none" strike="noStrike" noProof="0">
+                          <a:solidFill>
+                            <a:schemeClr val="tx1"/>
+                          </a:solidFill>
+                          <a:latin typeface="Calibri"/>
+                        </a:rPr>
+                        <a:t>Booz Allen replicating flows from DialogFlow</a:t>
                       </a:r>
+                      <a:endParaRPr lang="en-US" sz="1200" b="0" i="0" u="none" strike="noStrike" noProof="0" err="1">
+                        <a:solidFill>
+                          <a:schemeClr val="tx1"/>
+                        </a:solidFill>
+                        <a:latin typeface="Calibri"/>
+                      </a:endParaRPr>
                     </a:p>
                   </a:txBody>
                   <a:tcPr/>
@@ -20469,41 +14949,14 @@
                           </a:solidFill>
                           <a:latin typeface="+mn-lt"/>
                         </a:rPr>
-                        <a:t>Booz Allen to explore Amazon Lex</a:t>
+                        <a:t>Booz Allen to complete replicating flows in Lex, and demo to VA when completed</a:t>
                       </a:r>
-                    </a:p>
-                    <a:p>
-                      <a:pPr marL="171450" lvl="0" indent="-171450" algn="l">
-                        <a:lnSpc>
-                          <a:spcPct val="100000"/>
-                        </a:lnSpc>
-                        <a:spcBef>
-                          <a:spcPts val="0"/>
-                        </a:spcBef>
-                        <a:spcAft>
-                          <a:spcPts val="0"/>
-                        </a:spcAft>
-                        <a:buFont typeface="Arial"/>
-                        <a:buChar char="•"/>
-                      </a:pPr>
-                      <a:r>
-                        <a:rPr lang="en-US" sz="1200" b="0" i="0" u="none" strike="noStrike" noProof="0">
-                          <a:solidFill>
-                            <a:schemeClr val="tx1"/>
-                          </a:solidFill>
-                          <a:latin typeface="+mn-lt"/>
-                        </a:rPr>
-                        <a:t>Booz Allen to replicate flows from </a:t>
-                      </a:r>
-                      <a:r>
-                        <a:rPr lang="en-US" sz="1200" b="0" i="0" u="none" strike="noStrike" noProof="0" err="1">
-                          <a:solidFill>
-                            <a:schemeClr val="tx1"/>
-                          </a:solidFill>
-                          <a:latin typeface="+mn-lt"/>
-                        </a:rPr>
-                        <a:t>DialogFlow</a:t>
-                      </a:r>
+                      <a:endParaRPr lang="en-US" sz="1200" b="0" i="0" u="none" strike="noStrike" noProof="0" err="1">
+                        <a:solidFill>
+                          <a:schemeClr val="tx1"/>
+                        </a:solidFill>
+                        <a:latin typeface="+mn-lt"/>
+                      </a:endParaRPr>
                     </a:p>
                   </a:txBody>
                   <a:tcPr/>
@@ -20530,27 +14983,20 @@
                   </a:ext>
                 </a:extLst>
               </a:tr>
-              <a:tr h="466164">
+              <a:tr h="303084">
                 <a:tc>
                   <a:txBody>
                     <a:bodyPr/>
                     <a:lstStyle/>
                     <a:p>
-                      <a:pPr marL="0" lvl="0" algn="l" defTabSz="457200" rtl="0" eaLnBrk="1" latinLnBrk="0" hangingPunct="1">
+                      <a:pPr lvl="0">
                         <a:buNone/>
                       </a:pPr>
                       <a:r>
-                        <a:rPr lang="en-US" sz="1200" kern="1200">
-                          <a:solidFill>
-                            <a:schemeClr val="dk1"/>
-                          </a:solidFill>
-                          <a:effectLst/>
-                          <a:latin typeface="+mn-lt"/>
-                          <a:ea typeface="+mn-ea"/>
-                          <a:cs typeface="+mn-cs"/>
-                        </a:rPr>
-                        <a:t>ATO Process</a:t>
+                        <a:rPr lang="en-US" sz="1200" b="0"/>
+                        <a:t>Google DialogFlow</a:t>
                       </a:r>
+                      <a:endParaRPr lang="en-US" err="1"/>
                     </a:p>
                   </a:txBody>
                   <a:tcPr/>
@@ -20560,121 +15006,17 @@
                     <a:bodyPr/>
                     <a:lstStyle/>
                     <a:p>
-                      <a:pPr marL="0" lvl="0" algn="l" rtl="0" eaLnBrk="1" latinLnBrk="0" hangingPunct="1">
+                      <a:pPr lvl="0">
                         <a:buNone/>
                       </a:pPr>
                       <a:r>
-                        <a:rPr lang="en-US" sz="1200" kern="1200">
+                        <a:rPr lang="en-US" sz="1200" b="0" i="0" u="none" strike="noStrike" noProof="0">
                           <a:solidFill>
-                            <a:schemeClr val="dk1"/>
+                            <a:schemeClr val="tx1"/>
                           </a:solidFill>
-                          <a:effectLst/>
-                          <a:latin typeface="+mn-lt"/>
-                          <a:ea typeface="+mn-ea"/>
-                          <a:cs typeface="+mn-cs"/>
+                          <a:latin typeface="Calibri"/>
                         </a:rPr>
-                        <a:t>Learning about ATO process</a:t>
-                      </a:r>
-                    </a:p>
-                  </a:txBody>
-                  <a:tcPr/>
-                </a:tc>
-                <a:tc>
-                  <a:txBody>
-                    <a:bodyPr/>
-                    <a:lstStyle/>
-                    <a:p>
-                      <a:pPr marL="171450" lvl="0" indent="-171450" algn="l" rtl="0" eaLnBrk="1" latinLnBrk="0" hangingPunct="1">
-                        <a:buFont typeface="Arial" panose="020B0604020202020204" pitchFamily="34" charset="0"/>
-                        <a:buChar char="•"/>
-                      </a:pPr>
-                      <a:r>
-                        <a:rPr lang="en-US" sz="1200" kern="1200">
-                          <a:solidFill>
-                            <a:schemeClr val="dk1"/>
-                          </a:solidFill>
-                          <a:effectLst/>
-                          <a:latin typeface="+mn-lt"/>
-                          <a:ea typeface="+mn-ea"/>
-                          <a:cs typeface="+mn-cs"/>
-                        </a:rPr>
-                        <a:t>VA determined </a:t>
-                      </a:r>
-                      <a:r>
-                        <a:rPr lang="en-US" sz="1200" kern="1200" err="1">
-                          <a:solidFill>
-                            <a:schemeClr val="dk1"/>
-                          </a:solidFill>
-                          <a:effectLst/>
-                          <a:latin typeface="+mn-lt"/>
-                          <a:ea typeface="+mn-ea"/>
-                          <a:cs typeface="+mn-cs"/>
-                        </a:rPr>
-                        <a:t>Voicebot</a:t>
-                      </a:r>
-                      <a:r>
-                        <a:rPr lang="en-US" sz="1200" kern="1200">
-                          <a:solidFill>
-                            <a:schemeClr val="dk1"/>
-                          </a:solidFill>
-                          <a:effectLst/>
-                          <a:latin typeface="+mn-lt"/>
-                          <a:ea typeface="+mn-ea"/>
-                          <a:cs typeface="+mn-cs"/>
-                        </a:rPr>
-                        <a:t> could not use existing BAM Moderate ATO</a:t>
-                      </a:r>
-                    </a:p>
-                    <a:p>
-                      <a:pPr marL="171450" lvl="0" indent="-171450" algn="l">
-                        <a:buFont typeface="Arial" panose="020B0604020202020204" pitchFamily="34" charset="0"/>
-                        <a:buChar char="•"/>
-                      </a:pPr>
-                      <a:r>
-                        <a:rPr lang="en-US" sz="1200" kern="1200">
-                          <a:solidFill>
-                            <a:schemeClr val="dk1"/>
-                          </a:solidFill>
-                          <a:effectLst/>
-                          <a:latin typeface="+mn-lt"/>
-                          <a:ea typeface="+mn-ea"/>
-                          <a:cs typeface="+mn-cs"/>
-                        </a:rPr>
-                        <a:t>Booz Allen submitted PTA to VA on 11/1</a:t>
-                      </a:r>
-                    </a:p>
-                  </a:txBody>
-                  <a:tcPr/>
-                </a:tc>
-                <a:tc>
-                  <a:txBody>
-                    <a:bodyPr/>
-                    <a:lstStyle/>
-                    <a:p>
-                      <a:pPr marL="171450" lvl="0" indent="-171450" algn="l">
-                        <a:lnSpc>
-                          <a:spcPct val="100000"/>
-                        </a:lnSpc>
-                        <a:spcBef>
-                          <a:spcPts val="0"/>
-                        </a:spcBef>
-                        <a:spcAft>
-                          <a:spcPts val="0"/>
-                        </a:spcAft>
-                        <a:buFont typeface="Arial" panose="020B0604020202020204" pitchFamily="34" charset="0"/>
-                        <a:buChar char="•"/>
-                      </a:pPr>
-                      <a:r>
-                        <a:rPr lang="en-US" sz="1200" kern="1200">
-                          <a:solidFill>
-                            <a:schemeClr val="dk1"/>
-                          </a:solidFill>
-                          <a:effectLst/>
-                          <a:latin typeface="+mn-lt"/>
-                          <a:ea typeface="+mn-ea"/>
-                          <a:cs typeface="+mn-cs"/>
-                        </a:rPr>
-                        <a:t>ATO call scheduled for 11/3 with Google, VA and Booz Allen</a:t>
+                        <a:t>Exploring DialogFlow as a Voicebot Platform</a:t>
                       </a:r>
                       <a:endParaRPr lang="en-US"/>
                     </a:p>
@@ -20686,28 +15028,84 @@
                     <a:bodyPr/>
                     <a:lstStyle/>
                     <a:p>
-                      <a:pPr marL="0" lvl="0" algn="l" rtl="0" eaLnBrk="1" latinLnBrk="0" hangingPunct="1">
+                      <a:pPr marL="171450" lvl="0" indent="-171450">
+                        <a:buFont typeface="Arial"/>
+                        <a:buChar char="•"/>
+                      </a:pPr>
+                      <a:r>
+                        <a:rPr lang="en-US" sz="1200" b="0"/>
+                        <a:t>Booz Allen created Google Cloud sandboxes on Booz Allen side to begin DialogFlow learning</a:t>
+                      </a:r>
+                      <a:endParaRPr lang="en-US"/>
+                    </a:p>
+                    <a:p>
+                      <a:pPr marL="171450" lvl="0" indent="-171450">
+                        <a:buFont typeface="Arial"/>
+                        <a:buChar char="•"/>
+                      </a:pPr>
+                      <a:r>
+                        <a:rPr lang="en-US" sz="1200" b="0"/>
+                        <a:t>Booz Allen demoed Claims and PACT Act flows in DialogFlow on 11/4</a:t>
+                      </a:r>
+                      <a:endParaRPr lang="en-US"/>
+                    </a:p>
+                  </a:txBody>
+                  <a:tcPr/>
+                </a:tc>
+                <a:tc>
+                  <a:txBody>
+                    <a:bodyPr/>
+                    <a:lstStyle/>
+                    <a:p>
+                      <a:pPr marL="171450" marR="0" lvl="0" indent="-171450" algn="l" rtl="0">
+                        <a:lnSpc>
+                          <a:spcPct val="100000"/>
+                        </a:lnSpc>
+                        <a:spcBef>
+                          <a:spcPts val="0"/>
+                        </a:spcBef>
+                        <a:spcAft>
+                          <a:spcPts val="0"/>
+                        </a:spcAft>
+                        <a:buClrTx/>
+                        <a:buSzTx/>
+                        <a:buFont typeface="Arial" panose="020B0604020202020204" pitchFamily="34" charset="0"/>
+                        <a:buChar char="•"/>
+                      </a:pPr>
+                      <a:r>
+                        <a:rPr lang="en-US" sz="1200" b="0" i="0" u="none" strike="noStrike" noProof="0">
+                          <a:solidFill>
+                            <a:schemeClr val="tx1"/>
+                          </a:solidFill>
+                          <a:latin typeface="+mn-lt"/>
+                        </a:rPr>
+                        <a:t>N/A</a:t>
+                      </a:r>
+                      <a:endParaRPr lang="en-US"/>
+                    </a:p>
+                  </a:txBody>
+                  <a:tcPr/>
+                </a:tc>
+                <a:tc>
+                  <a:txBody>
+                    <a:bodyPr/>
+                    <a:lstStyle/>
+                    <a:p>
+                      <a:pPr lvl="0">
                         <a:buNone/>
                       </a:pPr>
                       <a:r>
-                        <a:rPr lang="en-US" sz="1200" kern="1200">
-                          <a:solidFill>
-                            <a:schemeClr val="dk1"/>
-                          </a:solidFill>
-                          <a:effectLst/>
-                          <a:latin typeface="+mn-lt"/>
-                          <a:ea typeface="+mn-ea"/>
-                          <a:cs typeface="+mn-cs"/>
-                        </a:rPr>
-                        <a:t>Booz Allen</a:t>
+                        <a:rPr lang="en-US" sz="1200" b="0"/>
+                        <a:t>Josh / Nicole</a:t>
                       </a:r>
+                      <a:endParaRPr lang="en-US"/>
                     </a:p>
                   </a:txBody>
                   <a:tcPr/>
                 </a:tc>
                 <a:extLst>
                   <a:ext uri="{0D108BD9-81ED-4DB2-BD59-A6C34878D82A}">
-                    <a16:rowId xmlns:a16="http://schemas.microsoft.com/office/drawing/2014/main" val="2746511931"/>
+                    <a16:rowId xmlns:a16="http://schemas.microsoft.com/office/drawing/2014/main" val="1160181980"/>
                   </a:ext>
                 </a:extLst>
               </a:tr>
@@ -20818,7 +15216,7 @@
           <p:nvPr>
             <p:extLst>
               <p:ext uri="{D42A27DB-BD31-4B8C-83A1-F6EECF244321}">
-                <p14:modId xmlns:p14="http://schemas.microsoft.com/office/powerpoint/2010/main" val="3974376423"/>
+                <p14:modId xmlns:p14="http://schemas.microsoft.com/office/powerpoint/2010/main" val="440034158"/>
               </p:ext>
             </p:extLst>
           </p:nvPr>
@@ -21047,7 +15445,7 @@
                           <a:effectLst/>
                           <a:latin typeface="Calibri"/>
                         </a:rPr>
-                        <a:t>Booz Allen reviewing relevant fields to use for existing and future workflows</a:t>
+                        <a:t>Booz Allen will review relevant fields to use as flows are diagrams </a:t>
                       </a:r>
                     </a:p>
                   </a:txBody>
@@ -21490,14 +15888,14 @@
           <p:nvPr>
             <p:extLst>
               <p:ext uri="{D42A27DB-BD31-4B8C-83A1-F6EECF244321}">
-                <p14:modId xmlns:p14="http://schemas.microsoft.com/office/powerpoint/2010/main" val="1627048846"/>
+                <p14:modId xmlns:p14="http://schemas.microsoft.com/office/powerpoint/2010/main" val="3832459782"/>
               </p:ext>
             </p:extLst>
           </p:nvPr>
         </p:nvGraphicFramePr>
         <p:xfrm>
           <a:off x="324005" y="1241211"/>
-          <a:ext cx="8497138" cy="5196471"/>
+          <a:ext cx="8497138" cy="2966474"/>
         </p:xfrm>
         <a:graphic>
           <a:graphicData uri="http://schemas.openxmlformats.org/drawingml/2006/table">
@@ -21731,19 +16129,7 @@
                         <a:rPr lang="en-US" sz="1200" b="0" i="0" u="none" strike="noStrike" noProof="0">
                           <a:latin typeface="+mn-lt"/>
                         </a:rPr>
-                        <a:t>Booz Allen ensuring all completed work during </a:t>
-                      </a:r>
-                      <a:r>
-                        <a:rPr lang="en-US" sz="1200" b="0" i="0" u="none" strike="noStrike" noProof="0" err="1">
-                          <a:latin typeface="+mn-lt"/>
-                        </a:rPr>
-                        <a:t>PoP</a:t>
-                      </a:r>
-                      <a:r>
-                        <a:rPr lang="en-US" sz="1200" b="0" i="0" u="none" strike="noStrike" noProof="0">
-                          <a:latin typeface="+mn-lt"/>
-                        </a:rPr>
-                        <a:t> has been documented, uploaded to </a:t>
+                        <a:t>Booz Allen uploading research and work to </a:t>
                       </a:r>
                       <a:r>
                         <a:rPr lang="en-US" sz="1200" b="0" i="0" u="none" strike="noStrike" noProof="0" err="1">
@@ -21753,7 +16139,7 @@
                       </a:r>
                     </a:p>
                     <a:p>
-                      <a:pPr marL="171450" marR="0" lvl="0" indent="-171450" algn="l">
+                      <a:pPr marL="628650" marR="0" lvl="1" indent="-171450" algn="l">
                         <a:lnSpc>
                           <a:spcPct val="100000"/>
                         </a:lnSpc>
@@ -21861,237 +16247,6 @@
                         <a:rPr lang="en-US" sz="1200">
                           <a:effectLst/>
                         </a:rPr>
-                        <a:t>Demoing </a:t>
-                      </a:r>
-                      <a:r>
-                        <a:rPr lang="en-US" sz="1200" err="1">
-                          <a:effectLst/>
-                        </a:rPr>
-                        <a:t>Voicebot</a:t>
-                      </a:r>
-                    </a:p>
-                  </a:txBody>
-                  <a:tcPr/>
-                </a:tc>
-                <a:tc>
-                  <a:txBody>
-                    <a:bodyPr/>
-                    <a:lstStyle/>
-                    <a:p>
-                      <a:pPr lvl="0">
-                        <a:buNone/>
-                      </a:pPr>
-                      <a:r>
-                        <a:rPr lang="en-US" sz="1200" b="0" i="0" u="none" strike="noStrike" kern="1200" cap="none" spc="0" normalizeH="0" baseline="0" noProof="0">
-                          <a:ln>
-                            <a:noFill/>
-                          </a:ln>
-                          <a:solidFill>
-                            <a:srgbClr val="000000"/>
-                          </a:solidFill>
-                          <a:effectLst/>
-                          <a:uLnTx/>
-                          <a:uFillTx/>
-                          <a:latin typeface="+mn-lt"/>
-                          <a:ea typeface="+mn-ea"/>
-                          <a:cs typeface="+mn-cs"/>
-                        </a:rPr>
-                        <a:t>Establishing cadence to demo </a:t>
-                      </a:r>
-                      <a:r>
-                        <a:rPr lang="en-US" sz="1200" b="0" i="0" u="none" strike="noStrike" kern="1200" cap="none" spc="0" normalizeH="0" baseline="0" noProof="0" err="1">
-                          <a:ln>
-                            <a:noFill/>
-                          </a:ln>
-                          <a:solidFill>
-                            <a:srgbClr val="000000"/>
-                          </a:solidFill>
-                          <a:effectLst/>
-                          <a:uLnTx/>
-                          <a:uFillTx/>
-                          <a:latin typeface="+mn-lt"/>
-                          <a:ea typeface="+mn-ea"/>
-                          <a:cs typeface="+mn-cs"/>
-                        </a:rPr>
-                        <a:t>Voicebot</a:t>
-                      </a:r>
-                      <a:r>
-                        <a:rPr lang="en-US" sz="1200" b="0" i="0" u="none" strike="noStrike" kern="1200" cap="none" spc="0" normalizeH="0" baseline="0" noProof="0">
-                          <a:ln>
-                            <a:noFill/>
-                          </a:ln>
-                          <a:solidFill>
-                            <a:srgbClr val="000000"/>
-                          </a:solidFill>
-                          <a:effectLst/>
-                          <a:uLnTx/>
-                          <a:uFillTx/>
-                          <a:latin typeface="+mn-lt"/>
-                          <a:ea typeface="+mn-ea"/>
-                          <a:cs typeface="+mn-cs"/>
-                        </a:rPr>
-                        <a:t> to stakeholders</a:t>
-                      </a:r>
-                    </a:p>
-                  </a:txBody>
-                  <a:tcPr/>
-                </a:tc>
-                <a:tc>
-                  <a:txBody>
-                    <a:bodyPr/>
-                    <a:lstStyle/>
-                    <a:p>
-                      <a:pPr marL="171450" marR="0" lvl="0" indent="-171450" algn="l" rtl="0" eaLnBrk="1" fontAlgn="auto" latinLnBrk="0" hangingPunct="1">
-                        <a:lnSpc>
-                          <a:spcPct val="100000"/>
-                        </a:lnSpc>
-                        <a:spcBef>
-                          <a:spcPts val="0"/>
-                        </a:spcBef>
-                        <a:spcAft>
-                          <a:spcPts val="0"/>
-                        </a:spcAft>
-                        <a:buClrTx/>
-                        <a:buSzTx/>
-                        <a:buFont typeface="Arial"/>
-                        <a:buChar char="•"/>
-                      </a:pPr>
-                      <a:r>
-                        <a:rPr lang="en-US" sz="1200" b="0" i="0" u="none" strike="noStrike" noProof="0">
-                          <a:latin typeface="+mn-lt"/>
-                        </a:rPr>
-                        <a:t>Nicole and Josh demoed </a:t>
-                      </a:r>
-                      <a:r>
-                        <a:rPr lang="en-US" sz="1200" b="0" i="0" u="none" strike="noStrike" noProof="0" err="1">
-                          <a:latin typeface="+mn-lt"/>
-                        </a:rPr>
-                        <a:t>Voicebot</a:t>
-                      </a:r>
-                      <a:r>
-                        <a:rPr lang="en-US" sz="1200" b="0" i="0" u="none" strike="noStrike" noProof="0">
-                          <a:latin typeface="+mn-lt"/>
-                        </a:rPr>
-                        <a:t> in </a:t>
-                      </a:r>
-                      <a:r>
-                        <a:rPr lang="en-US" sz="1200" b="0" i="0" u="none" strike="noStrike" noProof="0" err="1">
-                          <a:latin typeface="+mn-lt"/>
-                        </a:rPr>
-                        <a:t>DialogFlow</a:t>
-                      </a:r>
-                      <a:r>
-                        <a:rPr lang="en-US" sz="1200" b="0" i="0" u="none" strike="noStrike" noProof="0">
-                          <a:latin typeface="+mn-lt"/>
-                        </a:rPr>
-                        <a:t> on 11/4</a:t>
-                      </a:r>
-                    </a:p>
-                    <a:p>
-                      <a:pPr marL="171450" marR="0" lvl="0" indent="-171450" algn="l">
-                        <a:lnSpc>
-                          <a:spcPct val="100000"/>
-                        </a:lnSpc>
-                        <a:spcBef>
-                          <a:spcPts val="0"/>
-                        </a:spcBef>
-                        <a:spcAft>
-                          <a:spcPts val="0"/>
-                        </a:spcAft>
-                        <a:buClrTx/>
-                        <a:buSzTx/>
-                        <a:buFont typeface="Arial"/>
-                        <a:buChar char="•"/>
-                      </a:pPr>
-                      <a:endParaRPr lang="en-US" sz="1200" b="0" i="0" u="none" strike="noStrike" noProof="0">
-                        <a:latin typeface="+mn-lt"/>
-                      </a:endParaRPr>
-                    </a:p>
-                  </a:txBody>
-                  <a:tcPr/>
-                </a:tc>
-                <a:tc>
-                  <a:txBody>
-                    <a:bodyPr/>
-                    <a:lstStyle/>
-                    <a:p>
-                      <a:pPr marL="171450" marR="0" lvl="0" indent="-171450" algn="l" rtl="0" eaLnBrk="1" fontAlgn="auto" latinLnBrk="0" hangingPunct="1">
-                        <a:lnSpc>
-                          <a:spcPct val="100000"/>
-                        </a:lnSpc>
-                        <a:spcBef>
-                          <a:spcPts val="0"/>
-                        </a:spcBef>
-                        <a:spcAft>
-                          <a:spcPts val="0"/>
-                        </a:spcAft>
-                        <a:buClrTx/>
-                        <a:buSzTx/>
-                        <a:buFont typeface="Arial"/>
-                        <a:buChar char="•"/>
-                      </a:pPr>
-                      <a:r>
-                        <a:rPr lang="en-US" sz="1200" b="0" i="0" u="none" strike="noStrike" noProof="0">
-                          <a:solidFill>
-                            <a:schemeClr val="tx1"/>
-                          </a:solidFill>
-                          <a:latin typeface="+mn-lt"/>
-                        </a:rPr>
-                        <a:t>Determining cadence for demos to stakeholders</a:t>
-                      </a:r>
-                    </a:p>
-                  </a:txBody>
-                  <a:tcPr/>
-                </a:tc>
-                <a:tc>
-                  <a:txBody>
-                    <a:bodyPr/>
-                    <a:lstStyle/>
-                    <a:p>
-                      <a:pPr marL="0" marR="0" lvl="0" indent="0" algn="l" rtl="0" eaLnBrk="1" fontAlgn="auto" latinLnBrk="0" hangingPunct="1">
-                        <a:lnSpc>
-                          <a:spcPct val="100000"/>
-                        </a:lnSpc>
-                        <a:spcBef>
-                          <a:spcPts val="0"/>
-                        </a:spcBef>
-                        <a:spcAft>
-                          <a:spcPts val="0"/>
-                        </a:spcAft>
-                        <a:buClrTx/>
-                        <a:buSzTx/>
-                        <a:buFontTx/>
-                        <a:buNone/>
-                      </a:pPr>
-                      <a:r>
-                        <a:rPr lang="en-US" sz="1200">
-                          <a:effectLst/>
-                        </a:rPr>
-                        <a:t>Booz Allen / VA</a:t>
-                      </a:r>
-                    </a:p>
-                  </a:txBody>
-                  <a:tcPr/>
-                </a:tc>
-                <a:extLst>
-                  <a:ext uri="{0D108BD9-81ED-4DB2-BD59-A6C34878D82A}">
-                    <a16:rowId xmlns:a16="http://schemas.microsoft.com/office/drawing/2014/main" val="645078303"/>
-                  </a:ext>
-                </a:extLst>
-              </a:tr>
-              <a:tr h="858397">
-                <a:tc>
-                  <a:txBody>
-                    <a:bodyPr/>
-                    <a:lstStyle/>
-                    <a:p>
-                      <a:pPr lvl="0">
-                        <a:buNone/>
-                      </a:pPr>
-                      <a:r>
-                        <a:rPr lang="en-US" sz="1200">
-                          <a:effectLst/>
-                        </a:rPr>
                         <a:t>Jira</a:t>
                       </a:r>
                     </a:p>
@@ -22176,7 +16331,7 @@
                         <a:rPr lang="en-US" sz="1200" b="0" i="0" u="none" strike="noStrike" noProof="0">
                           <a:latin typeface="+mn-lt"/>
                         </a:rPr>
-                        <a:t>Backlog Grooming occurred on 11/9</a:t>
+                        <a:t>Backlog Grooming occurring daily </a:t>
                       </a:r>
                     </a:p>
                   </a:txBody>
@@ -22207,7 +16362,7 @@
                           </a:solidFill>
                           <a:latin typeface="+mn-lt"/>
                         </a:rPr>
-                        <a:t>Get access for Luciana, Kate, and Nina</a:t>
+                        <a:t>Booz Allen will complete grooming</a:t>
                       </a:r>
                     </a:p>
                     <a:p>
@@ -22224,12 +16379,15 @@
                         <a:buFont typeface="Arial"/>
                         <a:buChar char="•"/>
                       </a:pPr>
-                      <a:endParaRPr lang="en-US" sz="1200" b="0" i="0" u="none" strike="noStrike" noProof="0">
-                        <a:solidFill>
-                          <a:schemeClr val="tx1"/>
-                        </a:solidFill>
-                        <a:latin typeface="+mn-lt"/>
-                      </a:endParaRPr>
+                      <a:r>
+                        <a:rPr lang="en-US" sz="1200" b="0" i="0" u="none" strike="noStrike" noProof="0">
+                          <a:solidFill>
+                            <a:schemeClr val="tx1"/>
+                          </a:solidFill>
+                          <a:latin typeface="+mn-lt"/>
+                        </a:rPr>
+                        <a:t>Booz Allen to assign out and prioritize tickets</a:t>
+                      </a:r>
                     </a:p>
                   </a:txBody>
                   <a:tcPr/>
@@ -22264,141 +16422,6 @@
                 <a:extLst>
                   <a:ext uri="{0D108BD9-81ED-4DB2-BD59-A6C34878D82A}">
                     <a16:rowId xmlns:a16="http://schemas.microsoft.com/office/drawing/2014/main" val="3867655437"/>
-                  </a:ext>
-                </a:extLst>
-              </a:tr>
-              <a:tr h="858397">
-                <a:tc>
-                  <a:txBody>
-                    <a:bodyPr/>
-                    <a:lstStyle/>
-                    <a:p>
-                      <a:pPr lvl="0">
-                        <a:buNone/>
-                      </a:pPr>
-                      <a:r>
-                        <a:rPr lang="en-US" sz="1200">
-                          <a:effectLst/>
-                        </a:rPr>
-                        <a:t>1:1's with Luciana </a:t>
-                      </a:r>
-                    </a:p>
-                  </a:txBody>
-                  <a:tcPr/>
-                </a:tc>
-                <a:tc>
-                  <a:txBody>
-                    <a:bodyPr/>
-                    <a:lstStyle/>
-                    <a:p>
-                      <a:pPr lvl="0">
-                        <a:buNone/>
-                      </a:pPr>
-                      <a:r>
-                        <a:rPr lang="en-US" sz="1200" b="0" i="0" u="none" strike="noStrike" kern="1200" cap="none" spc="0" normalizeH="0" baseline="0" noProof="0">
-                          <a:ln>
-                            <a:noFill/>
-                          </a:ln>
-                          <a:effectLst/>
-                          <a:uLnTx/>
-                          <a:uFillTx/>
-                        </a:rPr>
-                        <a:t>1:1's with Luciana </a:t>
-                      </a:r>
-                      <a:endParaRPr lang="en-US"/>
-                    </a:p>
-                  </a:txBody>
-                  <a:tcPr/>
-                </a:tc>
-                <a:tc>
-                  <a:txBody>
-                    <a:bodyPr/>
-                    <a:lstStyle/>
-                    <a:p>
-                      <a:pPr marL="171450" lvl="0" indent="-171450" algn="l">
-                        <a:lnSpc>
-                          <a:spcPct val="100000"/>
-                        </a:lnSpc>
-                        <a:spcBef>
-                          <a:spcPts val="0"/>
-                        </a:spcBef>
-                        <a:spcAft>
-                          <a:spcPts val="0"/>
-                        </a:spcAft>
-                        <a:buFont typeface="Arial"/>
-                        <a:buChar char="•"/>
-                      </a:pPr>
-                      <a:r>
-                        <a:rPr lang="en-US" sz="1200" b="0" i="0" u="none" strike="noStrike" noProof="0">
-                          <a:latin typeface="+mn-lt"/>
-                        </a:rPr>
-                        <a:t>Luciana offered voluntary 1:1 meetings with Booz Allen</a:t>
-                      </a:r>
-                    </a:p>
-                  </a:txBody>
-                  <a:tcPr/>
-                </a:tc>
-                <a:tc>
-                  <a:txBody>
-                    <a:bodyPr/>
-                    <a:lstStyle/>
-                    <a:p>
-                      <a:pPr marL="171450" lvl="0" indent="-171450" algn="l">
-                        <a:lnSpc>
-                          <a:spcPct val="100000"/>
-                        </a:lnSpc>
-                        <a:spcBef>
-                          <a:spcPts val="0"/>
-                        </a:spcBef>
-                        <a:spcAft>
-                          <a:spcPts val="0"/>
-                        </a:spcAft>
-                        <a:buFont typeface="Arial"/>
-                        <a:buChar char="•"/>
-                      </a:pPr>
-                      <a:r>
-                        <a:rPr lang="en-US" sz="1200" b="0" i="0" u="none" strike="noStrike" noProof="0">
-                          <a:solidFill>
-                            <a:schemeClr val="tx1"/>
-                          </a:solidFill>
-                          <a:latin typeface="+mn-lt"/>
-                        </a:rPr>
-                        <a:t>Booz Allen to reach out to Luciana for 1:1's</a:t>
-                      </a:r>
-                    </a:p>
-                  </a:txBody>
-                  <a:tcPr/>
-                </a:tc>
-                <a:tc>
-                  <a:txBody>
-                    <a:bodyPr/>
-                    <a:lstStyle/>
-                    <a:p>
-                      <a:pPr marL="0" lvl="0" indent="0" algn="l">
-                        <a:lnSpc>
-                          <a:spcPct val="100000"/>
-                        </a:lnSpc>
-                        <a:spcBef>
-                          <a:spcPts val="0"/>
-                        </a:spcBef>
-                        <a:spcAft>
-                          <a:spcPts val="0"/>
-                        </a:spcAft>
-                        <a:buNone/>
-                      </a:pPr>
-                      <a:r>
-                        <a:rPr lang="en-US" sz="1200">
-                          <a:effectLst/>
-                        </a:rPr>
-                        <a:t>Booz Allen</a:t>
-                      </a:r>
-                    </a:p>
-                  </a:txBody>
-                  <a:tcPr/>
-                </a:tc>
-                <a:extLst>
-                  <a:ext uri="{0D108BD9-81ED-4DB2-BD59-A6C34878D82A}">
-                    <a16:rowId xmlns:a16="http://schemas.microsoft.com/office/drawing/2014/main" val="4174878022"/>
                   </a:ext>
                 </a:extLst>
               </a:tr>
@@ -22481,9 +16504,8 @@
                         <a:rPr lang="en-US" sz="1200">
                           <a:effectLst/>
                         </a:rPr>
-                        <a:t>Francisco provided POC for USPS</a:t>
+                        <a:t>Team is calling NLU IVR's to explore IVR features / good experiences</a:t>
                       </a:r>
-                      <a:endParaRPr lang="en-US"/>
                     </a:p>
                     <a:p>
                       <a:pPr marL="171450" lvl="0" indent="-171450">
@@ -22494,32 +16516,7 @@
                         <a:rPr lang="en-US" sz="1200">
                           <a:effectLst/>
                         </a:rPr>
-                        <a:t>Mike provided list of state agencies using </a:t>
-                      </a:r>
-                      <a:r>
-                        <a:rPr lang="en-US" sz="1200" err="1">
-                          <a:effectLst/>
-                        </a:rPr>
-                        <a:t>DialogFlow</a:t>
-                      </a:r>
-                      <a:r>
-                        <a:rPr lang="en-US" sz="1200">
-                          <a:effectLst/>
-                        </a:rPr>
-                        <a:t> </a:t>
-                      </a:r>
-                      <a:endParaRPr lang="en-US"/>
-                    </a:p>
-                    <a:p>
-                      <a:pPr marL="171450" lvl="0" indent="-171450">
-                        <a:buFont typeface="Arial"/>
-                        <a:buChar char="•"/>
-                      </a:pPr>
-                      <a:r>
-                        <a:rPr lang="en-US" sz="1200">
-                          <a:effectLst/>
-                        </a:rPr>
-                        <a:t>Documenting companies which use an NLU IVR</a:t>
+                        <a:t>MURAL created with stickies </a:t>
                       </a:r>
                       <a:endParaRPr lang="en-US"/>
                     </a:p>
@@ -22551,18 +16548,8 @@
                           </a:solidFill>
                           <a:latin typeface="Calibri"/>
                         </a:rPr>
-                        <a:t>Mike Snodgrass to provide POC's for state agencies using </a:t>
+                        <a:t>Team to continue exploring and updating MURAL</a:t>
                       </a:r>
-                      <a:r>
-                        <a:rPr lang="en-US" sz="1200" b="0" i="0" u="none" strike="noStrike" noProof="0" err="1">
-                          <a:solidFill>
-                            <a:schemeClr val="tx1"/>
-                          </a:solidFill>
-                          <a:latin typeface="Calibri"/>
-                        </a:rPr>
-                        <a:t>DialogFlow</a:t>
-                      </a:r>
-                      <a:endParaRPr lang="en-US"/>
                     </a:p>
                     <a:p>
                       <a:pPr marL="171450" lvl="0" indent="-171450" algn="l">
@@ -22578,24 +16565,6 @@
                         <a:buFont typeface="Arial"/>
                         <a:buChar char="•"/>
                       </a:pPr>
-                      <a:r>
-                        <a:rPr lang="en-US" sz="1200" b="0" i="0" u="none" strike="noStrike" noProof="0">
-                          <a:solidFill>
-                            <a:schemeClr val="tx1"/>
-                          </a:solidFill>
-                          <a:latin typeface="Calibri"/>
-                        </a:rPr>
-                        <a:t>VA to reach out to POC's for other known projects using </a:t>
-                      </a:r>
-                      <a:r>
-                        <a:rPr lang="en-US" sz="1200" b="0" i="0" u="none" strike="noStrike" noProof="0" err="1">
-                          <a:solidFill>
-                            <a:schemeClr val="tx1"/>
-                          </a:solidFill>
-                          <a:latin typeface="Calibri"/>
-                        </a:rPr>
-                        <a:t>DialogFlow</a:t>
-                      </a:r>
                       <a:endParaRPr lang="en-US" sz="1200" b="0" i="0" u="none" strike="noStrike" noProof="0">
                         <a:solidFill>
                           <a:schemeClr val="tx1"/>
@@ -22618,9 +16587,8 @@
                         <a:rPr lang="en-US" sz="1200">
                           <a:effectLst/>
                         </a:rPr>
-                        <a:t>Gian / VA</a:t>
+                        <a:t>Booz Allen</a:t>
                       </a:r>
-                      <a:endParaRPr lang="en-US"/>
                     </a:p>
                   </a:txBody>
                   <a:tcPr/>
@@ -24167,17 +18135,6 @@
 </file>
 
 <file path=customXml/item2.xml><?xml version="1.0" encoding="utf-8"?>
-<p:properties xmlns:p="http://schemas.microsoft.com/office/2006/metadata/properties" xmlns:xsi="http://www.w3.org/2001/XMLSchema-instance" xmlns:pc="http://schemas.microsoft.com/office/infopath/2007/PartnerControls">
-  <documentManagement>
-    <TaxCatchAll xmlns="512e3596-e625-420a-9ef5-9aa71b26af25" xsi:nil="true"/>
-    <lcf76f155ced4ddcb4097134ff3c332f xmlns="46ebe35f-6aa4-492c-9505-ccb79c855935">
-      <Terms xmlns="http://schemas.microsoft.com/office/infopath/2007/PartnerControls"/>
-    </lcf76f155ced4ddcb4097134ff3c332f>
-  </documentManagement>
-</p:properties>
-</file>
-
-<file path=customXml/item3.xml><?xml version="1.0" encoding="utf-8"?>
 <ct:contentTypeSchema xmlns:ct="http://schemas.microsoft.com/office/2006/metadata/contentType" xmlns:ma="http://schemas.microsoft.com/office/2006/metadata/properties/metaAttributes" ct:_="" ma:_="" ma:contentTypeName="Document" ma:contentTypeID="0x010100624ECD376D55F24CBF3F7A70EE9535B0" ma:contentTypeVersion="14" ma:contentTypeDescription="Create a new document." ma:contentTypeScope="" ma:versionID="cc638ce17b24f201d1c685be3b08f237">
   <xsd:schema xmlns:xsd="http://www.w3.org/2001/XMLSchema" xmlns:xs="http://www.w3.org/2001/XMLSchema" xmlns:p="http://schemas.microsoft.com/office/2006/metadata/properties" xmlns:ns2="46ebe35f-6aa4-492c-9505-ccb79c855935" xmlns:ns3="512e3596-e625-420a-9ef5-9aa71b26af25" targetNamespace="http://schemas.microsoft.com/office/2006/metadata/properties" ma:root="true" ma:fieldsID="559a18dd1435b7a836d53111e20aa120" ns2:_="" ns3:_="">
     <xsd:import namespace="46ebe35f-6aa4-492c-9505-ccb79c855935"/>
@@ -24408,6 +18365,17 @@
 </ct:contentTypeSchema>
 </file>
 
+<file path=customXml/item3.xml><?xml version="1.0" encoding="utf-8"?>
+<p:properties xmlns:p="http://schemas.microsoft.com/office/2006/metadata/properties" xmlns:xsi="http://www.w3.org/2001/XMLSchema-instance" xmlns:pc="http://schemas.microsoft.com/office/infopath/2007/PartnerControls">
+  <documentManagement>
+    <TaxCatchAll xmlns="512e3596-e625-420a-9ef5-9aa71b26af25" xsi:nil="true"/>
+    <lcf76f155ced4ddcb4097134ff3c332f xmlns="46ebe35f-6aa4-492c-9505-ccb79c855935">
+      <Terms xmlns="http://schemas.microsoft.com/office/infopath/2007/PartnerControls"/>
+    </lcf76f155ced4ddcb4097134ff3c332f>
+  </documentManagement>
+</p:properties>
+</file>
+
 <file path=customXml/itemProps1.xml><?xml version="1.0" encoding="utf-8"?>
 <ds:datastoreItem xmlns:ds="http://schemas.openxmlformats.org/officeDocument/2006/customXml" ds:itemID="{F9AED5A4-7806-4457-BF55-36C450F80927}">
   <ds:schemaRefs>
@@ -24417,6 +18385,25 @@
 </file>
 
 <file path=customXml/itemProps2.xml><?xml version="1.0" encoding="utf-8"?>
+<ds:datastoreItem xmlns:ds="http://schemas.openxmlformats.org/officeDocument/2006/customXml" ds:itemID="{18F0877D-4BE7-4C63-ACB4-63EC5501FA56}">
+  <ds:schemaRefs>
+    <ds:schemaRef ds:uri="46ebe35f-6aa4-492c-9505-ccb79c855935"/>
+    <ds:schemaRef ds:uri="512e3596-e625-420a-9ef5-9aa71b26af25"/>
+    <ds:schemaRef ds:uri="http://purl.org/dc/elements/1.1/"/>
+    <ds:schemaRef ds:uri="http://purl.org/dc/terms/"/>
+    <ds:schemaRef ds:uri="http://schemas.microsoft.com/internal/obd"/>
+    <ds:schemaRef ds:uri="http://schemas.microsoft.com/office/2006/documentManagement/types"/>
+    <ds:schemaRef ds:uri="http://schemas.microsoft.com/office/2006/metadata/contentType"/>
+    <ds:schemaRef ds:uri="http://schemas.microsoft.com/office/2006/metadata/properties"/>
+    <ds:schemaRef ds:uri="http://schemas.microsoft.com/office/2006/metadata/properties/metaAttributes"/>
+    <ds:schemaRef ds:uri="http://schemas.microsoft.com/office/infopath/2007/PartnerControls"/>
+    <ds:schemaRef ds:uri="http://schemas.openxmlformats.org/package/2006/metadata/core-properties"/>
+    <ds:schemaRef ds:uri="http://www.w3.org/2001/XMLSchema"/>
+  </ds:schemaRefs>
+</ds:datastoreItem>
+</file>
+
+<file path=customXml/itemProps3.xml><?xml version="1.0" encoding="utf-8"?>
 <ds:datastoreItem xmlns:ds="http://schemas.openxmlformats.org/officeDocument/2006/customXml" ds:itemID="{47FF3C9C-EB3C-4EE7-B2C7-F1122420533F}">
   <ds:schemaRefs>
     <ds:schemaRef ds:uri="46ebe35f-6aa4-492c-9505-ccb79c855935"/>
@@ -24431,23 +18418,4 @@
     <ds:schemaRef ds:uri="http://www.w3.org/XML/1998/namespace"/>
   </ds:schemaRefs>
 </ds:datastoreItem>
-</file>
-
-<file path=customXml/itemProps3.xml><?xml version="1.0" encoding="utf-8"?>
-<ds:datastoreItem xmlns:ds="http://schemas.openxmlformats.org/officeDocument/2006/customXml" ds:itemID="{18F0877D-4BE7-4C63-ACB4-63EC5501FA56}">
-  <ds:schemaRefs>
-    <ds:schemaRef ds:uri="http://schemas.microsoft.com/office/2006/metadata/contentType"/>
-    <ds:schemaRef ds:uri="http://schemas.microsoft.com/office/2006/metadata/properties/metaAttributes"/>
-    <ds:schemaRef ds:uri="http://www.w3.org/2001/XMLSchema"/>
-    <ds:schemaRef ds:uri="http://schemas.microsoft.com/office/2006/metadata/properties"/>
-    <ds:schemaRef ds:uri="46ebe35f-6aa4-492c-9505-ccb79c855935"/>
-    <ds:schemaRef ds:uri="512e3596-e625-420a-9ef5-9aa71b26af25"/>
-    <ds:schemaRef ds:uri="http://schemas.microsoft.com/office/2006/documentManagement/types"/>
-    <ds:schemaRef ds:uri="http://schemas.microsoft.com/office/infopath/2007/PartnerControls"/>
-    <ds:schemaRef ds:uri="http://schemas.openxmlformats.org/package/2006/metadata/core-properties"/>
-    <ds:schemaRef ds:uri="http://purl.org/dc/elements/1.1/"/>
-    <ds:schemaRef ds:uri="http://purl.org/dc/terms/"/>
-    <ds:schemaRef ds:uri="http://schemas.microsoft.com/internal/obd"/>
-  </ds:schemaRefs>
-</ds:datastoreItem>
 </file>